--- a/评审PPT/项目计划/ZUCCLazyBone项目计划.pptx
+++ b/评审PPT/项目计划/ZUCCLazyBone项目计划.pptx
@@ -5,10 +5,10 @@
     <p:sldMasterId id="2147483940" r:id="rId1"/>
   </p:sldMasterIdLst>
   <p:notesMasterIdLst>
-    <p:notesMasterId r:id="rId33"/>
+    <p:notesMasterId r:id="rId34"/>
   </p:notesMasterIdLst>
   <p:handoutMasterIdLst>
-    <p:handoutMasterId r:id="rId34"/>
+    <p:handoutMasterId r:id="rId35"/>
   </p:handoutMasterIdLst>
   <p:sldIdLst>
     <p:sldId id="3340" r:id="rId2"/>
@@ -31,22 +31,23 @@
     <p:sldId id="3375" r:id="rId19"/>
     <p:sldId id="3376" r:id="rId20"/>
     <p:sldId id="3377" r:id="rId21"/>
-    <p:sldId id="3378" r:id="rId22"/>
-    <p:sldId id="3388" r:id="rId23"/>
-    <p:sldId id="3379" r:id="rId24"/>
-    <p:sldId id="3380" r:id="rId25"/>
-    <p:sldId id="3381" r:id="rId26"/>
-    <p:sldId id="3382" r:id="rId27"/>
-    <p:sldId id="3386" r:id="rId28"/>
-    <p:sldId id="3389" r:id="rId29"/>
-    <p:sldId id="3384" r:id="rId30"/>
-    <p:sldId id="3385" r:id="rId31"/>
-    <p:sldId id="3346" r:id="rId32"/>
+    <p:sldId id="3390" r:id="rId22"/>
+    <p:sldId id="3378" r:id="rId23"/>
+    <p:sldId id="3388" r:id="rId24"/>
+    <p:sldId id="3379" r:id="rId25"/>
+    <p:sldId id="3380" r:id="rId26"/>
+    <p:sldId id="3381" r:id="rId27"/>
+    <p:sldId id="3382" r:id="rId28"/>
+    <p:sldId id="3386" r:id="rId29"/>
+    <p:sldId id="3389" r:id="rId30"/>
+    <p:sldId id="3384" r:id="rId31"/>
+    <p:sldId id="3385" r:id="rId32"/>
+    <p:sldId id="3346" r:id="rId33"/>
   </p:sldIdLst>
   <p:sldSz cx="9145588" cy="5145088"/>
   <p:notesSz cx="6858000" cy="9144000"/>
   <p:custDataLst>
-    <p:tags r:id="rId35"/>
+    <p:tags r:id="rId36"/>
   </p:custDataLst>
   <p:defaultTextStyle>
     <a:defPPr>
@@ -328,7 +329,7 @@
             <a:fld id="{717742FC-62BB-4B81-9CA5-3B750A4B4580}" type="datetimeFigureOut">
               <a:rPr lang="zh-CN" altLang="en-US" smtClean="0"/>
               <a:pPr/>
-              <a:t>2019/3/16</a:t>
+              <a:t>2019/3/21</a:t>
             </a:fld>
             <a:endParaRPr lang="zh-CN" altLang="en-US"/>
           </a:p>
@@ -503,7 +504,7 @@
               <a:pPr>
                 <a:defRPr/>
               </a:pPr>
-              <a:t>2019/3/16</a:t>
+              <a:t>2019/3/21</a:t>
             </a:fld>
             <a:endParaRPr lang="zh-CN" altLang="en-US"/>
           </a:p>
@@ -1158,7 +1159,7 @@
             <a:fld id="{418F03C3-53C1-4F10-8DAF-D1F318E96C6E}" type="slidenum">
               <a:rPr lang="zh-CN" altLang="en-US" smtClean="0"/>
               <a:pPr/>
-              <a:t>22</a:t>
+              <a:t>23</a:t>
             </a:fld>
             <a:endParaRPr lang="zh-CN" altLang="en-US"/>
           </a:p>
@@ -1243,7 +1244,7 @@
             <a:fld id="{418F03C3-53C1-4F10-8DAF-D1F318E96C6E}" type="slidenum">
               <a:rPr lang="zh-CN" altLang="en-US" smtClean="0"/>
               <a:pPr/>
-              <a:t>24</a:t>
+              <a:t>25</a:t>
             </a:fld>
             <a:endParaRPr lang="zh-CN" altLang="en-US"/>
           </a:p>
@@ -1328,7 +1329,7 @@
             <a:fld id="{418F03C3-53C1-4F10-8DAF-D1F318E96C6E}" type="slidenum">
               <a:rPr lang="zh-CN" altLang="en-US" smtClean="0"/>
               <a:pPr/>
-              <a:t>27</a:t>
+              <a:t>28</a:t>
             </a:fld>
             <a:endParaRPr lang="zh-CN" altLang="en-US"/>
           </a:p>
@@ -1413,7 +1414,7 @@
             <a:fld id="{418F03C3-53C1-4F10-8DAF-D1F318E96C6E}" type="slidenum">
               <a:rPr lang="zh-CN" altLang="en-US" smtClean="0"/>
               <a:pPr/>
-              <a:t>29</a:t>
+              <a:t>30</a:t>
             </a:fld>
             <a:endParaRPr lang="zh-CN" altLang="en-US"/>
           </a:p>
@@ -1526,7 +1527,7 @@
             <a:fld id="{9295031C-36FB-4BFB-B547-5049AC3C4D20}" type="slidenum">
               <a:rPr lang="zh-CN" altLang="en-US"/>
               <a:pPr/>
-              <a:t>31</a:t>
+              <a:t>32</a:t>
             </a:fld>
             <a:endParaRPr lang="zh-CN" altLang="en-US"/>
           </a:p>
@@ -2514,7 +2515,7 @@
               <a:pPr>
                 <a:defRPr/>
               </a:pPr>
-              <a:t>2019/3/16</a:t>
+              <a:t>2019/3/21</a:t>
             </a:fld>
             <a:endParaRPr lang="zh-CN" altLang="en-US"/>
           </a:p>
@@ -2818,7 +2819,7 @@
               <a:pPr>
                 <a:defRPr/>
               </a:pPr>
-              <a:t>2019/3/16</a:t>
+              <a:t>2019/3/21</a:t>
             </a:fld>
             <a:endParaRPr lang="zh-CN" altLang="en-US"/>
           </a:p>
@@ -3088,7 +3089,7 @@
               <a:pPr>
                 <a:defRPr/>
               </a:pPr>
-              <a:t>2019/3/16</a:t>
+              <a:t>2019/3/21</a:t>
             </a:fld>
             <a:endParaRPr lang="zh-CN" altLang="en-US"/>
           </a:p>
@@ -3358,7 +3359,7 @@
               <a:pPr>
                 <a:defRPr/>
               </a:pPr>
-              <a:t>2019/3/16</a:t>
+              <a:t>2019/3/21</a:t>
             </a:fld>
             <a:endParaRPr lang="zh-CN" altLang="en-US"/>
           </a:p>
@@ -3628,7 +3629,7 @@
               <a:pPr>
                 <a:defRPr/>
               </a:pPr>
-              <a:t>2019/3/16</a:t>
+              <a:t>2019/3/21</a:t>
             </a:fld>
             <a:endParaRPr lang="zh-CN" altLang="en-US"/>
           </a:p>
@@ -3886,7 +3887,7 @@
             <a:fld id="{32BF82D2-7A68-459D-A996-9BDDA2518FA4}" type="datetimeFigureOut">
               <a:rPr lang="zh-CN" altLang="en-US" smtClean="0"/>
               <a:pPr/>
-              <a:t>2019/3/16</a:t>
+              <a:t>2019/3/21</a:t>
             </a:fld>
             <a:endParaRPr lang="zh-CN" altLang="en-US"/>
           </a:p>
@@ -3992,7 +3993,7 @@
               <a:pPr>
                 <a:defRPr/>
               </a:pPr>
-              <a:t>2019/3/16</a:t>
+              <a:t>2019/3/21</a:t>
             </a:fld>
             <a:endParaRPr lang="zh-CN" altLang="en-US"/>
           </a:p>
@@ -4216,7 +4217,7 @@
             <a:fld id="{43A93E93-166D-47F5-9EF1-ACEABE24AEEA}" type="datetimeFigureOut">
               <a:rPr lang="zh-CN" altLang="en-US" smtClean="0"/>
               <a:pPr/>
-              <a:t>2019/3/16</a:t>
+              <a:t>2019/3/21</a:t>
             </a:fld>
             <a:endParaRPr lang="zh-CN" altLang="en-US"/>
           </a:p>
@@ -5559,7 +5560,7 @@
         <p:spPr>
           <a:xfrm>
             <a:off x="1099444" y="1737331"/>
-            <a:ext cx="6929734" cy="1243738"/>
+            <a:ext cx="6929734" cy="1200329"/>
           </a:xfrm>
           <a:prstGeom prst="rect">
             <a:avLst/>
@@ -5600,108 +5601,150 @@
             </a:endParaRPr>
           </a:p>
           <a:p>
-            <a:pPr lvl="0">
-              <a:lnSpc>
-                <a:spcPct val="150000"/>
-              </a:lnSpc>
-            </a:pPr>
             <a:r>
-              <a:rPr lang="en-US" altLang="zh-CN" dirty="0">
-                <a:solidFill>
-                  <a:prstClr val="white">
+              <a:rPr lang="en-US" altLang="zh-CN" sz="2400" b="1" smtClean="0">
+                <a:ln w="6350">
+                  <a:noFill/>
+                </a:ln>
+                <a:solidFill>
+                  <a:schemeClr val="bg1">
                     <a:lumMod val="50000"/>
-                  </a:prstClr>
+                  </a:schemeClr>
                 </a:solidFill>
                 <a:latin typeface="微软雅黑" pitchFamily="34" charset="-122"/>
                 <a:ea typeface="微软雅黑" pitchFamily="34" charset="-122"/>
               </a:rPr>
-              <a:t>《</a:t>
+              <a:t>1.</a:t>
             </a:r>
             <a:r>
-              <a:rPr lang="zh-CN" altLang="en-US" dirty="0">
-                <a:solidFill>
-                  <a:prstClr val="white">
+              <a:rPr lang="zh-CN" altLang="en-US" sz="2400" b="1" smtClean="0">
+                <a:ln w="6350">
+                  <a:noFill/>
+                </a:ln>
+                <a:solidFill>
+                  <a:schemeClr val="bg1">
                     <a:lumMod val="50000"/>
-                  </a:prstClr>
+                  </a:schemeClr>
                 </a:solidFill>
                 <a:latin typeface="微软雅黑" pitchFamily="34" charset="-122"/>
                 <a:ea typeface="微软雅黑" pitchFamily="34" charset="-122"/>
               </a:rPr>
-              <a:t>软件工程导论</a:t>
+              <a:t>张海蕃</a:t>
             </a:r>
             <a:r>
-              <a:rPr lang="en-US" altLang="zh-CN" dirty="0">
-                <a:solidFill>
-                  <a:prstClr val="white">
+              <a:rPr lang="en-US" altLang="zh-CN" sz="2400" b="1" dirty="0">
+                <a:ln w="6350">
+                  <a:noFill/>
+                </a:ln>
+                <a:solidFill>
+                  <a:schemeClr val="bg1">
                     <a:lumMod val="50000"/>
-                  </a:prstClr>
+                  </a:schemeClr>
                 </a:solidFill>
                 <a:latin typeface="微软雅黑" pitchFamily="34" charset="-122"/>
                 <a:ea typeface="微软雅黑" pitchFamily="34" charset="-122"/>
               </a:rPr>
-              <a:t>》</a:t>
+              <a:t>,</a:t>
             </a:r>
-          </a:p>
-          <a:p>
-            <a:pPr lvl="0">
-              <a:lnSpc>
-                <a:spcPct val="150000"/>
-              </a:lnSpc>
-            </a:pPr>
             <a:r>
-              <a:rPr lang="zh-CN" altLang="en-US" dirty="0">
-                <a:solidFill>
-                  <a:prstClr val="white">
+              <a:rPr lang="zh-CN" altLang="en-US" sz="2400" b="1" dirty="0">
+                <a:ln w="6350">
+                  <a:noFill/>
+                </a:ln>
+                <a:solidFill>
+                  <a:schemeClr val="bg1">
                     <a:lumMod val="50000"/>
-                  </a:prstClr>
+                  </a:schemeClr>
                 </a:solidFill>
                 <a:latin typeface="微软雅黑" pitchFamily="34" charset="-122"/>
                 <a:ea typeface="微软雅黑" pitchFamily="34" charset="-122"/>
               </a:rPr>
-              <a:t>张海蕃 牟永敏</a:t>
+              <a:t>牟永敏</a:t>
             </a:r>
             <a:r>
-              <a:rPr lang="en-US" altLang="zh-CN" dirty="0">
-                <a:solidFill>
-                  <a:prstClr val="white">
+              <a:rPr lang="en-US" altLang="zh-CN" sz="2400" b="1" dirty="0">
+                <a:ln w="6350">
+                  <a:noFill/>
+                </a:ln>
+                <a:solidFill>
+                  <a:schemeClr val="bg1">
                     <a:lumMod val="50000"/>
-                  </a:prstClr>
+                  </a:schemeClr>
                 </a:solidFill>
                 <a:latin typeface="微软雅黑" pitchFamily="34" charset="-122"/>
                 <a:ea typeface="微软雅黑" pitchFamily="34" charset="-122"/>
               </a:rPr>
-              <a:t>. </a:t>
+              <a:t>.</a:t>
             </a:r>
             <a:r>
-              <a:rPr lang="zh-CN" altLang="en-US" dirty="0">
-                <a:solidFill>
-                  <a:prstClr val="white">
+              <a:rPr lang="zh-CN" altLang="zh-CN" sz="2400" b="1" dirty="0">
+                <a:ln w="6350">
+                  <a:noFill/>
+                </a:ln>
+                <a:solidFill>
+                  <a:schemeClr val="bg1">
                     <a:lumMod val="50000"/>
-                  </a:prstClr>
+                  </a:schemeClr>
                 </a:solidFill>
                 <a:latin typeface="微软雅黑" pitchFamily="34" charset="-122"/>
                 <a:ea typeface="微软雅黑" pitchFamily="34" charset="-122"/>
               </a:rPr>
-              <a:t>软件工程导论</a:t>
+              <a:t>《软件工程导论》</a:t>
             </a:r>
             <a:r>
-              <a:rPr lang="en-US" altLang="zh-CN" dirty="0">
-                <a:solidFill>
-                  <a:prstClr val="white">
+              <a:rPr lang="en-US" altLang="zh-CN" sz="2400" b="1" dirty="0">
+                <a:ln w="6350">
+                  <a:noFill/>
+                </a:ln>
+                <a:solidFill>
+                  <a:schemeClr val="bg1">
                     <a:lumMod val="50000"/>
-                  </a:prstClr>
+                  </a:schemeClr>
                 </a:solidFill>
                 <a:latin typeface="微软雅黑" pitchFamily="34" charset="-122"/>
                 <a:ea typeface="微软雅黑" pitchFamily="34" charset="-122"/>
               </a:rPr>
-              <a:t>. </a:t>
+              <a:t>(</a:t>
             </a:r>
             <a:r>
-              <a:rPr lang="zh-CN" altLang="en-US" dirty="0">
-                <a:solidFill>
-                  <a:prstClr val="white">
+              <a:rPr lang="zh-CN" altLang="en-US" sz="2400" b="1" dirty="0">
+                <a:ln w="6350">
+                  <a:noFill/>
+                </a:ln>
+                <a:solidFill>
+                  <a:schemeClr val="bg1">
                     <a:lumMod val="50000"/>
-                  </a:prstClr>
+                  </a:schemeClr>
+                </a:solidFill>
+                <a:latin typeface="微软雅黑" pitchFamily="34" charset="-122"/>
+                <a:ea typeface="微软雅黑" pitchFamily="34" charset="-122"/>
+              </a:rPr>
+              <a:t>第六版</a:t>
+            </a:r>
+            <a:r>
+              <a:rPr lang="en-US" altLang="zh-CN" sz="2400" b="1" dirty="0">
+                <a:ln w="6350">
+                  <a:noFill/>
+                </a:ln>
+                <a:solidFill>
+                  <a:schemeClr val="bg1">
+                    <a:lumMod val="50000"/>
+                  </a:schemeClr>
+                </a:solidFill>
+                <a:latin typeface="微软雅黑" pitchFamily="34" charset="-122"/>
+                <a:ea typeface="微软雅黑" pitchFamily="34" charset="-122"/>
+              </a:rPr>
+              <a:t>). </a:t>
+            </a:r>
+            <a:r>
+              <a:rPr lang="zh-CN" altLang="en-US" sz="2400" b="1" dirty="0">
+                <a:ln w="6350">
+                  <a:noFill/>
+                </a:ln>
+                <a:solidFill>
+                  <a:schemeClr val="bg1">
+                    <a:lumMod val="50000"/>
+                  </a:schemeClr>
                 </a:solidFill>
                 <a:latin typeface="微软雅黑" pitchFamily="34" charset="-122"/>
                 <a:ea typeface="微软雅黑" pitchFamily="34" charset="-122"/>
@@ -5709,23 +5752,29 @@
               <a:t>北京</a:t>
             </a:r>
             <a:r>
-              <a:rPr lang="en-US" altLang="zh-CN" dirty="0">
-                <a:solidFill>
-                  <a:prstClr val="white">
+              <a:rPr lang="en-US" altLang="zh-CN" sz="2400" b="1" dirty="0">
+                <a:ln w="6350">
+                  <a:noFill/>
+                </a:ln>
+                <a:solidFill>
+                  <a:schemeClr val="bg1">
                     <a:lumMod val="50000"/>
-                  </a:prstClr>
+                  </a:schemeClr>
                 </a:solidFill>
                 <a:latin typeface="微软雅黑" pitchFamily="34" charset="-122"/>
                 <a:ea typeface="微软雅黑" pitchFamily="34" charset="-122"/>
               </a:rPr>
-              <a:t>. </a:t>
+              <a:t>:</a:t>
             </a:r>
             <a:r>
-              <a:rPr lang="zh-CN" altLang="en-US" dirty="0">
-                <a:solidFill>
-                  <a:prstClr val="white">
+              <a:rPr lang="zh-CN" altLang="en-US" sz="2400" b="1" dirty="0">
+                <a:ln w="6350">
+                  <a:noFill/>
+                </a:ln>
+                <a:solidFill>
+                  <a:schemeClr val="bg1">
                     <a:lumMod val="50000"/>
-                  </a:prstClr>
+                  </a:schemeClr>
                 </a:solidFill>
                 <a:latin typeface="微软雅黑" pitchFamily="34" charset="-122"/>
                 <a:ea typeface="微软雅黑" pitchFamily="34" charset="-122"/>
@@ -5733,22 +5782,28 @@
               <a:t>清华大学出版社</a:t>
             </a:r>
             <a:r>
-              <a:rPr lang="en-US" altLang="zh-CN" dirty="0">
-                <a:solidFill>
-                  <a:prstClr val="white">
+              <a:rPr lang="en-US" altLang="zh-CN" sz="2400" b="1" dirty="0">
+                <a:ln w="6350">
+                  <a:noFill/>
+                </a:ln>
+                <a:solidFill>
+                  <a:schemeClr val="bg1">
                     <a:lumMod val="50000"/>
-                  </a:prstClr>
+                  </a:schemeClr>
                 </a:solidFill>
                 <a:latin typeface="微软雅黑" pitchFamily="34" charset="-122"/>
                 <a:ea typeface="微软雅黑" pitchFamily="34" charset="-122"/>
               </a:rPr>
-              <a:t>,2013 </a:t>
+              <a:t>,2013</a:t>
             </a:r>
-            <a:endParaRPr lang="zh-CN" altLang="zh-CN" dirty="0">
+            <a:endParaRPr lang="zh-CN" altLang="zh-CN" sz="2400" b="1" dirty="0">
+              <a:ln w="6350">
+                <a:noFill/>
+              </a:ln>
               <a:solidFill>
-                <a:prstClr val="white">
+                <a:schemeClr val="bg1">
                   <a:lumMod val="50000"/>
-                </a:prstClr>
+                </a:schemeClr>
               </a:solidFill>
               <a:latin typeface="微软雅黑" pitchFamily="34" charset="-122"/>
               <a:ea typeface="微软雅黑" pitchFamily="34" charset="-122"/>
@@ -6844,7 +6899,7 @@
         </p:nvSpPr>
         <p:spPr>
           <a:xfrm>
-            <a:off x="1100925" y="412304"/>
+            <a:off x="1116410" y="312996"/>
             <a:ext cx="7864740" cy="4832092"/>
           </a:xfrm>
           <a:prstGeom prst="rect">
@@ -7543,7 +7598,31 @@
                 <a:latin typeface="微软雅黑" pitchFamily="34" charset="-122"/>
                 <a:ea typeface="微软雅黑" pitchFamily="34" charset="-122"/>
               </a:rPr>
-              <a:t>一是交易监管；</a:t>
+              <a:t>一</a:t>
+            </a:r>
+            <a:r>
+              <a:rPr lang="zh-CN" altLang="en-US" sz="2000" dirty="0" smtClean="0">
+                <a:solidFill>
+                  <a:prstClr val="white">
+                    <a:lumMod val="50000"/>
+                  </a:prstClr>
+                </a:solidFill>
+                <a:latin typeface="微软雅黑" pitchFamily="34" charset="-122"/>
+                <a:ea typeface="微软雅黑" pitchFamily="34" charset="-122"/>
+              </a:rPr>
+              <a:t>是过程监管</a:t>
+            </a:r>
+            <a:r>
+              <a:rPr lang="zh-CN" altLang="en-US" sz="2000" dirty="0">
+                <a:solidFill>
+                  <a:prstClr val="white">
+                    <a:lumMod val="50000"/>
+                  </a:prstClr>
+                </a:solidFill>
+                <a:latin typeface="微软雅黑" pitchFamily="34" charset="-122"/>
+                <a:ea typeface="微软雅黑" pitchFamily="34" charset="-122"/>
+              </a:rPr>
+              <a:t>；</a:t>
             </a:r>
           </a:p>
           <a:p>
@@ -7630,13 +7709,34 @@
                 <a:latin typeface="微软雅黑" pitchFamily="34" charset="-122"/>
                 <a:ea typeface="微软雅黑" pitchFamily="34" charset="-122"/>
               </a:rPr>
-              <a:t>对交易过程进行监管。</a:t>
+              <a:t>对交易过程进行监管</a:t>
             </a:r>
+            <a:r>
+              <a:rPr lang="zh-CN" altLang="en-US" sz="2000" dirty="0" smtClean="0">
+                <a:solidFill>
+                  <a:prstClr val="white">
+                    <a:lumMod val="50000"/>
+                  </a:prstClr>
+                </a:solidFill>
+                <a:latin typeface="微软雅黑" pitchFamily="34" charset="-122"/>
+                <a:ea typeface="微软雅黑" pitchFamily="34" charset="-122"/>
+              </a:rPr>
+              <a:t>。</a:t>
+            </a:r>
+            <a:endParaRPr lang="en-US" altLang="zh-CN" sz="2000" dirty="0" smtClean="0">
+              <a:solidFill>
+                <a:prstClr val="white">
+                  <a:lumMod val="50000"/>
+                </a:prstClr>
+              </a:solidFill>
+              <a:latin typeface="微软雅黑" pitchFamily="34" charset="-122"/>
+              <a:ea typeface="微软雅黑" pitchFamily="34" charset="-122"/>
+            </a:endParaRPr>
           </a:p>
           <a:p>
             <a:pPr lvl="0"/>
             <a:r>
-              <a:rPr lang="zh-CN" altLang="en-US" sz="2000" dirty="0">
+              <a:rPr lang="zh-CN" altLang="en-US" sz="2000" smtClean="0">
                 <a:solidFill>
                   <a:prstClr val="white">
                     <a:lumMod val="50000"/>
@@ -7645,13 +7745,22 @@
                 <a:latin typeface="微软雅黑" pitchFamily="34" charset="-122"/>
                 <a:ea typeface="微软雅黑" pitchFamily="34" charset="-122"/>
               </a:rPr>
-              <a:t>对闲置物品信息进行分类，便于搜索。</a:t>
+              <a:t>对订单信息进行筛选、排序。</a:t>
             </a:r>
+            <a:endParaRPr lang="zh-CN" altLang="en-US" sz="2000" dirty="0">
+              <a:solidFill>
+                <a:prstClr val="white">
+                  <a:lumMod val="50000"/>
+                </a:prstClr>
+              </a:solidFill>
+              <a:latin typeface="微软雅黑" pitchFamily="34" charset="-122"/>
+              <a:ea typeface="微软雅黑" pitchFamily="34" charset="-122"/>
+            </a:endParaRPr>
           </a:p>
           <a:p>
             <a:pPr lvl="0"/>
             <a:r>
-              <a:rPr lang="zh-CN" altLang="en-US" sz="2000" dirty="0">
+              <a:rPr lang="zh-CN" altLang="en-US" sz="2000" dirty="0" smtClean="0">
                 <a:solidFill>
                   <a:prstClr val="white">
                     <a:lumMod val="50000"/>
@@ -7660,7 +7769,19 @@
                 <a:latin typeface="微软雅黑" pitchFamily="34" charset="-122"/>
                 <a:ea typeface="微软雅黑" pitchFamily="34" charset="-122"/>
               </a:rPr>
-              <a:t>增加买家卖家、订单双方会话系统。</a:t>
+              <a:t>增加订单</a:t>
+            </a:r>
+            <a:r>
+              <a:rPr lang="zh-CN" altLang="en-US" sz="2000" dirty="0">
+                <a:solidFill>
+                  <a:prstClr val="white">
+                    <a:lumMod val="50000"/>
+                  </a:prstClr>
+                </a:solidFill>
+                <a:latin typeface="微软雅黑" pitchFamily="34" charset="-122"/>
+                <a:ea typeface="微软雅黑" pitchFamily="34" charset="-122"/>
+              </a:rPr>
+              <a:t>双方会话系统。</a:t>
             </a:r>
           </a:p>
         </p:txBody>
@@ -7927,7 +8048,7 @@
         <p:spPr>
           <a:xfrm>
             <a:off x="1198629" y="508464"/>
-            <a:ext cx="7864740" cy="3293209"/>
+            <a:ext cx="7864740" cy="3600986"/>
           </a:xfrm>
           <a:prstGeom prst="rect">
             <a:avLst/>
@@ -8079,7 +8200,7 @@
               <a:t>元每月计算，则工资支出成本为</a:t>
             </a:r>
             <a:r>
-              <a:rPr lang="en-US" altLang="zh-CN" sz="2000" b="1" dirty="0">
+              <a:rPr lang="en-US" altLang="zh-CN" sz="2000" b="1" dirty="0" smtClean="0">
                 <a:solidFill>
                   <a:prstClr val="white">
                     <a:lumMod val="50000"/>
@@ -8088,7 +8209,7 @@
                 <a:latin typeface="微软雅黑" pitchFamily="34" charset="-122"/>
                 <a:ea typeface="微软雅黑" pitchFamily="34" charset="-122"/>
               </a:rPr>
-              <a:t>3*2000=6000</a:t>
+              <a:t>3*2000*5=30000</a:t>
             </a:r>
             <a:r>
               <a:rPr lang="zh-CN" altLang="en-US" sz="2000" b="1" dirty="0">
@@ -8106,7 +8227,7 @@
           <a:p>
             <a:pPr lvl="0"/>
             <a:r>
-              <a:rPr lang="zh-CN" altLang="en-US" sz="2000" b="1" dirty="0">
+              <a:rPr lang="zh-CN" altLang="en-US" sz="2000" b="1" dirty="0" smtClean="0">
                 <a:solidFill>
                   <a:prstClr val="white">
                     <a:lumMod val="50000"/>
@@ -8115,32 +8236,17 @@
                 <a:latin typeface="微软雅黑" pitchFamily="34" charset="-122"/>
                 <a:ea typeface="微软雅黑" pitchFamily="34" charset="-122"/>
               </a:rPr>
-              <a:t>服务器 </a:t>
+              <a:t>服务器 ？</a:t>
             </a:r>
-            <a:r>
-              <a:rPr lang="en-US" altLang="zh-CN" sz="2000" b="1" dirty="0">
-                <a:solidFill>
-                  <a:prstClr val="white">
-                    <a:lumMod val="50000"/>
-                  </a:prstClr>
-                </a:solidFill>
-                <a:latin typeface="微软雅黑" pitchFamily="34" charset="-122"/>
-                <a:ea typeface="微软雅黑" pitchFamily="34" charset="-122"/>
-              </a:rPr>
-              <a:t>10RMB/</a:t>
-            </a:r>
-            <a:r>
-              <a:rPr lang="zh-CN" altLang="en-US" sz="2000" b="1" dirty="0">
-                <a:solidFill>
-                  <a:prstClr val="white">
-                    <a:lumMod val="50000"/>
-                  </a:prstClr>
-                </a:solidFill>
-                <a:latin typeface="微软雅黑" pitchFamily="34" charset="-122"/>
-                <a:ea typeface="微软雅黑" pitchFamily="34" charset="-122"/>
-              </a:rPr>
-              <a:t>月</a:t>
-            </a:r>
+            <a:endParaRPr lang="zh-CN" altLang="en-US" sz="2000" b="1" dirty="0">
+              <a:solidFill>
+                <a:prstClr val="white">
+                  <a:lumMod val="50000"/>
+                </a:prstClr>
+              </a:solidFill>
+              <a:latin typeface="微软雅黑" pitchFamily="34" charset="-122"/>
+              <a:ea typeface="微软雅黑" pitchFamily="34" charset="-122"/>
+            </a:endParaRPr>
           </a:p>
           <a:p>
             <a:pPr lvl="0"/>
@@ -8169,10 +8275,10 @@
                 <a:latin typeface="微软雅黑" pitchFamily="34" charset="-122"/>
                 <a:ea typeface="微软雅黑" pitchFamily="34" charset="-122"/>
               </a:rPr>
-              <a:t>总成本：</a:t>
+              <a:t>总成本</a:t>
             </a:r>
             <a:r>
-              <a:rPr lang="en-US" altLang="zh-CN" sz="2000" b="1" dirty="0">
+              <a:rPr lang="zh-CN" altLang="en-US" sz="2000" b="1" dirty="0" smtClean="0">
                 <a:solidFill>
                   <a:prstClr val="white">
                     <a:lumMod val="50000"/>
@@ -8181,10 +8287,10 @@
                 <a:latin typeface="微软雅黑" pitchFamily="34" charset="-122"/>
                 <a:ea typeface="微软雅黑" pitchFamily="34" charset="-122"/>
               </a:rPr>
-              <a:t>6000+10*5=6050</a:t>
+              <a:t>：</a:t>
             </a:r>
             <a:r>
-              <a:rPr lang="zh-CN" altLang="en-US" sz="2000" b="1" dirty="0">
+              <a:rPr lang="en-US" altLang="zh-CN" sz="2000" b="1" dirty="0" smtClean="0">
                 <a:solidFill>
                   <a:prstClr val="white">
                     <a:lumMod val="50000"/>
@@ -8193,8 +8299,29 @@
                 <a:latin typeface="微软雅黑" pitchFamily="34" charset="-122"/>
                 <a:ea typeface="微软雅黑" pitchFamily="34" charset="-122"/>
               </a:rPr>
-              <a:t>元</a:t>
+              <a:t>30000+</a:t>
             </a:r>
+            <a:r>
+              <a:rPr lang="zh-CN" altLang="en-US" sz="2000" b="1" dirty="0" smtClean="0">
+                <a:solidFill>
+                  <a:prstClr val="white">
+                    <a:lumMod val="50000"/>
+                  </a:prstClr>
+                </a:solidFill>
+                <a:latin typeface="微软雅黑" pitchFamily="34" charset="-122"/>
+                <a:ea typeface="微软雅黑" pitchFamily="34" charset="-122"/>
+              </a:rPr>
+              <a:t>？</a:t>
+            </a:r>
+            <a:endParaRPr lang="zh-CN" altLang="en-US" sz="2000" b="1" dirty="0">
+              <a:solidFill>
+                <a:prstClr val="white">
+                  <a:lumMod val="50000"/>
+                </a:prstClr>
+              </a:solidFill>
+              <a:latin typeface="微软雅黑" pitchFamily="34" charset="-122"/>
+              <a:ea typeface="微软雅黑" pitchFamily="34" charset="-122"/>
+            </a:endParaRPr>
           </a:p>
         </p:txBody>
       </p:sp>
@@ -10471,7 +10598,7 @@
           <p:nvPr>
             <p:extLst>
               <p:ext uri="{D42A27DB-BD31-4B8C-83A1-F6EECF244321}">
-                <p14:modId xmlns:p14="http://schemas.microsoft.com/office/powerpoint/2010/main" val="821411191"/>
+                <p14:modId xmlns:p14="http://schemas.microsoft.com/office/powerpoint/2010/main" val="1884053830"/>
               </p:ext>
             </p:extLst>
           </p:nvPr>
@@ -10631,12 +10758,20 @@
                         </a:spcAft>
                       </a:pPr>
                       <a:r>
-                        <a:rPr lang="zh-CN" sz="1600" kern="100" dirty="0">
+                        <a:rPr lang="zh-CN" altLang="en-US" sz="1600" kern="100" dirty="0" smtClean="0">
                           <a:effectLst/>
                           <a:latin typeface="微软雅黑" panose="020B0503020204020204" pitchFamily="34" charset="-122"/>
                           <a:ea typeface="微软雅黑" panose="020B0503020204020204" pitchFamily="34" charset="-122"/>
                         </a:rPr>
-                        <a:t>项目经理、</a:t>
+                        <a:t>组长</a:t>
+                      </a:r>
+                      <a:r>
+                        <a:rPr lang="zh-CN" sz="1600" kern="100" dirty="0" smtClean="0">
+                          <a:effectLst/>
+                          <a:latin typeface="微软雅黑" panose="020B0503020204020204" pitchFamily="34" charset="-122"/>
+                          <a:ea typeface="微软雅黑" panose="020B0503020204020204" pitchFamily="34" charset="-122"/>
+                        </a:rPr>
+                        <a:t>、</a:t>
                       </a:r>
                       <a:endParaRPr lang="en-US" altLang="zh-CN" sz="1600" kern="100" dirty="0">
                         <a:effectLst/>
@@ -10917,7 +11052,39 @@
                           <a:latin typeface="微软雅黑" panose="020B0503020204020204" pitchFamily="34" charset="-122"/>
                           <a:ea typeface="微软雅黑" panose="020B0503020204020204" pitchFamily="34" charset="-122"/>
                         </a:rPr>
-                        <a:t>负责小程序部分设计并撰写部分小程序设计报告。整理需求分析并撰写需求分析报告、维护，对文档进行审阅并给项目经理提出修改意见。参与软件设计开发，对界面美工负主要责任。做会议记录与评审</a:t>
+                        <a:t>负责小程序部分设计并撰写部分小程序设计报告。整理需求分析并撰写需求分析报告、维护，对文档进行审阅并</a:t>
+                      </a:r>
+                      <a:r>
+                        <a:rPr lang="zh-CN" sz="1400" b="1" kern="100" dirty="0" smtClean="0">
+                          <a:effectLst/>
+                          <a:latin typeface="微软雅黑" panose="020B0503020204020204" pitchFamily="34" charset="-122"/>
+                          <a:ea typeface="微软雅黑" panose="020B0503020204020204" pitchFamily="34" charset="-122"/>
+                        </a:rPr>
+                        <a:t>给</a:t>
+                      </a:r>
+                      <a:r>
+                        <a:rPr lang="zh-CN" altLang="en-US" sz="1400" b="1" kern="100" dirty="0" smtClean="0">
+                          <a:effectLst/>
+                          <a:latin typeface="微软雅黑" panose="020B0503020204020204" pitchFamily="34" charset="-122"/>
+                          <a:ea typeface="微软雅黑" panose="020B0503020204020204" pitchFamily="34" charset="-122"/>
+                        </a:rPr>
+                        <a:t>组长</a:t>
+                      </a:r>
+                      <a:r>
+                        <a:rPr lang="zh-CN" sz="1400" b="1" kern="100" dirty="0" smtClean="0">
+                          <a:effectLst/>
+                          <a:latin typeface="微软雅黑" panose="020B0503020204020204" pitchFamily="34" charset="-122"/>
+                          <a:ea typeface="微软雅黑" panose="020B0503020204020204" pitchFamily="34" charset="-122"/>
+                        </a:rPr>
+                        <a:t>提出</a:t>
+                      </a:r>
+                      <a:r>
+                        <a:rPr lang="zh-CN" sz="1400" b="1" kern="100" dirty="0">
+                          <a:effectLst/>
+                          <a:latin typeface="微软雅黑" panose="020B0503020204020204" pitchFamily="34" charset="-122"/>
+                          <a:ea typeface="微软雅黑" panose="020B0503020204020204" pitchFamily="34" charset="-122"/>
+                        </a:rPr>
+                        <a:t>修改意见。参与软件设计开发，对界面美工负主要责任。做会议记录与评审</a:t>
                       </a:r>
                       <a:r>
                         <a:rPr lang="en-US" sz="1400" b="1" kern="100" dirty="0">
@@ -15020,6 +15187,374 @@
           <p:cNvPr id="2" name="矩形 1">
             <a:extLst>
               <a:ext uri="{FF2B5EF4-FFF2-40B4-BE49-F238E27FC236}">
+                <a16:creationId xmlns:a16="http://schemas.microsoft.com/office/drawing/2014/main" id="{0A4D7A23-D268-43A5-A83E-C71123896478}"/>
+              </a:ext>
+            </a:extLst>
+          </p:cNvPr>
+          <p:cNvSpPr/>
+          <p:nvPr/>
+        </p:nvSpPr>
+        <p:spPr>
+          <a:xfrm>
+            <a:off x="0" y="256436"/>
+            <a:ext cx="1548458" cy="504056"/>
+          </a:xfrm>
+          <a:prstGeom prst="rect">
+            <a:avLst/>
+          </a:prstGeom>
+          <a:solidFill>
+            <a:schemeClr val="bg1"/>
+          </a:solidFill>
+          <a:ln>
+            <a:noFill/>
+          </a:ln>
+        </p:spPr>
+        <p:style>
+          <a:lnRef idx="2">
+            <a:schemeClr val="accent1">
+              <a:shade val="50000"/>
+            </a:schemeClr>
+          </a:lnRef>
+          <a:fillRef idx="1">
+            <a:schemeClr val="accent1"/>
+          </a:fillRef>
+          <a:effectRef idx="0">
+            <a:schemeClr val="accent1"/>
+          </a:effectRef>
+          <a:fontRef idx="minor">
+            <a:schemeClr val="lt1"/>
+          </a:fontRef>
+        </p:style>
+        <p:txBody>
+          <a:bodyPr rtlCol="0" anchor="ctr"/>
+          <a:lstStyle/>
+          <a:p>
+            <a:endParaRPr lang="zh-CN" altLang="en-US"/>
+          </a:p>
+        </p:txBody>
+      </p:sp>
+      <p:pic>
+        <p:nvPicPr>
+          <p:cNvPr id="3" name="图片 2">
+            <a:extLst>
+              <a:ext uri="{FF2B5EF4-FFF2-40B4-BE49-F238E27FC236}">
+                <a16:creationId xmlns:a16="http://schemas.microsoft.com/office/drawing/2014/main" id="{C49EF736-CEE5-4B9A-B795-9682B05F64A3}"/>
+              </a:ext>
+            </a:extLst>
+          </p:cNvPr>
+          <p:cNvPicPr>
+            <a:picLocks noChangeAspect="1"/>
+          </p:cNvPicPr>
+          <p:nvPr/>
+        </p:nvPicPr>
+        <p:blipFill>
+          <a:blip r:embed="rId2" cstate="print">
+            <a:extLst>
+              <a:ext uri="{28A0092B-C50C-407E-A947-70E740481C1C}">
+                <a14:useLocalDpi xmlns:a14="http://schemas.microsoft.com/office/drawing/2010/main" val="0"/>
+              </a:ext>
+            </a:extLst>
+          </a:blip>
+          <a:stretch>
+            <a:fillRect/>
+          </a:stretch>
+        </p:blipFill>
+        <p:spPr>
+          <a:xfrm>
+            <a:off x="90546" y="115441"/>
+            <a:ext cx="1034191" cy="1034191"/>
+          </a:xfrm>
+          <a:prstGeom prst="rect">
+            <a:avLst/>
+          </a:prstGeom>
+        </p:spPr>
+      </p:pic>
+      <p:sp>
+        <p:nvSpPr>
+          <p:cNvPr id="4" name="矩形 3">
+            <a:extLst>
+              <a:ext uri="{FF2B5EF4-FFF2-40B4-BE49-F238E27FC236}">
+                <a16:creationId xmlns:a16="http://schemas.microsoft.com/office/drawing/2014/main" id="{B05B7471-90DB-40CA-A898-43A42970A18F}"/>
+              </a:ext>
+            </a:extLst>
+          </p:cNvPr>
+          <p:cNvSpPr/>
+          <p:nvPr/>
+        </p:nvSpPr>
+        <p:spPr>
+          <a:xfrm>
+            <a:off x="1215282" y="115441"/>
+            <a:ext cx="7864740" cy="461665"/>
+          </a:xfrm>
+          <a:prstGeom prst="rect">
+            <a:avLst/>
+          </a:prstGeom>
+        </p:spPr>
+        <p:txBody>
+          <a:bodyPr wrap="square">
+            <a:spAutoFit/>
+          </a:bodyPr>
+          <a:lstStyle/>
+          <a:p>
+            <a:r>
+              <a:rPr lang="zh-CN" altLang="en-US" sz="2400" dirty="0">
+                <a:latin typeface="微软雅黑" panose="020B0503020204020204" pitchFamily="34" charset="-122"/>
+                <a:ea typeface="微软雅黑" panose="020B0503020204020204" pitchFamily="34" charset="-122"/>
+              </a:rPr>
+              <a:t>项目计划</a:t>
+            </a:r>
+            <a:r>
+              <a:rPr lang="en-US" altLang="zh-CN" sz="2400" dirty="0">
+                <a:latin typeface="微软雅黑" panose="020B0503020204020204" pitchFamily="34" charset="-122"/>
+                <a:ea typeface="微软雅黑" panose="020B0503020204020204" pitchFamily="34" charset="-122"/>
+              </a:rPr>
+              <a:t>WBS</a:t>
+            </a:r>
+            <a:r>
+              <a:rPr lang="zh-CN" altLang="en-US" sz="2400" dirty="0">
+                <a:latin typeface="微软雅黑" panose="020B0503020204020204" pitchFamily="34" charset="-122"/>
+                <a:ea typeface="微软雅黑" panose="020B0503020204020204" pitchFamily="34" charset="-122"/>
+              </a:rPr>
+              <a:t>结构</a:t>
+            </a:r>
+          </a:p>
+        </p:txBody>
+      </p:sp>
+      <p:pic>
+        <p:nvPicPr>
+          <p:cNvPr id="7" name="图片 6">
+            <a:extLst>
+              <a:ext uri="{FF2B5EF4-FFF2-40B4-BE49-F238E27FC236}">
+                <a16:creationId xmlns:a16="http://schemas.microsoft.com/office/drawing/2014/main" id="{00A5CBB7-6602-4911-8221-648E1BA348FB}"/>
+              </a:ext>
+            </a:extLst>
+          </p:cNvPr>
+          <p:cNvPicPr>
+            <a:picLocks noChangeAspect="1"/>
+          </p:cNvPicPr>
+          <p:nvPr/>
+        </p:nvPicPr>
+        <p:blipFill rotWithShape="1">
+          <a:blip r:embed="rId3">
+            <a:extLst>
+              <a:ext uri="{28A0092B-C50C-407E-A947-70E740481C1C}">
+                <a14:useLocalDpi xmlns:a14="http://schemas.microsoft.com/office/drawing/2010/main" val="0"/>
+              </a:ext>
+            </a:extLst>
+          </a:blip>
+          <a:srcRect t="27353" r="-424"/>
+          <a:stretch/>
+        </p:blipFill>
+        <p:spPr>
+          <a:xfrm>
+            <a:off x="180306" y="1290627"/>
+            <a:ext cx="8359558" cy="3154550"/>
+          </a:xfrm>
+          <a:prstGeom prst="rect">
+            <a:avLst/>
+          </a:prstGeom>
+        </p:spPr>
+      </p:pic>
+    </p:spTree>
+    <p:extLst>
+      <p:ext uri="{BB962C8B-B14F-4D97-AF65-F5344CB8AC3E}">
+        <p14:creationId xmlns:p14="http://schemas.microsoft.com/office/powerpoint/2010/main" val="4219276372"/>
+      </p:ext>
+    </p:extLst>
+  </p:cSld>
+  <p:clrMapOvr>
+    <a:masterClrMapping/>
+  </p:clrMapOvr>
+  <p:transition spd="med" advClick="0" advTm="0">
+    <p:push dir="r"/>
+  </p:transition>
+  <p:timing>
+    <p:tnLst>
+      <p:par>
+        <p:cTn id="1" dur="indefinite" restart="never" nodeType="tmRoot">
+          <p:childTnLst>
+            <p:seq concurrent="1" nextAc="seek">
+              <p:cTn id="2" dur="indefinite" nodeType="mainSeq">
+                <p:childTnLst>
+                  <p:par>
+                    <p:cTn id="3" fill="hold">
+                      <p:stCondLst>
+                        <p:cond delay="indefinite"/>
+                        <p:cond evt="onBegin" delay="0">
+                          <p:tn val="2"/>
+                        </p:cond>
+                      </p:stCondLst>
+                      <p:childTnLst>
+                        <p:par>
+                          <p:cTn id="4" fill="hold">
+                            <p:stCondLst>
+                              <p:cond delay="0"/>
+                            </p:stCondLst>
+                            <p:childTnLst>
+                              <p:par>
+                                <p:cTn id="5" presetID="17" presetClass="entr" presetSubtype="10" fill="hold" grpId="0" nodeType="withEffect">
+                                  <p:stCondLst>
+                                    <p:cond delay="0"/>
+                                  </p:stCondLst>
+                                  <p:childTnLst>
+                                    <p:set>
+                                      <p:cBhvr>
+                                        <p:cTn id="6" dur="1" fill="hold">
+                                          <p:stCondLst>
+                                            <p:cond delay="0"/>
+                                          </p:stCondLst>
+                                        </p:cTn>
+                                        <p:tgtEl>
+                                          <p:spTgt spid="4"/>
+                                        </p:tgtEl>
+                                        <p:attrNameLst>
+                                          <p:attrName>style.visibility</p:attrName>
+                                        </p:attrNameLst>
+                                      </p:cBhvr>
+                                      <p:to>
+                                        <p:strVal val="visible"/>
+                                      </p:to>
+                                    </p:set>
+                                    <p:anim calcmode="lin" valueType="num">
+                                      <p:cBhvr>
+                                        <p:cTn id="7" dur="500" fill="hold"/>
+                                        <p:tgtEl>
+                                          <p:spTgt spid="4"/>
+                                        </p:tgtEl>
+                                        <p:attrNameLst>
+                                          <p:attrName>ppt_w</p:attrName>
+                                        </p:attrNameLst>
+                                      </p:cBhvr>
+                                      <p:tavLst>
+                                        <p:tav tm="0">
+                                          <p:val>
+                                            <p:fltVal val="0"/>
+                                          </p:val>
+                                        </p:tav>
+                                        <p:tav tm="100000">
+                                          <p:val>
+                                            <p:strVal val="#ppt_w"/>
+                                          </p:val>
+                                        </p:tav>
+                                      </p:tavLst>
+                                    </p:anim>
+                                    <p:anim calcmode="lin" valueType="num">
+                                      <p:cBhvr>
+                                        <p:cTn id="8" dur="500" fill="hold"/>
+                                        <p:tgtEl>
+                                          <p:spTgt spid="4"/>
+                                        </p:tgtEl>
+                                        <p:attrNameLst>
+                                          <p:attrName>ppt_h</p:attrName>
+                                        </p:attrNameLst>
+                                      </p:cBhvr>
+                                      <p:tavLst>
+                                        <p:tav tm="0">
+                                          <p:val>
+                                            <p:strVal val="#ppt_h"/>
+                                          </p:val>
+                                        </p:tav>
+                                        <p:tav tm="100000">
+                                          <p:val>
+                                            <p:strVal val="#ppt_h"/>
+                                          </p:val>
+                                        </p:tav>
+                                      </p:tavLst>
+                                    </p:anim>
+                                  </p:childTnLst>
+                                </p:cTn>
+                              </p:par>
+                              <p:par>
+                                <p:cTn id="9" presetID="6" presetClass="entr" presetSubtype="16" fill="hold" nodeType="withEffect">
+                                  <p:stCondLst>
+                                    <p:cond delay="0"/>
+                                  </p:stCondLst>
+                                  <p:childTnLst>
+                                    <p:set>
+                                      <p:cBhvr>
+                                        <p:cTn id="10" dur="1" fill="hold">
+                                          <p:stCondLst>
+                                            <p:cond delay="0"/>
+                                          </p:stCondLst>
+                                        </p:cTn>
+                                        <p:tgtEl>
+                                          <p:spTgt spid="7"/>
+                                        </p:tgtEl>
+                                        <p:attrNameLst>
+                                          <p:attrName>style.visibility</p:attrName>
+                                        </p:attrNameLst>
+                                      </p:cBhvr>
+                                      <p:to>
+                                        <p:strVal val="visible"/>
+                                      </p:to>
+                                    </p:set>
+                                    <p:animEffect transition="in" filter="circle(in)">
+                                      <p:cBhvr>
+                                        <p:cTn id="11" dur="500"/>
+                                        <p:tgtEl>
+                                          <p:spTgt spid="7"/>
+                                        </p:tgtEl>
+                                      </p:cBhvr>
+                                    </p:animEffect>
+                                  </p:childTnLst>
+                                </p:cTn>
+                              </p:par>
+                            </p:childTnLst>
+                          </p:cTn>
+                        </p:par>
+                      </p:childTnLst>
+                    </p:cTn>
+                  </p:par>
+                </p:childTnLst>
+              </p:cTn>
+              <p:prevCondLst>
+                <p:cond evt="onPrev" delay="0">
+                  <p:tgtEl>
+                    <p:sldTgt/>
+                  </p:tgtEl>
+                </p:cond>
+              </p:prevCondLst>
+              <p:nextCondLst>
+                <p:cond evt="onNext" delay="0">
+                  <p:tgtEl>
+                    <p:sldTgt/>
+                  </p:tgtEl>
+                </p:cond>
+              </p:nextCondLst>
+            </p:seq>
+          </p:childTnLst>
+        </p:cTn>
+      </p:par>
+    </p:tnLst>
+    <p:bldLst>
+      <p:bldP spid="4" grpId="0"/>
+    </p:bldLst>
+  </p:timing>
+</p:sld>
+</file>
+
+<file path=ppt/slides/slide22.xml><?xml version="1.0" encoding="utf-8"?>
+<p:sld xmlns:a="http://schemas.openxmlformats.org/drawingml/2006/main" xmlns:r="http://schemas.openxmlformats.org/officeDocument/2006/relationships" xmlns:p="http://schemas.openxmlformats.org/presentationml/2006/main">
+  <p:cSld>
+    <p:spTree>
+      <p:nvGrpSpPr>
+        <p:cNvPr id="1" name=""/>
+        <p:cNvGrpSpPr/>
+        <p:nvPr/>
+      </p:nvGrpSpPr>
+      <p:grpSpPr>
+        <a:xfrm>
+          <a:off x="0" y="0"/>
+          <a:ext cx="0" cy="0"/>
+          <a:chOff x="0" y="0"/>
+          <a:chExt cx="0" cy="0"/>
+        </a:xfrm>
+      </p:grpSpPr>
+      <p:sp>
+        <p:nvSpPr>
+          <p:cNvPr id="2" name="矩形 1">
+            <a:extLst>
+              <a:ext uri="{FF2B5EF4-FFF2-40B4-BE49-F238E27FC236}">
                 <a16:creationId xmlns:a16="http://schemas.microsoft.com/office/drawing/2014/main" id="{EEE0EC13-86F4-403E-BD86-47B2AF6650BA}"/>
               </a:ext>
             </a:extLst>
@@ -15561,7 +16096,7 @@
 </p:sld>
 </file>
 
-<file path=ppt/slides/slide22.xml><?xml version="1.0" encoding="utf-8"?>
+<file path=ppt/slides/slide23.xml><?xml version="1.0" encoding="utf-8"?>
 <p:sld xmlns:a="http://schemas.openxmlformats.org/drawingml/2006/main" xmlns:r="http://schemas.openxmlformats.org/officeDocument/2006/relationships" xmlns:p="http://schemas.openxmlformats.org/presentationml/2006/main">
   <p:cSld>
     <p:spTree>
@@ -16385,7 +16920,7 @@
 </p:sld>
 </file>
 
-<file path=ppt/slides/slide23.xml><?xml version="1.0" encoding="utf-8"?>
+<file path=ppt/slides/slide24.xml><?xml version="1.0" encoding="utf-8"?>
 <p:sld xmlns:a="http://schemas.openxmlformats.org/drawingml/2006/main" xmlns:r="http://schemas.openxmlformats.org/officeDocument/2006/relationships" xmlns:p="http://schemas.openxmlformats.org/presentationml/2006/main">
   <p:cSld>
     <p:spTree>
@@ -16549,34 +17084,22 @@
       </p:sp>
       <p:pic>
         <p:nvPicPr>
-          <p:cNvPr id="6" name="图片 5">
-            <a:extLst>
-              <a:ext uri="{FF2B5EF4-FFF2-40B4-BE49-F238E27FC236}">
-                <a16:creationId xmlns:a16="http://schemas.microsoft.com/office/drawing/2014/main" id="{1AA5B243-3549-4201-B516-48679D3E95B8}"/>
-              </a:ext>
-            </a:extLst>
-          </p:cNvPr>
+          <p:cNvPr id="7" name="图片 6"/>
           <p:cNvPicPr>
             <a:picLocks noChangeAspect="1"/>
           </p:cNvPicPr>
           <p:nvPr/>
         </p:nvPicPr>
         <p:blipFill>
-          <a:blip r:embed="rId3">
-            <a:extLst>
-              <a:ext uri="{28A0092B-C50C-407E-A947-70E740481C1C}">
-                <a14:useLocalDpi xmlns:a14="http://schemas.microsoft.com/office/drawing/2010/main" val="0"/>
-              </a:ext>
-            </a:extLst>
-          </a:blip>
+          <a:blip r:embed="rId3"/>
           <a:stretch>
             <a:fillRect/>
           </a:stretch>
         </p:blipFill>
         <p:spPr>
           <a:xfrm>
-            <a:off x="597404" y="1636440"/>
-            <a:ext cx="8178100" cy="2550538"/>
+            <a:off x="468338" y="1564432"/>
+            <a:ext cx="8215080" cy="2448272"/>
           </a:xfrm>
           <a:prstGeom prst="rect">
             <a:avLst/>
@@ -16692,41 +17215,6 @@
                                   </p:childTnLst>
                                 </p:cTn>
                               </p:par>
-                              <p:par>
-                                <p:cTn id="9" presetID="6" presetClass="entr" presetSubtype="16" fill="hold" nodeType="withEffect">
-                                  <p:stCondLst>
-                                    <p:cond delay="0"/>
-                                  </p:stCondLst>
-                                  <p:childTnLst>
-                                    <p:set>
-                                      <p:cBhvr>
-                                        <p:cTn id="10" dur="1" fill="hold">
-                                          <p:stCondLst>
-                                            <p:cond delay="0"/>
-                                          </p:stCondLst>
-                                        </p:cTn>
-                                        <p:tgtEl>
-                                          <p:spTgt spid="6"/>
-                                        </p:tgtEl>
-                                        <p:attrNameLst>
-                                          <p:attrName>style.visibility</p:attrName>
-                                        </p:attrNameLst>
-                                      </p:cBhvr>
-                                      <p:to>
-                                        <p:strVal val="visible"/>
-                                      </p:to>
-                                    </p:set>
-                                    <p:animEffect transition="in" filter="circle(in)">
-                                      <p:cBhvr>
-                                        <p:cTn id="11" dur="500"/>
-                                        <p:tgtEl>
-                                          <p:spTgt spid="6"/>
-                                        </p:tgtEl>
-                                      </p:cBhvr>
-                                    </p:animEffect>
-                                  </p:childTnLst>
-                                </p:cTn>
-                              </p:par>
                             </p:childTnLst>
                           </p:cTn>
                         </p:par>
@@ -16761,7 +17249,7 @@
 </p:sld>
 </file>
 
-<file path=ppt/slides/slide24.xml><?xml version="1.0" encoding="utf-8"?>
+<file path=ppt/slides/slide25.xml><?xml version="1.0" encoding="utf-8"?>
 <p:sld xmlns:a="http://schemas.openxmlformats.org/drawingml/2006/main" xmlns:r="http://schemas.openxmlformats.org/officeDocument/2006/relationships" xmlns:p="http://schemas.openxmlformats.org/presentationml/2006/main">
   <p:cSld>
     <p:spTree>
@@ -17585,7 +18073,7 @@
 </p:sld>
 </file>
 
-<file path=ppt/slides/slide25.xml><?xml version="1.0" encoding="utf-8"?>
+<file path=ppt/slides/slide26.xml><?xml version="1.0" encoding="utf-8"?>
 <p:sld xmlns:a="http://schemas.openxmlformats.org/drawingml/2006/main" xmlns:r="http://schemas.openxmlformats.org/officeDocument/2006/relationships" xmlns:p="http://schemas.openxmlformats.org/presentationml/2006/main">
   <p:cSld>
     <p:spTree>
@@ -18272,7 +18760,7 @@
 </p:sld>
 </file>
 
-<file path=ppt/slides/slide26.xml><?xml version="1.0" encoding="utf-8"?>
+<file path=ppt/slides/slide27.xml><?xml version="1.0" encoding="utf-8"?>
 <p:sld xmlns:a="http://schemas.openxmlformats.org/drawingml/2006/main" xmlns:r="http://schemas.openxmlformats.org/officeDocument/2006/relationships" xmlns:p="http://schemas.openxmlformats.org/presentationml/2006/main">
   <p:cSld>
     <p:spTree>
@@ -18661,7 +19149,7 @@
 </p:sld>
 </file>
 
-<file path=ppt/slides/slide27.xml><?xml version="1.0" encoding="utf-8"?>
+<file path=ppt/slides/slide28.xml><?xml version="1.0" encoding="utf-8"?>
 <p:sld xmlns:a="http://schemas.openxmlformats.org/drawingml/2006/main" xmlns:r="http://schemas.openxmlformats.org/officeDocument/2006/relationships" xmlns:p="http://schemas.openxmlformats.org/presentationml/2006/main">
   <p:cSld>
     <p:spTree>
@@ -19485,7 +19973,7 @@
 </p:sld>
 </file>
 
-<file path=ppt/slides/slide28.xml><?xml version="1.0" encoding="utf-8"?>
+<file path=ppt/slides/slide29.xml><?xml version="1.0" encoding="utf-8"?>
 <p:sld xmlns:a="http://schemas.openxmlformats.org/drawingml/2006/main" xmlns:r="http://schemas.openxmlformats.org/officeDocument/2006/relationships" xmlns:p="http://schemas.openxmlformats.org/presentationml/2006/main">
   <p:cSld>
     <p:spTree>
@@ -19856,830 +20344,6 @@
     </p:tnLst>
     <p:bldLst>
       <p:bldP spid="4" grpId="0"/>
-    </p:bldLst>
-  </p:timing>
-</p:sld>
-</file>
-
-<file path=ppt/slides/slide29.xml><?xml version="1.0" encoding="utf-8"?>
-<p:sld xmlns:a="http://schemas.openxmlformats.org/drawingml/2006/main" xmlns:r="http://schemas.openxmlformats.org/officeDocument/2006/relationships" xmlns:p="http://schemas.openxmlformats.org/presentationml/2006/main">
-  <p:cSld>
-    <p:spTree>
-      <p:nvGrpSpPr>
-        <p:cNvPr id="1" name=""/>
-        <p:cNvGrpSpPr/>
-        <p:nvPr/>
-      </p:nvGrpSpPr>
-      <p:grpSpPr>
-        <a:xfrm>
-          <a:off x="0" y="0"/>
-          <a:ext cx="0" cy="0"/>
-          <a:chOff x="0" y="0"/>
-          <a:chExt cx="0" cy="0"/>
-        </a:xfrm>
-      </p:grpSpPr>
-      <p:sp>
-        <p:nvSpPr>
-          <p:cNvPr id="11" name="TextBox 11">
-            <a:extLst>
-              <a:ext uri="{FF2B5EF4-FFF2-40B4-BE49-F238E27FC236}">
-                <a16:creationId xmlns:a16="http://schemas.microsoft.com/office/drawing/2014/main" id="{4E59B2F5-1D38-431D-B5EF-F3BE06FDA12E}"/>
-              </a:ext>
-            </a:extLst>
-          </p:cNvPr>
-          <p:cNvSpPr txBox="1"/>
-          <p:nvPr/>
-        </p:nvSpPr>
-        <p:spPr>
-          <a:xfrm>
-            <a:off x="2445176" y="1941954"/>
-            <a:ext cx="1826141" cy="1077218"/>
-          </a:xfrm>
-          <a:prstGeom prst="rect">
-            <a:avLst/>
-          </a:prstGeom>
-          <a:noFill/>
-        </p:spPr>
-        <p:txBody>
-          <a:bodyPr wrap="none" rtlCol="0">
-            <a:spAutoFit/>
-          </a:bodyPr>
-          <a:lstStyle/>
-          <a:p>
-            <a:pPr marL="0" lvl="1"/>
-            <a:r>
-              <a:rPr lang="zh-CN" altLang="en-US" sz="3200" b="1" dirty="0">
-                <a:solidFill>
-                  <a:schemeClr val="accent2"/>
-                </a:solidFill>
-                <a:latin typeface="微软雅黑" panose="020B0503020204020204" pitchFamily="34" charset="-122"/>
-                <a:ea typeface="微软雅黑" panose="020B0503020204020204" pitchFamily="34" charset="-122"/>
-              </a:rPr>
-              <a:t>第八部分</a:t>
-            </a:r>
-            <a:endParaRPr lang="en-US" altLang="zh-CN" sz="3200" b="1" dirty="0">
-              <a:solidFill>
-                <a:schemeClr val="accent2"/>
-              </a:solidFill>
-              <a:latin typeface="微软雅黑" panose="020B0503020204020204" pitchFamily="34" charset="-122"/>
-              <a:ea typeface="微软雅黑" panose="020B0503020204020204" pitchFamily="34" charset="-122"/>
-            </a:endParaRPr>
-          </a:p>
-          <a:p>
-            <a:r>
-              <a:rPr lang="zh-CN" altLang="en-US" sz="3200" b="1" dirty="0">
-                <a:solidFill>
-                  <a:schemeClr val="bg1">
-                    <a:lumMod val="50000"/>
-                  </a:schemeClr>
-                </a:solidFill>
-                <a:latin typeface="Arial" panose="020B0604020202020204" pitchFamily="34" charset="0"/>
-                <a:ea typeface="微软雅黑" panose="020B0503020204020204" pitchFamily="34" charset="-122"/>
-                <a:sym typeface="Arial" panose="020B0604020202020204" pitchFamily="34" charset="0"/>
-              </a:rPr>
-              <a:t>绩效评价</a:t>
-            </a:r>
-            <a:endParaRPr lang="en-US" altLang="zh-CN" sz="3200" b="1" dirty="0">
-              <a:solidFill>
-                <a:schemeClr val="bg1">
-                  <a:lumMod val="50000"/>
-                </a:schemeClr>
-              </a:solidFill>
-              <a:latin typeface="Arial" panose="020B0604020202020204" pitchFamily="34" charset="0"/>
-              <a:ea typeface="微软雅黑" panose="020B0503020204020204" pitchFamily="34" charset="-122"/>
-              <a:sym typeface="Arial" panose="020B0604020202020204" pitchFamily="34" charset="0"/>
-            </a:endParaRPr>
-          </a:p>
-        </p:txBody>
-      </p:sp>
-      <p:cxnSp>
-        <p:nvCxnSpPr>
-          <p:cNvPr id="12" name="直接连接符 11">
-            <a:extLst>
-              <a:ext uri="{FF2B5EF4-FFF2-40B4-BE49-F238E27FC236}">
-                <a16:creationId xmlns:a16="http://schemas.microsoft.com/office/drawing/2014/main" id="{14901697-7294-4787-8C21-B17D6C79F8DF}"/>
-              </a:ext>
-            </a:extLst>
-          </p:cNvPr>
-          <p:cNvCxnSpPr/>
-          <p:nvPr/>
-        </p:nvCxnSpPr>
-        <p:spPr>
-          <a:xfrm flipV="1">
-            <a:off x="2310425" y="1843828"/>
-            <a:ext cx="0" cy="1420588"/>
-          </a:xfrm>
-          <a:prstGeom prst="line">
-            <a:avLst/>
-          </a:prstGeom>
-          <a:ln w="12700">
-            <a:solidFill>
-              <a:schemeClr val="accent2"/>
-            </a:solidFill>
-            <a:prstDash val="dash"/>
-          </a:ln>
-        </p:spPr>
-        <p:style>
-          <a:lnRef idx="1">
-            <a:schemeClr val="accent1"/>
-          </a:lnRef>
-          <a:fillRef idx="0">
-            <a:schemeClr val="accent1"/>
-          </a:fillRef>
-          <a:effectRef idx="0">
-            <a:schemeClr val="accent1"/>
-          </a:effectRef>
-          <a:fontRef idx="minor">
-            <a:schemeClr val="tx1"/>
-          </a:fontRef>
-        </p:style>
-      </p:cxnSp>
-      <p:sp>
-        <p:nvSpPr>
-          <p:cNvPr id="13" name="TextBox 13">
-            <a:extLst>
-              <a:ext uri="{FF2B5EF4-FFF2-40B4-BE49-F238E27FC236}">
-                <a16:creationId xmlns:a16="http://schemas.microsoft.com/office/drawing/2014/main" id="{0A8FC614-04A7-495E-8A16-62C8CB87190F}"/>
-              </a:ext>
-            </a:extLst>
-          </p:cNvPr>
-          <p:cNvSpPr txBox="1"/>
-          <p:nvPr/>
-        </p:nvSpPr>
-        <p:spPr>
-          <a:xfrm>
-            <a:off x="1056424" y="3018214"/>
-            <a:ext cx="902731" cy="246264"/>
-          </a:xfrm>
-          <a:prstGeom prst="rect">
-            <a:avLst/>
-          </a:prstGeom>
-          <a:noFill/>
-        </p:spPr>
-        <p:txBody>
-          <a:bodyPr wrap="square" lIns="0" tIns="0" rIns="0" bIns="0" rtlCol="0">
-            <a:spAutoFit/>
-          </a:bodyPr>
-          <a:lstStyle/>
-          <a:p>
-            <a:r>
-              <a:rPr lang="en-US" altLang="zh-CN" sz="1600" dirty="0">
-                <a:solidFill>
-                  <a:schemeClr val="tx1">
-                    <a:lumMod val="65000"/>
-                    <a:lumOff val="35000"/>
-                  </a:schemeClr>
-                </a:solidFill>
-                <a:latin typeface="Arial" panose="020B0604020202020204" pitchFamily="34" charset="0"/>
-                <a:ea typeface="+mj-ea"/>
-                <a:cs typeface="Arial" panose="020B0604020202020204" pitchFamily="34" charset="0"/>
-              </a:rPr>
-              <a:t>PART 08</a:t>
-            </a:r>
-            <a:endParaRPr lang="zh-CN" altLang="en-US" sz="1600" dirty="0">
-              <a:solidFill>
-                <a:schemeClr val="tx1">
-                  <a:lumMod val="65000"/>
-                  <a:lumOff val="35000"/>
-                </a:schemeClr>
-              </a:solidFill>
-              <a:latin typeface="Arial" panose="020B0604020202020204" pitchFamily="34" charset="0"/>
-              <a:ea typeface="+mj-ea"/>
-              <a:cs typeface="Arial" panose="020B0604020202020204" pitchFamily="34" charset="0"/>
-            </a:endParaRPr>
-          </a:p>
-        </p:txBody>
-      </p:sp>
-      <p:sp>
-        <p:nvSpPr>
-          <p:cNvPr id="14" name="椭圆 13">
-            <a:extLst>
-              <a:ext uri="{FF2B5EF4-FFF2-40B4-BE49-F238E27FC236}">
-                <a16:creationId xmlns:a16="http://schemas.microsoft.com/office/drawing/2014/main" id="{6FEF5A68-FBBE-4F6A-87D8-F6D8C6918FDB}"/>
-              </a:ext>
-            </a:extLst>
-          </p:cNvPr>
-          <p:cNvSpPr/>
-          <p:nvPr/>
-        </p:nvSpPr>
-        <p:spPr>
-          <a:xfrm>
-            <a:off x="900386" y="1840587"/>
-            <a:ext cx="1004396" cy="1004396"/>
-          </a:xfrm>
-          <a:prstGeom prst="ellipse">
-            <a:avLst/>
-          </a:prstGeom>
-          <a:solidFill>
-            <a:schemeClr val="accent1"/>
-          </a:solidFill>
-          <a:ln>
-            <a:noFill/>
-          </a:ln>
-        </p:spPr>
-        <p:style>
-          <a:lnRef idx="2">
-            <a:schemeClr val="accent1">
-              <a:shade val="50000"/>
-            </a:schemeClr>
-          </a:lnRef>
-          <a:fillRef idx="1">
-            <a:schemeClr val="accent1"/>
-          </a:fillRef>
-          <a:effectRef idx="0">
-            <a:schemeClr val="accent1"/>
-          </a:effectRef>
-          <a:fontRef idx="minor">
-            <a:schemeClr val="lt1"/>
-          </a:fontRef>
-        </p:style>
-        <p:txBody>
-          <a:bodyPr rtlCol="0" anchor="ctr"/>
-          <a:lstStyle/>
-          <a:p>
-            <a:pPr algn="ctr"/>
-            <a:endParaRPr lang="zh-CN" altLang="en-US" sz="1280" dirty="0">
-              <a:solidFill>
-                <a:srgbClr val="080808"/>
-              </a:solidFill>
-              <a:latin typeface="+mj-ea"/>
-              <a:ea typeface="+mj-ea"/>
-            </a:endParaRPr>
-          </a:p>
-        </p:txBody>
-      </p:sp>
-      <p:sp>
-        <p:nvSpPr>
-          <p:cNvPr id="17" name="TextBox 13">
-            <a:extLst>
-              <a:ext uri="{FF2B5EF4-FFF2-40B4-BE49-F238E27FC236}">
-                <a16:creationId xmlns:a16="http://schemas.microsoft.com/office/drawing/2014/main" id="{891578EA-D96C-4429-B1E5-FC1D8B659495}"/>
-              </a:ext>
-            </a:extLst>
-          </p:cNvPr>
-          <p:cNvSpPr txBox="1"/>
-          <p:nvPr/>
-        </p:nvSpPr>
-        <p:spPr>
-          <a:xfrm>
-            <a:off x="1038188" y="1982596"/>
-            <a:ext cx="902731" cy="769255"/>
-          </a:xfrm>
-          <a:prstGeom prst="rect">
-            <a:avLst/>
-          </a:prstGeom>
-          <a:noFill/>
-        </p:spPr>
-        <p:txBody>
-          <a:bodyPr wrap="square" lIns="0" tIns="0" rIns="0" bIns="0" rtlCol="0">
-            <a:spAutoFit/>
-          </a:bodyPr>
-          <a:lstStyle/>
-          <a:p>
-            <a:r>
-              <a:rPr lang="en-US" altLang="zh-CN" sz="4999" b="1" dirty="0">
-                <a:solidFill>
-                  <a:schemeClr val="bg1"/>
-                </a:solidFill>
-                <a:latin typeface="Arial" panose="020B0604020202020204" pitchFamily="34" charset="0"/>
-                <a:ea typeface="+mj-ea"/>
-                <a:cs typeface="Arial" panose="020B0604020202020204" pitchFamily="34" charset="0"/>
-              </a:rPr>
-              <a:t>08</a:t>
-            </a:r>
-            <a:endParaRPr lang="zh-CN" altLang="en-US" sz="4999" b="1" dirty="0">
-              <a:solidFill>
-                <a:schemeClr val="bg1"/>
-              </a:solidFill>
-              <a:latin typeface="Arial" panose="020B0604020202020204" pitchFamily="34" charset="0"/>
-              <a:ea typeface="+mj-ea"/>
-              <a:cs typeface="Arial" panose="020B0604020202020204" pitchFamily="34" charset="0"/>
-            </a:endParaRPr>
-          </a:p>
-        </p:txBody>
-      </p:sp>
-      <p:pic>
-        <p:nvPicPr>
-          <p:cNvPr id="21" name="图片 20">
-            <a:extLst>
-              <a:ext uri="{FF2B5EF4-FFF2-40B4-BE49-F238E27FC236}">
-                <a16:creationId xmlns:a16="http://schemas.microsoft.com/office/drawing/2014/main" id="{58488CAF-9C02-4F79-8CC1-7CF38D619CB0}"/>
-              </a:ext>
-            </a:extLst>
-          </p:cNvPr>
-          <p:cNvPicPr>
-            <a:picLocks noChangeAspect="1"/>
-          </p:cNvPicPr>
-          <p:nvPr/>
-        </p:nvPicPr>
-        <p:blipFill>
-          <a:blip r:embed="rId3">
-            <a:extLst>
-              <a:ext uri="{28A0092B-C50C-407E-A947-70E740481C1C}">
-                <a14:useLocalDpi xmlns:a14="http://schemas.microsoft.com/office/drawing/2010/main" val="0"/>
-              </a:ext>
-            </a:extLst>
-          </a:blip>
-          <a:stretch>
-            <a:fillRect/>
-          </a:stretch>
-        </p:blipFill>
-        <p:spPr>
-          <a:xfrm>
-            <a:off x="4644802" y="196280"/>
-            <a:ext cx="4412814" cy="4894829"/>
-          </a:xfrm>
-          <a:prstGeom prst="rect">
-            <a:avLst/>
-          </a:prstGeom>
-        </p:spPr>
-      </p:pic>
-    </p:spTree>
-    <p:extLst>
-      <p:ext uri="{BB962C8B-B14F-4D97-AF65-F5344CB8AC3E}">
-        <p14:creationId xmlns:p14="http://schemas.microsoft.com/office/powerpoint/2010/main" val="3078662230"/>
-      </p:ext>
-    </p:extLst>
-  </p:cSld>
-  <p:clrMapOvr>
-    <a:masterClrMapping/>
-  </p:clrMapOvr>
-  <mc:AlternateContent xmlns:mc="http://schemas.openxmlformats.org/markup-compatibility/2006" xmlns:p14="http://schemas.microsoft.com/office/powerpoint/2010/main">
-    <mc:Choice Requires="p14">
-      <p:transition spd="slow" p14:dur="1250" advClick="0" advTm="0">
-        <p14:doors dir="vert"/>
-      </p:transition>
-    </mc:Choice>
-    <mc:Fallback xmlns="">
-      <p:transition spd="slow" advClick="0" advTm="0">
-        <p:fade/>
-      </p:transition>
-    </mc:Fallback>
-  </mc:AlternateContent>
-  <p:timing>
-    <p:tnLst>
-      <p:par>
-        <p:cTn id="1" dur="indefinite" restart="never" nodeType="tmRoot">
-          <p:childTnLst>
-            <p:seq concurrent="1" nextAc="seek">
-              <p:cTn id="2" dur="indefinite" nodeType="mainSeq">
-                <p:childTnLst>
-                  <p:par>
-                    <p:cTn id="3" fill="hold">
-                      <p:stCondLst>
-                        <p:cond delay="indefinite"/>
-                        <p:cond evt="onBegin" delay="0">
-                          <p:tn val="2"/>
-                        </p:cond>
-                      </p:stCondLst>
-                      <p:childTnLst>
-                        <p:par>
-                          <p:cTn id="4" fill="hold">
-                            <p:stCondLst>
-                              <p:cond delay="0"/>
-                            </p:stCondLst>
-                            <p:childTnLst>
-                              <p:par>
-                                <p:cTn id="5" presetID="42" presetClass="entr" presetSubtype="0" fill="hold" nodeType="withEffect">
-                                  <p:stCondLst>
-                                    <p:cond delay="0"/>
-                                  </p:stCondLst>
-                                  <p:childTnLst>
-                                    <p:set>
-                                      <p:cBhvr>
-                                        <p:cTn id="6" dur="1" fill="hold">
-                                          <p:stCondLst>
-                                            <p:cond delay="0"/>
-                                          </p:stCondLst>
-                                        </p:cTn>
-                                        <p:tgtEl>
-                                          <p:spTgt spid="21"/>
-                                        </p:tgtEl>
-                                        <p:attrNameLst>
-                                          <p:attrName>style.visibility</p:attrName>
-                                        </p:attrNameLst>
-                                      </p:cBhvr>
-                                      <p:to>
-                                        <p:strVal val="visible"/>
-                                      </p:to>
-                                    </p:set>
-                                    <p:animEffect transition="in" filter="fade">
-                                      <p:cBhvr>
-                                        <p:cTn id="7" dur="1000"/>
-                                        <p:tgtEl>
-                                          <p:spTgt spid="21"/>
-                                        </p:tgtEl>
-                                      </p:cBhvr>
-                                    </p:animEffect>
-                                    <p:anim calcmode="lin" valueType="num">
-                                      <p:cBhvr>
-                                        <p:cTn id="8" dur="1000" fill="hold"/>
-                                        <p:tgtEl>
-                                          <p:spTgt spid="21"/>
-                                        </p:tgtEl>
-                                        <p:attrNameLst>
-                                          <p:attrName>ppt_x</p:attrName>
-                                        </p:attrNameLst>
-                                      </p:cBhvr>
-                                      <p:tavLst>
-                                        <p:tav tm="0">
-                                          <p:val>
-                                            <p:strVal val="#ppt_x"/>
-                                          </p:val>
-                                        </p:tav>
-                                        <p:tav tm="100000">
-                                          <p:val>
-                                            <p:strVal val="#ppt_x"/>
-                                          </p:val>
-                                        </p:tav>
-                                      </p:tavLst>
-                                    </p:anim>
-                                    <p:anim calcmode="lin" valueType="num">
-                                      <p:cBhvr>
-                                        <p:cTn id="9" dur="1000" fill="hold"/>
-                                        <p:tgtEl>
-                                          <p:spTgt spid="21"/>
-                                        </p:tgtEl>
-                                        <p:attrNameLst>
-                                          <p:attrName>ppt_y</p:attrName>
-                                        </p:attrNameLst>
-                                      </p:cBhvr>
-                                      <p:tavLst>
-                                        <p:tav tm="0">
-                                          <p:val>
-                                            <p:strVal val="#ppt_y+.1"/>
-                                          </p:val>
-                                        </p:tav>
-                                        <p:tav tm="100000">
-                                          <p:val>
-                                            <p:strVal val="#ppt_y"/>
-                                          </p:val>
-                                        </p:tav>
-                                      </p:tavLst>
-                                    </p:anim>
-                                  </p:childTnLst>
-                                </p:cTn>
-                              </p:par>
-                              <p:par>
-                                <p:cTn id="10" presetID="2" presetClass="entr" presetSubtype="8" fill="hold" grpId="0" nodeType="withEffect">
-                                  <p:stCondLst>
-                                    <p:cond delay="0"/>
-                                  </p:stCondLst>
-                                  <p:childTnLst>
-                                    <p:set>
-                                      <p:cBhvr>
-                                        <p:cTn id="11" dur="1" fill="hold">
-                                          <p:stCondLst>
-                                            <p:cond delay="0"/>
-                                          </p:stCondLst>
-                                        </p:cTn>
-                                        <p:tgtEl>
-                                          <p:spTgt spid="14"/>
-                                        </p:tgtEl>
-                                        <p:attrNameLst>
-                                          <p:attrName>style.visibility</p:attrName>
-                                        </p:attrNameLst>
-                                      </p:cBhvr>
-                                      <p:to>
-                                        <p:strVal val="visible"/>
-                                      </p:to>
-                                    </p:set>
-                                    <p:anim calcmode="lin" valueType="num">
-                                      <p:cBhvr additive="base">
-                                        <p:cTn id="12" dur="500" fill="hold"/>
-                                        <p:tgtEl>
-                                          <p:spTgt spid="14"/>
-                                        </p:tgtEl>
-                                        <p:attrNameLst>
-                                          <p:attrName>ppt_x</p:attrName>
-                                        </p:attrNameLst>
-                                      </p:cBhvr>
-                                      <p:tavLst>
-                                        <p:tav tm="0">
-                                          <p:val>
-                                            <p:strVal val="0-#ppt_w/2"/>
-                                          </p:val>
-                                        </p:tav>
-                                        <p:tav tm="100000">
-                                          <p:val>
-                                            <p:strVal val="#ppt_x"/>
-                                          </p:val>
-                                        </p:tav>
-                                      </p:tavLst>
-                                    </p:anim>
-                                    <p:anim calcmode="lin" valueType="num">
-                                      <p:cBhvr additive="base">
-                                        <p:cTn id="13" dur="500" fill="hold"/>
-                                        <p:tgtEl>
-                                          <p:spTgt spid="14"/>
-                                        </p:tgtEl>
-                                        <p:attrNameLst>
-                                          <p:attrName>ppt_y</p:attrName>
-                                        </p:attrNameLst>
-                                      </p:cBhvr>
-                                      <p:tavLst>
-                                        <p:tav tm="0">
-                                          <p:val>
-                                            <p:strVal val="#ppt_y"/>
-                                          </p:val>
-                                        </p:tav>
-                                        <p:tav tm="100000">
-                                          <p:val>
-                                            <p:strVal val="#ppt_y"/>
-                                          </p:val>
-                                        </p:tav>
-                                      </p:tavLst>
-                                    </p:anim>
-                                  </p:childTnLst>
-                                </p:cTn>
-                              </p:par>
-                              <p:par>
-                                <p:cTn id="14" presetID="22" presetClass="entr" presetSubtype="4" fill="hold" nodeType="withEffect">
-                                  <p:stCondLst>
-                                    <p:cond delay="0"/>
-                                  </p:stCondLst>
-                                  <p:childTnLst>
-                                    <p:set>
-                                      <p:cBhvr>
-                                        <p:cTn id="15" dur="1" fill="hold">
-                                          <p:stCondLst>
-                                            <p:cond delay="0"/>
-                                          </p:stCondLst>
-                                        </p:cTn>
-                                        <p:tgtEl>
-                                          <p:spTgt spid="12"/>
-                                        </p:tgtEl>
-                                        <p:attrNameLst>
-                                          <p:attrName>style.visibility</p:attrName>
-                                        </p:attrNameLst>
-                                      </p:cBhvr>
-                                      <p:to>
-                                        <p:strVal val="visible"/>
-                                      </p:to>
-                                    </p:set>
-                                    <p:animEffect transition="in" filter="wipe(down)">
-                                      <p:cBhvr>
-                                        <p:cTn id="16" dur="500"/>
-                                        <p:tgtEl>
-                                          <p:spTgt spid="12"/>
-                                        </p:tgtEl>
-                                      </p:cBhvr>
-                                    </p:animEffect>
-                                  </p:childTnLst>
-                                </p:cTn>
-                              </p:par>
-                              <p:par>
-                                <p:cTn id="17" presetID="47" presetClass="entr" presetSubtype="0" fill="hold" grpId="0" nodeType="withEffect">
-                                  <p:stCondLst>
-                                    <p:cond delay="0"/>
-                                  </p:stCondLst>
-                                  <p:childTnLst>
-                                    <p:set>
-                                      <p:cBhvr>
-                                        <p:cTn id="18" dur="1" fill="hold">
-                                          <p:stCondLst>
-                                            <p:cond delay="0"/>
-                                          </p:stCondLst>
-                                        </p:cTn>
-                                        <p:tgtEl>
-                                          <p:spTgt spid="17"/>
-                                        </p:tgtEl>
-                                        <p:attrNameLst>
-                                          <p:attrName>style.visibility</p:attrName>
-                                        </p:attrNameLst>
-                                      </p:cBhvr>
-                                      <p:to>
-                                        <p:strVal val="visible"/>
-                                      </p:to>
-                                    </p:set>
-                                    <p:animEffect transition="in" filter="fade">
-                                      <p:cBhvr>
-                                        <p:cTn id="19" dur="500"/>
-                                        <p:tgtEl>
-                                          <p:spTgt spid="17"/>
-                                        </p:tgtEl>
-                                      </p:cBhvr>
-                                    </p:animEffect>
-                                    <p:anim calcmode="lin" valueType="num">
-                                      <p:cBhvr>
-                                        <p:cTn id="20" dur="500" fill="hold"/>
-                                        <p:tgtEl>
-                                          <p:spTgt spid="17"/>
-                                        </p:tgtEl>
-                                        <p:attrNameLst>
-                                          <p:attrName>ppt_x</p:attrName>
-                                        </p:attrNameLst>
-                                      </p:cBhvr>
-                                      <p:tavLst>
-                                        <p:tav tm="0">
-                                          <p:val>
-                                            <p:strVal val="#ppt_x"/>
-                                          </p:val>
-                                        </p:tav>
-                                        <p:tav tm="100000">
-                                          <p:val>
-                                            <p:strVal val="#ppt_x"/>
-                                          </p:val>
-                                        </p:tav>
-                                      </p:tavLst>
-                                    </p:anim>
-                                    <p:anim calcmode="lin" valueType="num">
-                                      <p:cBhvr>
-                                        <p:cTn id="21" dur="500" fill="hold"/>
-                                        <p:tgtEl>
-                                          <p:spTgt spid="17"/>
-                                        </p:tgtEl>
-                                        <p:attrNameLst>
-                                          <p:attrName>ppt_y</p:attrName>
-                                        </p:attrNameLst>
-                                      </p:cBhvr>
-                                      <p:tavLst>
-                                        <p:tav tm="0">
-                                          <p:val>
-                                            <p:strVal val="#ppt_y-.1"/>
-                                          </p:val>
-                                        </p:tav>
-                                        <p:tav tm="100000">
-                                          <p:val>
-                                            <p:strVal val="#ppt_y"/>
-                                          </p:val>
-                                        </p:tav>
-                                      </p:tavLst>
-                                    </p:anim>
-                                  </p:childTnLst>
-                                </p:cTn>
-                              </p:par>
-                              <p:par>
-                                <p:cTn id="22" presetID="12" presetClass="entr" presetSubtype="8" fill="hold" grpId="0" nodeType="withEffect">
-                                  <p:stCondLst>
-                                    <p:cond delay="0"/>
-                                  </p:stCondLst>
-                                  <p:childTnLst>
-                                    <p:set>
-                                      <p:cBhvr>
-                                        <p:cTn id="23" dur="1" fill="hold">
-                                          <p:stCondLst>
-                                            <p:cond delay="0"/>
-                                          </p:stCondLst>
-                                        </p:cTn>
-                                        <p:tgtEl>
-                                          <p:spTgt spid="11"/>
-                                        </p:tgtEl>
-                                        <p:attrNameLst>
-                                          <p:attrName>style.visibility</p:attrName>
-                                        </p:attrNameLst>
-                                      </p:cBhvr>
-                                      <p:to>
-                                        <p:strVal val="visible"/>
-                                      </p:to>
-                                    </p:set>
-                                    <p:anim calcmode="lin" valueType="num">
-                                      <p:cBhvr additive="base">
-                                        <p:cTn id="24" dur="500"/>
-                                        <p:tgtEl>
-                                          <p:spTgt spid="11"/>
-                                        </p:tgtEl>
-                                        <p:attrNameLst>
-                                          <p:attrName>ppt_x</p:attrName>
-                                        </p:attrNameLst>
-                                      </p:cBhvr>
-                                      <p:tavLst>
-                                        <p:tav tm="0">
-                                          <p:val>
-                                            <p:strVal val="#ppt_x-#ppt_w*1.125000"/>
-                                          </p:val>
-                                        </p:tav>
-                                        <p:tav tm="100000">
-                                          <p:val>
-                                            <p:strVal val="#ppt_x"/>
-                                          </p:val>
-                                        </p:tav>
-                                      </p:tavLst>
-                                    </p:anim>
-                                    <p:animEffect transition="in" filter="wipe(right)">
-                                      <p:cBhvr>
-                                        <p:cTn id="25" dur="500"/>
-                                        <p:tgtEl>
-                                          <p:spTgt spid="11"/>
-                                        </p:tgtEl>
-                                      </p:cBhvr>
-                                    </p:animEffect>
-                                  </p:childTnLst>
-                                </p:cTn>
-                              </p:par>
-                              <p:par>
-                                <p:cTn id="26" presetID="47" presetClass="entr" presetSubtype="0" fill="hold" grpId="0" nodeType="withEffect">
-                                  <p:stCondLst>
-                                    <p:cond delay="0"/>
-                                  </p:stCondLst>
-                                  <p:childTnLst>
-                                    <p:set>
-                                      <p:cBhvr>
-                                        <p:cTn id="27" dur="1" fill="hold">
-                                          <p:stCondLst>
-                                            <p:cond delay="0"/>
-                                          </p:stCondLst>
-                                        </p:cTn>
-                                        <p:tgtEl>
-                                          <p:spTgt spid="13"/>
-                                        </p:tgtEl>
-                                        <p:attrNameLst>
-                                          <p:attrName>style.visibility</p:attrName>
-                                        </p:attrNameLst>
-                                      </p:cBhvr>
-                                      <p:to>
-                                        <p:strVal val="visible"/>
-                                      </p:to>
-                                    </p:set>
-                                    <p:animEffect transition="in" filter="fade">
-                                      <p:cBhvr>
-                                        <p:cTn id="28" dur="500"/>
-                                        <p:tgtEl>
-                                          <p:spTgt spid="13"/>
-                                        </p:tgtEl>
-                                      </p:cBhvr>
-                                    </p:animEffect>
-                                    <p:anim calcmode="lin" valueType="num">
-                                      <p:cBhvr>
-                                        <p:cTn id="29" dur="500" fill="hold"/>
-                                        <p:tgtEl>
-                                          <p:spTgt spid="13"/>
-                                        </p:tgtEl>
-                                        <p:attrNameLst>
-                                          <p:attrName>ppt_x</p:attrName>
-                                        </p:attrNameLst>
-                                      </p:cBhvr>
-                                      <p:tavLst>
-                                        <p:tav tm="0">
-                                          <p:val>
-                                            <p:strVal val="#ppt_x"/>
-                                          </p:val>
-                                        </p:tav>
-                                        <p:tav tm="100000">
-                                          <p:val>
-                                            <p:strVal val="#ppt_x"/>
-                                          </p:val>
-                                        </p:tav>
-                                      </p:tavLst>
-                                    </p:anim>
-                                    <p:anim calcmode="lin" valueType="num">
-                                      <p:cBhvr>
-                                        <p:cTn id="30" dur="500" fill="hold"/>
-                                        <p:tgtEl>
-                                          <p:spTgt spid="13"/>
-                                        </p:tgtEl>
-                                        <p:attrNameLst>
-                                          <p:attrName>ppt_y</p:attrName>
-                                        </p:attrNameLst>
-                                      </p:cBhvr>
-                                      <p:tavLst>
-                                        <p:tav tm="0">
-                                          <p:val>
-                                            <p:strVal val="#ppt_y-.1"/>
-                                          </p:val>
-                                        </p:tav>
-                                        <p:tav tm="100000">
-                                          <p:val>
-                                            <p:strVal val="#ppt_y"/>
-                                          </p:val>
-                                        </p:tav>
-                                      </p:tavLst>
-                                    </p:anim>
-                                  </p:childTnLst>
-                                </p:cTn>
-                              </p:par>
-                            </p:childTnLst>
-                          </p:cTn>
-                        </p:par>
-                      </p:childTnLst>
-                    </p:cTn>
-                  </p:par>
-                </p:childTnLst>
-              </p:cTn>
-              <p:prevCondLst>
-                <p:cond evt="onPrev" delay="0">
-                  <p:tgtEl>
-                    <p:sldTgt/>
-                  </p:tgtEl>
-                </p:cond>
-              </p:prevCondLst>
-              <p:nextCondLst>
-                <p:cond evt="onNext" delay="0">
-                  <p:tgtEl>
-                    <p:sldTgt/>
-                  </p:tgtEl>
-                </p:cond>
-              </p:nextCondLst>
-            </p:seq>
-          </p:childTnLst>
-        </p:cTn>
-      </p:par>
-    </p:tnLst>
-    <p:bldLst>
-      <p:bldP spid="11" grpId="0"/>
-      <p:bldP spid="13" grpId="0"/>
-      <p:bldP spid="14" grpId="0" animBg="1"/>
-      <p:bldP spid="17" grpId="0"/>
     </p:bldLst>
   </p:timing>
 </p:sld>
@@ -21528,6 +21192,830 @@
       </p:grpSpPr>
       <p:sp>
         <p:nvSpPr>
+          <p:cNvPr id="11" name="TextBox 11">
+            <a:extLst>
+              <a:ext uri="{FF2B5EF4-FFF2-40B4-BE49-F238E27FC236}">
+                <a16:creationId xmlns:a16="http://schemas.microsoft.com/office/drawing/2014/main" id="{4E59B2F5-1D38-431D-B5EF-F3BE06FDA12E}"/>
+              </a:ext>
+            </a:extLst>
+          </p:cNvPr>
+          <p:cNvSpPr txBox="1"/>
+          <p:nvPr/>
+        </p:nvSpPr>
+        <p:spPr>
+          <a:xfrm>
+            <a:off x="2445176" y="1941954"/>
+            <a:ext cx="1826141" cy="1077218"/>
+          </a:xfrm>
+          <a:prstGeom prst="rect">
+            <a:avLst/>
+          </a:prstGeom>
+          <a:noFill/>
+        </p:spPr>
+        <p:txBody>
+          <a:bodyPr wrap="none" rtlCol="0">
+            <a:spAutoFit/>
+          </a:bodyPr>
+          <a:lstStyle/>
+          <a:p>
+            <a:pPr marL="0" lvl="1"/>
+            <a:r>
+              <a:rPr lang="zh-CN" altLang="en-US" sz="3200" b="1" dirty="0">
+                <a:solidFill>
+                  <a:schemeClr val="accent2"/>
+                </a:solidFill>
+                <a:latin typeface="微软雅黑" panose="020B0503020204020204" pitchFamily="34" charset="-122"/>
+                <a:ea typeface="微软雅黑" panose="020B0503020204020204" pitchFamily="34" charset="-122"/>
+              </a:rPr>
+              <a:t>第八部分</a:t>
+            </a:r>
+            <a:endParaRPr lang="en-US" altLang="zh-CN" sz="3200" b="1" dirty="0">
+              <a:solidFill>
+                <a:schemeClr val="accent2"/>
+              </a:solidFill>
+              <a:latin typeface="微软雅黑" panose="020B0503020204020204" pitchFamily="34" charset="-122"/>
+              <a:ea typeface="微软雅黑" panose="020B0503020204020204" pitchFamily="34" charset="-122"/>
+            </a:endParaRPr>
+          </a:p>
+          <a:p>
+            <a:r>
+              <a:rPr lang="zh-CN" altLang="en-US" sz="3200" b="1" dirty="0">
+                <a:solidFill>
+                  <a:schemeClr val="bg1">
+                    <a:lumMod val="50000"/>
+                  </a:schemeClr>
+                </a:solidFill>
+                <a:latin typeface="Arial" panose="020B0604020202020204" pitchFamily="34" charset="0"/>
+                <a:ea typeface="微软雅黑" panose="020B0503020204020204" pitchFamily="34" charset="-122"/>
+                <a:sym typeface="Arial" panose="020B0604020202020204" pitchFamily="34" charset="0"/>
+              </a:rPr>
+              <a:t>绩效评价</a:t>
+            </a:r>
+            <a:endParaRPr lang="en-US" altLang="zh-CN" sz="3200" b="1" dirty="0">
+              <a:solidFill>
+                <a:schemeClr val="bg1">
+                  <a:lumMod val="50000"/>
+                </a:schemeClr>
+              </a:solidFill>
+              <a:latin typeface="Arial" panose="020B0604020202020204" pitchFamily="34" charset="0"/>
+              <a:ea typeface="微软雅黑" panose="020B0503020204020204" pitchFamily="34" charset="-122"/>
+              <a:sym typeface="Arial" panose="020B0604020202020204" pitchFamily="34" charset="0"/>
+            </a:endParaRPr>
+          </a:p>
+        </p:txBody>
+      </p:sp>
+      <p:cxnSp>
+        <p:nvCxnSpPr>
+          <p:cNvPr id="12" name="直接连接符 11">
+            <a:extLst>
+              <a:ext uri="{FF2B5EF4-FFF2-40B4-BE49-F238E27FC236}">
+                <a16:creationId xmlns:a16="http://schemas.microsoft.com/office/drawing/2014/main" id="{14901697-7294-4787-8C21-B17D6C79F8DF}"/>
+              </a:ext>
+            </a:extLst>
+          </p:cNvPr>
+          <p:cNvCxnSpPr/>
+          <p:nvPr/>
+        </p:nvCxnSpPr>
+        <p:spPr>
+          <a:xfrm flipV="1">
+            <a:off x="2310425" y="1843828"/>
+            <a:ext cx="0" cy="1420588"/>
+          </a:xfrm>
+          <a:prstGeom prst="line">
+            <a:avLst/>
+          </a:prstGeom>
+          <a:ln w="12700">
+            <a:solidFill>
+              <a:schemeClr val="accent2"/>
+            </a:solidFill>
+            <a:prstDash val="dash"/>
+          </a:ln>
+        </p:spPr>
+        <p:style>
+          <a:lnRef idx="1">
+            <a:schemeClr val="accent1"/>
+          </a:lnRef>
+          <a:fillRef idx="0">
+            <a:schemeClr val="accent1"/>
+          </a:fillRef>
+          <a:effectRef idx="0">
+            <a:schemeClr val="accent1"/>
+          </a:effectRef>
+          <a:fontRef idx="minor">
+            <a:schemeClr val="tx1"/>
+          </a:fontRef>
+        </p:style>
+      </p:cxnSp>
+      <p:sp>
+        <p:nvSpPr>
+          <p:cNvPr id="13" name="TextBox 13">
+            <a:extLst>
+              <a:ext uri="{FF2B5EF4-FFF2-40B4-BE49-F238E27FC236}">
+                <a16:creationId xmlns:a16="http://schemas.microsoft.com/office/drawing/2014/main" id="{0A8FC614-04A7-495E-8A16-62C8CB87190F}"/>
+              </a:ext>
+            </a:extLst>
+          </p:cNvPr>
+          <p:cNvSpPr txBox="1"/>
+          <p:nvPr/>
+        </p:nvSpPr>
+        <p:spPr>
+          <a:xfrm>
+            <a:off x="1056424" y="3018214"/>
+            <a:ext cx="902731" cy="246264"/>
+          </a:xfrm>
+          <a:prstGeom prst="rect">
+            <a:avLst/>
+          </a:prstGeom>
+          <a:noFill/>
+        </p:spPr>
+        <p:txBody>
+          <a:bodyPr wrap="square" lIns="0" tIns="0" rIns="0" bIns="0" rtlCol="0">
+            <a:spAutoFit/>
+          </a:bodyPr>
+          <a:lstStyle/>
+          <a:p>
+            <a:r>
+              <a:rPr lang="en-US" altLang="zh-CN" sz="1600" dirty="0">
+                <a:solidFill>
+                  <a:schemeClr val="tx1">
+                    <a:lumMod val="65000"/>
+                    <a:lumOff val="35000"/>
+                  </a:schemeClr>
+                </a:solidFill>
+                <a:latin typeface="Arial" panose="020B0604020202020204" pitchFamily="34" charset="0"/>
+                <a:ea typeface="+mj-ea"/>
+                <a:cs typeface="Arial" panose="020B0604020202020204" pitchFamily="34" charset="0"/>
+              </a:rPr>
+              <a:t>PART 08</a:t>
+            </a:r>
+            <a:endParaRPr lang="zh-CN" altLang="en-US" sz="1600" dirty="0">
+              <a:solidFill>
+                <a:schemeClr val="tx1">
+                  <a:lumMod val="65000"/>
+                  <a:lumOff val="35000"/>
+                </a:schemeClr>
+              </a:solidFill>
+              <a:latin typeface="Arial" panose="020B0604020202020204" pitchFamily="34" charset="0"/>
+              <a:ea typeface="+mj-ea"/>
+              <a:cs typeface="Arial" panose="020B0604020202020204" pitchFamily="34" charset="0"/>
+            </a:endParaRPr>
+          </a:p>
+        </p:txBody>
+      </p:sp>
+      <p:sp>
+        <p:nvSpPr>
+          <p:cNvPr id="14" name="椭圆 13">
+            <a:extLst>
+              <a:ext uri="{FF2B5EF4-FFF2-40B4-BE49-F238E27FC236}">
+                <a16:creationId xmlns:a16="http://schemas.microsoft.com/office/drawing/2014/main" id="{6FEF5A68-FBBE-4F6A-87D8-F6D8C6918FDB}"/>
+              </a:ext>
+            </a:extLst>
+          </p:cNvPr>
+          <p:cNvSpPr/>
+          <p:nvPr/>
+        </p:nvSpPr>
+        <p:spPr>
+          <a:xfrm>
+            <a:off x="900386" y="1840587"/>
+            <a:ext cx="1004396" cy="1004396"/>
+          </a:xfrm>
+          <a:prstGeom prst="ellipse">
+            <a:avLst/>
+          </a:prstGeom>
+          <a:solidFill>
+            <a:schemeClr val="accent1"/>
+          </a:solidFill>
+          <a:ln>
+            <a:noFill/>
+          </a:ln>
+        </p:spPr>
+        <p:style>
+          <a:lnRef idx="2">
+            <a:schemeClr val="accent1">
+              <a:shade val="50000"/>
+            </a:schemeClr>
+          </a:lnRef>
+          <a:fillRef idx="1">
+            <a:schemeClr val="accent1"/>
+          </a:fillRef>
+          <a:effectRef idx="0">
+            <a:schemeClr val="accent1"/>
+          </a:effectRef>
+          <a:fontRef idx="minor">
+            <a:schemeClr val="lt1"/>
+          </a:fontRef>
+        </p:style>
+        <p:txBody>
+          <a:bodyPr rtlCol="0" anchor="ctr"/>
+          <a:lstStyle/>
+          <a:p>
+            <a:pPr algn="ctr"/>
+            <a:endParaRPr lang="zh-CN" altLang="en-US" sz="1280" dirty="0">
+              <a:solidFill>
+                <a:srgbClr val="080808"/>
+              </a:solidFill>
+              <a:latin typeface="+mj-ea"/>
+              <a:ea typeface="+mj-ea"/>
+            </a:endParaRPr>
+          </a:p>
+        </p:txBody>
+      </p:sp>
+      <p:sp>
+        <p:nvSpPr>
+          <p:cNvPr id="17" name="TextBox 13">
+            <a:extLst>
+              <a:ext uri="{FF2B5EF4-FFF2-40B4-BE49-F238E27FC236}">
+                <a16:creationId xmlns:a16="http://schemas.microsoft.com/office/drawing/2014/main" id="{891578EA-D96C-4429-B1E5-FC1D8B659495}"/>
+              </a:ext>
+            </a:extLst>
+          </p:cNvPr>
+          <p:cNvSpPr txBox="1"/>
+          <p:nvPr/>
+        </p:nvSpPr>
+        <p:spPr>
+          <a:xfrm>
+            <a:off x="1038188" y="1982596"/>
+            <a:ext cx="902731" cy="769255"/>
+          </a:xfrm>
+          <a:prstGeom prst="rect">
+            <a:avLst/>
+          </a:prstGeom>
+          <a:noFill/>
+        </p:spPr>
+        <p:txBody>
+          <a:bodyPr wrap="square" lIns="0" tIns="0" rIns="0" bIns="0" rtlCol="0">
+            <a:spAutoFit/>
+          </a:bodyPr>
+          <a:lstStyle/>
+          <a:p>
+            <a:r>
+              <a:rPr lang="en-US" altLang="zh-CN" sz="4999" b="1" dirty="0">
+                <a:solidFill>
+                  <a:schemeClr val="bg1"/>
+                </a:solidFill>
+                <a:latin typeface="Arial" panose="020B0604020202020204" pitchFamily="34" charset="0"/>
+                <a:ea typeface="+mj-ea"/>
+                <a:cs typeface="Arial" panose="020B0604020202020204" pitchFamily="34" charset="0"/>
+              </a:rPr>
+              <a:t>08</a:t>
+            </a:r>
+            <a:endParaRPr lang="zh-CN" altLang="en-US" sz="4999" b="1" dirty="0">
+              <a:solidFill>
+                <a:schemeClr val="bg1"/>
+              </a:solidFill>
+              <a:latin typeface="Arial" panose="020B0604020202020204" pitchFamily="34" charset="0"/>
+              <a:ea typeface="+mj-ea"/>
+              <a:cs typeface="Arial" panose="020B0604020202020204" pitchFamily="34" charset="0"/>
+            </a:endParaRPr>
+          </a:p>
+        </p:txBody>
+      </p:sp>
+      <p:pic>
+        <p:nvPicPr>
+          <p:cNvPr id="21" name="图片 20">
+            <a:extLst>
+              <a:ext uri="{FF2B5EF4-FFF2-40B4-BE49-F238E27FC236}">
+                <a16:creationId xmlns:a16="http://schemas.microsoft.com/office/drawing/2014/main" id="{58488CAF-9C02-4F79-8CC1-7CF38D619CB0}"/>
+              </a:ext>
+            </a:extLst>
+          </p:cNvPr>
+          <p:cNvPicPr>
+            <a:picLocks noChangeAspect="1"/>
+          </p:cNvPicPr>
+          <p:nvPr/>
+        </p:nvPicPr>
+        <p:blipFill>
+          <a:blip r:embed="rId3">
+            <a:extLst>
+              <a:ext uri="{28A0092B-C50C-407E-A947-70E740481C1C}">
+                <a14:useLocalDpi xmlns:a14="http://schemas.microsoft.com/office/drawing/2010/main" val="0"/>
+              </a:ext>
+            </a:extLst>
+          </a:blip>
+          <a:stretch>
+            <a:fillRect/>
+          </a:stretch>
+        </p:blipFill>
+        <p:spPr>
+          <a:xfrm>
+            <a:off x="4644802" y="196280"/>
+            <a:ext cx="4412814" cy="4894829"/>
+          </a:xfrm>
+          <a:prstGeom prst="rect">
+            <a:avLst/>
+          </a:prstGeom>
+        </p:spPr>
+      </p:pic>
+    </p:spTree>
+    <p:extLst>
+      <p:ext uri="{BB962C8B-B14F-4D97-AF65-F5344CB8AC3E}">
+        <p14:creationId xmlns:p14="http://schemas.microsoft.com/office/powerpoint/2010/main" val="3078662230"/>
+      </p:ext>
+    </p:extLst>
+  </p:cSld>
+  <p:clrMapOvr>
+    <a:masterClrMapping/>
+  </p:clrMapOvr>
+  <mc:AlternateContent xmlns:mc="http://schemas.openxmlformats.org/markup-compatibility/2006" xmlns:p14="http://schemas.microsoft.com/office/powerpoint/2010/main">
+    <mc:Choice Requires="p14">
+      <p:transition spd="slow" p14:dur="1250" advClick="0" advTm="0">
+        <p14:doors dir="vert"/>
+      </p:transition>
+    </mc:Choice>
+    <mc:Fallback xmlns="">
+      <p:transition spd="slow" advClick="0" advTm="0">
+        <p:fade/>
+      </p:transition>
+    </mc:Fallback>
+  </mc:AlternateContent>
+  <p:timing>
+    <p:tnLst>
+      <p:par>
+        <p:cTn id="1" dur="indefinite" restart="never" nodeType="tmRoot">
+          <p:childTnLst>
+            <p:seq concurrent="1" nextAc="seek">
+              <p:cTn id="2" dur="indefinite" nodeType="mainSeq">
+                <p:childTnLst>
+                  <p:par>
+                    <p:cTn id="3" fill="hold">
+                      <p:stCondLst>
+                        <p:cond delay="indefinite"/>
+                        <p:cond evt="onBegin" delay="0">
+                          <p:tn val="2"/>
+                        </p:cond>
+                      </p:stCondLst>
+                      <p:childTnLst>
+                        <p:par>
+                          <p:cTn id="4" fill="hold">
+                            <p:stCondLst>
+                              <p:cond delay="0"/>
+                            </p:stCondLst>
+                            <p:childTnLst>
+                              <p:par>
+                                <p:cTn id="5" presetID="42" presetClass="entr" presetSubtype="0" fill="hold" nodeType="withEffect">
+                                  <p:stCondLst>
+                                    <p:cond delay="0"/>
+                                  </p:stCondLst>
+                                  <p:childTnLst>
+                                    <p:set>
+                                      <p:cBhvr>
+                                        <p:cTn id="6" dur="1" fill="hold">
+                                          <p:stCondLst>
+                                            <p:cond delay="0"/>
+                                          </p:stCondLst>
+                                        </p:cTn>
+                                        <p:tgtEl>
+                                          <p:spTgt spid="21"/>
+                                        </p:tgtEl>
+                                        <p:attrNameLst>
+                                          <p:attrName>style.visibility</p:attrName>
+                                        </p:attrNameLst>
+                                      </p:cBhvr>
+                                      <p:to>
+                                        <p:strVal val="visible"/>
+                                      </p:to>
+                                    </p:set>
+                                    <p:animEffect transition="in" filter="fade">
+                                      <p:cBhvr>
+                                        <p:cTn id="7" dur="1000"/>
+                                        <p:tgtEl>
+                                          <p:spTgt spid="21"/>
+                                        </p:tgtEl>
+                                      </p:cBhvr>
+                                    </p:animEffect>
+                                    <p:anim calcmode="lin" valueType="num">
+                                      <p:cBhvr>
+                                        <p:cTn id="8" dur="1000" fill="hold"/>
+                                        <p:tgtEl>
+                                          <p:spTgt spid="21"/>
+                                        </p:tgtEl>
+                                        <p:attrNameLst>
+                                          <p:attrName>ppt_x</p:attrName>
+                                        </p:attrNameLst>
+                                      </p:cBhvr>
+                                      <p:tavLst>
+                                        <p:tav tm="0">
+                                          <p:val>
+                                            <p:strVal val="#ppt_x"/>
+                                          </p:val>
+                                        </p:tav>
+                                        <p:tav tm="100000">
+                                          <p:val>
+                                            <p:strVal val="#ppt_x"/>
+                                          </p:val>
+                                        </p:tav>
+                                      </p:tavLst>
+                                    </p:anim>
+                                    <p:anim calcmode="lin" valueType="num">
+                                      <p:cBhvr>
+                                        <p:cTn id="9" dur="1000" fill="hold"/>
+                                        <p:tgtEl>
+                                          <p:spTgt spid="21"/>
+                                        </p:tgtEl>
+                                        <p:attrNameLst>
+                                          <p:attrName>ppt_y</p:attrName>
+                                        </p:attrNameLst>
+                                      </p:cBhvr>
+                                      <p:tavLst>
+                                        <p:tav tm="0">
+                                          <p:val>
+                                            <p:strVal val="#ppt_y+.1"/>
+                                          </p:val>
+                                        </p:tav>
+                                        <p:tav tm="100000">
+                                          <p:val>
+                                            <p:strVal val="#ppt_y"/>
+                                          </p:val>
+                                        </p:tav>
+                                      </p:tavLst>
+                                    </p:anim>
+                                  </p:childTnLst>
+                                </p:cTn>
+                              </p:par>
+                              <p:par>
+                                <p:cTn id="10" presetID="2" presetClass="entr" presetSubtype="8" fill="hold" grpId="0" nodeType="withEffect">
+                                  <p:stCondLst>
+                                    <p:cond delay="0"/>
+                                  </p:stCondLst>
+                                  <p:childTnLst>
+                                    <p:set>
+                                      <p:cBhvr>
+                                        <p:cTn id="11" dur="1" fill="hold">
+                                          <p:stCondLst>
+                                            <p:cond delay="0"/>
+                                          </p:stCondLst>
+                                        </p:cTn>
+                                        <p:tgtEl>
+                                          <p:spTgt spid="14"/>
+                                        </p:tgtEl>
+                                        <p:attrNameLst>
+                                          <p:attrName>style.visibility</p:attrName>
+                                        </p:attrNameLst>
+                                      </p:cBhvr>
+                                      <p:to>
+                                        <p:strVal val="visible"/>
+                                      </p:to>
+                                    </p:set>
+                                    <p:anim calcmode="lin" valueType="num">
+                                      <p:cBhvr additive="base">
+                                        <p:cTn id="12" dur="500" fill="hold"/>
+                                        <p:tgtEl>
+                                          <p:spTgt spid="14"/>
+                                        </p:tgtEl>
+                                        <p:attrNameLst>
+                                          <p:attrName>ppt_x</p:attrName>
+                                        </p:attrNameLst>
+                                      </p:cBhvr>
+                                      <p:tavLst>
+                                        <p:tav tm="0">
+                                          <p:val>
+                                            <p:strVal val="0-#ppt_w/2"/>
+                                          </p:val>
+                                        </p:tav>
+                                        <p:tav tm="100000">
+                                          <p:val>
+                                            <p:strVal val="#ppt_x"/>
+                                          </p:val>
+                                        </p:tav>
+                                      </p:tavLst>
+                                    </p:anim>
+                                    <p:anim calcmode="lin" valueType="num">
+                                      <p:cBhvr additive="base">
+                                        <p:cTn id="13" dur="500" fill="hold"/>
+                                        <p:tgtEl>
+                                          <p:spTgt spid="14"/>
+                                        </p:tgtEl>
+                                        <p:attrNameLst>
+                                          <p:attrName>ppt_y</p:attrName>
+                                        </p:attrNameLst>
+                                      </p:cBhvr>
+                                      <p:tavLst>
+                                        <p:tav tm="0">
+                                          <p:val>
+                                            <p:strVal val="#ppt_y"/>
+                                          </p:val>
+                                        </p:tav>
+                                        <p:tav tm="100000">
+                                          <p:val>
+                                            <p:strVal val="#ppt_y"/>
+                                          </p:val>
+                                        </p:tav>
+                                      </p:tavLst>
+                                    </p:anim>
+                                  </p:childTnLst>
+                                </p:cTn>
+                              </p:par>
+                              <p:par>
+                                <p:cTn id="14" presetID="22" presetClass="entr" presetSubtype="4" fill="hold" nodeType="withEffect">
+                                  <p:stCondLst>
+                                    <p:cond delay="0"/>
+                                  </p:stCondLst>
+                                  <p:childTnLst>
+                                    <p:set>
+                                      <p:cBhvr>
+                                        <p:cTn id="15" dur="1" fill="hold">
+                                          <p:stCondLst>
+                                            <p:cond delay="0"/>
+                                          </p:stCondLst>
+                                        </p:cTn>
+                                        <p:tgtEl>
+                                          <p:spTgt spid="12"/>
+                                        </p:tgtEl>
+                                        <p:attrNameLst>
+                                          <p:attrName>style.visibility</p:attrName>
+                                        </p:attrNameLst>
+                                      </p:cBhvr>
+                                      <p:to>
+                                        <p:strVal val="visible"/>
+                                      </p:to>
+                                    </p:set>
+                                    <p:animEffect transition="in" filter="wipe(down)">
+                                      <p:cBhvr>
+                                        <p:cTn id="16" dur="500"/>
+                                        <p:tgtEl>
+                                          <p:spTgt spid="12"/>
+                                        </p:tgtEl>
+                                      </p:cBhvr>
+                                    </p:animEffect>
+                                  </p:childTnLst>
+                                </p:cTn>
+                              </p:par>
+                              <p:par>
+                                <p:cTn id="17" presetID="47" presetClass="entr" presetSubtype="0" fill="hold" grpId="0" nodeType="withEffect">
+                                  <p:stCondLst>
+                                    <p:cond delay="0"/>
+                                  </p:stCondLst>
+                                  <p:childTnLst>
+                                    <p:set>
+                                      <p:cBhvr>
+                                        <p:cTn id="18" dur="1" fill="hold">
+                                          <p:stCondLst>
+                                            <p:cond delay="0"/>
+                                          </p:stCondLst>
+                                        </p:cTn>
+                                        <p:tgtEl>
+                                          <p:spTgt spid="17"/>
+                                        </p:tgtEl>
+                                        <p:attrNameLst>
+                                          <p:attrName>style.visibility</p:attrName>
+                                        </p:attrNameLst>
+                                      </p:cBhvr>
+                                      <p:to>
+                                        <p:strVal val="visible"/>
+                                      </p:to>
+                                    </p:set>
+                                    <p:animEffect transition="in" filter="fade">
+                                      <p:cBhvr>
+                                        <p:cTn id="19" dur="500"/>
+                                        <p:tgtEl>
+                                          <p:spTgt spid="17"/>
+                                        </p:tgtEl>
+                                      </p:cBhvr>
+                                    </p:animEffect>
+                                    <p:anim calcmode="lin" valueType="num">
+                                      <p:cBhvr>
+                                        <p:cTn id="20" dur="500" fill="hold"/>
+                                        <p:tgtEl>
+                                          <p:spTgt spid="17"/>
+                                        </p:tgtEl>
+                                        <p:attrNameLst>
+                                          <p:attrName>ppt_x</p:attrName>
+                                        </p:attrNameLst>
+                                      </p:cBhvr>
+                                      <p:tavLst>
+                                        <p:tav tm="0">
+                                          <p:val>
+                                            <p:strVal val="#ppt_x"/>
+                                          </p:val>
+                                        </p:tav>
+                                        <p:tav tm="100000">
+                                          <p:val>
+                                            <p:strVal val="#ppt_x"/>
+                                          </p:val>
+                                        </p:tav>
+                                      </p:tavLst>
+                                    </p:anim>
+                                    <p:anim calcmode="lin" valueType="num">
+                                      <p:cBhvr>
+                                        <p:cTn id="21" dur="500" fill="hold"/>
+                                        <p:tgtEl>
+                                          <p:spTgt spid="17"/>
+                                        </p:tgtEl>
+                                        <p:attrNameLst>
+                                          <p:attrName>ppt_y</p:attrName>
+                                        </p:attrNameLst>
+                                      </p:cBhvr>
+                                      <p:tavLst>
+                                        <p:tav tm="0">
+                                          <p:val>
+                                            <p:strVal val="#ppt_y-.1"/>
+                                          </p:val>
+                                        </p:tav>
+                                        <p:tav tm="100000">
+                                          <p:val>
+                                            <p:strVal val="#ppt_y"/>
+                                          </p:val>
+                                        </p:tav>
+                                      </p:tavLst>
+                                    </p:anim>
+                                  </p:childTnLst>
+                                </p:cTn>
+                              </p:par>
+                              <p:par>
+                                <p:cTn id="22" presetID="12" presetClass="entr" presetSubtype="8" fill="hold" grpId="0" nodeType="withEffect">
+                                  <p:stCondLst>
+                                    <p:cond delay="0"/>
+                                  </p:stCondLst>
+                                  <p:childTnLst>
+                                    <p:set>
+                                      <p:cBhvr>
+                                        <p:cTn id="23" dur="1" fill="hold">
+                                          <p:stCondLst>
+                                            <p:cond delay="0"/>
+                                          </p:stCondLst>
+                                        </p:cTn>
+                                        <p:tgtEl>
+                                          <p:spTgt spid="11"/>
+                                        </p:tgtEl>
+                                        <p:attrNameLst>
+                                          <p:attrName>style.visibility</p:attrName>
+                                        </p:attrNameLst>
+                                      </p:cBhvr>
+                                      <p:to>
+                                        <p:strVal val="visible"/>
+                                      </p:to>
+                                    </p:set>
+                                    <p:anim calcmode="lin" valueType="num">
+                                      <p:cBhvr additive="base">
+                                        <p:cTn id="24" dur="500"/>
+                                        <p:tgtEl>
+                                          <p:spTgt spid="11"/>
+                                        </p:tgtEl>
+                                        <p:attrNameLst>
+                                          <p:attrName>ppt_x</p:attrName>
+                                        </p:attrNameLst>
+                                      </p:cBhvr>
+                                      <p:tavLst>
+                                        <p:tav tm="0">
+                                          <p:val>
+                                            <p:strVal val="#ppt_x-#ppt_w*1.125000"/>
+                                          </p:val>
+                                        </p:tav>
+                                        <p:tav tm="100000">
+                                          <p:val>
+                                            <p:strVal val="#ppt_x"/>
+                                          </p:val>
+                                        </p:tav>
+                                      </p:tavLst>
+                                    </p:anim>
+                                    <p:animEffect transition="in" filter="wipe(right)">
+                                      <p:cBhvr>
+                                        <p:cTn id="25" dur="500"/>
+                                        <p:tgtEl>
+                                          <p:spTgt spid="11"/>
+                                        </p:tgtEl>
+                                      </p:cBhvr>
+                                    </p:animEffect>
+                                  </p:childTnLst>
+                                </p:cTn>
+                              </p:par>
+                              <p:par>
+                                <p:cTn id="26" presetID="47" presetClass="entr" presetSubtype="0" fill="hold" grpId="0" nodeType="withEffect">
+                                  <p:stCondLst>
+                                    <p:cond delay="0"/>
+                                  </p:stCondLst>
+                                  <p:childTnLst>
+                                    <p:set>
+                                      <p:cBhvr>
+                                        <p:cTn id="27" dur="1" fill="hold">
+                                          <p:stCondLst>
+                                            <p:cond delay="0"/>
+                                          </p:stCondLst>
+                                        </p:cTn>
+                                        <p:tgtEl>
+                                          <p:spTgt spid="13"/>
+                                        </p:tgtEl>
+                                        <p:attrNameLst>
+                                          <p:attrName>style.visibility</p:attrName>
+                                        </p:attrNameLst>
+                                      </p:cBhvr>
+                                      <p:to>
+                                        <p:strVal val="visible"/>
+                                      </p:to>
+                                    </p:set>
+                                    <p:animEffect transition="in" filter="fade">
+                                      <p:cBhvr>
+                                        <p:cTn id="28" dur="500"/>
+                                        <p:tgtEl>
+                                          <p:spTgt spid="13"/>
+                                        </p:tgtEl>
+                                      </p:cBhvr>
+                                    </p:animEffect>
+                                    <p:anim calcmode="lin" valueType="num">
+                                      <p:cBhvr>
+                                        <p:cTn id="29" dur="500" fill="hold"/>
+                                        <p:tgtEl>
+                                          <p:spTgt spid="13"/>
+                                        </p:tgtEl>
+                                        <p:attrNameLst>
+                                          <p:attrName>ppt_x</p:attrName>
+                                        </p:attrNameLst>
+                                      </p:cBhvr>
+                                      <p:tavLst>
+                                        <p:tav tm="0">
+                                          <p:val>
+                                            <p:strVal val="#ppt_x"/>
+                                          </p:val>
+                                        </p:tav>
+                                        <p:tav tm="100000">
+                                          <p:val>
+                                            <p:strVal val="#ppt_x"/>
+                                          </p:val>
+                                        </p:tav>
+                                      </p:tavLst>
+                                    </p:anim>
+                                    <p:anim calcmode="lin" valueType="num">
+                                      <p:cBhvr>
+                                        <p:cTn id="30" dur="500" fill="hold"/>
+                                        <p:tgtEl>
+                                          <p:spTgt spid="13"/>
+                                        </p:tgtEl>
+                                        <p:attrNameLst>
+                                          <p:attrName>ppt_y</p:attrName>
+                                        </p:attrNameLst>
+                                      </p:cBhvr>
+                                      <p:tavLst>
+                                        <p:tav tm="0">
+                                          <p:val>
+                                            <p:strVal val="#ppt_y-.1"/>
+                                          </p:val>
+                                        </p:tav>
+                                        <p:tav tm="100000">
+                                          <p:val>
+                                            <p:strVal val="#ppt_y"/>
+                                          </p:val>
+                                        </p:tav>
+                                      </p:tavLst>
+                                    </p:anim>
+                                  </p:childTnLst>
+                                </p:cTn>
+                              </p:par>
+                            </p:childTnLst>
+                          </p:cTn>
+                        </p:par>
+                      </p:childTnLst>
+                    </p:cTn>
+                  </p:par>
+                </p:childTnLst>
+              </p:cTn>
+              <p:prevCondLst>
+                <p:cond evt="onPrev" delay="0">
+                  <p:tgtEl>
+                    <p:sldTgt/>
+                  </p:tgtEl>
+                </p:cond>
+              </p:prevCondLst>
+              <p:nextCondLst>
+                <p:cond evt="onNext" delay="0">
+                  <p:tgtEl>
+                    <p:sldTgt/>
+                  </p:tgtEl>
+                </p:cond>
+              </p:nextCondLst>
+            </p:seq>
+          </p:childTnLst>
+        </p:cTn>
+      </p:par>
+    </p:tnLst>
+    <p:bldLst>
+      <p:bldP spid="11" grpId="0"/>
+      <p:bldP spid="13" grpId="0"/>
+      <p:bldP spid="14" grpId="0" animBg="1"/>
+      <p:bldP spid="17" grpId="0"/>
+    </p:bldLst>
+  </p:timing>
+</p:sld>
+</file>
+
+<file path=ppt/slides/slide31.xml><?xml version="1.0" encoding="utf-8"?>
+<p:sld xmlns:a="http://schemas.openxmlformats.org/drawingml/2006/main" xmlns:r="http://schemas.openxmlformats.org/officeDocument/2006/relationships" xmlns:p="http://schemas.openxmlformats.org/presentationml/2006/main">
+  <p:cSld>
+    <p:spTree>
+      <p:nvGrpSpPr>
+        <p:cNvPr id="1" name=""/>
+        <p:cNvGrpSpPr/>
+        <p:nvPr/>
+      </p:nvGrpSpPr>
+      <p:grpSpPr>
+        <a:xfrm>
+          <a:off x="0" y="0"/>
+          <a:ext cx="0" cy="0"/>
+          <a:chOff x="0" y="0"/>
+          <a:chExt cx="0" cy="0"/>
+        </a:xfrm>
+      </p:grpSpPr>
+      <p:sp>
+        <p:nvSpPr>
           <p:cNvPr id="2" name="矩形 1">
             <a:extLst>
               <a:ext uri="{FF2B5EF4-FFF2-40B4-BE49-F238E27FC236}">
@@ -21701,6 +22189,30 @@
           <a:xfrm>
             <a:off x="949933" y="1397733"/>
             <a:ext cx="7245722" cy="2349621"/>
+          </a:xfrm>
+          <a:prstGeom prst="rect">
+            <a:avLst/>
+          </a:prstGeom>
+        </p:spPr>
+      </p:pic>
+      <p:pic>
+        <p:nvPicPr>
+          <p:cNvPr id="5" name="图片 4"/>
+          <p:cNvPicPr>
+            <a:picLocks noChangeAspect="1"/>
+          </p:cNvPicPr>
+          <p:nvPr/>
+        </p:nvPicPr>
+        <p:blipFill>
+          <a:blip r:embed="rId4"/>
+          <a:stretch>
+            <a:fillRect/>
+          </a:stretch>
+        </p:blipFill>
+        <p:spPr>
+          <a:xfrm>
+            <a:off x="910431" y="1458119"/>
+            <a:ext cx="7324725" cy="2228850"/>
           </a:xfrm>
           <a:prstGeom prst="rect">
             <a:avLst/>
@@ -21850,7 +22362,7 @@
 </p:sld>
 </file>
 
-<file path=ppt/slides/slide31.xml><?xml version="1.0" encoding="utf-8"?>
+<file path=ppt/slides/slide32.xml><?xml version="1.0" encoding="utf-8"?>
 <p:sld xmlns:a="http://schemas.openxmlformats.org/drawingml/2006/main" xmlns:r="http://schemas.openxmlformats.org/officeDocument/2006/relationships" xmlns:p="http://schemas.openxmlformats.org/presentationml/2006/main">
   <p:cSld>
     <p:spTree>

--- a/评审PPT/项目计划/ZUCCLazyBone项目计划.pptx
+++ b/评审PPT/项目计划/ZUCCLazyBone项目计划.pptx
@@ -5,10 +5,10 @@
     <p:sldMasterId id="2147483940" r:id="rId1"/>
   </p:sldMasterIdLst>
   <p:notesMasterIdLst>
-    <p:notesMasterId r:id="rId34"/>
+    <p:notesMasterId r:id="rId35"/>
   </p:notesMasterIdLst>
   <p:handoutMasterIdLst>
-    <p:handoutMasterId r:id="rId35"/>
+    <p:handoutMasterId r:id="rId36"/>
   </p:handoutMasterIdLst>
   <p:sldIdLst>
     <p:sldId id="3340" r:id="rId2"/>
@@ -25,29 +25,30 @@
     <p:sldId id="3369" r:id="rId13"/>
     <p:sldId id="3371" r:id="rId14"/>
     <p:sldId id="3372" r:id="rId15"/>
-    <p:sldId id="3373" r:id="rId16"/>
-    <p:sldId id="3374" r:id="rId17"/>
-    <p:sldId id="3387" r:id="rId18"/>
-    <p:sldId id="3375" r:id="rId19"/>
-    <p:sldId id="3376" r:id="rId20"/>
-    <p:sldId id="3377" r:id="rId21"/>
-    <p:sldId id="3390" r:id="rId22"/>
-    <p:sldId id="3378" r:id="rId23"/>
-    <p:sldId id="3388" r:id="rId24"/>
-    <p:sldId id="3379" r:id="rId25"/>
-    <p:sldId id="3380" r:id="rId26"/>
-    <p:sldId id="3381" r:id="rId27"/>
-    <p:sldId id="3382" r:id="rId28"/>
-    <p:sldId id="3386" r:id="rId29"/>
-    <p:sldId id="3389" r:id="rId30"/>
-    <p:sldId id="3384" r:id="rId31"/>
-    <p:sldId id="3385" r:id="rId32"/>
-    <p:sldId id="3346" r:id="rId33"/>
+    <p:sldId id="3391" r:id="rId16"/>
+    <p:sldId id="3373" r:id="rId17"/>
+    <p:sldId id="3374" r:id="rId18"/>
+    <p:sldId id="3387" r:id="rId19"/>
+    <p:sldId id="3375" r:id="rId20"/>
+    <p:sldId id="3376" r:id="rId21"/>
+    <p:sldId id="3377" r:id="rId22"/>
+    <p:sldId id="3390" r:id="rId23"/>
+    <p:sldId id="3378" r:id="rId24"/>
+    <p:sldId id="3388" r:id="rId25"/>
+    <p:sldId id="3379" r:id="rId26"/>
+    <p:sldId id="3380" r:id="rId27"/>
+    <p:sldId id="3381" r:id="rId28"/>
+    <p:sldId id="3382" r:id="rId29"/>
+    <p:sldId id="3386" r:id="rId30"/>
+    <p:sldId id="3389" r:id="rId31"/>
+    <p:sldId id="3384" r:id="rId32"/>
+    <p:sldId id="3385" r:id="rId33"/>
+    <p:sldId id="3346" r:id="rId34"/>
   </p:sldIdLst>
   <p:sldSz cx="9145588" cy="5145088"/>
   <p:notesSz cx="6858000" cy="9144000"/>
   <p:custDataLst>
-    <p:tags r:id="rId36"/>
+    <p:tags r:id="rId37"/>
   </p:custDataLst>
   <p:defaultTextStyle>
     <a:defPPr>
@@ -989,7 +990,7 @@
             <a:fld id="{418F03C3-53C1-4F10-8DAF-D1F318E96C6E}" type="slidenum">
               <a:rPr lang="zh-CN" altLang="en-US" smtClean="0"/>
               <a:pPr/>
-              <a:t>15</a:t>
+              <a:t>16</a:t>
             </a:fld>
             <a:endParaRPr lang="zh-CN" altLang="en-US"/>
           </a:p>
@@ -1074,7 +1075,7 @@
             <a:fld id="{418F03C3-53C1-4F10-8DAF-D1F318E96C6E}" type="slidenum">
               <a:rPr lang="zh-CN" altLang="en-US" smtClean="0"/>
               <a:pPr/>
-              <a:t>17</a:t>
+              <a:t>18</a:t>
             </a:fld>
             <a:endParaRPr lang="zh-CN" altLang="en-US"/>
           </a:p>
@@ -1159,7 +1160,7 @@
             <a:fld id="{418F03C3-53C1-4F10-8DAF-D1F318E96C6E}" type="slidenum">
               <a:rPr lang="zh-CN" altLang="en-US" smtClean="0"/>
               <a:pPr/>
-              <a:t>23</a:t>
+              <a:t>24</a:t>
             </a:fld>
             <a:endParaRPr lang="zh-CN" altLang="en-US"/>
           </a:p>
@@ -1244,7 +1245,7 @@
             <a:fld id="{418F03C3-53C1-4F10-8DAF-D1F318E96C6E}" type="slidenum">
               <a:rPr lang="zh-CN" altLang="en-US" smtClean="0"/>
               <a:pPr/>
-              <a:t>25</a:t>
+              <a:t>26</a:t>
             </a:fld>
             <a:endParaRPr lang="zh-CN" altLang="en-US"/>
           </a:p>
@@ -1329,7 +1330,7 @@
             <a:fld id="{418F03C3-53C1-4F10-8DAF-D1F318E96C6E}" type="slidenum">
               <a:rPr lang="zh-CN" altLang="en-US" smtClean="0"/>
               <a:pPr/>
-              <a:t>28</a:t>
+              <a:t>29</a:t>
             </a:fld>
             <a:endParaRPr lang="zh-CN" altLang="en-US"/>
           </a:p>
@@ -1414,7 +1415,7 @@
             <a:fld id="{418F03C3-53C1-4F10-8DAF-D1F318E96C6E}" type="slidenum">
               <a:rPr lang="zh-CN" altLang="en-US" smtClean="0"/>
               <a:pPr/>
-              <a:t>30</a:t>
+              <a:t>31</a:t>
             </a:fld>
             <a:endParaRPr lang="zh-CN" altLang="en-US"/>
           </a:p>
@@ -1527,7 +1528,7 @@
             <a:fld id="{9295031C-36FB-4BFB-B547-5049AC3C4D20}" type="slidenum">
               <a:rPr lang="zh-CN" altLang="en-US"/>
               <a:pPr/>
-              <a:t>32</a:t>
+              <a:t>33</a:t>
             </a:fld>
             <a:endParaRPr lang="zh-CN" altLang="en-US"/>
           </a:p>
@@ -8487,6 +8488,503 @@
       </p:grpSpPr>
       <p:sp>
         <p:nvSpPr>
+          <p:cNvPr id="2" name="矩形 1">
+            <a:extLst>
+              <a:ext uri="{FF2B5EF4-FFF2-40B4-BE49-F238E27FC236}">
+                <a16:creationId xmlns:a16="http://schemas.microsoft.com/office/drawing/2014/main" id="{EEE0EC13-86F4-403E-BD86-47B2AF6650BA}"/>
+              </a:ext>
+            </a:extLst>
+          </p:cNvPr>
+          <p:cNvSpPr/>
+          <p:nvPr/>
+        </p:nvSpPr>
+        <p:spPr>
+          <a:xfrm>
+            <a:off x="0" y="256436"/>
+            <a:ext cx="1548458" cy="504056"/>
+          </a:xfrm>
+          <a:prstGeom prst="rect">
+            <a:avLst/>
+          </a:prstGeom>
+          <a:solidFill>
+            <a:schemeClr val="bg1"/>
+          </a:solidFill>
+          <a:ln>
+            <a:noFill/>
+          </a:ln>
+        </p:spPr>
+        <p:style>
+          <a:lnRef idx="2">
+            <a:schemeClr val="accent1">
+              <a:shade val="50000"/>
+            </a:schemeClr>
+          </a:lnRef>
+          <a:fillRef idx="1">
+            <a:schemeClr val="accent1"/>
+          </a:fillRef>
+          <a:effectRef idx="0">
+            <a:schemeClr val="accent1"/>
+          </a:effectRef>
+          <a:fontRef idx="minor">
+            <a:schemeClr val="lt1"/>
+          </a:fontRef>
+        </p:style>
+        <p:txBody>
+          <a:bodyPr rtlCol="0" anchor="ctr"/>
+          <a:lstStyle/>
+          <a:p>
+            <a:endParaRPr lang="zh-CN" altLang="en-US"/>
+          </a:p>
+        </p:txBody>
+      </p:sp>
+      <p:pic>
+        <p:nvPicPr>
+          <p:cNvPr id="3" name="图片 2">
+            <a:extLst>
+              <a:ext uri="{FF2B5EF4-FFF2-40B4-BE49-F238E27FC236}">
+                <a16:creationId xmlns:a16="http://schemas.microsoft.com/office/drawing/2014/main" id="{DA07CDA8-1563-4ACB-A9DC-8F6058E7D610}"/>
+              </a:ext>
+            </a:extLst>
+          </p:cNvPr>
+          <p:cNvPicPr>
+            <a:picLocks noChangeAspect="1"/>
+          </p:cNvPicPr>
+          <p:nvPr/>
+        </p:nvPicPr>
+        <p:blipFill>
+          <a:blip r:embed="rId2" cstate="print">
+            <a:extLst>
+              <a:ext uri="{28A0092B-C50C-407E-A947-70E740481C1C}">
+                <a14:useLocalDpi xmlns:a14="http://schemas.microsoft.com/office/drawing/2010/main" val="0"/>
+              </a:ext>
+            </a:extLst>
+          </a:blip>
+          <a:stretch>
+            <a:fillRect/>
+          </a:stretch>
+        </p:blipFill>
+        <p:spPr>
+          <a:xfrm>
+            <a:off x="82219" y="98193"/>
+            <a:ext cx="1034191" cy="1034191"/>
+          </a:xfrm>
+          <a:prstGeom prst="rect">
+            <a:avLst/>
+          </a:prstGeom>
+        </p:spPr>
+      </p:pic>
+      <p:sp>
+        <p:nvSpPr>
+          <p:cNvPr id="4" name="矩形 3">
+            <a:extLst>
+              <a:ext uri="{FF2B5EF4-FFF2-40B4-BE49-F238E27FC236}">
+                <a16:creationId xmlns:a16="http://schemas.microsoft.com/office/drawing/2014/main" id="{B430CE9F-1C02-436D-A782-90E38F398E20}"/>
+              </a:ext>
+            </a:extLst>
+          </p:cNvPr>
+          <p:cNvSpPr/>
+          <p:nvPr/>
+        </p:nvSpPr>
+        <p:spPr>
+          <a:xfrm>
+            <a:off x="1144042" y="340296"/>
+            <a:ext cx="7864740" cy="4893647"/>
+          </a:xfrm>
+          <a:prstGeom prst="rect">
+            <a:avLst/>
+          </a:prstGeom>
+        </p:spPr>
+        <p:txBody>
+          <a:bodyPr wrap="square">
+            <a:spAutoFit/>
+          </a:bodyPr>
+          <a:lstStyle/>
+          <a:p>
+            <a:pPr lvl="0"/>
+            <a:r>
+              <a:rPr lang="zh-CN" altLang="en-US" sz="2400" b="1" dirty="0" smtClean="0">
+                <a:ln w="6350">
+                  <a:noFill/>
+                </a:ln>
+                <a:solidFill>
+                  <a:prstClr val="white">
+                    <a:lumMod val="50000"/>
+                  </a:prstClr>
+                </a:solidFill>
+                <a:latin typeface="微软雅黑" pitchFamily="34" charset="-122"/>
+                <a:ea typeface="微软雅黑" pitchFamily="34" charset="-122"/>
+              </a:rPr>
+              <a:t>操作可行性</a:t>
+            </a:r>
+            <a:endParaRPr lang="en-US" altLang="zh-CN" sz="2400" b="1" dirty="0">
+              <a:ln w="6350">
+                <a:noFill/>
+              </a:ln>
+              <a:solidFill>
+                <a:prstClr val="white">
+                  <a:lumMod val="50000"/>
+                </a:prstClr>
+              </a:solidFill>
+              <a:latin typeface="微软雅黑" pitchFamily="34" charset="-122"/>
+              <a:ea typeface="微软雅黑" pitchFamily="34" charset="-122"/>
+            </a:endParaRPr>
+          </a:p>
+          <a:p>
+            <a:pPr lvl="0"/>
+            <a:endParaRPr lang="en-US" altLang="zh-CN" sz="2400" b="1" dirty="0" smtClean="0">
+              <a:ln w="6350">
+                <a:noFill/>
+              </a:ln>
+              <a:solidFill>
+                <a:prstClr val="white">
+                  <a:lumMod val="50000"/>
+                </a:prstClr>
+              </a:solidFill>
+              <a:latin typeface="微软雅黑" pitchFamily="34" charset="-122"/>
+              <a:ea typeface="微软雅黑" pitchFamily="34" charset="-122"/>
+            </a:endParaRPr>
+          </a:p>
+          <a:p>
+            <a:pPr lvl="0"/>
+            <a:r>
+              <a:rPr lang="zh-CN" altLang="en-US" sz="2400" b="1" dirty="0">
+                <a:ln w="6350">
+                  <a:noFill/>
+                </a:ln>
+                <a:solidFill>
+                  <a:prstClr val="white">
+                    <a:lumMod val="50000"/>
+                  </a:prstClr>
+                </a:solidFill>
+                <a:latin typeface="微软雅黑" pitchFamily="34" charset="-122"/>
+                <a:ea typeface="微软雅黑" pitchFamily="34" charset="-122"/>
+              </a:rPr>
+              <a:t>用户使用可能性：</a:t>
+            </a:r>
+          </a:p>
+          <a:p>
+            <a:pPr lvl="0"/>
+            <a:r>
+              <a:rPr lang="zh-CN" altLang="en-US" sz="2400" b="1" dirty="0" smtClean="0">
+                <a:ln w="6350">
+                  <a:noFill/>
+                </a:ln>
+                <a:solidFill>
+                  <a:prstClr val="white">
+                    <a:lumMod val="50000"/>
+                  </a:prstClr>
+                </a:solidFill>
+                <a:latin typeface="微软雅黑" pitchFamily="34" charset="-122"/>
+                <a:ea typeface="微软雅黑" pitchFamily="34" charset="-122"/>
+              </a:rPr>
+              <a:t>对于小程序的</a:t>
+            </a:r>
+            <a:r>
+              <a:rPr lang="zh-CN" altLang="en-US" sz="2400" b="1" dirty="0">
+                <a:ln w="6350">
+                  <a:noFill/>
+                </a:ln>
+                <a:solidFill>
+                  <a:prstClr val="white">
+                    <a:lumMod val="50000"/>
+                  </a:prstClr>
+                </a:solidFill>
+                <a:latin typeface="微软雅黑" pitchFamily="34" charset="-122"/>
+                <a:ea typeface="微软雅黑" pitchFamily="34" charset="-122"/>
+              </a:rPr>
+              <a:t>使用会涉及到各种类型的人群，凭借其简洁明了的</a:t>
+            </a:r>
+            <a:r>
+              <a:rPr lang="en-US" altLang="zh-CN" sz="2400" b="1" dirty="0">
+                <a:ln w="6350">
+                  <a:noFill/>
+                </a:ln>
+                <a:solidFill>
+                  <a:prstClr val="white">
+                    <a:lumMod val="50000"/>
+                  </a:prstClr>
+                </a:solidFill>
+                <a:latin typeface="微软雅黑" pitchFamily="34" charset="-122"/>
+                <a:ea typeface="微软雅黑" pitchFamily="34" charset="-122"/>
+              </a:rPr>
+              <a:t>UI </a:t>
+            </a:r>
+            <a:r>
+              <a:rPr lang="zh-CN" altLang="en-US" sz="2400" b="1" dirty="0">
+                <a:ln w="6350">
+                  <a:noFill/>
+                </a:ln>
+                <a:solidFill>
+                  <a:prstClr val="white">
+                    <a:lumMod val="50000"/>
+                  </a:prstClr>
+                </a:solidFill>
+                <a:latin typeface="微软雅黑" pitchFamily="34" charset="-122"/>
+                <a:ea typeface="微软雅黑" pitchFamily="34" charset="-122"/>
+              </a:rPr>
+              <a:t>和快捷的操作特性，并不要求用户对其特别的熟悉，因此可以做到让使用方法简单易懂，操作方法尽量浅显明了，使用户能够在短时间内借助简易的说明快速上手</a:t>
+            </a:r>
+          </a:p>
+          <a:p>
+            <a:pPr lvl="0"/>
+            <a:endParaRPr lang="zh-CN" altLang="en-US" sz="2400" b="1" dirty="0">
+              <a:ln w="6350">
+                <a:noFill/>
+              </a:ln>
+              <a:solidFill>
+                <a:prstClr val="white">
+                  <a:lumMod val="50000"/>
+                </a:prstClr>
+              </a:solidFill>
+              <a:latin typeface="微软雅黑" pitchFamily="34" charset="-122"/>
+              <a:ea typeface="微软雅黑" pitchFamily="34" charset="-122"/>
+            </a:endParaRPr>
+          </a:p>
+          <a:p>
+            <a:pPr lvl="0"/>
+            <a:r>
+              <a:rPr lang="zh-CN" altLang="en-US" sz="2400" b="1" dirty="0">
+                <a:ln w="6350">
+                  <a:noFill/>
+                </a:ln>
+                <a:solidFill>
+                  <a:prstClr val="white">
+                    <a:lumMod val="50000"/>
+                  </a:prstClr>
+                </a:solidFill>
+                <a:latin typeface="微软雅黑" pitchFamily="34" charset="-122"/>
+                <a:ea typeface="微软雅黑" pitchFamily="34" charset="-122"/>
+              </a:rPr>
+              <a:t>时间进度可行性：</a:t>
+            </a:r>
+          </a:p>
+          <a:p>
+            <a:pPr lvl="0"/>
+            <a:r>
+              <a:rPr lang="zh-CN" altLang="en-US" sz="2400" b="1" dirty="0">
+                <a:ln w="6350">
+                  <a:noFill/>
+                </a:ln>
+                <a:solidFill>
+                  <a:prstClr val="white">
+                    <a:lumMod val="50000"/>
+                  </a:prstClr>
+                </a:solidFill>
+                <a:latin typeface="微软雅黑" pitchFamily="34" charset="-122"/>
+                <a:ea typeface="微软雅黑" pitchFamily="34" charset="-122"/>
+              </a:rPr>
+              <a:t>项目周期为</a:t>
+            </a:r>
+            <a:r>
+              <a:rPr lang="en-US" altLang="zh-CN" sz="2400" b="1" dirty="0">
+                <a:ln w="6350">
+                  <a:noFill/>
+                </a:ln>
+                <a:solidFill>
+                  <a:prstClr val="white">
+                    <a:lumMod val="50000"/>
+                  </a:prstClr>
+                </a:solidFill>
+                <a:latin typeface="微软雅黑" pitchFamily="34" charset="-122"/>
+                <a:ea typeface="微软雅黑" pitchFamily="34" charset="-122"/>
+              </a:rPr>
+              <a:t>3</a:t>
+            </a:r>
+            <a:r>
+              <a:rPr lang="zh-CN" altLang="en-US" sz="2400" b="1" dirty="0">
+                <a:ln w="6350">
+                  <a:noFill/>
+                </a:ln>
+                <a:solidFill>
+                  <a:prstClr val="white">
+                    <a:lumMod val="50000"/>
+                  </a:prstClr>
+                </a:solidFill>
+                <a:latin typeface="微软雅黑" pitchFamily="34" charset="-122"/>
+                <a:ea typeface="微软雅黑" pitchFamily="34" charset="-122"/>
+              </a:rPr>
+              <a:t>个月，按照小组能力可以按时完成，递交成果</a:t>
+            </a:r>
+          </a:p>
+          <a:p>
+            <a:pPr lvl="0"/>
+            <a:endParaRPr lang="en-US" altLang="zh-CN" sz="2400" b="1" dirty="0">
+              <a:ln w="6350">
+                <a:noFill/>
+              </a:ln>
+              <a:solidFill>
+                <a:prstClr val="white">
+                  <a:lumMod val="50000"/>
+                </a:prstClr>
+              </a:solidFill>
+              <a:latin typeface="微软雅黑" pitchFamily="34" charset="-122"/>
+              <a:ea typeface="微软雅黑" pitchFamily="34" charset="-122"/>
+            </a:endParaRPr>
+          </a:p>
+        </p:txBody>
+      </p:sp>
+    </p:spTree>
+    <p:extLst>
+      <p:ext uri="{BB962C8B-B14F-4D97-AF65-F5344CB8AC3E}">
+        <p14:creationId xmlns:p14="http://schemas.microsoft.com/office/powerpoint/2010/main" val="2929185604"/>
+      </p:ext>
+    </p:extLst>
+  </p:cSld>
+  <p:clrMapOvr>
+    <a:masterClrMapping/>
+  </p:clrMapOvr>
+  <p:transition spd="med" advClick="0" advTm="0">
+    <p:push dir="r"/>
+  </p:transition>
+  <p:timing>
+    <p:tnLst>
+      <p:par>
+        <p:cTn id="1" dur="indefinite" restart="never" nodeType="tmRoot">
+          <p:childTnLst>
+            <p:seq concurrent="1" nextAc="seek">
+              <p:cTn id="2" dur="indefinite" nodeType="mainSeq">
+                <p:childTnLst>
+                  <p:par>
+                    <p:cTn id="3" fill="hold">
+                      <p:stCondLst>
+                        <p:cond delay="indefinite"/>
+                        <p:cond evt="onBegin" delay="0">
+                          <p:tn val="2"/>
+                        </p:cond>
+                      </p:stCondLst>
+                      <p:childTnLst>
+                        <p:par>
+                          <p:cTn id="4" fill="hold">
+                            <p:stCondLst>
+                              <p:cond delay="0"/>
+                            </p:stCondLst>
+                            <p:childTnLst>
+                              <p:par>
+                                <p:cTn id="5" presetID="17" presetClass="entr" presetSubtype="10" fill="hold" grpId="0" nodeType="withEffect">
+                                  <p:stCondLst>
+                                    <p:cond delay="0"/>
+                                  </p:stCondLst>
+                                  <p:childTnLst>
+                                    <p:set>
+                                      <p:cBhvr>
+                                        <p:cTn id="6" dur="1" fill="hold">
+                                          <p:stCondLst>
+                                            <p:cond delay="0"/>
+                                          </p:stCondLst>
+                                        </p:cTn>
+                                        <p:tgtEl>
+                                          <p:spTgt spid="4"/>
+                                        </p:tgtEl>
+                                        <p:attrNameLst>
+                                          <p:attrName>style.visibility</p:attrName>
+                                        </p:attrNameLst>
+                                      </p:cBhvr>
+                                      <p:to>
+                                        <p:strVal val="visible"/>
+                                      </p:to>
+                                    </p:set>
+                                    <p:anim calcmode="lin" valueType="num">
+                                      <p:cBhvr>
+                                        <p:cTn id="7" dur="500" fill="hold"/>
+                                        <p:tgtEl>
+                                          <p:spTgt spid="4"/>
+                                        </p:tgtEl>
+                                        <p:attrNameLst>
+                                          <p:attrName>ppt_w</p:attrName>
+                                        </p:attrNameLst>
+                                      </p:cBhvr>
+                                      <p:tavLst>
+                                        <p:tav tm="0">
+                                          <p:val>
+                                            <p:fltVal val="0"/>
+                                          </p:val>
+                                        </p:tav>
+                                        <p:tav tm="100000">
+                                          <p:val>
+                                            <p:strVal val="#ppt_w"/>
+                                          </p:val>
+                                        </p:tav>
+                                      </p:tavLst>
+                                    </p:anim>
+                                    <p:anim calcmode="lin" valueType="num">
+                                      <p:cBhvr>
+                                        <p:cTn id="8" dur="500" fill="hold"/>
+                                        <p:tgtEl>
+                                          <p:spTgt spid="4"/>
+                                        </p:tgtEl>
+                                        <p:attrNameLst>
+                                          <p:attrName>ppt_h</p:attrName>
+                                        </p:attrNameLst>
+                                      </p:cBhvr>
+                                      <p:tavLst>
+                                        <p:tav tm="0">
+                                          <p:val>
+                                            <p:strVal val="#ppt_h"/>
+                                          </p:val>
+                                        </p:tav>
+                                        <p:tav tm="100000">
+                                          <p:val>
+                                            <p:strVal val="#ppt_h"/>
+                                          </p:val>
+                                        </p:tav>
+                                      </p:tavLst>
+                                    </p:anim>
+                                  </p:childTnLst>
+                                </p:cTn>
+                              </p:par>
+                            </p:childTnLst>
+                          </p:cTn>
+                        </p:par>
+                      </p:childTnLst>
+                    </p:cTn>
+                  </p:par>
+                </p:childTnLst>
+              </p:cTn>
+              <p:prevCondLst>
+                <p:cond evt="onPrev" delay="0">
+                  <p:tgtEl>
+                    <p:sldTgt/>
+                  </p:tgtEl>
+                </p:cond>
+              </p:prevCondLst>
+              <p:nextCondLst>
+                <p:cond evt="onNext" delay="0">
+                  <p:tgtEl>
+                    <p:sldTgt/>
+                  </p:tgtEl>
+                </p:cond>
+              </p:nextCondLst>
+            </p:seq>
+          </p:childTnLst>
+        </p:cTn>
+      </p:par>
+    </p:tnLst>
+    <p:bldLst>
+      <p:bldP spid="4" grpId="0"/>
+    </p:bldLst>
+  </p:timing>
+</p:sld>
+</file>
+
+<file path=ppt/slides/slide16.xml><?xml version="1.0" encoding="utf-8"?>
+<p:sld xmlns:a="http://schemas.openxmlformats.org/drawingml/2006/main" xmlns:r="http://schemas.openxmlformats.org/officeDocument/2006/relationships" xmlns:p="http://schemas.openxmlformats.org/presentationml/2006/main">
+  <p:cSld>
+    <p:spTree>
+      <p:nvGrpSpPr>
+        <p:cNvPr id="1" name=""/>
+        <p:cNvGrpSpPr/>
+        <p:nvPr/>
+      </p:nvGrpSpPr>
+      <p:grpSpPr>
+        <a:xfrm>
+          <a:off x="0" y="0"/>
+          <a:ext cx="0" cy="0"/>
+          <a:chOff x="0" y="0"/>
+          <a:chExt cx="0" cy="0"/>
+        </a:xfrm>
+      </p:grpSpPr>
+      <p:sp>
+        <p:nvSpPr>
           <p:cNvPr id="11" name="TextBox 11">
             <a:extLst>
               <a:ext uri="{FF2B5EF4-FFF2-40B4-BE49-F238E27FC236}">
@@ -9292,7 +9790,7 @@
 </p:sld>
 </file>
 
-<file path=ppt/slides/slide16.xml><?xml version="1.0" encoding="utf-8"?>
+<file path=ppt/slides/slide17.xml><?xml version="1.0" encoding="utf-8"?>
 <p:sld xmlns:a="http://schemas.openxmlformats.org/drawingml/2006/main" xmlns:r="http://schemas.openxmlformats.org/officeDocument/2006/relationships" xmlns:p="http://schemas.openxmlformats.org/presentationml/2006/main">
   <p:cSld>
     <p:spTree>
@@ -9594,10 +10092,17 @@
   <p:transition spd="med" advClick="0" advTm="0">
     <p:push dir="r"/>
   </p:transition>
+  <p:timing>
+    <p:tnLst>
+      <p:par>
+        <p:cTn id="1" dur="indefinite" restart="never" nodeType="tmRoot"/>
+      </p:par>
+    </p:tnLst>
+  </p:timing>
 </p:sld>
 </file>
 
-<file path=ppt/slides/slide17.xml><?xml version="1.0" encoding="utf-8"?>
+<file path=ppt/slides/slide18.xml><?xml version="1.0" encoding="utf-8"?>
 <p:sld xmlns:a="http://schemas.openxmlformats.org/drawingml/2006/main" xmlns:r="http://schemas.openxmlformats.org/officeDocument/2006/relationships" xmlns:p="http://schemas.openxmlformats.org/presentationml/2006/main">
   <p:cSld>
     <p:spTree>
@@ -10421,7 +10926,7 @@
 </p:sld>
 </file>
 
-<file path=ppt/slides/slide18.xml><?xml version="1.0" encoding="utf-8"?>
+<file path=ppt/slides/slide19.xml><?xml version="1.0" encoding="utf-8"?>
 <p:sld xmlns:a="http://schemas.openxmlformats.org/drawingml/2006/main" xmlns:r="http://schemas.openxmlformats.org/officeDocument/2006/relationships" xmlns:p="http://schemas.openxmlformats.org/presentationml/2006/main">
   <p:cSld>
     <p:spTree>
@@ -11259,7 +11764,3164 @@
 </p:sld>
 </file>
 
-<file path=ppt/slides/slide19.xml><?xml version="1.0" encoding="utf-8"?>
+<file path=ppt/slides/slide2.xml><?xml version="1.0" encoding="utf-8"?>
+<p:sld xmlns:a="http://schemas.openxmlformats.org/drawingml/2006/main" xmlns:r="http://schemas.openxmlformats.org/officeDocument/2006/relationships" xmlns:p="http://schemas.openxmlformats.org/presentationml/2006/main">
+  <p:cSld>
+    <p:spTree>
+      <p:nvGrpSpPr>
+        <p:cNvPr id="1" name=""/>
+        <p:cNvGrpSpPr/>
+        <p:nvPr/>
+      </p:nvGrpSpPr>
+      <p:grpSpPr>
+        <a:xfrm>
+          <a:off x="0" y="0"/>
+          <a:ext cx="0" cy="0"/>
+          <a:chOff x="0" y="0"/>
+          <a:chExt cx="0" cy="0"/>
+        </a:xfrm>
+      </p:grpSpPr>
+      <p:sp>
+        <p:nvSpPr>
+          <p:cNvPr id="31" name="MH_Entry_1"/>
+          <p:cNvSpPr>
+            <a:spLocks noChangeArrowheads="1"/>
+          </p:cNvSpPr>
+          <p:nvPr>
+            <p:custDataLst>
+              <p:tags r:id="rId1"/>
+            </p:custDataLst>
+          </p:nvPr>
+        </p:nvSpPr>
+        <p:spPr bwMode="auto">
+          <a:xfrm>
+            <a:off x="1566105" y="1589762"/>
+            <a:ext cx="2093471" cy="276999"/>
+          </a:xfrm>
+          <a:prstGeom prst="rect">
+            <a:avLst/>
+          </a:prstGeom>
+          <a:noFill/>
+          <a:ln>
+            <a:noFill/>
+          </a:ln>
+          <a:extLst>
+            <a:ext uri="{909E8E84-426E-40DD-AFC4-6F175D3DCCD1}">
+              <a14:hiddenFill xmlns:a14="http://schemas.microsoft.com/office/drawing/2010/main">
+                <a:solidFill>
+                  <a:srgbClr val="FFFFFF"/>
+                </a:solidFill>
+              </a14:hiddenFill>
+            </a:ext>
+            <a:ext uri="{91240B29-F687-4F45-9708-019B960494DF}">
+              <a14:hiddenLine xmlns:a14="http://schemas.microsoft.com/office/drawing/2010/main" w="9525">
+                <a:solidFill>
+                  <a:srgbClr val="000000"/>
+                </a:solidFill>
+                <a:miter lim="800000"/>
+                <a:headEnd/>
+                <a:tailEnd/>
+              </a14:hiddenLine>
+            </a:ext>
+          </a:extLst>
+        </p:spPr>
+        <p:txBody>
+          <a:bodyPr wrap="square" lIns="0" tIns="0" rIns="0" bIns="0" anchor="ctr">
+            <a:spAutoFit/>
+          </a:bodyPr>
+          <a:lstStyle>
+            <a:lvl1pPr>
+              <a:lnSpc>
+                <a:spcPct val="90000"/>
+              </a:lnSpc>
+              <a:spcBef>
+                <a:spcPts val="750"/>
+              </a:spcBef>
+              <a:buFont typeface="Arial" panose="020B0604020202020204" pitchFamily="34" charset="0"/>
+              <a:buChar char="•"/>
+              <a:defRPr sz="2100">
+                <a:solidFill>
+                  <a:schemeClr val="tx1"/>
+                </a:solidFill>
+                <a:latin typeface="Calibri" panose="020F0502020204030204" pitchFamily="34" charset="0"/>
+                <a:ea typeface="宋体" panose="02010600030101010101" pitchFamily="2" charset="-122"/>
+              </a:defRPr>
+            </a:lvl1pPr>
+            <a:lvl2pPr marL="742950" indent="-285750">
+              <a:lnSpc>
+                <a:spcPct val="90000"/>
+              </a:lnSpc>
+              <a:spcBef>
+                <a:spcPts val="375"/>
+              </a:spcBef>
+              <a:buFont typeface="Arial" panose="020B0604020202020204" pitchFamily="34" charset="0"/>
+              <a:buChar char="•"/>
+              <a:defRPr>
+                <a:solidFill>
+                  <a:schemeClr val="tx1"/>
+                </a:solidFill>
+                <a:latin typeface="Calibri" panose="020F0502020204030204" pitchFamily="34" charset="0"/>
+                <a:ea typeface="宋体" panose="02010600030101010101" pitchFamily="2" charset="-122"/>
+              </a:defRPr>
+            </a:lvl2pPr>
+            <a:lvl3pPr marL="1143000" indent="-228600">
+              <a:lnSpc>
+                <a:spcPct val="90000"/>
+              </a:lnSpc>
+              <a:spcBef>
+                <a:spcPts val="375"/>
+              </a:spcBef>
+              <a:buFont typeface="Arial" panose="020B0604020202020204" pitchFamily="34" charset="0"/>
+              <a:buChar char="•"/>
+              <a:defRPr sz="1500">
+                <a:solidFill>
+                  <a:schemeClr val="tx1"/>
+                </a:solidFill>
+                <a:latin typeface="Calibri" panose="020F0502020204030204" pitchFamily="34" charset="0"/>
+                <a:ea typeface="宋体" panose="02010600030101010101" pitchFamily="2" charset="-122"/>
+              </a:defRPr>
+            </a:lvl3pPr>
+            <a:lvl4pPr marL="1600200" indent="-228600">
+              <a:lnSpc>
+                <a:spcPct val="90000"/>
+              </a:lnSpc>
+              <a:spcBef>
+                <a:spcPts val="375"/>
+              </a:spcBef>
+              <a:buFont typeface="Arial" panose="020B0604020202020204" pitchFamily="34" charset="0"/>
+              <a:buChar char="•"/>
+              <a:defRPr sz="1300">
+                <a:solidFill>
+                  <a:schemeClr val="tx1"/>
+                </a:solidFill>
+                <a:latin typeface="Calibri" panose="020F0502020204030204" pitchFamily="34" charset="0"/>
+                <a:ea typeface="宋体" panose="02010600030101010101" pitchFamily="2" charset="-122"/>
+              </a:defRPr>
+            </a:lvl4pPr>
+            <a:lvl5pPr marL="2057400" indent="-228600">
+              <a:lnSpc>
+                <a:spcPct val="90000"/>
+              </a:lnSpc>
+              <a:spcBef>
+                <a:spcPts val="375"/>
+              </a:spcBef>
+              <a:buFont typeface="Arial" panose="020B0604020202020204" pitchFamily="34" charset="0"/>
+              <a:buChar char="•"/>
+              <a:defRPr sz="1300">
+                <a:solidFill>
+                  <a:schemeClr val="tx1"/>
+                </a:solidFill>
+                <a:latin typeface="Calibri" panose="020F0502020204030204" pitchFamily="34" charset="0"/>
+                <a:ea typeface="宋体" panose="02010600030101010101" pitchFamily="2" charset="-122"/>
+              </a:defRPr>
+            </a:lvl5pPr>
+            <a:lvl6pPr marL="2514600" indent="-228600" eaLnBrk="0" fontAlgn="base" hangingPunct="0">
+              <a:lnSpc>
+                <a:spcPct val="90000"/>
+              </a:lnSpc>
+              <a:spcBef>
+                <a:spcPts val="375"/>
+              </a:spcBef>
+              <a:spcAft>
+                <a:spcPct val="0"/>
+              </a:spcAft>
+              <a:buFont typeface="Arial" panose="020B0604020202020204" pitchFamily="34" charset="0"/>
+              <a:buChar char="•"/>
+              <a:defRPr sz="1300">
+                <a:solidFill>
+                  <a:schemeClr val="tx1"/>
+                </a:solidFill>
+                <a:latin typeface="Calibri" panose="020F0502020204030204" pitchFamily="34" charset="0"/>
+                <a:ea typeface="宋体" panose="02010600030101010101" pitchFamily="2" charset="-122"/>
+              </a:defRPr>
+            </a:lvl6pPr>
+            <a:lvl7pPr marL="2971800" indent="-228600" eaLnBrk="0" fontAlgn="base" hangingPunct="0">
+              <a:lnSpc>
+                <a:spcPct val="90000"/>
+              </a:lnSpc>
+              <a:spcBef>
+                <a:spcPts val="375"/>
+              </a:spcBef>
+              <a:spcAft>
+                <a:spcPct val="0"/>
+              </a:spcAft>
+              <a:buFont typeface="Arial" panose="020B0604020202020204" pitchFamily="34" charset="0"/>
+              <a:buChar char="•"/>
+              <a:defRPr sz="1300">
+                <a:solidFill>
+                  <a:schemeClr val="tx1"/>
+                </a:solidFill>
+                <a:latin typeface="Calibri" panose="020F0502020204030204" pitchFamily="34" charset="0"/>
+                <a:ea typeface="宋体" panose="02010600030101010101" pitchFamily="2" charset="-122"/>
+              </a:defRPr>
+            </a:lvl7pPr>
+            <a:lvl8pPr marL="3429000" indent="-228600" eaLnBrk="0" fontAlgn="base" hangingPunct="0">
+              <a:lnSpc>
+                <a:spcPct val="90000"/>
+              </a:lnSpc>
+              <a:spcBef>
+                <a:spcPts val="375"/>
+              </a:spcBef>
+              <a:spcAft>
+                <a:spcPct val="0"/>
+              </a:spcAft>
+              <a:buFont typeface="Arial" panose="020B0604020202020204" pitchFamily="34" charset="0"/>
+              <a:buChar char="•"/>
+              <a:defRPr sz="1300">
+                <a:solidFill>
+                  <a:schemeClr val="tx1"/>
+                </a:solidFill>
+                <a:latin typeface="Calibri" panose="020F0502020204030204" pitchFamily="34" charset="0"/>
+                <a:ea typeface="宋体" panose="02010600030101010101" pitchFamily="2" charset="-122"/>
+              </a:defRPr>
+            </a:lvl8pPr>
+            <a:lvl9pPr marL="3886200" indent="-228600" eaLnBrk="0" fontAlgn="base" hangingPunct="0">
+              <a:lnSpc>
+                <a:spcPct val="90000"/>
+              </a:lnSpc>
+              <a:spcBef>
+                <a:spcPts val="375"/>
+              </a:spcBef>
+              <a:spcAft>
+                <a:spcPct val="0"/>
+              </a:spcAft>
+              <a:buFont typeface="Arial" panose="020B0604020202020204" pitchFamily="34" charset="0"/>
+              <a:buChar char="•"/>
+              <a:defRPr sz="1300">
+                <a:solidFill>
+                  <a:schemeClr val="tx1"/>
+                </a:solidFill>
+                <a:latin typeface="Calibri" panose="020F0502020204030204" pitchFamily="34" charset="0"/>
+                <a:ea typeface="宋体" panose="02010600030101010101" pitchFamily="2" charset="-122"/>
+              </a:defRPr>
+            </a:lvl9pPr>
+          </a:lstStyle>
+          <a:p>
+            <a:pPr lvl="0">
+              <a:buNone/>
+            </a:pPr>
+            <a:r>
+              <a:rPr lang="zh-CN" altLang="en-US" sz="2000" b="1" dirty="0">
+                <a:solidFill>
+                  <a:schemeClr val="bg1">
+                    <a:lumMod val="50000"/>
+                  </a:schemeClr>
+                </a:solidFill>
+                <a:latin typeface="微软雅黑" pitchFamily="34" charset="-122"/>
+                <a:ea typeface="微软雅黑" pitchFamily="34" charset="-122"/>
+              </a:rPr>
+              <a:t>项目概述</a:t>
+            </a:r>
+            <a:endParaRPr lang="zh-CN" altLang="en-US" sz="1200" dirty="0">
+              <a:solidFill>
+                <a:schemeClr val="bg1">
+                  <a:lumMod val="50000"/>
+                </a:schemeClr>
+              </a:solidFill>
+              <a:cs typeface="+mn-ea"/>
+              <a:sym typeface="+mn-lt"/>
+            </a:endParaRPr>
+          </a:p>
+        </p:txBody>
+      </p:sp>
+      <p:sp>
+        <p:nvSpPr>
+          <p:cNvPr id="33" name="MH_Entry_3"/>
+          <p:cNvSpPr>
+            <a:spLocks noChangeArrowheads="1"/>
+          </p:cNvSpPr>
+          <p:nvPr>
+            <p:custDataLst>
+              <p:tags r:id="rId2"/>
+            </p:custDataLst>
+          </p:nvPr>
+        </p:nvSpPr>
+        <p:spPr bwMode="auto">
+          <a:xfrm>
+            <a:off x="1279763" y="2922963"/>
+            <a:ext cx="2093471" cy="276999"/>
+          </a:xfrm>
+          <a:prstGeom prst="rect">
+            <a:avLst/>
+          </a:prstGeom>
+          <a:noFill/>
+          <a:ln>
+            <a:noFill/>
+          </a:ln>
+          <a:extLst>
+            <a:ext uri="{909E8E84-426E-40DD-AFC4-6F175D3DCCD1}">
+              <a14:hiddenFill xmlns:a14="http://schemas.microsoft.com/office/drawing/2010/main">
+                <a:solidFill>
+                  <a:srgbClr val="FFFFFF"/>
+                </a:solidFill>
+              </a14:hiddenFill>
+            </a:ext>
+            <a:ext uri="{91240B29-F687-4F45-9708-019B960494DF}">
+              <a14:hiddenLine xmlns:a14="http://schemas.microsoft.com/office/drawing/2010/main" w="9525">
+                <a:solidFill>
+                  <a:srgbClr val="000000"/>
+                </a:solidFill>
+                <a:miter lim="800000"/>
+                <a:headEnd/>
+                <a:tailEnd/>
+              </a14:hiddenLine>
+            </a:ext>
+          </a:extLst>
+        </p:spPr>
+        <p:txBody>
+          <a:bodyPr wrap="square" lIns="0" tIns="0" rIns="0" bIns="0" anchor="ctr">
+            <a:spAutoFit/>
+          </a:bodyPr>
+          <a:lstStyle>
+            <a:lvl1pPr>
+              <a:lnSpc>
+                <a:spcPct val="90000"/>
+              </a:lnSpc>
+              <a:spcBef>
+                <a:spcPts val="750"/>
+              </a:spcBef>
+              <a:buFont typeface="Arial" panose="020B0604020202020204" pitchFamily="34" charset="0"/>
+              <a:buChar char="•"/>
+              <a:defRPr sz="2100">
+                <a:solidFill>
+                  <a:schemeClr val="tx1"/>
+                </a:solidFill>
+                <a:latin typeface="Calibri" panose="020F0502020204030204" pitchFamily="34" charset="0"/>
+                <a:ea typeface="宋体" panose="02010600030101010101" pitchFamily="2" charset="-122"/>
+              </a:defRPr>
+            </a:lvl1pPr>
+            <a:lvl2pPr marL="742950" indent="-285750">
+              <a:lnSpc>
+                <a:spcPct val="90000"/>
+              </a:lnSpc>
+              <a:spcBef>
+                <a:spcPts val="375"/>
+              </a:spcBef>
+              <a:buFont typeface="Arial" panose="020B0604020202020204" pitchFamily="34" charset="0"/>
+              <a:buChar char="•"/>
+              <a:defRPr>
+                <a:solidFill>
+                  <a:schemeClr val="tx1"/>
+                </a:solidFill>
+                <a:latin typeface="Calibri" panose="020F0502020204030204" pitchFamily="34" charset="0"/>
+                <a:ea typeface="宋体" panose="02010600030101010101" pitchFamily="2" charset="-122"/>
+              </a:defRPr>
+            </a:lvl2pPr>
+            <a:lvl3pPr marL="1143000" indent="-228600">
+              <a:lnSpc>
+                <a:spcPct val="90000"/>
+              </a:lnSpc>
+              <a:spcBef>
+                <a:spcPts val="375"/>
+              </a:spcBef>
+              <a:buFont typeface="Arial" panose="020B0604020202020204" pitchFamily="34" charset="0"/>
+              <a:buChar char="•"/>
+              <a:defRPr sz="1500">
+                <a:solidFill>
+                  <a:schemeClr val="tx1"/>
+                </a:solidFill>
+                <a:latin typeface="Calibri" panose="020F0502020204030204" pitchFamily="34" charset="0"/>
+                <a:ea typeface="宋体" panose="02010600030101010101" pitchFamily="2" charset="-122"/>
+              </a:defRPr>
+            </a:lvl3pPr>
+            <a:lvl4pPr marL="1600200" indent="-228600">
+              <a:lnSpc>
+                <a:spcPct val="90000"/>
+              </a:lnSpc>
+              <a:spcBef>
+                <a:spcPts val="375"/>
+              </a:spcBef>
+              <a:buFont typeface="Arial" panose="020B0604020202020204" pitchFamily="34" charset="0"/>
+              <a:buChar char="•"/>
+              <a:defRPr sz="1300">
+                <a:solidFill>
+                  <a:schemeClr val="tx1"/>
+                </a:solidFill>
+                <a:latin typeface="Calibri" panose="020F0502020204030204" pitchFamily="34" charset="0"/>
+                <a:ea typeface="宋体" panose="02010600030101010101" pitchFamily="2" charset="-122"/>
+              </a:defRPr>
+            </a:lvl4pPr>
+            <a:lvl5pPr marL="2057400" indent="-228600">
+              <a:lnSpc>
+                <a:spcPct val="90000"/>
+              </a:lnSpc>
+              <a:spcBef>
+                <a:spcPts val="375"/>
+              </a:spcBef>
+              <a:buFont typeface="Arial" panose="020B0604020202020204" pitchFamily="34" charset="0"/>
+              <a:buChar char="•"/>
+              <a:defRPr sz="1300">
+                <a:solidFill>
+                  <a:schemeClr val="tx1"/>
+                </a:solidFill>
+                <a:latin typeface="Calibri" panose="020F0502020204030204" pitchFamily="34" charset="0"/>
+                <a:ea typeface="宋体" panose="02010600030101010101" pitchFamily="2" charset="-122"/>
+              </a:defRPr>
+            </a:lvl5pPr>
+            <a:lvl6pPr marL="2514600" indent="-228600" eaLnBrk="0" fontAlgn="base" hangingPunct="0">
+              <a:lnSpc>
+                <a:spcPct val="90000"/>
+              </a:lnSpc>
+              <a:spcBef>
+                <a:spcPts val="375"/>
+              </a:spcBef>
+              <a:spcAft>
+                <a:spcPct val="0"/>
+              </a:spcAft>
+              <a:buFont typeface="Arial" panose="020B0604020202020204" pitchFamily="34" charset="0"/>
+              <a:buChar char="•"/>
+              <a:defRPr sz="1300">
+                <a:solidFill>
+                  <a:schemeClr val="tx1"/>
+                </a:solidFill>
+                <a:latin typeface="Calibri" panose="020F0502020204030204" pitchFamily="34" charset="0"/>
+                <a:ea typeface="宋体" panose="02010600030101010101" pitchFamily="2" charset="-122"/>
+              </a:defRPr>
+            </a:lvl6pPr>
+            <a:lvl7pPr marL="2971800" indent="-228600" eaLnBrk="0" fontAlgn="base" hangingPunct="0">
+              <a:lnSpc>
+                <a:spcPct val="90000"/>
+              </a:lnSpc>
+              <a:spcBef>
+                <a:spcPts val="375"/>
+              </a:spcBef>
+              <a:spcAft>
+                <a:spcPct val="0"/>
+              </a:spcAft>
+              <a:buFont typeface="Arial" panose="020B0604020202020204" pitchFamily="34" charset="0"/>
+              <a:buChar char="•"/>
+              <a:defRPr sz="1300">
+                <a:solidFill>
+                  <a:schemeClr val="tx1"/>
+                </a:solidFill>
+                <a:latin typeface="Calibri" panose="020F0502020204030204" pitchFamily="34" charset="0"/>
+                <a:ea typeface="宋体" panose="02010600030101010101" pitchFamily="2" charset="-122"/>
+              </a:defRPr>
+            </a:lvl7pPr>
+            <a:lvl8pPr marL="3429000" indent="-228600" eaLnBrk="0" fontAlgn="base" hangingPunct="0">
+              <a:lnSpc>
+                <a:spcPct val="90000"/>
+              </a:lnSpc>
+              <a:spcBef>
+                <a:spcPts val="375"/>
+              </a:spcBef>
+              <a:spcAft>
+                <a:spcPct val="0"/>
+              </a:spcAft>
+              <a:buFont typeface="Arial" panose="020B0604020202020204" pitchFamily="34" charset="0"/>
+              <a:buChar char="•"/>
+              <a:defRPr sz="1300">
+                <a:solidFill>
+                  <a:schemeClr val="tx1"/>
+                </a:solidFill>
+                <a:latin typeface="Calibri" panose="020F0502020204030204" pitchFamily="34" charset="0"/>
+                <a:ea typeface="宋体" panose="02010600030101010101" pitchFamily="2" charset="-122"/>
+              </a:defRPr>
+            </a:lvl8pPr>
+            <a:lvl9pPr marL="3886200" indent="-228600" eaLnBrk="0" fontAlgn="base" hangingPunct="0">
+              <a:lnSpc>
+                <a:spcPct val="90000"/>
+              </a:lnSpc>
+              <a:spcBef>
+                <a:spcPts val="375"/>
+              </a:spcBef>
+              <a:spcAft>
+                <a:spcPct val="0"/>
+              </a:spcAft>
+              <a:buFont typeface="Arial" panose="020B0604020202020204" pitchFamily="34" charset="0"/>
+              <a:buChar char="•"/>
+              <a:defRPr sz="1300">
+                <a:solidFill>
+                  <a:schemeClr val="tx1"/>
+                </a:solidFill>
+                <a:latin typeface="Calibri" panose="020F0502020204030204" pitchFamily="34" charset="0"/>
+                <a:ea typeface="宋体" panose="02010600030101010101" pitchFamily="2" charset="-122"/>
+              </a:defRPr>
+            </a:lvl9pPr>
+          </a:lstStyle>
+          <a:p>
+            <a:pPr lvl="0">
+              <a:buNone/>
+            </a:pPr>
+            <a:r>
+              <a:rPr lang="zh-CN" altLang="en-US" sz="2000" b="1" dirty="0">
+                <a:solidFill>
+                  <a:schemeClr val="bg1">
+                    <a:lumMod val="50000"/>
+                  </a:schemeClr>
+                </a:solidFill>
+                <a:latin typeface="微软雅黑" pitchFamily="34" charset="-122"/>
+                <a:ea typeface="微软雅黑" pitchFamily="34" charset="-122"/>
+              </a:rPr>
+              <a:t>项目计划</a:t>
+            </a:r>
+            <a:endParaRPr lang="zh-CN" altLang="en-US" sz="1200" dirty="0">
+              <a:solidFill>
+                <a:schemeClr val="bg1">
+                  <a:lumMod val="50000"/>
+                </a:schemeClr>
+              </a:solidFill>
+              <a:cs typeface="+mn-ea"/>
+              <a:sym typeface="+mn-lt"/>
+            </a:endParaRPr>
+          </a:p>
+        </p:txBody>
+      </p:sp>
+      <p:sp>
+        <p:nvSpPr>
+          <p:cNvPr id="35" name="MH_Number_1"/>
+          <p:cNvSpPr/>
+          <p:nvPr>
+            <p:custDataLst>
+              <p:tags r:id="rId3"/>
+            </p:custDataLst>
+          </p:nvPr>
+        </p:nvSpPr>
+        <p:spPr>
+          <a:xfrm rot="413314">
+            <a:off x="1042643" y="1489772"/>
+            <a:ext cx="345580" cy="374109"/>
+          </a:xfrm>
+          <a:custGeom>
+            <a:avLst/>
+            <a:gdLst>
+              <a:gd name="connsiteX0" fmla="*/ 370244 w 370244"/>
+              <a:gd name="connsiteY0" fmla="*/ 0 h 400732"/>
+              <a:gd name="connsiteX1" fmla="*/ 325083 w 370244"/>
+              <a:gd name="connsiteY1" fmla="*/ 361458 h 400732"/>
+              <a:gd name="connsiteX2" fmla="*/ 0 w 370244"/>
+              <a:gd name="connsiteY2" fmla="*/ 400732 h 400732"/>
+              <a:gd name="connsiteX3" fmla="*/ 45161 w 370244"/>
+              <a:gd name="connsiteY3" fmla="*/ 39274 h 400732"/>
+            </a:gdLst>
+            <a:ahLst/>
+            <a:cxnLst>
+              <a:cxn ang="0">
+                <a:pos x="connsiteX0" y="connsiteY0"/>
+              </a:cxn>
+              <a:cxn ang="0">
+                <a:pos x="connsiteX1" y="connsiteY1"/>
+              </a:cxn>
+              <a:cxn ang="0">
+                <a:pos x="connsiteX2" y="connsiteY2"/>
+              </a:cxn>
+              <a:cxn ang="0">
+                <a:pos x="connsiteX3" y="connsiteY3"/>
+              </a:cxn>
+            </a:cxnLst>
+            <a:rect l="l" t="t" r="r" b="b"/>
+            <a:pathLst>
+              <a:path w="370244" h="400732">
+                <a:moveTo>
+                  <a:pt x="370244" y="0"/>
+                </a:moveTo>
+                <a:lnTo>
+                  <a:pt x="325083" y="361458"/>
+                </a:lnTo>
+                <a:lnTo>
+                  <a:pt x="0" y="400732"/>
+                </a:lnTo>
+                <a:lnTo>
+                  <a:pt x="45161" y="39274"/>
+                </a:lnTo>
+                <a:close/>
+              </a:path>
+            </a:pathLst>
+          </a:custGeom>
+          <a:solidFill>
+            <a:schemeClr val="accent1"/>
+          </a:solidFill>
+          <a:ln>
+            <a:noFill/>
+          </a:ln>
+        </p:spPr>
+        <p:txBody>
+          <a:bodyPr wrap="square" lIns="0" tIns="0" rIns="0" bIns="0" anchor="ctr">
+            <a:noAutofit/>
+          </a:bodyPr>
+          <a:lstStyle/>
+          <a:p>
+            <a:pPr algn="ctr">
+              <a:spcBef>
+                <a:spcPct val="0"/>
+              </a:spcBef>
+              <a:buFont typeface="Arial" panose="020B0604020202020204" pitchFamily="34" charset="0"/>
+              <a:buNone/>
+            </a:pPr>
+            <a:r>
+              <a:rPr lang="en-US" altLang="zh-CN" sz="2100" dirty="0">
+                <a:solidFill>
+                  <a:srgbClr val="FFFFFF"/>
+                </a:solidFill>
+                <a:latin typeface="Arial" panose="020B0604020202020204" pitchFamily="34" charset="0"/>
+                <a:ea typeface="微软雅黑" panose="020B0503020204020204" pitchFamily="34" charset="-122"/>
+                <a:cs typeface="Times New Roman" panose="02020603050405020304" pitchFamily="18" charset="0"/>
+                <a:sym typeface="Arial" panose="020B0604020202020204" pitchFamily="34" charset="0"/>
+              </a:rPr>
+              <a:t>1</a:t>
+            </a:r>
+            <a:endParaRPr lang="zh-CN" altLang="en-US" sz="2100" dirty="0">
+              <a:solidFill>
+                <a:srgbClr val="FFFFFF"/>
+              </a:solidFill>
+              <a:latin typeface="Arial" panose="020B0604020202020204" pitchFamily="34" charset="0"/>
+              <a:ea typeface="微软雅黑" panose="020B0503020204020204" pitchFamily="34" charset="-122"/>
+              <a:cs typeface="Times New Roman" panose="02020603050405020304" pitchFamily="18" charset="0"/>
+              <a:sym typeface="Arial" panose="020B0604020202020204" pitchFamily="34" charset="0"/>
+            </a:endParaRPr>
+          </a:p>
+        </p:txBody>
+      </p:sp>
+      <p:sp>
+        <p:nvSpPr>
+          <p:cNvPr id="36" name="MH_Number_2"/>
+          <p:cNvSpPr/>
+          <p:nvPr>
+            <p:custDataLst>
+              <p:tags r:id="rId4"/>
+            </p:custDataLst>
+          </p:nvPr>
+        </p:nvSpPr>
+        <p:spPr>
+          <a:xfrm rot="413314">
+            <a:off x="895891" y="2158355"/>
+            <a:ext cx="345580" cy="374108"/>
+          </a:xfrm>
+          <a:custGeom>
+            <a:avLst/>
+            <a:gdLst>
+              <a:gd name="connsiteX0" fmla="*/ 45161 w 370245"/>
+              <a:gd name="connsiteY0" fmla="*/ 39273 h 400731"/>
+              <a:gd name="connsiteX1" fmla="*/ 370245 w 370245"/>
+              <a:gd name="connsiteY1" fmla="*/ 0 h 400731"/>
+              <a:gd name="connsiteX2" fmla="*/ 325083 w 370245"/>
+              <a:gd name="connsiteY2" fmla="*/ 361458 h 400731"/>
+              <a:gd name="connsiteX3" fmla="*/ 0 w 370245"/>
+              <a:gd name="connsiteY3" fmla="*/ 400731 h 400731"/>
+            </a:gdLst>
+            <a:ahLst/>
+            <a:cxnLst>
+              <a:cxn ang="0">
+                <a:pos x="connsiteX0" y="connsiteY0"/>
+              </a:cxn>
+              <a:cxn ang="0">
+                <a:pos x="connsiteX1" y="connsiteY1"/>
+              </a:cxn>
+              <a:cxn ang="0">
+                <a:pos x="connsiteX2" y="connsiteY2"/>
+              </a:cxn>
+              <a:cxn ang="0">
+                <a:pos x="connsiteX3" y="connsiteY3"/>
+              </a:cxn>
+            </a:cxnLst>
+            <a:rect l="l" t="t" r="r" b="b"/>
+            <a:pathLst>
+              <a:path w="370245" h="400731">
+                <a:moveTo>
+                  <a:pt x="45161" y="39273"/>
+                </a:moveTo>
+                <a:lnTo>
+                  <a:pt x="370245" y="0"/>
+                </a:lnTo>
+                <a:lnTo>
+                  <a:pt x="325083" y="361458"/>
+                </a:lnTo>
+                <a:lnTo>
+                  <a:pt x="0" y="400731"/>
+                </a:lnTo>
+                <a:close/>
+              </a:path>
+            </a:pathLst>
+          </a:custGeom>
+          <a:solidFill>
+            <a:schemeClr val="accent2"/>
+          </a:solidFill>
+          <a:ln>
+            <a:noFill/>
+          </a:ln>
+        </p:spPr>
+        <p:txBody>
+          <a:bodyPr wrap="square" lIns="0" tIns="0" rIns="0" bIns="0" anchor="ctr">
+            <a:noAutofit/>
+          </a:bodyPr>
+          <a:lstStyle/>
+          <a:p>
+            <a:pPr algn="ctr">
+              <a:spcBef>
+                <a:spcPct val="0"/>
+              </a:spcBef>
+              <a:buFont typeface="Arial" panose="020B0604020202020204" pitchFamily="34" charset="0"/>
+              <a:buNone/>
+            </a:pPr>
+            <a:r>
+              <a:rPr lang="en-US" altLang="zh-CN" sz="2100" dirty="0">
+                <a:solidFill>
+                  <a:srgbClr val="FFFFFF"/>
+                </a:solidFill>
+                <a:latin typeface="Arial" panose="020B0604020202020204" pitchFamily="34" charset="0"/>
+                <a:ea typeface="微软雅黑" panose="020B0503020204020204" pitchFamily="34" charset="-122"/>
+                <a:cs typeface="Times New Roman" panose="02020603050405020304" pitchFamily="18" charset="0"/>
+                <a:sym typeface="Arial" panose="020B0604020202020204" pitchFamily="34" charset="0"/>
+              </a:rPr>
+              <a:t>2</a:t>
+            </a:r>
+            <a:endParaRPr lang="zh-CN" altLang="en-US" sz="2100" dirty="0">
+              <a:solidFill>
+                <a:srgbClr val="FFFFFF"/>
+              </a:solidFill>
+              <a:latin typeface="Arial" panose="020B0604020202020204" pitchFamily="34" charset="0"/>
+              <a:ea typeface="微软雅黑" panose="020B0503020204020204" pitchFamily="34" charset="-122"/>
+              <a:cs typeface="Times New Roman" panose="02020603050405020304" pitchFamily="18" charset="0"/>
+              <a:sym typeface="Arial" panose="020B0604020202020204" pitchFamily="34" charset="0"/>
+            </a:endParaRPr>
+          </a:p>
+        </p:txBody>
+      </p:sp>
+      <p:sp>
+        <p:nvSpPr>
+          <p:cNvPr id="37" name="MH_Number_3"/>
+          <p:cNvSpPr/>
+          <p:nvPr>
+            <p:custDataLst>
+              <p:tags r:id="rId5"/>
+            </p:custDataLst>
+          </p:nvPr>
+        </p:nvSpPr>
+        <p:spPr>
+          <a:xfrm rot="413314">
+            <a:off x="749140" y="2826936"/>
+            <a:ext cx="345580" cy="374109"/>
+          </a:xfrm>
+          <a:custGeom>
+            <a:avLst/>
+            <a:gdLst>
+              <a:gd name="connsiteX0" fmla="*/ 370244 w 370244"/>
+              <a:gd name="connsiteY0" fmla="*/ 0 h 400732"/>
+              <a:gd name="connsiteX1" fmla="*/ 325083 w 370244"/>
+              <a:gd name="connsiteY1" fmla="*/ 361458 h 400732"/>
+              <a:gd name="connsiteX2" fmla="*/ 0 w 370244"/>
+              <a:gd name="connsiteY2" fmla="*/ 400732 h 400732"/>
+              <a:gd name="connsiteX3" fmla="*/ 45161 w 370244"/>
+              <a:gd name="connsiteY3" fmla="*/ 39274 h 400732"/>
+            </a:gdLst>
+            <a:ahLst/>
+            <a:cxnLst>
+              <a:cxn ang="0">
+                <a:pos x="connsiteX0" y="connsiteY0"/>
+              </a:cxn>
+              <a:cxn ang="0">
+                <a:pos x="connsiteX1" y="connsiteY1"/>
+              </a:cxn>
+              <a:cxn ang="0">
+                <a:pos x="connsiteX2" y="connsiteY2"/>
+              </a:cxn>
+              <a:cxn ang="0">
+                <a:pos x="connsiteX3" y="connsiteY3"/>
+              </a:cxn>
+            </a:cxnLst>
+            <a:rect l="l" t="t" r="r" b="b"/>
+            <a:pathLst>
+              <a:path w="370244" h="400732">
+                <a:moveTo>
+                  <a:pt x="370244" y="0"/>
+                </a:moveTo>
+                <a:lnTo>
+                  <a:pt x="325083" y="361458"/>
+                </a:lnTo>
+                <a:lnTo>
+                  <a:pt x="0" y="400732"/>
+                </a:lnTo>
+                <a:lnTo>
+                  <a:pt x="45161" y="39274"/>
+                </a:lnTo>
+                <a:close/>
+              </a:path>
+            </a:pathLst>
+          </a:custGeom>
+          <a:solidFill>
+            <a:schemeClr val="accent1"/>
+          </a:solidFill>
+          <a:ln>
+            <a:noFill/>
+          </a:ln>
+        </p:spPr>
+        <p:txBody>
+          <a:bodyPr wrap="square" lIns="0" tIns="0" rIns="0" bIns="0" anchor="ctr">
+            <a:noAutofit/>
+          </a:bodyPr>
+          <a:lstStyle/>
+          <a:p>
+            <a:pPr algn="ctr">
+              <a:spcBef>
+                <a:spcPct val="0"/>
+              </a:spcBef>
+              <a:buFont typeface="Arial" panose="020B0604020202020204" pitchFamily="34" charset="0"/>
+              <a:buNone/>
+            </a:pPr>
+            <a:r>
+              <a:rPr lang="en-US" altLang="zh-CN" sz="2100" dirty="0">
+                <a:solidFill>
+                  <a:srgbClr val="FFFFFF"/>
+                </a:solidFill>
+                <a:latin typeface="Arial" panose="020B0604020202020204" pitchFamily="34" charset="0"/>
+                <a:ea typeface="微软雅黑" panose="020B0503020204020204" pitchFamily="34" charset="-122"/>
+                <a:cs typeface="Times New Roman" panose="02020603050405020304" pitchFamily="18" charset="0"/>
+                <a:sym typeface="Arial" panose="020B0604020202020204" pitchFamily="34" charset="0"/>
+              </a:rPr>
+              <a:t>3</a:t>
+            </a:r>
+            <a:endParaRPr lang="zh-CN" altLang="en-US" sz="2100" dirty="0">
+              <a:solidFill>
+                <a:srgbClr val="FFFFFF"/>
+              </a:solidFill>
+              <a:latin typeface="Arial" panose="020B0604020202020204" pitchFamily="34" charset="0"/>
+              <a:ea typeface="微软雅黑" panose="020B0503020204020204" pitchFamily="34" charset="-122"/>
+              <a:cs typeface="Times New Roman" panose="02020603050405020304" pitchFamily="18" charset="0"/>
+              <a:sym typeface="Arial" panose="020B0604020202020204" pitchFamily="34" charset="0"/>
+            </a:endParaRPr>
+          </a:p>
+        </p:txBody>
+      </p:sp>
+      <p:sp>
+        <p:nvSpPr>
+          <p:cNvPr id="38" name="MH_Number_4"/>
+          <p:cNvSpPr/>
+          <p:nvPr>
+            <p:custDataLst>
+              <p:tags r:id="rId6"/>
+            </p:custDataLst>
+          </p:nvPr>
+        </p:nvSpPr>
+        <p:spPr>
+          <a:xfrm rot="413314">
+            <a:off x="602306" y="3495519"/>
+            <a:ext cx="345739" cy="372796"/>
+          </a:xfrm>
+          <a:custGeom>
+            <a:avLst/>
+            <a:gdLst>
+              <a:gd name="connsiteX0" fmla="*/ 45331 w 370414"/>
+              <a:gd name="connsiteY0" fmla="*/ 39273 h 399327"/>
+              <a:gd name="connsiteX1" fmla="*/ 370414 w 370414"/>
+              <a:gd name="connsiteY1" fmla="*/ 0 h 399327"/>
+              <a:gd name="connsiteX2" fmla="*/ 325084 w 370414"/>
+              <a:gd name="connsiteY2" fmla="*/ 360054 h 399327"/>
+              <a:gd name="connsiteX3" fmla="*/ 0 w 370414"/>
+              <a:gd name="connsiteY3" fmla="*/ 399327 h 399327"/>
+            </a:gdLst>
+            <a:ahLst/>
+            <a:cxnLst>
+              <a:cxn ang="0">
+                <a:pos x="connsiteX0" y="connsiteY0"/>
+              </a:cxn>
+              <a:cxn ang="0">
+                <a:pos x="connsiteX1" y="connsiteY1"/>
+              </a:cxn>
+              <a:cxn ang="0">
+                <a:pos x="connsiteX2" y="connsiteY2"/>
+              </a:cxn>
+              <a:cxn ang="0">
+                <a:pos x="connsiteX3" y="connsiteY3"/>
+              </a:cxn>
+            </a:cxnLst>
+            <a:rect l="l" t="t" r="r" b="b"/>
+            <a:pathLst>
+              <a:path w="370414" h="399327">
+                <a:moveTo>
+                  <a:pt x="45331" y="39273"/>
+                </a:moveTo>
+                <a:lnTo>
+                  <a:pt x="370414" y="0"/>
+                </a:lnTo>
+                <a:lnTo>
+                  <a:pt x="325084" y="360054"/>
+                </a:lnTo>
+                <a:lnTo>
+                  <a:pt x="0" y="399327"/>
+                </a:lnTo>
+                <a:close/>
+              </a:path>
+            </a:pathLst>
+          </a:custGeom>
+          <a:solidFill>
+            <a:schemeClr val="accent2"/>
+          </a:solidFill>
+          <a:ln>
+            <a:noFill/>
+          </a:ln>
+        </p:spPr>
+        <p:txBody>
+          <a:bodyPr wrap="square" lIns="0" tIns="0" rIns="0" bIns="0" anchor="ctr">
+            <a:noAutofit/>
+          </a:bodyPr>
+          <a:lstStyle/>
+          <a:p>
+            <a:pPr algn="ctr">
+              <a:spcBef>
+                <a:spcPct val="0"/>
+              </a:spcBef>
+              <a:buFont typeface="Arial" panose="020B0604020202020204" pitchFamily="34" charset="0"/>
+              <a:buNone/>
+            </a:pPr>
+            <a:r>
+              <a:rPr lang="en-US" altLang="zh-CN" sz="2100" dirty="0">
+                <a:solidFill>
+                  <a:srgbClr val="FFFFFF"/>
+                </a:solidFill>
+                <a:latin typeface="Arial" panose="020B0604020202020204" pitchFamily="34" charset="0"/>
+                <a:ea typeface="微软雅黑" panose="020B0503020204020204" pitchFamily="34" charset="-122"/>
+                <a:cs typeface="Times New Roman" panose="02020603050405020304" pitchFamily="18" charset="0"/>
+                <a:sym typeface="Arial" panose="020B0604020202020204" pitchFamily="34" charset="0"/>
+              </a:rPr>
+              <a:t>4</a:t>
+            </a:r>
+            <a:endParaRPr lang="zh-CN" altLang="en-US" sz="2100" dirty="0">
+              <a:solidFill>
+                <a:srgbClr val="FFFFFF"/>
+              </a:solidFill>
+              <a:latin typeface="Arial" panose="020B0604020202020204" pitchFamily="34" charset="0"/>
+              <a:ea typeface="微软雅黑" panose="020B0503020204020204" pitchFamily="34" charset="-122"/>
+              <a:cs typeface="Times New Roman" panose="02020603050405020304" pitchFamily="18" charset="0"/>
+              <a:sym typeface="Arial" panose="020B0604020202020204" pitchFamily="34" charset="0"/>
+            </a:endParaRPr>
+          </a:p>
+        </p:txBody>
+      </p:sp>
+      <p:sp>
+        <p:nvSpPr>
+          <p:cNvPr id="15" name="MH_Others_2">
+            <a:extLst>
+              <a:ext uri="{FF2B5EF4-FFF2-40B4-BE49-F238E27FC236}">
+                <a16:creationId xmlns:a16="http://schemas.microsoft.com/office/drawing/2014/main" id="{A124F13B-268F-4EA1-BC36-1ED35E9494E9}"/>
+              </a:ext>
+            </a:extLst>
+          </p:cNvPr>
+          <p:cNvSpPr/>
+          <p:nvPr>
+            <p:custDataLst>
+              <p:tags r:id="rId7"/>
+            </p:custDataLst>
+          </p:nvPr>
+        </p:nvSpPr>
+        <p:spPr>
+          <a:xfrm>
+            <a:off x="754" y="550669"/>
+            <a:ext cx="1038622" cy="355650"/>
+          </a:xfrm>
+          <a:prstGeom prst="rect">
+            <a:avLst/>
+          </a:prstGeom>
+          <a:solidFill>
+            <a:schemeClr val="accent1"/>
+          </a:solidFill>
+          <a:ln>
+            <a:noFill/>
+          </a:ln>
+        </p:spPr>
+        <p:style>
+          <a:lnRef idx="2">
+            <a:schemeClr val="accent1">
+              <a:shade val="50000"/>
+            </a:schemeClr>
+          </a:lnRef>
+          <a:fillRef idx="1">
+            <a:schemeClr val="accent1"/>
+          </a:fillRef>
+          <a:effectRef idx="0">
+            <a:schemeClr val="accent1"/>
+          </a:effectRef>
+          <a:fontRef idx="minor">
+            <a:schemeClr val="lt1"/>
+          </a:fontRef>
+        </p:style>
+        <p:txBody>
+          <a:bodyPr rot="0" spcFirstLastPara="0" vertOverflow="overflow" horzOverflow="overflow" vert="horz" wrap="square" lIns="68580" tIns="34290" rIns="68580" bIns="34290" numCol="1" spcCol="0" rtlCol="0" fromWordArt="0" anchor="ctr" anchorCtr="0" forceAA="0" compatLnSpc="1">
+            <a:prstTxWarp prst="textNoShape">
+              <a:avLst/>
+            </a:prstTxWarp>
+            <a:noAutofit/>
+          </a:bodyPr>
+          <a:lstStyle/>
+          <a:p>
+            <a:endParaRPr lang="zh-CN" altLang="en-US" sz="1424">
+              <a:solidFill>
+                <a:srgbClr val="FFFFFF"/>
+              </a:solidFill>
+              <a:latin typeface="Arial" panose="020B0604020202020204" pitchFamily="34" charset="0"/>
+              <a:ea typeface="微软雅黑" panose="020B0503020204020204" pitchFamily="34" charset="-122"/>
+              <a:sym typeface="Arial" panose="020B0604020202020204" pitchFamily="34" charset="0"/>
+            </a:endParaRPr>
+          </a:p>
+        </p:txBody>
+      </p:sp>
+      <p:sp>
+        <p:nvSpPr>
+          <p:cNvPr id="16" name="MH_Others_1">
+            <a:extLst>
+              <a:ext uri="{FF2B5EF4-FFF2-40B4-BE49-F238E27FC236}">
+                <a16:creationId xmlns:a16="http://schemas.microsoft.com/office/drawing/2014/main" id="{E0823492-9680-4ABB-8743-2C6FB09B0E72}"/>
+              </a:ext>
+            </a:extLst>
+          </p:cNvPr>
+          <p:cNvSpPr txBox="1"/>
+          <p:nvPr>
+            <p:custDataLst>
+              <p:tags r:id="rId8"/>
+            </p:custDataLst>
+          </p:nvPr>
+        </p:nvSpPr>
+        <p:spPr>
+          <a:xfrm>
+            <a:off x="1129705" y="518326"/>
+            <a:ext cx="811948" cy="437684"/>
+          </a:xfrm>
+          <a:prstGeom prst="rect">
+            <a:avLst/>
+          </a:prstGeom>
+          <a:noFill/>
+        </p:spPr>
+        <p:txBody>
+          <a:bodyPr vert="horz" wrap="square" lIns="0" tIns="0" rIns="0" bIns="0" rtlCol="0" anchor="ctr" anchorCtr="0">
+            <a:spAutoFit/>
+          </a:bodyPr>
+          <a:lstStyle/>
+          <a:p>
+            <a:pPr algn="ctr"/>
+            <a:r>
+              <a:rPr lang="zh-CN" altLang="en-US" sz="2844" b="1" dirty="0">
+                <a:solidFill>
+                  <a:schemeClr val="accent1"/>
+                </a:solidFill>
+                <a:latin typeface="Arial" panose="020B0604020202020204" pitchFamily="34" charset="0"/>
+                <a:ea typeface="微软雅黑" panose="020B0503020204020204" pitchFamily="34" charset="-122"/>
+                <a:sym typeface="Arial" panose="020B0604020202020204" pitchFamily="34" charset="0"/>
+              </a:rPr>
+              <a:t>目录</a:t>
+            </a:r>
+          </a:p>
+        </p:txBody>
+      </p:sp>
+      <p:sp>
+        <p:nvSpPr>
+          <p:cNvPr id="17" name="MH_Others_2">
+            <a:extLst>
+              <a:ext uri="{FF2B5EF4-FFF2-40B4-BE49-F238E27FC236}">
+                <a16:creationId xmlns:a16="http://schemas.microsoft.com/office/drawing/2014/main" id="{9CE0B2F1-D203-4009-981B-4D6B9DEF390B}"/>
+              </a:ext>
+            </a:extLst>
+          </p:cNvPr>
+          <p:cNvSpPr txBox="1"/>
+          <p:nvPr>
+            <p:custDataLst>
+              <p:tags r:id="rId9"/>
+            </p:custDataLst>
+          </p:nvPr>
+        </p:nvSpPr>
+        <p:spPr>
+          <a:xfrm>
+            <a:off x="610393" y="956047"/>
+            <a:ext cx="1850572" cy="350417"/>
+          </a:xfrm>
+          <a:prstGeom prst="rect">
+            <a:avLst/>
+          </a:prstGeom>
+          <a:noFill/>
+        </p:spPr>
+        <p:txBody>
+          <a:bodyPr wrap="square" lIns="0" tIns="0" rIns="0" bIns="0">
+            <a:spAutoFit/>
+          </a:bodyPr>
+          <a:lstStyle/>
+          <a:p>
+            <a:pPr algn="ctr">
+              <a:defRPr/>
+            </a:pPr>
+            <a:r>
+              <a:rPr lang="en-US" altLang="zh-CN" sz="2277" dirty="0">
+                <a:solidFill>
+                  <a:schemeClr val="accent1"/>
+                </a:solidFill>
+                <a:latin typeface="Arial" panose="020B0604020202020204" pitchFamily="34" charset="0"/>
+                <a:ea typeface="微软雅黑" panose="020B0503020204020204" pitchFamily="34" charset="-122"/>
+                <a:sym typeface="Arial" panose="020B0604020202020204" pitchFamily="34" charset="0"/>
+              </a:rPr>
+              <a:t>CONTENTS</a:t>
+            </a:r>
+            <a:endParaRPr lang="zh-CN" altLang="en-US" sz="2277" dirty="0">
+              <a:solidFill>
+                <a:schemeClr val="accent1"/>
+              </a:solidFill>
+              <a:latin typeface="Arial" panose="020B0604020202020204" pitchFamily="34" charset="0"/>
+              <a:ea typeface="微软雅黑" panose="020B0503020204020204" pitchFamily="34" charset="-122"/>
+              <a:sym typeface="Arial" panose="020B0604020202020204" pitchFamily="34" charset="0"/>
+            </a:endParaRPr>
+          </a:p>
+        </p:txBody>
+      </p:sp>
+      <p:sp>
+        <p:nvSpPr>
+          <p:cNvPr id="18" name="MH_Others_2">
+            <a:extLst>
+              <a:ext uri="{FF2B5EF4-FFF2-40B4-BE49-F238E27FC236}">
+                <a16:creationId xmlns:a16="http://schemas.microsoft.com/office/drawing/2014/main" id="{860342C5-4751-4D71-A9E9-EA3609800CF4}"/>
+              </a:ext>
+            </a:extLst>
+          </p:cNvPr>
+          <p:cNvSpPr/>
+          <p:nvPr>
+            <p:custDataLst>
+              <p:tags r:id="rId10"/>
+            </p:custDataLst>
+          </p:nvPr>
+        </p:nvSpPr>
+        <p:spPr>
+          <a:xfrm>
+            <a:off x="2078000" y="550669"/>
+            <a:ext cx="7067086" cy="355650"/>
+          </a:xfrm>
+          <a:prstGeom prst="rect">
+            <a:avLst/>
+          </a:prstGeom>
+          <a:solidFill>
+            <a:schemeClr val="accent1"/>
+          </a:solidFill>
+          <a:ln>
+            <a:noFill/>
+          </a:ln>
+        </p:spPr>
+        <p:style>
+          <a:lnRef idx="2">
+            <a:schemeClr val="accent1">
+              <a:shade val="50000"/>
+            </a:schemeClr>
+          </a:lnRef>
+          <a:fillRef idx="1">
+            <a:schemeClr val="accent1"/>
+          </a:fillRef>
+          <a:effectRef idx="0">
+            <a:schemeClr val="accent1"/>
+          </a:effectRef>
+          <a:fontRef idx="minor">
+            <a:schemeClr val="lt1"/>
+          </a:fontRef>
+        </p:style>
+        <p:txBody>
+          <a:bodyPr rot="0" spcFirstLastPara="0" vertOverflow="overflow" horzOverflow="overflow" vert="horz" wrap="square" lIns="68580" tIns="34290" rIns="68580" bIns="34290" numCol="1" spcCol="0" rtlCol="0" fromWordArt="0" anchor="ctr" anchorCtr="0" forceAA="0" compatLnSpc="1">
+            <a:prstTxWarp prst="textNoShape">
+              <a:avLst/>
+            </a:prstTxWarp>
+            <a:noAutofit/>
+          </a:bodyPr>
+          <a:lstStyle/>
+          <a:p>
+            <a:endParaRPr lang="zh-CN" altLang="en-US" sz="1424">
+              <a:solidFill>
+                <a:srgbClr val="FFFFFF"/>
+              </a:solidFill>
+              <a:latin typeface="Arial" panose="020B0604020202020204" pitchFamily="34" charset="0"/>
+              <a:ea typeface="微软雅黑" panose="020B0503020204020204" pitchFamily="34" charset="-122"/>
+              <a:sym typeface="Arial" panose="020B0604020202020204" pitchFamily="34" charset="0"/>
+            </a:endParaRPr>
+          </a:p>
+        </p:txBody>
+      </p:sp>
+      <p:sp>
+        <p:nvSpPr>
+          <p:cNvPr id="14" name="MH_Entry_1">
+            <a:extLst>
+              <a:ext uri="{FF2B5EF4-FFF2-40B4-BE49-F238E27FC236}">
+                <a16:creationId xmlns:a16="http://schemas.microsoft.com/office/drawing/2014/main" id="{5EF4C817-44A0-4FEF-9897-9E801E931B79}"/>
+              </a:ext>
+            </a:extLst>
+          </p:cNvPr>
+          <p:cNvSpPr>
+            <a:spLocks noChangeArrowheads="1"/>
+          </p:cNvSpPr>
+          <p:nvPr>
+            <p:custDataLst>
+              <p:tags r:id="rId11"/>
+            </p:custDataLst>
+          </p:nvPr>
+        </p:nvSpPr>
+        <p:spPr bwMode="auto">
+          <a:xfrm>
+            <a:off x="5363192" y="1608756"/>
+            <a:ext cx="2093471" cy="276999"/>
+          </a:xfrm>
+          <a:prstGeom prst="rect">
+            <a:avLst/>
+          </a:prstGeom>
+          <a:noFill/>
+          <a:ln>
+            <a:noFill/>
+          </a:ln>
+          <a:extLst>
+            <a:ext uri="{909E8E84-426E-40DD-AFC4-6F175D3DCCD1}">
+              <a14:hiddenFill xmlns:a14="http://schemas.microsoft.com/office/drawing/2010/main">
+                <a:solidFill>
+                  <a:srgbClr val="FFFFFF"/>
+                </a:solidFill>
+              </a14:hiddenFill>
+            </a:ext>
+            <a:ext uri="{91240B29-F687-4F45-9708-019B960494DF}">
+              <a14:hiddenLine xmlns:a14="http://schemas.microsoft.com/office/drawing/2010/main" w="9525">
+                <a:solidFill>
+                  <a:srgbClr val="000000"/>
+                </a:solidFill>
+                <a:miter lim="800000"/>
+                <a:headEnd/>
+                <a:tailEnd/>
+              </a14:hiddenLine>
+            </a:ext>
+          </a:extLst>
+        </p:spPr>
+        <p:txBody>
+          <a:bodyPr wrap="square" lIns="0" tIns="0" rIns="0" bIns="0" anchor="ctr">
+            <a:spAutoFit/>
+          </a:bodyPr>
+          <a:lstStyle>
+            <a:lvl1pPr>
+              <a:lnSpc>
+                <a:spcPct val="90000"/>
+              </a:lnSpc>
+              <a:spcBef>
+                <a:spcPts val="750"/>
+              </a:spcBef>
+              <a:buFont typeface="Arial" panose="020B0604020202020204" pitchFamily="34" charset="0"/>
+              <a:buChar char="•"/>
+              <a:defRPr sz="2100">
+                <a:solidFill>
+                  <a:schemeClr val="tx1"/>
+                </a:solidFill>
+                <a:latin typeface="Calibri" panose="020F0502020204030204" pitchFamily="34" charset="0"/>
+                <a:ea typeface="宋体" panose="02010600030101010101" pitchFamily="2" charset="-122"/>
+              </a:defRPr>
+            </a:lvl1pPr>
+            <a:lvl2pPr marL="742950" indent="-285750">
+              <a:lnSpc>
+                <a:spcPct val="90000"/>
+              </a:lnSpc>
+              <a:spcBef>
+                <a:spcPts val="375"/>
+              </a:spcBef>
+              <a:buFont typeface="Arial" panose="020B0604020202020204" pitchFamily="34" charset="0"/>
+              <a:buChar char="•"/>
+              <a:defRPr>
+                <a:solidFill>
+                  <a:schemeClr val="tx1"/>
+                </a:solidFill>
+                <a:latin typeface="Calibri" panose="020F0502020204030204" pitchFamily="34" charset="0"/>
+                <a:ea typeface="宋体" panose="02010600030101010101" pitchFamily="2" charset="-122"/>
+              </a:defRPr>
+            </a:lvl2pPr>
+            <a:lvl3pPr marL="1143000" indent="-228600">
+              <a:lnSpc>
+                <a:spcPct val="90000"/>
+              </a:lnSpc>
+              <a:spcBef>
+                <a:spcPts val="375"/>
+              </a:spcBef>
+              <a:buFont typeface="Arial" panose="020B0604020202020204" pitchFamily="34" charset="0"/>
+              <a:buChar char="•"/>
+              <a:defRPr sz="1500">
+                <a:solidFill>
+                  <a:schemeClr val="tx1"/>
+                </a:solidFill>
+                <a:latin typeface="Calibri" panose="020F0502020204030204" pitchFamily="34" charset="0"/>
+                <a:ea typeface="宋体" panose="02010600030101010101" pitchFamily="2" charset="-122"/>
+              </a:defRPr>
+            </a:lvl3pPr>
+            <a:lvl4pPr marL="1600200" indent="-228600">
+              <a:lnSpc>
+                <a:spcPct val="90000"/>
+              </a:lnSpc>
+              <a:spcBef>
+                <a:spcPts val="375"/>
+              </a:spcBef>
+              <a:buFont typeface="Arial" panose="020B0604020202020204" pitchFamily="34" charset="0"/>
+              <a:buChar char="•"/>
+              <a:defRPr sz="1300">
+                <a:solidFill>
+                  <a:schemeClr val="tx1"/>
+                </a:solidFill>
+                <a:latin typeface="Calibri" panose="020F0502020204030204" pitchFamily="34" charset="0"/>
+                <a:ea typeface="宋体" panose="02010600030101010101" pitchFamily="2" charset="-122"/>
+              </a:defRPr>
+            </a:lvl4pPr>
+            <a:lvl5pPr marL="2057400" indent="-228600">
+              <a:lnSpc>
+                <a:spcPct val="90000"/>
+              </a:lnSpc>
+              <a:spcBef>
+                <a:spcPts val="375"/>
+              </a:spcBef>
+              <a:buFont typeface="Arial" panose="020B0604020202020204" pitchFamily="34" charset="0"/>
+              <a:buChar char="•"/>
+              <a:defRPr sz="1300">
+                <a:solidFill>
+                  <a:schemeClr val="tx1"/>
+                </a:solidFill>
+                <a:latin typeface="Calibri" panose="020F0502020204030204" pitchFamily="34" charset="0"/>
+                <a:ea typeface="宋体" panose="02010600030101010101" pitchFamily="2" charset="-122"/>
+              </a:defRPr>
+            </a:lvl5pPr>
+            <a:lvl6pPr marL="2514600" indent="-228600" eaLnBrk="0" fontAlgn="base" hangingPunct="0">
+              <a:lnSpc>
+                <a:spcPct val="90000"/>
+              </a:lnSpc>
+              <a:spcBef>
+                <a:spcPts val="375"/>
+              </a:spcBef>
+              <a:spcAft>
+                <a:spcPct val="0"/>
+              </a:spcAft>
+              <a:buFont typeface="Arial" panose="020B0604020202020204" pitchFamily="34" charset="0"/>
+              <a:buChar char="•"/>
+              <a:defRPr sz="1300">
+                <a:solidFill>
+                  <a:schemeClr val="tx1"/>
+                </a:solidFill>
+                <a:latin typeface="Calibri" panose="020F0502020204030204" pitchFamily="34" charset="0"/>
+                <a:ea typeface="宋体" panose="02010600030101010101" pitchFamily="2" charset="-122"/>
+              </a:defRPr>
+            </a:lvl6pPr>
+            <a:lvl7pPr marL="2971800" indent="-228600" eaLnBrk="0" fontAlgn="base" hangingPunct="0">
+              <a:lnSpc>
+                <a:spcPct val="90000"/>
+              </a:lnSpc>
+              <a:spcBef>
+                <a:spcPts val="375"/>
+              </a:spcBef>
+              <a:spcAft>
+                <a:spcPct val="0"/>
+              </a:spcAft>
+              <a:buFont typeface="Arial" panose="020B0604020202020204" pitchFamily="34" charset="0"/>
+              <a:buChar char="•"/>
+              <a:defRPr sz="1300">
+                <a:solidFill>
+                  <a:schemeClr val="tx1"/>
+                </a:solidFill>
+                <a:latin typeface="Calibri" panose="020F0502020204030204" pitchFamily="34" charset="0"/>
+                <a:ea typeface="宋体" panose="02010600030101010101" pitchFamily="2" charset="-122"/>
+              </a:defRPr>
+            </a:lvl7pPr>
+            <a:lvl8pPr marL="3429000" indent="-228600" eaLnBrk="0" fontAlgn="base" hangingPunct="0">
+              <a:lnSpc>
+                <a:spcPct val="90000"/>
+              </a:lnSpc>
+              <a:spcBef>
+                <a:spcPts val="375"/>
+              </a:spcBef>
+              <a:spcAft>
+                <a:spcPct val="0"/>
+              </a:spcAft>
+              <a:buFont typeface="Arial" panose="020B0604020202020204" pitchFamily="34" charset="0"/>
+              <a:buChar char="•"/>
+              <a:defRPr sz="1300">
+                <a:solidFill>
+                  <a:schemeClr val="tx1"/>
+                </a:solidFill>
+                <a:latin typeface="Calibri" panose="020F0502020204030204" pitchFamily="34" charset="0"/>
+                <a:ea typeface="宋体" panose="02010600030101010101" pitchFamily="2" charset="-122"/>
+              </a:defRPr>
+            </a:lvl8pPr>
+            <a:lvl9pPr marL="3886200" indent="-228600" eaLnBrk="0" fontAlgn="base" hangingPunct="0">
+              <a:lnSpc>
+                <a:spcPct val="90000"/>
+              </a:lnSpc>
+              <a:spcBef>
+                <a:spcPts val="375"/>
+              </a:spcBef>
+              <a:spcAft>
+                <a:spcPct val="0"/>
+              </a:spcAft>
+              <a:buFont typeface="Arial" panose="020B0604020202020204" pitchFamily="34" charset="0"/>
+              <a:buChar char="•"/>
+              <a:defRPr sz="1300">
+                <a:solidFill>
+                  <a:schemeClr val="tx1"/>
+                </a:solidFill>
+                <a:latin typeface="Calibri" panose="020F0502020204030204" pitchFamily="34" charset="0"/>
+                <a:ea typeface="宋体" panose="02010600030101010101" pitchFamily="2" charset="-122"/>
+              </a:defRPr>
+            </a:lvl9pPr>
+          </a:lstStyle>
+          <a:p>
+            <a:pPr lvl="0">
+              <a:buNone/>
+            </a:pPr>
+            <a:r>
+              <a:rPr lang="zh-CN" altLang="en-US" sz="2000" b="1" dirty="0">
+                <a:solidFill>
+                  <a:schemeClr val="bg1">
+                    <a:lumMod val="50000"/>
+                  </a:schemeClr>
+                </a:solidFill>
+                <a:latin typeface="微软雅黑" pitchFamily="34" charset="-122"/>
+                <a:ea typeface="微软雅黑" pitchFamily="34" charset="-122"/>
+              </a:rPr>
+              <a:t>甘特图及</a:t>
+            </a:r>
+            <a:r>
+              <a:rPr lang="en-US" altLang="zh-CN" sz="2000" b="1" dirty="0">
+                <a:solidFill>
+                  <a:schemeClr val="bg1">
+                    <a:lumMod val="50000"/>
+                  </a:schemeClr>
+                </a:solidFill>
+                <a:latin typeface="微软雅黑" pitchFamily="34" charset="-122"/>
+                <a:ea typeface="微软雅黑" pitchFamily="34" charset="-122"/>
+              </a:rPr>
+              <a:t>WBS</a:t>
+            </a:r>
+            <a:r>
+              <a:rPr lang="zh-CN" altLang="en-US" sz="2000" b="1" dirty="0">
+                <a:solidFill>
+                  <a:schemeClr val="bg1">
+                    <a:lumMod val="50000"/>
+                  </a:schemeClr>
+                </a:solidFill>
+                <a:latin typeface="微软雅黑" pitchFamily="34" charset="-122"/>
+                <a:ea typeface="微软雅黑" pitchFamily="34" charset="-122"/>
+              </a:rPr>
+              <a:t>图</a:t>
+            </a:r>
+            <a:endParaRPr lang="zh-CN" altLang="zh-CN" sz="2000" b="1" dirty="0">
+              <a:solidFill>
+                <a:schemeClr val="bg1">
+                  <a:lumMod val="50000"/>
+                </a:schemeClr>
+              </a:solidFill>
+              <a:latin typeface="微软雅黑" pitchFamily="34" charset="-122"/>
+              <a:ea typeface="微软雅黑" pitchFamily="34" charset="-122"/>
+            </a:endParaRPr>
+          </a:p>
+        </p:txBody>
+      </p:sp>
+      <p:sp>
+        <p:nvSpPr>
+          <p:cNvPr id="19" name="MH_Entry_3">
+            <a:extLst>
+              <a:ext uri="{FF2B5EF4-FFF2-40B4-BE49-F238E27FC236}">
+                <a16:creationId xmlns:a16="http://schemas.microsoft.com/office/drawing/2014/main" id="{FBA6DD42-FA87-4873-B2D3-BDCE532A15D0}"/>
+              </a:ext>
+            </a:extLst>
+          </p:cNvPr>
+          <p:cNvSpPr>
+            <a:spLocks noChangeArrowheads="1"/>
+          </p:cNvSpPr>
+          <p:nvPr>
+            <p:custDataLst>
+              <p:tags r:id="rId12"/>
+            </p:custDataLst>
+          </p:nvPr>
+        </p:nvSpPr>
+        <p:spPr bwMode="auto">
+          <a:xfrm>
+            <a:off x="5076850" y="2941957"/>
+            <a:ext cx="2093471" cy="276999"/>
+          </a:xfrm>
+          <a:prstGeom prst="rect">
+            <a:avLst/>
+          </a:prstGeom>
+          <a:noFill/>
+          <a:ln>
+            <a:noFill/>
+          </a:ln>
+          <a:extLst>
+            <a:ext uri="{909E8E84-426E-40DD-AFC4-6F175D3DCCD1}">
+              <a14:hiddenFill xmlns:a14="http://schemas.microsoft.com/office/drawing/2010/main">
+                <a:solidFill>
+                  <a:srgbClr val="FFFFFF"/>
+                </a:solidFill>
+              </a14:hiddenFill>
+            </a:ext>
+            <a:ext uri="{91240B29-F687-4F45-9708-019B960494DF}">
+              <a14:hiddenLine xmlns:a14="http://schemas.microsoft.com/office/drawing/2010/main" w="9525">
+                <a:solidFill>
+                  <a:srgbClr val="000000"/>
+                </a:solidFill>
+                <a:miter lim="800000"/>
+                <a:headEnd/>
+                <a:tailEnd/>
+              </a14:hiddenLine>
+            </a:ext>
+          </a:extLst>
+        </p:spPr>
+        <p:txBody>
+          <a:bodyPr wrap="square" lIns="0" tIns="0" rIns="0" bIns="0" anchor="ctr">
+            <a:spAutoFit/>
+          </a:bodyPr>
+          <a:lstStyle>
+            <a:lvl1pPr>
+              <a:lnSpc>
+                <a:spcPct val="90000"/>
+              </a:lnSpc>
+              <a:spcBef>
+                <a:spcPts val="750"/>
+              </a:spcBef>
+              <a:buFont typeface="Arial" panose="020B0604020202020204" pitchFamily="34" charset="0"/>
+              <a:buChar char="•"/>
+              <a:defRPr sz="2100">
+                <a:solidFill>
+                  <a:schemeClr val="tx1"/>
+                </a:solidFill>
+                <a:latin typeface="Calibri" panose="020F0502020204030204" pitchFamily="34" charset="0"/>
+                <a:ea typeface="宋体" panose="02010600030101010101" pitchFamily="2" charset="-122"/>
+              </a:defRPr>
+            </a:lvl1pPr>
+            <a:lvl2pPr marL="742950" indent="-285750">
+              <a:lnSpc>
+                <a:spcPct val="90000"/>
+              </a:lnSpc>
+              <a:spcBef>
+                <a:spcPts val="375"/>
+              </a:spcBef>
+              <a:buFont typeface="Arial" panose="020B0604020202020204" pitchFamily="34" charset="0"/>
+              <a:buChar char="•"/>
+              <a:defRPr>
+                <a:solidFill>
+                  <a:schemeClr val="tx1"/>
+                </a:solidFill>
+                <a:latin typeface="Calibri" panose="020F0502020204030204" pitchFamily="34" charset="0"/>
+                <a:ea typeface="宋体" panose="02010600030101010101" pitchFamily="2" charset="-122"/>
+              </a:defRPr>
+            </a:lvl2pPr>
+            <a:lvl3pPr marL="1143000" indent="-228600">
+              <a:lnSpc>
+                <a:spcPct val="90000"/>
+              </a:lnSpc>
+              <a:spcBef>
+                <a:spcPts val="375"/>
+              </a:spcBef>
+              <a:buFont typeface="Arial" panose="020B0604020202020204" pitchFamily="34" charset="0"/>
+              <a:buChar char="•"/>
+              <a:defRPr sz="1500">
+                <a:solidFill>
+                  <a:schemeClr val="tx1"/>
+                </a:solidFill>
+                <a:latin typeface="Calibri" panose="020F0502020204030204" pitchFamily="34" charset="0"/>
+                <a:ea typeface="宋体" panose="02010600030101010101" pitchFamily="2" charset="-122"/>
+              </a:defRPr>
+            </a:lvl3pPr>
+            <a:lvl4pPr marL="1600200" indent="-228600">
+              <a:lnSpc>
+                <a:spcPct val="90000"/>
+              </a:lnSpc>
+              <a:spcBef>
+                <a:spcPts val="375"/>
+              </a:spcBef>
+              <a:buFont typeface="Arial" panose="020B0604020202020204" pitchFamily="34" charset="0"/>
+              <a:buChar char="•"/>
+              <a:defRPr sz="1300">
+                <a:solidFill>
+                  <a:schemeClr val="tx1"/>
+                </a:solidFill>
+                <a:latin typeface="Calibri" panose="020F0502020204030204" pitchFamily="34" charset="0"/>
+                <a:ea typeface="宋体" panose="02010600030101010101" pitchFamily="2" charset="-122"/>
+              </a:defRPr>
+            </a:lvl4pPr>
+            <a:lvl5pPr marL="2057400" indent="-228600">
+              <a:lnSpc>
+                <a:spcPct val="90000"/>
+              </a:lnSpc>
+              <a:spcBef>
+                <a:spcPts val="375"/>
+              </a:spcBef>
+              <a:buFont typeface="Arial" panose="020B0604020202020204" pitchFamily="34" charset="0"/>
+              <a:buChar char="•"/>
+              <a:defRPr sz="1300">
+                <a:solidFill>
+                  <a:schemeClr val="tx1"/>
+                </a:solidFill>
+                <a:latin typeface="Calibri" panose="020F0502020204030204" pitchFamily="34" charset="0"/>
+                <a:ea typeface="宋体" panose="02010600030101010101" pitchFamily="2" charset="-122"/>
+              </a:defRPr>
+            </a:lvl5pPr>
+            <a:lvl6pPr marL="2514600" indent="-228600" eaLnBrk="0" fontAlgn="base" hangingPunct="0">
+              <a:lnSpc>
+                <a:spcPct val="90000"/>
+              </a:lnSpc>
+              <a:spcBef>
+                <a:spcPts val="375"/>
+              </a:spcBef>
+              <a:spcAft>
+                <a:spcPct val="0"/>
+              </a:spcAft>
+              <a:buFont typeface="Arial" panose="020B0604020202020204" pitchFamily="34" charset="0"/>
+              <a:buChar char="•"/>
+              <a:defRPr sz="1300">
+                <a:solidFill>
+                  <a:schemeClr val="tx1"/>
+                </a:solidFill>
+                <a:latin typeface="Calibri" panose="020F0502020204030204" pitchFamily="34" charset="0"/>
+                <a:ea typeface="宋体" panose="02010600030101010101" pitchFamily="2" charset="-122"/>
+              </a:defRPr>
+            </a:lvl6pPr>
+            <a:lvl7pPr marL="2971800" indent="-228600" eaLnBrk="0" fontAlgn="base" hangingPunct="0">
+              <a:lnSpc>
+                <a:spcPct val="90000"/>
+              </a:lnSpc>
+              <a:spcBef>
+                <a:spcPts val="375"/>
+              </a:spcBef>
+              <a:spcAft>
+                <a:spcPct val="0"/>
+              </a:spcAft>
+              <a:buFont typeface="Arial" panose="020B0604020202020204" pitchFamily="34" charset="0"/>
+              <a:buChar char="•"/>
+              <a:defRPr sz="1300">
+                <a:solidFill>
+                  <a:schemeClr val="tx1"/>
+                </a:solidFill>
+                <a:latin typeface="Calibri" panose="020F0502020204030204" pitchFamily="34" charset="0"/>
+                <a:ea typeface="宋体" panose="02010600030101010101" pitchFamily="2" charset="-122"/>
+              </a:defRPr>
+            </a:lvl7pPr>
+            <a:lvl8pPr marL="3429000" indent="-228600" eaLnBrk="0" fontAlgn="base" hangingPunct="0">
+              <a:lnSpc>
+                <a:spcPct val="90000"/>
+              </a:lnSpc>
+              <a:spcBef>
+                <a:spcPts val="375"/>
+              </a:spcBef>
+              <a:spcAft>
+                <a:spcPct val="0"/>
+              </a:spcAft>
+              <a:buFont typeface="Arial" panose="020B0604020202020204" pitchFamily="34" charset="0"/>
+              <a:buChar char="•"/>
+              <a:defRPr sz="1300">
+                <a:solidFill>
+                  <a:schemeClr val="tx1"/>
+                </a:solidFill>
+                <a:latin typeface="Calibri" panose="020F0502020204030204" pitchFamily="34" charset="0"/>
+                <a:ea typeface="宋体" panose="02010600030101010101" pitchFamily="2" charset="-122"/>
+              </a:defRPr>
+            </a:lvl8pPr>
+            <a:lvl9pPr marL="3886200" indent="-228600" eaLnBrk="0" fontAlgn="base" hangingPunct="0">
+              <a:lnSpc>
+                <a:spcPct val="90000"/>
+              </a:lnSpc>
+              <a:spcBef>
+                <a:spcPts val="375"/>
+              </a:spcBef>
+              <a:spcAft>
+                <a:spcPct val="0"/>
+              </a:spcAft>
+              <a:buFont typeface="Arial" panose="020B0604020202020204" pitchFamily="34" charset="0"/>
+              <a:buChar char="•"/>
+              <a:defRPr sz="1300">
+                <a:solidFill>
+                  <a:schemeClr val="tx1"/>
+                </a:solidFill>
+                <a:latin typeface="Calibri" panose="020F0502020204030204" pitchFamily="34" charset="0"/>
+                <a:ea typeface="宋体" panose="02010600030101010101" pitchFamily="2" charset="-122"/>
+              </a:defRPr>
+            </a:lvl9pPr>
+          </a:lstStyle>
+          <a:p>
+            <a:pPr lvl="0">
+              <a:buNone/>
+            </a:pPr>
+            <a:r>
+              <a:rPr lang="zh-CN" altLang="en-US" sz="2000" b="1" dirty="0">
+                <a:solidFill>
+                  <a:schemeClr val="bg1">
+                    <a:lumMod val="50000"/>
+                  </a:schemeClr>
+                </a:solidFill>
+                <a:latin typeface="微软雅黑" pitchFamily="34" charset="-122"/>
+                <a:ea typeface="微软雅黑" pitchFamily="34" charset="-122"/>
+              </a:rPr>
+              <a:t>会议记录</a:t>
+            </a:r>
+            <a:endParaRPr lang="zh-CN" altLang="en-US" sz="1200" dirty="0">
+              <a:solidFill>
+                <a:schemeClr val="bg1">
+                  <a:lumMod val="50000"/>
+                </a:schemeClr>
+              </a:solidFill>
+              <a:cs typeface="+mn-ea"/>
+              <a:sym typeface="+mn-lt"/>
+            </a:endParaRPr>
+          </a:p>
+        </p:txBody>
+      </p:sp>
+      <p:sp>
+        <p:nvSpPr>
+          <p:cNvPr id="20" name="MH_Number_1">
+            <a:extLst>
+              <a:ext uri="{FF2B5EF4-FFF2-40B4-BE49-F238E27FC236}">
+                <a16:creationId xmlns:a16="http://schemas.microsoft.com/office/drawing/2014/main" id="{B41F2896-0E8F-4CC0-AA15-245D0BF8D051}"/>
+              </a:ext>
+            </a:extLst>
+          </p:cNvPr>
+          <p:cNvSpPr/>
+          <p:nvPr>
+            <p:custDataLst>
+              <p:tags r:id="rId13"/>
+            </p:custDataLst>
+          </p:nvPr>
+        </p:nvSpPr>
+        <p:spPr>
+          <a:xfrm rot="413314">
+            <a:off x="4839730" y="1508766"/>
+            <a:ext cx="345580" cy="374109"/>
+          </a:xfrm>
+          <a:custGeom>
+            <a:avLst/>
+            <a:gdLst>
+              <a:gd name="connsiteX0" fmla="*/ 370244 w 370244"/>
+              <a:gd name="connsiteY0" fmla="*/ 0 h 400732"/>
+              <a:gd name="connsiteX1" fmla="*/ 325083 w 370244"/>
+              <a:gd name="connsiteY1" fmla="*/ 361458 h 400732"/>
+              <a:gd name="connsiteX2" fmla="*/ 0 w 370244"/>
+              <a:gd name="connsiteY2" fmla="*/ 400732 h 400732"/>
+              <a:gd name="connsiteX3" fmla="*/ 45161 w 370244"/>
+              <a:gd name="connsiteY3" fmla="*/ 39274 h 400732"/>
+            </a:gdLst>
+            <a:ahLst/>
+            <a:cxnLst>
+              <a:cxn ang="0">
+                <a:pos x="connsiteX0" y="connsiteY0"/>
+              </a:cxn>
+              <a:cxn ang="0">
+                <a:pos x="connsiteX1" y="connsiteY1"/>
+              </a:cxn>
+              <a:cxn ang="0">
+                <a:pos x="connsiteX2" y="connsiteY2"/>
+              </a:cxn>
+              <a:cxn ang="0">
+                <a:pos x="connsiteX3" y="connsiteY3"/>
+              </a:cxn>
+            </a:cxnLst>
+            <a:rect l="l" t="t" r="r" b="b"/>
+            <a:pathLst>
+              <a:path w="370244" h="400732">
+                <a:moveTo>
+                  <a:pt x="370244" y="0"/>
+                </a:moveTo>
+                <a:lnTo>
+                  <a:pt x="325083" y="361458"/>
+                </a:lnTo>
+                <a:lnTo>
+                  <a:pt x="0" y="400732"/>
+                </a:lnTo>
+                <a:lnTo>
+                  <a:pt x="45161" y="39274"/>
+                </a:lnTo>
+                <a:close/>
+              </a:path>
+            </a:pathLst>
+          </a:custGeom>
+          <a:solidFill>
+            <a:schemeClr val="accent1"/>
+          </a:solidFill>
+          <a:ln>
+            <a:noFill/>
+          </a:ln>
+        </p:spPr>
+        <p:txBody>
+          <a:bodyPr wrap="square" lIns="0" tIns="0" rIns="0" bIns="0" anchor="ctr">
+            <a:noAutofit/>
+          </a:bodyPr>
+          <a:lstStyle/>
+          <a:p>
+            <a:pPr algn="ctr">
+              <a:spcBef>
+                <a:spcPct val="0"/>
+              </a:spcBef>
+              <a:buFont typeface="Arial" panose="020B0604020202020204" pitchFamily="34" charset="0"/>
+              <a:buNone/>
+            </a:pPr>
+            <a:r>
+              <a:rPr lang="en-US" altLang="zh-CN" sz="2100" dirty="0">
+                <a:solidFill>
+                  <a:srgbClr val="FFFFFF"/>
+                </a:solidFill>
+                <a:latin typeface="Arial" panose="020B0604020202020204" pitchFamily="34" charset="0"/>
+                <a:ea typeface="微软雅黑" panose="020B0503020204020204" pitchFamily="34" charset="-122"/>
+                <a:cs typeface="Times New Roman" panose="02020603050405020304" pitchFamily="18" charset="0"/>
+                <a:sym typeface="Arial" panose="020B0604020202020204" pitchFamily="34" charset="0"/>
+              </a:rPr>
+              <a:t>5</a:t>
+            </a:r>
+            <a:endParaRPr lang="zh-CN" altLang="en-US" sz="2100" dirty="0">
+              <a:solidFill>
+                <a:srgbClr val="FFFFFF"/>
+              </a:solidFill>
+              <a:latin typeface="Arial" panose="020B0604020202020204" pitchFamily="34" charset="0"/>
+              <a:ea typeface="微软雅黑" panose="020B0503020204020204" pitchFamily="34" charset="-122"/>
+              <a:cs typeface="Times New Roman" panose="02020603050405020304" pitchFamily="18" charset="0"/>
+              <a:sym typeface="Arial" panose="020B0604020202020204" pitchFamily="34" charset="0"/>
+            </a:endParaRPr>
+          </a:p>
+        </p:txBody>
+      </p:sp>
+      <p:sp>
+        <p:nvSpPr>
+          <p:cNvPr id="21" name="MH_Number_2">
+            <a:extLst>
+              <a:ext uri="{FF2B5EF4-FFF2-40B4-BE49-F238E27FC236}">
+                <a16:creationId xmlns:a16="http://schemas.microsoft.com/office/drawing/2014/main" id="{6D555B31-B831-4687-9D50-E29F26103B20}"/>
+              </a:ext>
+            </a:extLst>
+          </p:cNvPr>
+          <p:cNvSpPr/>
+          <p:nvPr>
+            <p:custDataLst>
+              <p:tags r:id="rId14"/>
+            </p:custDataLst>
+          </p:nvPr>
+        </p:nvSpPr>
+        <p:spPr>
+          <a:xfrm rot="413314">
+            <a:off x="4692978" y="2177349"/>
+            <a:ext cx="345580" cy="374108"/>
+          </a:xfrm>
+          <a:custGeom>
+            <a:avLst/>
+            <a:gdLst>
+              <a:gd name="connsiteX0" fmla="*/ 45161 w 370245"/>
+              <a:gd name="connsiteY0" fmla="*/ 39273 h 400731"/>
+              <a:gd name="connsiteX1" fmla="*/ 370245 w 370245"/>
+              <a:gd name="connsiteY1" fmla="*/ 0 h 400731"/>
+              <a:gd name="connsiteX2" fmla="*/ 325083 w 370245"/>
+              <a:gd name="connsiteY2" fmla="*/ 361458 h 400731"/>
+              <a:gd name="connsiteX3" fmla="*/ 0 w 370245"/>
+              <a:gd name="connsiteY3" fmla="*/ 400731 h 400731"/>
+            </a:gdLst>
+            <a:ahLst/>
+            <a:cxnLst>
+              <a:cxn ang="0">
+                <a:pos x="connsiteX0" y="connsiteY0"/>
+              </a:cxn>
+              <a:cxn ang="0">
+                <a:pos x="connsiteX1" y="connsiteY1"/>
+              </a:cxn>
+              <a:cxn ang="0">
+                <a:pos x="connsiteX2" y="connsiteY2"/>
+              </a:cxn>
+              <a:cxn ang="0">
+                <a:pos x="connsiteX3" y="connsiteY3"/>
+              </a:cxn>
+            </a:cxnLst>
+            <a:rect l="l" t="t" r="r" b="b"/>
+            <a:pathLst>
+              <a:path w="370245" h="400731">
+                <a:moveTo>
+                  <a:pt x="45161" y="39273"/>
+                </a:moveTo>
+                <a:lnTo>
+                  <a:pt x="370245" y="0"/>
+                </a:lnTo>
+                <a:lnTo>
+                  <a:pt x="325083" y="361458"/>
+                </a:lnTo>
+                <a:lnTo>
+                  <a:pt x="0" y="400731"/>
+                </a:lnTo>
+                <a:close/>
+              </a:path>
+            </a:pathLst>
+          </a:custGeom>
+          <a:solidFill>
+            <a:schemeClr val="accent2"/>
+          </a:solidFill>
+          <a:ln>
+            <a:noFill/>
+          </a:ln>
+        </p:spPr>
+        <p:txBody>
+          <a:bodyPr wrap="square" lIns="0" tIns="0" rIns="0" bIns="0" anchor="ctr">
+            <a:noAutofit/>
+          </a:bodyPr>
+          <a:lstStyle/>
+          <a:p>
+            <a:pPr algn="ctr">
+              <a:spcBef>
+                <a:spcPct val="0"/>
+              </a:spcBef>
+              <a:buFont typeface="Arial" panose="020B0604020202020204" pitchFamily="34" charset="0"/>
+              <a:buNone/>
+            </a:pPr>
+            <a:r>
+              <a:rPr lang="en-US" altLang="zh-CN" sz="2100" dirty="0">
+                <a:solidFill>
+                  <a:srgbClr val="FFFFFF"/>
+                </a:solidFill>
+                <a:latin typeface="Arial" panose="020B0604020202020204" pitchFamily="34" charset="0"/>
+                <a:ea typeface="微软雅黑" panose="020B0503020204020204" pitchFamily="34" charset="-122"/>
+                <a:cs typeface="Times New Roman" panose="02020603050405020304" pitchFamily="18" charset="0"/>
+                <a:sym typeface="Arial" panose="020B0604020202020204" pitchFamily="34" charset="0"/>
+              </a:rPr>
+              <a:t>6</a:t>
+            </a:r>
+            <a:endParaRPr lang="zh-CN" altLang="en-US" sz="2100" dirty="0">
+              <a:solidFill>
+                <a:srgbClr val="FFFFFF"/>
+              </a:solidFill>
+              <a:latin typeface="Arial" panose="020B0604020202020204" pitchFamily="34" charset="0"/>
+              <a:ea typeface="微软雅黑" panose="020B0503020204020204" pitchFamily="34" charset="-122"/>
+              <a:cs typeface="Times New Roman" panose="02020603050405020304" pitchFamily="18" charset="0"/>
+              <a:sym typeface="Arial" panose="020B0604020202020204" pitchFamily="34" charset="0"/>
+            </a:endParaRPr>
+          </a:p>
+        </p:txBody>
+      </p:sp>
+      <p:sp>
+        <p:nvSpPr>
+          <p:cNvPr id="22" name="MH_Number_3">
+            <a:extLst>
+              <a:ext uri="{FF2B5EF4-FFF2-40B4-BE49-F238E27FC236}">
+                <a16:creationId xmlns:a16="http://schemas.microsoft.com/office/drawing/2014/main" id="{B0A17654-B71F-4CAC-83A7-6508B6CD0552}"/>
+              </a:ext>
+            </a:extLst>
+          </p:cNvPr>
+          <p:cNvSpPr/>
+          <p:nvPr>
+            <p:custDataLst>
+              <p:tags r:id="rId15"/>
+            </p:custDataLst>
+          </p:nvPr>
+        </p:nvSpPr>
+        <p:spPr>
+          <a:xfrm rot="413314">
+            <a:off x="4546227" y="2845930"/>
+            <a:ext cx="345580" cy="374109"/>
+          </a:xfrm>
+          <a:custGeom>
+            <a:avLst/>
+            <a:gdLst>
+              <a:gd name="connsiteX0" fmla="*/ 370244 w 370244"/>
+              <a:gd name="connsiteY0" fmla="*/ 0 h 400732"/>
+              <a:gd name="connsiteX1" fmla="*/ 325083 w 370244"/>
+              <a:gd name="connsiteY1" fmla="*/ 361458 h 400732"/>
+              <a:gd name="connsiteX2" fmla="*/ 0 w 370244"/>
+              <a:gd name="connsiteY2" fmla="*/ 400732 h 400732"/>
+              <a:gd name="connsiteX3" fmla="*/ 45161 w 370244"/>
+              <a:gd name="connsiteY3" fmla="*/ 39274 h 400732"/>
+            </a:gdLst>
+            <a:ahLst/>
+            <a:cxnLst>
+              <a:cxn ang="0">
+                <a:pos x="connsiteX0" y="connsiteY0"/>
+              </a:cxn>
+              <a:cxn ang="0">
+                <a:pos x="connsiteX1" y="connsiteY1"/>
+              </a:cxn>
+              <a:cxn ang="0">
+                <a:pos x="connsiteX2" y="connsiteY2"/>
+              </a:cxn>
+              <a:cxn ang="0">
+                <a:pos x="connsiteX3" y="connsiteY3"/>
+              </a:cxn>
+            </a:cxnLst>
+            <a:rect l="l" t="t" r="r" b="b"/>
+            <a:pathLst>
+              <a:path w="370244" h="400732">
+                <a:moveTo>
+                  <a:pt x="370244" y="0"/>
+                </a:moveTo>
+                <a:lnTo>
+                  <a:pt x="325083" y="361458"/>
+                </a:lnTo>
+                <a:lnTo>
+                  <a:pt x="0" y="400732"/>
+                </a:lnTo>
+                <a:lnTo>
+                  <a:pt x="45161" y="39274"/>
+                </a:lnTo>
+                <a:close/>
+              </a:path>
+            </a:pathLst>
+          </a:custGeom>
+          <a:solidFill>
+            <a:schemeClr val="accent1"/>
+          </a:solidFill>
+          <a:ln>
+            <a:noFill/>
+          </a:ln>
+        </p:spPr>
+        <p:txBody>
+          <a:bodyPr wrap="square" lIns="0" tIns="0" rIns="0" bIns="0" anchor="ctr">
+            <a:noAutofit/>
+          </a:bodyPr>
+          <a:lstStyle/>
+          <a:p>
+            <a:pPr algn="ctr">
+              <a:spcBef>
+                <a:spcPct val="0"/>
+              </a:spcBef>
+              <a:buFont typeface="Arial" panose="020B0604020202020204" pitchFamily="34" charset="0"/>
+              <a:buNone/>
+            </a:pPr>
+            <a:r>
+              <a:rPr lang="en-US" altLang="zh-CN" sz="2100" dirty="0">
+                <a:solidFill>
+                  <a:srgbClr val="FFFFFF"/>
+                </a:solidFill>
+                <a:latin typeface="Arial" panose="020B0604020202020204" pitchFamily="34" charset="0"/>
+                <a:ea typeface="微软雅黑" panose="020B0503020204020204" pitchFamily="34" charset="-122"/>
+                <a:cs typeface="Times New Roman" panose="02020603050405020304" pitchFamily="18" charset="0"/>
+                <a:sym typeface="Arial" panose="020B0604020202020204" pitchFamily="34" charset="0"/>
+              </a:rPr>
+              <a:t>7</a:t>
+            </a:r>
+            <a:endParaRPr lang="zh-CN" altLang="en-US" sz="2100" dirty="0">
+              <a:solidFill>
+                <a:srgbClr val="FFFFFF"/>
+              </a:solidFill>
+              <a:latin typeface="Arial" panose="020B0604020202020204" pitchFamily="34" charset="0"/>
+              <a:ea typeface="微软雅黑" panose="020B0503020204020204" pitchFamily="34" charset="-122"/>
+              <a:cs typeface="Times New Roman" panose="02020603050405020304" pitchFamily="18" charset="0"/>
+              <a:sym typeface="Arial" panose="020B0604020202020204" pitchFamily="34" charset="0"/>
+            </a:endParaRPr>
+          </a:p>
+        </p:txBody>
+      </p:sp>
+      <p:sp>
+        <p:nvSpPr>
+          <p:cNvPr id="23" name="MH_Number_4">
+            <a:extLst>
+              <a:ext uri="{FF2B5EF4-FFF2-40B4-BE49-F238E27FC236}">
+                <a16:creationId xmlns:a16="http://schemas.microsoft.com/office/drawing/2014/main" id="{C729AD35-555E-42C9-88BC-502C844BDB3B}"/>
+              </a:ext>
+            </a:extLst>
+          </p:cNvPr>
+          <p:cNvSpPr/>
+          <p:nvPr>
+            <p:custDataLst>
+              <p:tags r:id="rId16"/>
+            </p:custDataLst>
+          </p:nvPr>
+        </p:nvSpPr>
+        <p:spPr>
+          <a:xfrm rot="413314">
+            <a:off x="4399393" y="3514513"/>
+            <a:ext cx="345739" cy="372796"/>
+          </a:xfrm>
+          <a:custGeom>
+            <a:avLst/>
+            <a:gdLst>
+              <a:gd name="connsiteX0" fmla="*/ 45331 w 370414"/>
+              <a:gd name="connsiteY0" fmla="*/ 39273 h 399327"/>
+              <a:gd name="connsiteX1" fmla="*/ 370414 w 370414"/>
+              <a:gd name="connsiteY1" fmla="*/ 0 h 399327"/>
+              <a:gd name="connsiteX2" fmla="*/ 325084 w 370414"/>
+              <a:gd name="connsiteY2" fmla="*/ 360054 h 399327"/>
+              <a:gd name="connsiteX3" fmla="*/ 0 w 370414"/>
+              <a:gd name="connsiteY3" fmla="*/ 399327 h 399327"/>
+            </a:gdLst>
+            <a:ahLst/>
+            <a:cxnLst>
+              <a:cxn ang="0">
+                <a:pos x="connsiteX0" y="connsiteY0"/>
+              </a:cxn>
+              <a:cxn ang="0">
+                <a:pos x="connsiteX1" y="connsiteY1"/>
+              </a:cxn>
+              <a:cxn ang="0">
+                <a:pos x="connsiteX2" y="connsiteY2"/>
+              </a:cxn>
+              <a:cxn ang="0">
+                <a:pos x="connsiteX3" y="connsiteY3"/>
+              </a:cxn>
+            </a:cxnLst>
+            <a:rect l="l" t="t" r="r" b="b"/>
+            <a:pathLst>
+              <a:path w="370414" h="399327">
+                <a:moveTo>
+                  <a:pt x="45331" y="39273"/>
+                </a:moveTo>
+                <a:lnTo>
+                  <a:pt x="370414" y="0"/>
+                </a:lnTo>
+                <a:lnTo>
+                  <a:pt x="325084" y="360054"/>
+                </a:lnTo>
+                <a:lnTo>
+                  <a:pt x="0" y="399327"/>
+                </a:lnTo>
+                <a:close/>
+              </a:path>
+            </a:pathLst>
+          </a:custGeom>
+          <a:solidFill>
+            <a:schemeClr val="accent2"/>
+          </a:solidFill>
+          <a:ln>
+            <a:noFill/>
+          </a:ln>
+        </p:spPr>
+        <p:txBody>
+          <a:bodyPr wrap="square" lIns="0" tIns="0" rIns="0" bIns="0" anchor="ctr">
+            <a:noAutofit/>
+          </a:bodyPr>
+          <a:lstStyle/>
+          <a:p>
+            <a:pPr algn="ctr">
+              <a:spcBef>
+                <a:spcPct val="0"/>
+              </a:spcBef>
+              <a:buFont typeface="Arial" panose="020B0604020202020204" pitchFamily="34" charset="0"/>
+              <a:buNone/>
+            </a:pPr>
+            <a:r>
+              <a:rPr lang="en-US" altLang="zh-CN" sz="2100" dirty="0">
+                <a:solidFill>
+                  <a:srgbClr val="FFFFFF"/>
+                </a:solidFill>
+                <a:latin typeface="Arial" panose="020B0604020202020204" pitchFamily="34" charset="0"/>
+                <a:ea typeface="微软雅黑" panose="020B0503020204020204" pitchFamily="34" charset="-122"/>
+                <a:cs typeface="Times New Roman" panose="02020603050405020304" pitchFamily="18" charset="0"/>
+                <a:sym typeface="Arial" panose="020B0604020202020204" pitchFamily="34" charset="0"/>
+              </a:rPr>
+              <a:t>8</a:t>
+            </a:r>
+            <a:endParaRPr lang="zh-CN" altLang="en-US" sz="2100" dirty="0">
+              <a:solidFill>
+                <a:srgbClr val="FFFFFF"/>
+              </a:solidFill>
+              <a:latin typeface="Arial" panose="020B0604020202020204" pitchFamily="34" charset="0"/>
+              <a:ea typeface="微软雅黑" panose="020B0503020204020204" pitchFamily="34" charset="-122"/>
+              <a:cs typeface="Times New Roman" panose="02020603050405020304" pitchFamily="18" charset="0"/>
+              <a:sym typeface="Arial" panose="020B0604020202020204" pitchFamily="34" charset="0"/>
+            </a:endParaRPr>
+          </a:p>
+        </p:txBody>
+      </p:sp>
+      <p:sp>
+        <p:nvSpPr>
+          <p:cNvPr id="24" name="MH_Entry_1">
+            <a:extLst>
+              <a:ext uri="{FF2B5EF4-FFF2-40B4-BE49-F238E27FC236}">
+                <a16:creationId xmlns:a16="http://schemas.microsoft.com/office/drawing/2014/main" id="{64105390-4C5F-4CE5-B362-867E19F099FE}"/>
+              </a:ext>
+            </a:extLst>
+          </p:cNvPr>
+          <p:cNvSpPr>
+            <a:spLocks noChangeArrowheads="1"/>
+          </p:cNvSpPr>
+          <p:nvPr>
+            <p:custDataLst>
+              <p:tags r:id="rId17"/>
+            </p:custDataLst>
+          </p:nvPr>
+        </p:nvSpPr>
+        <p:spPr bwMode="auto">
+          <a:xfrm>
+            <a:off x="1409411" y="2271675"/>
+            <a:ext cx="2093471" cy="276999"/>
+          </a:xfrm>
+          <a:prstGeom prst="rect">
+            <a:avLst/>
+          </a:prstGeom>
+          <a:noFill/>
+          <a:ln>
+            <a:noFill/>
+          </a:ln>
+          <a:extLst>
+            <a:ext uri="{909E8E84-426E-40DD-AFC4-6F175D3DCCD1}">
+              <a14:hiddenFill xmlns:a14="http://schemas.microsoft.com/office/drawing/2010/main">
+                <a:solidFill>
+                  <a:srgbClr val="FFFFFF"/>
+                </a:solidFill>
+              </a14:hiddenFill>
+            </a:ext>
+            <a:ext uri="{91240B29-F687-4F45-9708-019B960494DF}">
+              <a14:hiddenLine xmlns:a14="http://schemas.microsoft.com/office/drawing/2010/main" w="9525">
+                <a:solidFill>
+                  <a:srgbClr val="000000"/>
+                </a:solidFill>
+                <a:miter lim="800000"/>
+                <a:headEnd/>
+                <a:tailEnd/>
+              </a14:hiddenLine>
+            </a:ext>
+          </a:extLst>
+        </p:spPr>
+        <p:txBody>
+          <a:bodyPr wrap="square" lIns="0" tIns="0" rIns="0" bIns="0" anchor="ctr">
+            <a:spAutoFit/>
+          </a:bodyPr>
+          <a:lstStyle>
+            <a:lvl1pPr>
+              <a:lnSpc>
+                <a:spcPct val="90000"/>
+              </a:lnSpc>
+              <a:spcBef>
+                <a:spcPts val="750"/>
+              </a:spcBef>
+              <a:buFont typeface="Arial" panose="020B0604020202020204" pitchFamily="34" charset="0"/>
+              <a:buChar char="•"/>
+              <a:defRPr sz="2100">
+                <a:solidFill>
+                  <a:schemeClr val="tx1"/>
+                </a:solidFill>
+                <a:latin typeface="Calibri" panose="020F0502020204030204" pitchFamily="34" charset="0"/>
+                <a:ea typeface="宋体" panose="02010600030101010101" pitchFamily="2" charset="-122"/>
+              </a:defRPr>
+            </a:lvl1pPr>
+            <a:lvl2pPr marL="742950" indent="-285750">
+              <a:lnSpc>
+                <a:spcPct val="90000"/>
+              </a:lnSpc>
+              <a:spcBef>
+                <a:spcPts val="375"/>
+              </a:spcBef>
+              <a:buFont typeface="Arial" panose="020B0604020202020204" pitchFamily="34" charset="0"/>
+              <a:buChar char="•"/>
+              <a:defRPr>
+                <a:solidFill>
+                  <a:schemeClr val="tx1"/>
+                </a:solidFill>
+                <a:latin typeface="Calibri" panose="020F0502020204030204" pitchFamily="34" charset="0"/>
+                <a:ea typeface="宋体" panose="02010600030101010101" pitchFamily="2" charset="-122"/>
+              </a:defRPr>
+            </a:lvl2pPr>
+            <a:lvl3pPr marL="1143000" indent="-228600">
+              <a:lnSpc>
+                <a:spcPct val="90000"/>
+              </a:lnSpc>
+              <a:spcBef>
+                <a:spcPts val="375"/>
+              </a:spcBef>
+              <a:buFont typeface="Arial" panose="020B0604020202020204" pitchFamily="34" charset="0"/>
+              <a:buChar char="•"/>
+              <a:defRPr sz="1500">
+                <a:solidFill>
+                  <a:schemeClr val="tx1"/>
+                </a:solidFill>
+                <a:latin typeface="Calibri" panose="020F0502020204030204" pitchFamily="34" charset="0"/>
+                <a:ea typeface="宋体" panose="02010600030101010101" pitchFamily="2" charset="-122"/>
+              </a:defRPr>
+            </a:lvl3pPr>
+            <a:lvl4pPr marL="1600200" indent="-228600">
+              <a:lnSpc>
+                <a:spcPct val="90000"/>
+              </a:lnSpc>
+              <a:spcBef>
+                <a:spcPts val="375"/>
+              </a:spcBef>
+              <a:buFont typeface="Arial" panose="020B0604020202020204" pitchFamily="34" charset="0"/>
+              <a:buChar char="•"/>
+              <a:defRPr sz="1300">
+                <a:solidFill>
+                  <a:schemeClr val="tx1"/>
+                </a:solidFill>
+                <a:latin typeface="Calibri" panose="020F0502020204030204" pitchFamily="34" charset="0"/>
+                <a:ea typeface="宋体" panose="02010600030101010101" pitchFamily="2" charset="-122"/>
+              </a:defRPr>
+            </a:lvl4pPr>
+            <a:lvl5pPr marL="2057400" indent="-228600">
+              <a:lnSpc>
+                <a:spcPct val="90000"/>
+              </a:lnSpc>
+              <a:spcBef>
+                <a:spcPts val="375"/>
+              </a:spcBef>
+              <a:buFont typeface="Arial" panose="020B0604020202020204" pitchFamily="34" charset="0"/>
+              <a:buChar char="•"/>
+              <a:defRPr sz="1300">
+                <a:solidFill>
+                  <a:schemeClr val="tx1"/>
+                </a:solidFill>
+                <a:latin typeface="Calibri" panose="020F0502020204030204" pitchFamily="34" charset="0"/>
+                <a:ea typeface="宋体" panose="02010600030101010101" pitchFamily="2" charset="-122"/>
+              </a:defRPr>
+            </a:lvl5pPr>
+            <a:lvl6pPr marL="2514600" indent="-228600" eaLnBrk="0" fontAlgn="base" hangingPunct="0">
+              <a:lnSpc>
+                <a:spcPct val="90000"/>
+              </a:lnSpc>
+              <a:spcBef>
+                <a:spcPts val="375"/>
+              </a:spcBef>
+              <a:spcAft>
+                <a:spcPct val="0"/>
+              </a:spcAft>
+              <a:buFont typeface="Arial" panose="020B0604020202020204" pitchFamily="34" charset="0"/>
+              <a:buChar char="•"/>
+              <a:defRPr sz="1300">
+                <a:solidFill>
+                  <a:schemeClr val="tx1"/>
+                </a:solidFill>
+                <a:latin typeface="Calibri" panose="020F0502020204030204" pitchFamily="34" charset="0"/>
+                <a:ea typeface="宋体" panose="02010600030101010101" pitchFamily="2" charset="-122"/>
+              </a:defRPr>
+            </a:lvl6pPr>
+            <a:lvl7pPr marL="2971800" indent="-228600" eaLnBrk="0" fontAlgn="base" hangingPunct="0">
+              <a:lnSpc>
+                <a:spcPct val="90000"/>
+              </a:lnSpc>
+              <a:spcBef>
+                <a:spcPts val="375"/>
+              </a:spcBef>
+              <a:spcAft>
+                <a:spcPct val="0"/>
+              </a:spcAft>
+              <a:buFont typeface="Arial" panose="020B0604020202020204" pitchFamily="34" charset="0"/>
+              <a:buChar char="•"/>
+              <a:defRPr sz="1300">
+                <a:solidFill>
+                  <a:schemeClr val="tx1"/>
+                </a:solidFill>
+                <a:latin typeface="Calibri" panose="020F0502020204030204" pitchFamily="34" charset="0"/>
+                <a:ea typeface="宋体" panose="02010600030101010101" pitchFamily="2" charset="-122"/>
+              </a:defRPr>
+            </a:lvl7pPr>
+            <a:lvl8pPr marL="3429000" indent="-228600" eaLnBrk="0" fontAlgn="base" hangingPunct="0">
+              <a:lnSpc>
+                <a:spcPct val="90000"/>
+              </a:lnSpc>
+              <a:spcBef>
+                <a:spcPts val="375"/>
+              </a:spcBef>
+              <a:spcAft>
+                <a:spcPct val="0"/>
+              </a:spcAft>
+              <a:buFont typeface="Arial" panose="020B0604020202020204" pitchFamily="34" charset="0"/>
+              <a:buChar char="•"/>
+              <a:defRPr sz="1300">
+                <a:solidFill>
+                  <a:schemeClr val="tx1"/>
+                </a:solidFill>
+                <a:latin typeface="Calibri" panose="020F0502020204030204" pitchFamily="34" charset="0"/>
+                <a:ea typeface="宋体" panose="02010600030101010101" pitchFamily="2" charset="-122"/>
+              </a:defRPr>
+            </a:lvl8pPr>
+            <a:lvl9pPr marL="3886200" indent="-228600" eaLnBrk="0" fontAlgn="base" hangingPunct="0">
+              <a:lnSpc>
+                <a:spcPct val="90000"/>
+              </a:lnSpc>
+              <a:spcBef>
+                <a:spcPts val="375"/>
+              </a:spcBef>
+              <a:spcAft>
+                <a:spcPct val="0"/>
+              </a:spcAft>
+              <a:buFont typeface="Arial" panose="020B0604020202020204" pitchFamily="34" charset="0"/>
+              <a:buChar char="•"/>
+              <a:defRPr sz="1300">
+                <a:solidFill>
+                  <a:schemeClr val="tx1"/>
+                </a:solidFill>
+                <a:latin typeface="Calibri" panose="020F0502020204030204" pitchFamily="34" charset="0"/>
+                <a:ea typeface="宋体" panose="02010600030101010101" pitchFamily="2" charset="-122"/>
+              </a:defRPr>
+            </a:lvl9pPr>
+          </a:lstStyle>
+          <a:p>
+            <a:pPr lvl="0">
+              <a:buNone/>
+            </a:pPr>
+            <a:r>
+              <a:rPr lang="zh-CN" altLang="en-US" sz="2000" b="1" dirty="0">
+                <a:solidFill>
+                  <a:schemeClr val="bg1">
+                    <a:lumMod val="50000"/>
+                  </a:schemeClr>
+                </a:solidFill>
+                <a:latin typeface="微软雅黑" pitchFamily="34" charset="-122"/>
+                <a:ea typeface="微软雅黑" pitchFamily="34" charset="-122"/>
+                <a:sym typeface="+mn-lt"/>
+              </a:rPr>
+              <a:t>可行性分析</a:t>
+            </a:r>
+            <a:endParaRPr lang="zh-CN" altLang="en-US" sz="1200" dirty="0">
+              <a:solidFill>
+                <a:schemeClr val="bg1">
+                  <a:lumMod val="50000"/>
+                </a:schemeClr>
+              </a:solidFill>
+              <a:cs typeface="+mn-ea"/>
+              <a:sym typeface="+mn-lt"/>
+            </a:endParaRPr>
+          </a:p>
+        </p:txBody>
+      </p:sp>
+      <p:sp>
+        <p:nvSpPr>
+          <p:cNvPr id="25" name="MH_Entry_1">
+            <a:extLst>
+              <a:ext uri="{FF2B5EF4-FFF2-40B4-BE49-F238E27FC236}">
+                <a16:creationId xmlns:a16="http://schemas.microsoft.com/office/drawing/2014/main" id="{86625D8D-D9CD-44F1-9FCD-4B500D80FBEE}"/>
+              </a:ext>
+            </a:extLst>
+          </p:cNvPr>
+          <p:cNvSpPr>
+            <a:spLocks noChangeArrowheads="1"/>
+          </p:cNvSpPr>
+          <p:nvPr>
+            <p:custDataLst>
+              <p:tags r:id="rId18"/>
+            </p:custDataLst>
+          </p:nvPr>
+        </p:nvSpPr>
+        <p:spPr bwMode="auto">
+          <a:xfrm>
+            <a:off x="1046768" y="3574251"/>
+            <a:ext cx="2093471" cy="276999"/>
+          </a:xfrm>
+          <a:prstGeom prst="rect">
+            <a:avLst/>
+          </a:prstGeom>
+          <a:noFill/>
+          <a:ln>
+            <a:noFill/>
+          </a:ln>
+          <a:extLst>
+            <a:ext uri="{909E8E84-426E-40DD-AFC4-6F175D3DCCD1}">
+              <a14:hiddenFill xmlns:a14="http://schemas.microsoft.com/office/drawing/2010/main">
+                <a:solidFill>
+                  <a:srgbClr val="FFFFFF"/>
+                </a:solidFill>
+              </a14:hiddenFill>
+            </a:ext>
+            <a:ext uri="{91240B29-F687-4F45-9708-019B960494DF}">
+              <a14:hiddenLine xmlns:a14="http://schemas.microsoft.com/office/drawing/2010/main" w="9525">
+                <a:solidFill>
+                  <a:srgbClr val="000000"/>
+                </a:solidFill>
+                <a:miter lim="800000"/>
+                <a:headEnd/>
+                <a:tailEnd/>
+              </a14:hiddenLine>
+            </a:ext>
+          </a:extLst>
+        </p:spPr>
+        <p:txBody>
+          <a:bodyPr wrap="square" lIns="0" tIns="0" rIns="0" bIns="0" anchor="ctr">
+            <a:spAutoFit/>
+          </a:bodyPr>
+          <a:lstStyle>
+            <a:lvl1pPr>
+              <a:lnSpc>
+                <a:spcPct val="90000"/>
+              </a:lnSpc>
+              <a:spcBef>
+                <a:spcPts val="750"/>
+              </a:spcBef>
+              <a:buFont typeface="Arial" panose="020B0604020202020204" pitchFamily="34" charset="0"/>
+              <a:buChar char="•"/>
+              <a:defRPr sz="2100">
+                <a:solidFill>
+                  <a:schemeClr val="tx1"/>
+                </a:solidFill>
+                <a:latin typeface="Calibri" panose="020F0502020204030204" pitchFamily="34" charset="0"/>
+                <a:ea typeface="宋体" panose="02010600030101010101" pitchFamily="2" charset="-122"/>
+              </a:defRPr>
+            </a:lvl1pPr>
+            <a:lvl2pPr marL="742950" indent="-285750">
+              <a:lnSpc>
+                <a:spcPct val="90000"/>
+              </a:lnSpc>
+              <a:spcBef>
+                <a:spcPts val="375"/>
+              </a:spcBef>
+              <a:buFont typeface="Arial" panose="020B0604020202020204" pitchFamily="34" charset="0"/>
+              <a:buChar char="•"/>
+              <a:defRPr>
+                <a:solidFill>
+                  <a:schemeClr val="tx1"/>
+                </a:solidFill>
+                <a:latin typeface="Calibri" panose="020F0502020204030204" pitchFamily="34" charset="0"/>
+                <a:ea typeface="宋体" panose="02010600030101010101" pitchFamily="2" charset="-122"/>
+              </a:defRPr>
+            </a:lvl2pPr>
+            <a:lvl3pPr marL="1143000" indent="-228600">
+              <a:lnSpc>
+                <a:spcPct val="90000"/>
+              </a:lnSpc>
+              <a:spcBef>
+                <a:spcPts val="375"/>
+              </a:spcBef>
+              <a:buFont typeface="Arial" panose="020B0604020202020204" pitchFamily="34" charset="0"/>
+              <a:buChar char="•"/>
+              <a:defRPr sz="1500">
+                <a:solidFill>
+                  <a:schemeClr val="tx1"/>
+                </a:solidFill>
+                <a:latin typeface="Calibri" panose="020F0502020204030204" pitchFamily="34" charset="0"/>
+                <a:ea typeface="宋体" panose="02010600030101010101" pitchFamily="2" charset="-122"/>
+              </a:defRPr>
+            </a:lvl3pPr>
+            <a:lvl4pPr marL="1600200" indent="-228600">
+              <a:lnSpc>
+                <a:spcPct val="90000"/>
+              </a:lnSpc>
+              <a:spcBef>
+                <a:spcPts val="375"/>
+              </a:spcBef>
+              <a:buFont typeface="Arial" panose="020B0604020202020204" pitchFamily="34" charset="0"/>
+              <a:buChar char="•"/>
+              <a:defRPr sz="1300">
+                <a:solidFill>
+                  <a:schemeClr val="tx1"/>
+                </a:solidFill>
+                <a:latin typeface="Calibri" panose="020F0502020204030204" pitchFamily="34" charset="0"/>
+                <a:ea typeface="宋体" panose="02010600030101010101" pitchFamily="2" charset="-122"/>
+              </a:defRPr>
+            </a:lvl4pPr>
+            <a:lvl5pPr marL="2057400" indent="-228600">
+              <a:lnSpc>
+                <a:spcPct val="90000"/>
+              </a:lnSpc>
+              <a:spcBef>
+                <a:spcPts val="375"/>
+              </a:spcBef>
+              <a:buFont typeface="Arial" panose="020B0604020202020204" pitchFamily="34" charset="0"/>
+              <a:buChar char="•"/>
+              <a:defRPr sz="1300">
+                <a:solidFill>
+                  <a:schemeClr val="tx1"/>
+                </a:solidFill>
+                <a:latin typeface="Calibri" panose="020F0502020204030204" pitchFamily="34" charset="0"/>
+                <a:ea typeface="宋体" panose="02010600030101010101" pitchFamily="2" charset="-122"/>
+              </a:defRPr>
+            </a:lvl5pPr>
+            <a:lvl6pPr marL="2514600" indent="-228600" eaLnBrk="0" fontAlgn="base" hangingPunct="0">
+              <a:lnSpc>
+                <a:spcPct val="90000"/>
+              </a:lnSpc>
+              <a:spcBef>
+                <a:spcPts val="375"/>
+              </a:spcBef>
+              <a:spcAft>
+                <a:spcPct val="0"/>
+              </a:spcAft>
+              <a:buFont typeface="Arial" panose="020B0604020202020204" pitchFamily="34" charset="0"/>
+              <a:buChar char="•"/>
+              <a:defRPr sz="1300">
+                <a:solidFill>
+                  <a:schemeClr val="tx1"/>
+                </a:solidFill>
+                <a:latin typeface="Calibri" panose="020F0502020204030204" pitchFamily="34" charset="0"/>
+                <a:ea typeface="宋体" panose="02010600030101010101" pitchFamily="2" charset="-122"/>
+              </a:defRPr>
+            </a:lvl6pPr>
+            <a:lvl7pPr marL="2971800" indent="-228600" eaLnBrk="0" fontAlgn="base" hangingPunct="0">
+              <a:lnSpc>
+                <a:spcPct val="90000"/>
+              </a:lnSpc>
+              <a:spcBef>
+                <a:spcPts val="375"/>
+              </a:spcBef>
+              <a:spcAft>
+                <a:spcPct val="0"/>
+              </a:spcAft>
+              <a:buFont typeface="Arial" panose="020B0604020202020204" pitchFamily="34" charset="0"/>
+              <a:buChar char="•"/>
+              <a:defRPr sz="1300">
+                <a:solidFill>
+                  <a:schemeClr val="tx1"/>
+                </a:solidFill>
+                <a:latin typeface="Calibri" panose="020F0502020204030204" pitchFamily="34" charset="0"/>
+                <a:ea typeface="宋体" panose="02010600030101010101" pitchFamily="2" charset="-122"/>
+              </a:defRPr>
+            </a:lvl7pPr>
+            <a:lvl8pPr marL="3429000" indent="-228600" eaLnBrk="0" fontAlgn="base" hangingPunct="0">
+              <a:lnSpc>
+                <a:spcPct val="90000"/>
+              </a:lnSpc>
+              <a:spcBef>
+                <a:spcPts val="375"/>
+              </a:spcBef>
+              <a:spcAft>
+                <a:spcPct val="0"/>
+              </a:spcAft>
+              <a:buFont typeface="Arial" panose="020B0604020202020204" pitchFamily="34" charset="0"/>
+              <a:buChar char="•"/>
+              <a:defRPr sz="1300">
+                <a:solidFill>
+                  <a:schemeClr val="tx1"/>
+                </a:solidFill>
+                <a:latin typeface="Calibri" panose="020F0502020204030204" pitchFamily="34" charset="0"/>
+                <a:ea typeface="宋体" panose="02010600030101010101" pitchFamily="2" charset="-122"/>
+              </a:defRPr>
+            </a:lvl8pPr>
+            <a:lvl9pPr marL="3886200" indent="-228600" eaLnBrk="0" fontAlgn="base" hangingPunct="0">
+              <a:lnSpc>
+                <a:spcPct val="90000"/>
+              </a:lnSpc>
+              <a:spcBef>
+                <a:spcPts val="375"/>
+              </a:spcBef>
+              <a:spcAft>
+                <a:spcPct val="0"/>
+              </a:spcAft>
+              <a:buFont typeface="Arial" panose="020B0604020202020204" pitchFamily="34" charset="0"/>
+              <a:buChar char="•"/>
+              <a:defRPr sz="1300">
+                <a:solidFill>
+                  <a:schemeClr val="tx1"/>
+                </a:solidFill>
+                <a:latin typeface="Calibri" panose="020F0502020204030204" pitchFamily="34" charset="0"/>
+                <a:ea typeface="宋体" panose="02010600030101010101" pitchFamily="2" charset="-122"/>
+              </a:defRPr>
+            </a:lvl9pPr>
+          </a:lstStyle>
+          <a:p>
+            <a:pPr lvl="0">
+              <a:buNone/>
+            </a:pPr>
+            <a:r>
+              <a:rPr lang="zh-CN" altLang="en-US" sz="2000" b="1" dirty="0">
+                <a:solidFill>
+                  <a:schemeClr val="bg1">
+                    <a:lumMod val="50000"/>
+                  </a:schemeClr>
+                </a:solidFill>
+                <a:latin typeface="微软雅黑" pitchFamily="34" charset="-122"/>
+                <a:ea typeface="微软雅黑" pitchFamily="34" charset="-122"/>
+              </a:rPr>
+              <a:t>项目团队建设</a:t>
+            </a:r>
+            <a:endParaRPr lang="zh-CN" altLang="en-US" sz="1200" dirty="0">
+              <a:solidFill>
+                <a:schemeClr val="bg1">
+                  <a:lumMod val="50000"/>
+                </a:schemeClr>
+              </a:solidFill>
+              <a:cs typeface="+mn-ea"/>
+              <a:sym typeface="+mn-lt"/>
+            </a:endParaRPr>
+          </a:p>
+        </p:txBody>
+      </p:sp>
+      <p:sp>
+        <p:nvSpPr>
+          <p:cNvPr id="26" name="MH_Entry_1">
+            <a:extLst>
+              <a:ext uri="{FF2B5EF4-FFF2-40B4-BE49-F238E27FC236}">
+                <a16:creationId xmlns:a16="http://schemas.microsoft.com/office/drawing/2014/main" id="{5F5E1212-2347-470B-89FE-F1E7186E4A8A}"/>
+              </a:ext>
+            </a:extLst>
+          </p:cNvPr>
+          <p:cNvSpPr>
+            <a:spLocks noChangeArrowheads="1"/>
+          </p:cNvSpPr>
+          <p:nvPr>
+            <p:custDataLst>
+              <p:tags r:id="rId19"/>
+            </p:custDataLst>
+          </p:nvPr>
+        </p:nvSpPr>
+        <p:spPr bwMode="auto">
+          <a:xfrm>
+            <a:off x="5224977" y="2297928"/>
+            <a:ext cx="2093471" cy="276999"/>
+          </a:xfrm>
+          <a:prstGeom prst="rect">
+            <a:avLst/>
+          </a:prstGeom>
+          <a:noFill/>
+          <a:ln>
+            <a:noFill/>
+          </a:ln>
+          <a:extLst>
+            <a:ext uri="{909E8E84-426E-40DD-AFC4-6F175D3DCCD1}">
+              <a14:hiddenFill xmlns:a14="http://schemas.microsoft.com/office/drawing/2010/main">
+                <a:solidFill>
+                  <a:srgbClr val="FFFFFF"/>
+                </a:solidFill>
+              </a14:hiddenFill>
+            </a:ext>
+            <a:ext uri="{91240B29-F687-4F45-9708-019B960494DF}">
+              <a14:hiddenLine xmlns:a14="http://schemas.microsoft.com/office/drawing/2010/main" w="9525">
+                <a:solidFill>
+                  <a:srgbClr val="000000"/>
+                </a:solidFill>
+                <a:miter lim="800000"/>
+                <a:headEnd/>
+                <a:tailEnd/>
+              </a14:hiddenLine>
+            </a:ext>
+          </a:extLst>
+        </p:spPr>
+        <p:txBody>
+          <a:bodyPr wrap="square" lIns="0" tIns="0" rIns="0" bIns="0" anchor="ctr">
+            <a:spAutoFit/>
+          </a:bodyPr>
+          <a:lstStyle>
+            <a:lvl1pPr>
+              <a:lnSpc>
+                <a:spcPct val="90000"/>
+              </a:lnSpc>
+              <a:spcBef>
+                <a:spcPts val="750"/>
+              </a:spcBef>
+              <a:buFont typeface="Arial" panose="020B0604020202020204" pitchFamily="34" charset="0"/>
+              <a:buChar char="•"/>
+              <a:defRPr sz="2100">
+                <a:solidFill>
+                  <a:schemeClr val="tx1"/>
+                </a:solidFill>
+                <a:latin typeface="Calibri" panose="020F0502020204030204" pitchFamily="34" charset="0"/>
+                <a:ea typeface="宋体" panose="02010600030101010101" pitchFamily="2" charset="-122"/>
+              </a:defRPr>
+            </a:lvl1pPr>
+            <a:lvl2pPr marL="742950" indent="-285750">
+              <a:lnSpc>
+                <a:spcPct val="90000"/>
+              </a:lnSpc>
+              <a:spcBef>
+                <a:spcPts val="375"/>
+              </a:spcBef>
+              <a:buFont typeface="Arial" panose="020B0604020202020204" pitchFamily="34" charset="0"/>
+              <a:buChar char="•"/>
+              <a:defRPr>
+                <a:solidFill>
+                  <a:schemeClr val="tx1"/>
+                </a:solidFill>
+                <a:latin typeface="Calibri" panose="020F0502020204030204" pitchFamily="34" charset="0"/>
+                <a:ea typeface="宋体" panose="02010600030101010101" pitchFamily="2" charset="-122"/>
+              </a:defRPr>
+            </a:lvl2pPr>
+            <a:lvl3pPr marL="1143000" indent="-228600">
+              <a:lnSpc>
+                <a:spcPct val="90000"/>
+              </a:lnSpc>
+              <a:spcBef>
+                <a:spcPts val="375"/>
+              </a:spcBef>
+              <a:buFont typeface="Arial" panose="020B0604020202020204" pitchFamily="34" charset="0"/>
+              <a:buChar char="•"/>
+              <a:defRPr sz="1500">
+                <a:solidFill>
+                  <a:schemeClr val="tx1"/>
+                </a:solidFill>
+                <a:latin typeface="Calibri" panose="020F0502020204030204" pitchFamily="34" charset="0"/>
+                <a:ea typeface="宋体" panose="02010600030101010101" pitchFamily="2" charset="-122"/>
+              </a:defRPr>
+            </a:lvl3pPr>
+            <a:lvl4pPr marL="1600200" indent="-228600">
+              <a:lnSpc>
+                <a:spcPct val="90000"/>
+              </a:lnSpc>
+              <a:spcBef>
+                <a:spcPts val="375"/>
+              </a:spcBef>
+              <a:buFont typeface="Arial" panose="020B0604020202020204" pitchFamily="34" charset="0"/>
+              <a:buChar char="•"/>
+              <a:defRPr sz="1300">
+                <a:solidFill>
+                  <a:schemeClr val="tx1"/>
+                </a:solidFill>
+                <a:latin typeface="Calibri" panose="020F0502020204030204" pitchFamily="34" charset="0"/>
+                <a:ea typeface="宋体" panose="02010600030101010101" pitchFamily="2" charset="-122"/>
+              </a:defRPr>
+            </a:lvl4pPr>
+            <a:lvl5pPr marL="2057400" indent="-228600">
+              <a:lnSpc>
+                <a:spcPct val="90000"/>
+              </a:lnSpc>
+              <a:spcBef>
+                <a:spcPts val="375"/>
+              </a:spcBef>
+              <a:buFont typeface="Arial" panose="020B0604020202020204" pitchFamily="34" charset="0"/>
+              <a:buChar char="•"/>
+              <a:defRPr sz="1300">
+                <a:solidFill>
+                  <a:schemeClr val="tx1"/>
+                </a:solidFill>
+                <a:latin typeface="Calibri" panose="020F0502020204030204" pitchFamily="34" charset="0"/>
+                <a:ea typeface="宋体" panose="02010600030101010101" pitchFamily="2" charset="-122"/>
+              </a:defRPr>
+            </a:lvl5pPr>
+            <a:lvl6pPr marL="2514600" indent="-228600" eaLnBrk="0" fontAlgn="base" hangingPunct="0">
+              <a:lnSpc>
+                <a:spcPct val="90000"/>
+              </a:lnSpc>
+              <a:spcBef>
+                <a:spcPts val="375"/>
+              </a:spcBef>
+              <a:spcAft>
+                <a:spcPct val="0"/>
+              </a:spcAft>
+              <a:buFont typeface="Arial" panose="020B0604020202020204" pitchFamily="34" charset="0"/>
+              <a:buChar char="•"/>
+              <a:defRPr sz="1300">
+                <a:solidFill>
+                  <a:schemeClr val="tx1"/>
+                </a:solidFill>
+                <a:latin typeface="Calibri" panose="020F0502020204030204" pitchFamily="34" charset="0"/>
+                <a:ea typeface="宋体" panose="02010600030101010101" pitchFamily="2" charset="-122"/>
+              </a:defRPr>
+            </a:lvl6pPr>
+            <a:lvl7pPr marL="2971800" indent="-228600" eaLnBrk="0" fontAlgn="base" hangingPunct="0">
+              <a:lnSpc>
+                <a:spcPct val="90000"/>
+              </a:lnSpc>
+              <a:spcBef>
+                <a:spcPts val="375"/>
+              </a:spcBef>
+              <a:spcAft>
+                <a:spcPct val="0"/>
+              </a:spcAft>
+              <a:buFont typeface="Arial" panose="020B0604020202020204" pitchFamily="34" charset="0"/>
+              <a:buChar char="•"/>
+              <a:defRPr sz="1300">
+                <a:solidFill>
+                  <a:schemeClr val="tx1"/>
+                </a:solidFill>
+                <a:latin typeface="Calibri" panose="020F0502020204030204" pitchFamily="34" charset="0"/>
+                <a:ea typeface="宋体" panose="02010600030101010101" pitchFamily="2" charset="-122"/>
+              </a:defRPr>
+            </a:lvl7pPr>
+            <a:lvl8pPr marL="3429000" indent="-228600" eaLnBrk="0" fontAlgn="base" hangingPunct="0">
+              <a:lnSpc>
+                <a:spcPct val="90000"/>
+              </a:lnSpc>
+              <a:spcBef>
+                <a:spcPts val="375"/>
+              </a:spcBef>
+              <a:spcAft>
+                <a:spcPct val="0"/>
+              </a:spcAft>
+              <a:buFont typeface="Arial" panose="020B0604020202020204" pitchFamily="34" charset="0"/>
+              <a:buChar char="•"/>
+              <a:defRPr sz="1300">
+                <a:solidFill>
+                  <a:schemeClr val="tx1"/>
+                </a:solidFill>
+                <a:latin typeface="Calibri" panose="020F0502020204030204" pitchFamily="34" charset="0"/>
+                <a:ea typeface="宋体" panose="02010600030101010101" pitchFamily="2" charset="-122"/>
+              </a:defRPr>
+            </a:lvl8pPr>
+            <a:lvl9pPr marL="3886200" indent="-228600" eaLnBrk="0" fontAlgn="base" hangingPunct="0">
+              <a:lnSpc>
+                <a:spcPct val="90000"/>
+              </a:lnSpc>
+              <a:spcBef>
+                <a:spcPts val="375"/>
+              </a:spcBef>
+              <a:spcAft>
+                <a:spcPct val="0"/>
+              </a:spcAft>
+              <a:buFont typeface="Arial" panose="020B0604020202020204" pitchFamily="34" charset="0"/>
+              <a:buChar char="•"/>
+              <a:defRPr sz="1300">
+                <a:solidFill>
+                  <a:schemeClr val="tx1"/>
+                </a:solidFill>
+                <a:latin typeface="Calibri" panose="020F0502020204030204" pitchFamily="34" charset="0"/>
+                <a:ea typeface="宋体" panose="02010600030101010101" pitchFamily="2" charset="-122"/>
+              </a:defRPr>
+            </a:lvl9pPr>
+          </a:lstStyle>
+          <a:p>
+            <a:pPr lvl="0">
+              <a:buNone/>
+            </a:pPr>
+            <a:r>
+              <a:rPr lang="zh-CN" altLang="en-US" sz="2000" b="1" dirty="0">
+                <a:solidFill>
+                  <a:schemeClr val="bg1">
+                    <a:lumMod val="50000"/>
+                  </a:schemeClr>
+                </a:solidFill>
+                <a:latin typeface="微软雅黑" pitchFamily="34" charset="-122"/>
+                <a:ea typeface="微软雅黑" pitchFamily="34" charset="-122"/>
+              </a:rPr>
+              <a:t>预算</a:t>
+            </a:r>
+            <a:endParaRPr lang="zh-CN" altLang="zh-CN" sz="2000" b="1" dirty="0">
+              <a:solidFill>
+                <a:schemeClr val="bg1">
+                  <a:lumMod val="50000"/>
+                </a:schemeClr>
+              </a:solidFill>
+              <a:latin typeface="微软雅黑" pitchFamily="34" charset="-122"/>
+              <a:ea typeface="微软雅黑" pitchFamily="34" charset="-122"/>
+            </a:endParaRPr>
+          </a:p>
+        </p:txBody>
+      </p:sp>
+      <p:sp>
+        <p:nvSpPr>
+          <p:cNvPr id="27" name="MH_Entry_3">
+            <a:extLst>
+              <a:ext uri="{FF2B5EF4-FFF2-40B4-BE49-F238E27FC236}">
+                <a16:creationId xmlns:a16="http://schemas.microsoft.com/office/drawing/2014/main" id="{477E485A-4F67-4F25-B4CC-AEA01C4E9B9B}"/>
+              </a:ext>
+            </a:extLst>
+          </p:cNvPr>
+          <p:cNvSpPr>
+            <a:spLocks noChangeArrowheads="1"/>
+          </p:cNvSpPr>
+          <p:nvPr>
+            <p:custDataLst>
+              <p:tags r:id="rId20"/>
+            </p:custDataLst>
+          </p:nvPr>
+        </p:nvSpPr>
+        <p:spPr bwMode="auto">
+          <a:xfrm>
+            <a:off x="4883106" y="3585986"/>
+            <a:ext cx="2093471" cy="276999"/>
+          </a:xfrm>
+          <a:prstGeom prst="rect">
+            <a:avLst/>
+          </a:prstGeom>
+          <a:noFill/>
+          <a:ln>
+            <a:noFill/>
+          </a:ln>
+          <a:extLst>
+            <a:ext uri="{909E8E84-426E-40DD-AFC4-6F175D3DCCD1}">
+              <a14:hiddenFill xmlns:a14="http://schemas.microsoft.com/office/drawing/2010/main">
+                <a:solidFill>
+                  <a:srgbClr val="FFFFFF"/>
+                </a:solidFill>
+              </a14:hiddenFill>
+            </a:ext>
+            <a:ext uri="{91240B29-F687-4F45-9708-019B960494DF}">
+              <a14:hiddenLine xmlns:a14="http://schemas.microsoft.com/office/drawing/2010/main" w="9525">
+                <a:solidFill>
+                  <a:srgbClr val="000000"/>
+                </a:solidFill>
+                <a:miter lim="800000"/>
+                <a:headEnd/>
+                <a:tailEnd/>
+              </a14:hiddenLine>
+            </a:ext>
+          </a:extLst>
+        </p:spPr>
+        <p:txBody>
+          <a:bodyPr wrap="square" lIns="0" tIns="0" rIns="0" bIns="0" anchor="ctr">
+            <a:spAutoFit/>
+          </a:bodyPr>
+          <a:lstStyle>
+            <a:lvl1pPr>
+              <a:lnSpc>
+                <a:spcPct val="90000"/>
+              </a:lnSpc>
+              <a:spcBef>
+                <a:spcPts val="750"/>
+              </a:spcBef>
+              <a:buFont typeface="Arial" panose="020B0604020202020204" pitchFamily="34" charset="0"/>
+              <a:buChar char="•"/>
+              <a:defRPr sz="2100">
+                <a:solidFill>
+                  <a:schemeClr val="tx1"/>
+                </a:solidFill>
+                <a:latin typeface="Calibri" panose="020F0502020204030204" pitchFamily="34" charset="0"/>
+                <a:ea typeface="宋体" panose="02010600030101010101" pitchFamily="2" charset="-122"/>
+              </a:defRPr>
+            </a:lvl1pPr>
+            <a:lvl2pPr marL="742950" indent="-285750">
+              <a:lnSpc>
+                <a:spcPct val="90000"/>
+              </a:lnSpc>
+              <a:spcBef>
+                <a:spcPts val="375"/>
+              </a:spcBef>
+              <a:buFont typeface="Arial" panose="020B0604020202020204" pitchFamily="34" charset="0"/>
+              <a:buChar char="•"/>
+              <a:defRPr>
+                <a:solidFill>
+                  <a:schemeClr val="tx1"/>
+                </a:solidFill>
+                <a:latin typeface="Calibri" panose="020F0502020204030204" pitchFamily="34" charset="0"/>
+                <a:ea typeface="宋体" panose="02010600030101010101" pitchFamily="2" charset="-122"/>
+              </a:defRPr>
+            </a:lvl2pPr>
+            <a:lvl3pPr marL="1143000" indent="-228600">
+              <a:lnSpc>
+                <a:spcPct val="90000"/>
+              </a:lnSpc>
+              <a:spcBef>
+                <a:spcPts val="375"/>
+              </a:spcBef>
+              <a:buFont typeface="Arial" panose="020B0604020202020204" pitchFamily="34" charset="0"/>
+              <a:buChar char="•"/>
+              <a:defRPr sz="1500">
+                <a:solidFill>
+                  <a:schemeClr val="tx1"/>
+                </a:solidFill>
+                <a:latin typeface="Calibri" panose="020F0502020204030204" pitchFamily="34" charset="0"/>
+                <a:ea typeface="宋体" panose="02010600030101010101" pitchFamily="2" charset="-122"/>
+              </a:defRPr>
+            </a:lvl3pPr>
+            <a:lvl4pPr marL="1600200" indent="-228600">
+              <a:lnSpc>
+                <a:spcPct val="90000"/>
+              </a:lnSpc>
+              <a:spcBef>
+                <a:spcPts val="375"/>
+              </a:spcBef>
+              <a:buFont typeface="Arial" panose="020B0604020202020204" pitchFamily="34" charset="0"/>
+              <a:buChar char="•"/>
+              <a:defRPr sz="1300">
+                <a:solidFill>
+                  <a:schemeClr val="tx1"/>
+                </a:solidFill>
+                <a:latin typeface="Calibri" panose="020F0502020204030204" pitchFamily="34" charset="0"/>
+                <a:ea typeface="宋体" panose="02010600030101010101" pitchFamily="2" charset="-122"/>
+              </a:defRPr>
+            </a:lvl4pPr>
+            <a:lvl5pPr marL="2057400" indent="-228600">
+              <a:lnSpc>
+                <a:spcPct val="90000"/>
+              </a:lnSpc>
+              <a:spcBef>
+                <a:spcPts val="375"/>
+              </a:spcBef>
+              <a:buFont typeface="Arial" panose="020B0604020202020204" pitchFamily="34" charset="0"/>
+              <a:buChar char="•"/>
+              <a:defRPr sz="1300">
+                <a:solidFill>
+                  <a:schemeClr val="tx1"/>
+                </a:solidFill>
+                <a:latin typeface="Calibri" panose="020F0502020204030204" pitchFamily="34" charset="0"/>
+                <a:ea typeface="宋体" panose="02010600030101010101" pitchFamily="2" charset="-122"/>
+              </a:defRPr>
+            </a:lvl5pPr>
+            <a:lvl6pPr marL="2514600" indent="-228600" eaLnBrk="0" fontAlgn="base" hangingPunct="0">
+              <a:lnSpc>
+                <a:spcPct val="90000"/>
+              </a:lnSpc>
+              <a:spcBef>
+                <a:spcPts val="375"/>
+              </a:spcBef>
+              <a:spcAft>
+                <a:spcPct val="0"/>
+              </a:spcAft>
+              <a:buFont typeface="Arial" panose="020B0604020202020204" pitchFamily="34" charset="0"/>
+              <a:buChar char="•"/>
+              <a:defRPr sz="1300">
+                <a:solidFill>
+                  <a:schemeClr val="tx1"/>
+                </a:solidFill>
+                <a:latin typeface="Calibri" panose="020F0502020204030204" pitchFamily="34" charset="0"/>
+                <a:ea typeface="宋体" panose="02010600030101010101" pitchFamily="2" charset="-122"/>
+              </a:defRPr>
+            </a:lvl6pPr>
+            <a:lvl7pPr marL="2971800" indent="-228600" eaLnBrk="0" fontAlgn="base" hangingPunct="0">
+              <a:lnSpc>
+                <a:spcPct val="90000"/>
+              </a:lnSpc>
+              <a:spcBef>
+                <a:spcPts val="375"/>
+              </a:spcBef>
+              <a:spcAft>
+                <a:spcPct val="0"/>
+              </a:spcAft>
+              <a:buFont typeface="Arial" panose="020B0604020202020204" pitchFamily="34" charset="0"/>
+              <a:buChar char="•"/>
+              <a:defRPr sz="1300">
+                <a:solidFill>
+                  <a:schemeClr val="tx1"/>
+                </a:solidFill>
+                <a:latin typeface="Calibri" panose="020F0502020204030204" pitchFamily="34" charset="0"/>
+                <a:ea typeface="宋体" panose="02010600030101010101" pitchFamily="2" charset="-122"/>
+              </a:defRPr>
+            </a:lvl7pPr>
+            <a:lvl8pPr marL="3429000" indent="-228600" eaLnBrk="0" fontAlgn="base" hangingPunct="0">
+              <a:lnSpc>
+                <a:spcPct val="90000"/>
+              </a:lnSpc>
+              <a:spcBef>
+                <a:spcPts val="375"/>
+              </a:spcBef>
+              <a:spcAft>
+                <a:spcPct val="0"/>
+              </a:spcAft>
+              <a:buFont typeface="Arial" panose="020B0604020202020204" pitchFamily="34" charset="0"/>
+              <a:buChar char="•"/>
+              <a:defRPr sz="1300">
+                <a:solidFill>
+                  <a:schemeClr val="tx1"/>
+                </a:solidFill>
+                <a:latin typeface="Calibri" panose="020F0502020204030204" pitchFamily="34" charset="0"/>
+                <a:ea typeface="宋体" panose="02010600030101010101" pitchFamily="2" charset="-122"/>
+              </a:defRPr>
+            </a:lvl8pPr>
+            <a:lvl9pPr marL="3886200" indent="-228600" eaLnBrk="0" fontAlgn="base" hangingPunct="0">
+              <a:lnSpc>
+                <a:spcPct val="90000"/>
+              </a:lnSpc>
+              <a:spcBef>
+                <a:spcPts val="375"/>
+              </a:spcBef>
+              <a:spcAft>
+                <a:spcPct val="0"/>
+              </a:spcAft>
+              <a:buFont typeface="Arial" panose="020B0604020202020204" pitchFamily="34" charset="0"/>
+              <a:buChar char="•"/>
+              <a:defRPr sz="1300">
+                <a:solidFill>
+                  <a:schemeClr val="tx1"/>
+                </a:solidFill>
+                <a:latin typeface="Calibri" panose="020F0502020204030204" pitchFamily="34" charset="0"/>
+                <a:ea typeface="宋体" panose="02010600030101010101" pitchFamily="2" charset="-122"/>
+              </a:defRPr>
+            </a:lvl9pPr>
+          </a:lstStyle>
+          <a:p>
+            <a:pPr lvl="0">
+              <a:buNone/>
+            </a:pPr>
+            <a:r>
+              <a:rPr lang="zh-CN" altLang="en-US" sz="2000" b="1" dirty="0">
+                <a:solidFill>
+                  <a:schemeClr val="bg1">
+                    <a:lumMod val="50000"/>
+                  </a:schemeClr>
+                </a:solidFill>
+                <a:latin typeface="微软雅黑" pitchFamily="34" charset="-122"/>
+                <a:ea typeface="微软雅黑" pitchFamily="34" charset="-122"/>
+                <a:sym typeface="+mn-lt"/>
+              </a:rPr>
+              <a:t>绩效评价</a:t>
+            </a:r>
+            <a:endParaRPr lang="zh-CN" altLang="en-US" sz="1200" dirty="0">
+              <a:solidFill>
+                <a:schemeClr val="bg1">
+                  <a:lumMod val="50000"/>
+                </a:schemeClr>
+              </a:solidFill>
+              <a:cs typeface="+mn-ea"/>
+              <a:sym typeface="+mn-lt"/>
+            </a:endParaRPr>
+          </a:p>
+        </p:txBody>
+      </p:sp>
+    </p:spTree>
+    <p:extLst>
+      <p:ext uri="{BB962C8B-B14F-4D97-AF65-F5344CB8AC3E}">
+        <p14:creationId xmlns:p14="http://schemas.microsoft.com/office/powerpoint/2010/main" val="3627073471"/>
+      </p:ext>
+    </p:extLst>
+  </p:cSld>
+  <p:clrMapOvr>
+    <a:masterClrMapping/>
+  </p:clrMapOvr>
+  <mc:AlternateContent xmlns:mc="http://schemas.openxmlformats.org/markup-compatibility/2006" xmlns:p15="http://schemas.microsoft.com/office/powerpoint/2012/main">
+    <mc:Choice Requires="p15">
+      <p:transition xmlns:p14="http://schemas.microsoft.com/office/powerpoint/2010/main" spd="slow" p14:dur="1250" advClick="0" advTm="6000">
+        <p15:prstTrans prst="fracture"/>
+      </p:transition>
+    </mc:Choice>
+    <mc:Fallback xmlns="">
+      <p:transition spd="slow" advClick="0" advTm="6000">
+        <p:fade/>
+      </p:transition>
+    </mc:Fallback>
+  </mc:AlternateContent>
+  <p:timing>
+    <p:tnLst>
+      <p:par>
+        <p:cTn id="1" dur="indefinite" restart="never" nodeType="tmRoot"/>
+      </p:par>
+    </p:tnLst>
+  </p:timing>
+</p:sld>
+</file>
+
+<file path=ppt/slides/slide20.xml><?xml version="1.0" encoding="utf-8"?>
 <p:sld xmlns:a="http://schemas.openxmlformats.org/drawingml/2006/main" xmlns:r="http://schemas.openxmlformats.org/officeDocument/2006/relationships" xmlns:p="http://schemas.openxmlformats.org/presentationml/2006/main">
   <p:cSld>
     <p:spTree>
@@ -11652,3157 +15314,7 @@
 </p:sld>
 </file>
 
-<file path=ppt/slides/slide2.xml><?xml version="1.0" encoding="utf-8"?>
-<p:sld xmlns:a="http://schemas.openxmlformats.org/drawingml/2006/main" xmlns:r="http://schemas.openxmlformats.org/officeDocument/2006/relationships" xmlns:p="http://schemas.openxmlformats.org/presentationml/2006/main">
-  <p:cSld>
-    <p:spTree>
-      <p:nvGrpSpPr>
-        <p:cNvPr id="1" name=""/>
-        <p:cNvGrpSpPr/>
-        <p:nvPr/>
-      </p:nvGrpSpPr>
-      <p:grpSpPr>
-        <a:xfrm>
-          <a:off x="0" y="0"/>
-          <a:ext cx="0" cy="0"/>
-          <a:chOff x="0" y="0"/>
-          <a:chExt cx="0" cy="0"/>
-        </a:xfrm>
-      </p:grpSpPr>
-      <p:sp>
-        <p:nvSpPr>
-          <p:cNvPr id="31" name="MH_Entry_1"/>
-          <p:cNvSpPr>
-            <a:spLocks noChangeArrowheads="1"/>
-          </p:cNvSpPr>
-          <p:nvPr>
-            <p:custDataLst>
-              <p:tags r:id="rId1"/>
-            </p:custDataLst>
-          </p:nvPr>
-        </p:nvSpPr>
-        <p:spPr bwMode="auto">
-          <a:xfrm>
-            <a:off x="1566105" y="1589762"/>
-            <a:ext cx="2093471" cy="276999"/>
-          </a:xfrm>
-          <a:prstGeom prst="rect">
-            <a:avLst/>
-          </a:prstGeom>
-          <a:noFill/>
-          <a:ln>
-            <a:noFill/>
-          </a:ln>
-          <a:extLst>
-            <a:ext uri="{909E8E84-426E-40DD-AFC4-6F175D3DCCD1}">
-              <a14:hiddenFill xmlns:a14="http://schemas.microsoft.com/office/drawing/2010/main">
-                <a:solidFill>
-                  <a:srgbClr val="FFFFFF"/>
-                </a:solidFill>
-              </a14:hiddenFill>
-            </a:ext>
-            <a:ext uri="{91240B29-F687-4F45-9708-019B960494DF}">
-              <a14:hiddenLine xmlns:a14="http://schemas.microsoft.com/office/drawing/2010/main" w="9525">
-                <a:solidFill>
-                  <a:srgbClr val="000000"/>
-                </a:solidFill>
-                <a:miter lim="800000"/>
-                <a:headEnd/>
-                <a:tailEnd/>
-              </a14:hiddenLine>
-            </a:ext>
-          </a:extLst>
-        </p:spPr>
-        <p:txBody>
-          <a:bodyPr wrap="square" lIns="0" tIns="0" rIns="0" bIns="0" anchor="ctr">
-            <a:spAutoFit/>
-          </a:bodyPr>
-          <a:lstStyle>
-            <a:lvl1pPr>
-              <a:lnSpc>
-                <a:spcPct val="90000"/>
-              </a:lnSpc>
-              <a:spcBef>
-                <a:spcPts val="750"/>
-              </a:spcBef>
-              <a:buFont typeface="Arial" panose="020B0604020202020204" pitchFamily="34" charset="0"/>
-              <a:buChar char="•"/>
-              <a:defRPr sz="2100">
-                <a:solidFill>
-                  <a:schemeClr val="tx1"/>
-                </a:solidFill>
-                <a:latin typeface="Calibri" panose="020F0502020204030204" pitchFamily="34" charset="0"/>
-                <a:ea typeface="宋体" panose="02010600030101010101" pitchFamily="2" charset="-122"/>
-              </a:defRPr>
-            </a:lvl1pPr>
-            <a:lvl2pPr marL="742950" indent="-285750">
-              <a:lnSpc>
-                <a:spcPct val="90000"/>
-              </a:lnSpc>
-              <a:spcBef>
-                <a:spcPts val="375"/>
-              </a:spcBef>
-              <a:buFont typeface="Arial" panose="020B0604020202020204" pitchFamily="34" charset="0"/>
-              <a:buChar char="•"/>
-              <a:defRPr>
-                <a:solidFill>
-                  <a:schemeClr val="tx1"/>
-                </a:solidFill>
-                <a:latin typeface="Calibri" panose="020F0502020204030204" pitchFamily="34" charset="0"/>
-                <a:ea typeface="宋体" panose="02010600030101010101" pitchFamily="2" charset="-122"/>
-              </a:defRPr>
-            </a:lvl2pPr>
-            <a:lvl3pPr marL="1143000" indent="-228600">
-              <a:lnSpc>
-                <a:spcPct val="90000"/>
-              </a:lnSpc>
-              <a:spcBef>
-                <a:spcPts val="375"/>
-              </a:spcBef>
-              <a:buFont typeface="Arial" panose="020B0604020202020204" pitchFamily="34" charset="0"/>
-              <a:buChar char="•"/>
-              <a:defRPr sz="1500">
-                <a:solidFill>
-                  <a:schemeClr val="tx1"/>
-                </a:solidFill>
-                <a:latin typeface="Calibri" panose="020F0502020204030204" pitchFamily="34" charset="0"/>
-                <a:ea typeface="宋体" panose="02010600030101010101" pitchFamily="2" charset="-122"/>
-              </a:defRPr>
-            </a:lvl3pPr>
-            <a:lvl4pPr marL="1600200" indent="-228600">
-              <a:lnSpc>
-                <a:spcPct val="90000"/>
-              </a:lnSpc>
-              <a:spcBef>
-                <a:spcPts val="375"/>
-              </a:spcBef>
-              <a:buFont typeface="Arial" panose="020B0604020202020204" pitchFamily="34" charset="0"/>
-              <a:buChar char="•"/>
-              <a:defRPr sz="1300">
-                <a:solidFill>
-                  <a:schemeClr val="tx1"/>
-                </a:solidFill>
-                <a:latin typeface="Calibri" panose="020F0502020204030204" pitchFamily="34" charset="0"/>
-                <a:ea typeface="宋体" panose="02010600030101010101" pitchFamily="2" charset="-122"/>
-              </a:defRPr>
-            </a:lvl4pPr>
-            <a:lvl5pPr marL="2057400" indent="-228600">
-              <a:lnSpc>
-                <a:spcPct val="90000"/>
-              </a:lnSpc>
-              <a:spcBef>
-                <a:spcPts val="375"/>
-              </a:spcBef>
-              <a:buFont typeface="Arial" panose="020B0604020202020204" pitchFamily="34" charset="0"/>
-              <a:buChar char="•"/>
-              <a:defRPr sz="1300">
-                <a:solidFill>
-                  <a:schemeClr val="tx1"/>
-                </a:solidFill>
-                <a:latin typeface="Calibri" panose="020F0502020204030204" pitchFamily="34" charset="0"/>
-                <a:ea typeface="宋体" panose="02010600030101010101" pitchFamily="2" charset="-122"/>
-              </a:defRPr>
-            </a:lvl5pPr>
-            <a:lvl6pPr marL="2514600" indent="-228600" eaLnBrk="0" fontAlgn="base" hangingPunct="0">
-              <a:lnSpc>
-                <a:spcPct val="90000"/>
-              </a:lnSpc>
-              <a:spcBef>
-                <a:spcPts val="375"/>
-              </a:spcBef>
-              <a:spcAft>
-                <a:spcPct val="0"/>
-              </a:spcAft>
-              <a:buFont typeface="Arial" panose="020B0604020202020204" pitchFamily="34" charset="0"/>
-              <a:buChar char="•"/>
-              <a:defRPr sz="1300">
-                <a:solidFill>
-                  <a:schemeClr val="tx1"/>
-                </a:solidFill>
-                <a:latin typeface="Calibri" panose="020F0502020204030204" pitchFamily="34" charset="0"/>
-                <a:ea typeface="宋体" panose="02010600030101010101" pitchFamily="2" charset="-122"/>
-              </a:defRPr>
-            </a:lvl6pPr>
-            <a:lvl7pPr marL="2971800" indent="-228600" eaLnBrk="0" fontAlgn="base" hangingPunct="0">
-              <a:lnSpc>
-                <a:spcPct val="90000"/>
-              </a:lnSpc>
-              <a:spcBef>
-                <a:spcPts val="375"/>
-              </a:spcBef>
-              <a:spcAft>
-                <a:spcPct val="0"/>
-              </a:spcAft>
-              <a:buFont typeface="Arial" panose="020B0604020202020204" pitchFamily="34" charset="0"/>
-              <a:buChar char="•"/>
-              <a:defRPr sz="1300">
-                <a:solidFill>
-                  <a:schemeClr val="tx1"/>
-                </a:solidFill>
-                <a:latin typeface="Calibri" panose="020F0502020204030204" pitchFamily="34" charset="0"/>
-                <a:ea typeface="宋体" panose="02010600030101010101" pitchFamily="2" charset="-122"/>
-              </a:defRPr>
-            </a:lvl7pPr>
-            <a:lvl8pPr marL="3429000" indent="-228600" eaLnBrk="0" fontAlgn="base" hangingPunct="0">
-              <a:lnSpc>
-                <a:spcPct val="90000"/>
-              </a:lnSpc>
-              <a:spcBef>
-                <a:spcPts val="375"/>
-              </a:spcBef>
-              <a:spcAft>
-                <a:spcPct val="0"/>
-              </a:spcAft>
-              <a:buFont typeface="Arial" panose="020B0604020202020204" pitchFamily="34" charset="0"/>
-              <a:buChar char="•"/>
-              <a:defRPr sz="1300">
-                <a:solidFill>
-                  <a:schemeClr val="tx1"/>
-                </a:solidFill>
-                <a:latin typeface="Calibri" panose="020F0502020204030204" pitchFamily="34" charset="0"/>
-                <a:ea typeface="宋体" panose="02010600030101010101" pitchFamily="2" charset="-122"/>
-              </a:defRPr>
-            </a:lvl8pPr>
-            <a:lvl9pPr marL="3886200" indent="-228600" eaLnBrk="0" fontAlgn="base" hangingPunct="0">
-              <a:lnSpc>
-                <a:spcPct val="90000"/>
-              </a:lnSpc>
-              <a:spcBef>
-                <a:spcPts val="375"/>
-              </a:spcBef>
-              <a:spcAft>
-                <a:spcPct val="0"/>
-              </a:spcAft>
-              <a:buFont typeface="Arial" panose="020B0604020202020204" pitchFamily="34" charset="0"/>
-              <a:buChar char="•"/>
-              <a:defRPr sz="1300">
-                <a:solidFill>
-                  <a:schemeClr val="tx1"/>
-                </a:solidFill>
-                <a:latin typeface="Calibri" panose="020F0502020204030204" pitchFamily="34" charset="0"/>
-                <a:ea typeface="宋体" panose="02010600030101010101" pitchFamily="2" charset="-122"/>
-              </a:defRPr>
-            </a:lvl9pPr>
-          </a:lstStyle>
-          <a:p>
-            <a:pPr lvl="0">
-              <a:buNone/>
-            </a:pPr>
-            <a:r>
-              <a:rPr lang="zh-CN" altLang="en-US" sz="2000" b="1" dirty="0">
-                <a:solidFill>
-                  <a:schemeClr val="bg1">
-                    <a:lumMod val="50000"/>
-                  </a:schemeClr>
-                </a:solidFill>
-                <a:latin typeface="微软雅黑" pitchFamily="34" charset="-122"/>
-                <a:ea typeface="微软雅黑" pitchFamily="34" charset="-122"/>
-              </a:rPr>
-              <a:t>项目概述</a:t>
-            </a:r>
-            <a:endParaRPr lang="zh-CN" altLang="en-US" sz="1200" dirty="0">
-              <a:solidFill>
-                <a:schemeClr val="bg1">
-                  <a:lumMod val="50000"/>
-                </a:schemeClr>
-              </a:solidFill>
-              <a:cs typeface="+mn-ea"/>
-              <a:sym typeface="+mn-lt"/>
-            </a:endParaRPr>
-          </a:p>
-        </p:txBody>
-      </p:sp>
-      <p:sp>
-        <p:nvSpPr>
-          <p:cNvPr id="33" name="MH_Entry_3"/>
-          <p:cNvSpPr>
-            <a:spLocks noChangeArrowheads="1"/>
-          </p:cNvSpPr>
-          <p:nvPr>
-            <p:custDataLst>
-              <p:tags r:id="rId2"/>
-            </p:custDataLst>
-          </p:nvPr>
-        </p:nvSpPr>
-        <p:spPr bwMode="auto">
-          <a:xfrm>
-            <a:off x="1279763" y="2922963"/>
-            <a:ext cx="2093471" cy="276999"/>
-          </a:xfrm>
-          <a:prstGeom prst="rect">
-            <a:avLst/>
-          </a:prstGeom>
-          <a:noFill/>
-          <a:ln>
-            <a:noFill/>
-          </a:ln>
-          <a:extLst>
-            <a:ext uri="{909E8E84-426E-40DD-AFC4-6F175D3DCCD1}">
-              <a14:hiddenFill xmlns:a14="http://schemas.microsoft.com/office/drawing/2010/main">
-                <a:solidFill>
-                  <a:srgbClr val="FFFFFF"/>
-                </a:solidFill>
-              </a14:hiddenFill>
-            </a:ext>
-            <a:ext uri="{91240B29-F687-4F45-9708-019B960494DF}">
-              <a14:hiddenLine xmlns:a14="http://schemas.microsoft.com/office/drawing/2010/main" w="9525">
-                <a:solidFill>
-                  <a:srgbClr val="000000"/>
-                </a:solidFill>
-                <a:miter lim="800000"/>
-                <a:headEnd/>
-                <a:tailEnd/>
-              </a14:hiddenLine>
-            </a:ext>
-          </a:extLst>
-        </p:spPr>
-        <p:txBody>
-          <a:bodyPr wrap="square" lIns="0" tIns="0" rIns="0" bIns="0" anchor="ctr">
-            <a:spAutoFit/>
-          </a:bodyPr>
-          <a:lstStyle>
-            <a:lvl1pPr>
-              <a:lnSpc>
-                <a:spcPct val="90000"/>
-              </a:lnSpc>
-              <a:spcBef>
-                <a:spcPts val="750"/>
-              </a:spcBef>
-              <a:buFont typeface="Arial" panose="020B0604020202020204" pitchFamily="34" charset="0"/>
-              <a:buChar char="•"/>
-              <a:defRPr sz="2100">
-                <a:solidFill>
-                  <a:schemeClr val="tx1"/>
-                </a:solidFill>
-                <a:latin typeface="Calibri" panose="020F0502020204030204" pitchFamily="34" charset="0"/>
-                <a:ea typeface="宋体" panose="02010600030101010101" pitchFamily="2" charset="-122"/>
-              </a:defRPr>
-            </a:lvl1pPr>
-            <a:lvl2pPr marL="742950" indent="-285750">
-              <a:lnSpc>
-                <a:spcPct val="90000"/>
-              </a:lnSpc>
-              <a:spcBef>
-                <a:spcPts val="375"/>
-              </a:spcBef>
-              <a:buFont typeface="Arial" panose="020B0604020202020204" pitchFamily="34" charset="0"/>
-              <a:buChar char="•"/>
-              <a:defRPr>
-                <a:solidFill>
-                  <a:schemeClr val="tx1"/>
-                </a:solidFill>
-                <a:latin typeface="Calibri" panose="020F0502020204030204" pitchFamily="34" charset="0"/>
-                <a:ea typeface="宋体" panose="02010600030101010101" pitchFamily="2" charset="-122"/>
-              </a:defRPr>
-            </a:lvl2pPr>
-            <a:lvl3pPr marL="1143000" indent="-228600">
-              <a:lnSpc>
-                <a:spcPct val="90000"/>
-              </a:lnSpc>
-              <a:spcBef>
-                <a:spcPts val="375"/>
-              </a:spcBef>
-              <a:buFont typeface="Arial" panose="020B0604020202020204" pitchFamily="34" charset="0"/>
-              <a:buChar char="•"/>
-              <a:defRPr sz="1500">
-                <a:solidFill>
-                  <a:schemeClr val="tx1"/>
-                </a:solidFill>
-                <a:latin typeface="Calibri" panose="020F0502020204030204" pitchFamily="34" charset="0"/>
-                <a:ea typeface="宋体" panose="02010600030101010101" pitchFamily="2" charset="-122"/>
-              </a:defRPr>
-            </a:lvl3pPr>
-            <a:lvl4pPr marL="1600200" indent="-228600">
-              <a:lnSpc>
-                <a:spcPct val="90000"/>
-              </a:lnSpc>
-              <a:spcBef>
-                <a:spcPts val="375"/>
-              </a:spcBef>
-              <a:buFont typeface="Arial" panose="020B0604020202020204" pitchFamily="34" charset="0"/>
-              <a:buChar char="•"/>
-              <a:defRPr sz="1300">
-                <a:solidFill>
-                  <a:schemeClr val="tx1"/>
-                </a:solidFill>
-                <a:latin typeface="Calibri" panose="020F0502020204030204" pitchFamily="34" charset="0"/>
-                <a:ea typeface="宋体" panose="02010600030101010101" pitchFamily="2" charset="-122"/>
-              </a:defRPr>
-            </a:lvl4pPr>
-            <a:lvl5pPr marL="2057400" indent="-228600">
-              <a:lnSpc>
-                <a:spcPct val="90000"/>
-              </a:lnSpc>
-              <a:spcBef>
-                <a:spcPts val="375"/>
-              </a:spcBef>
-              <a:buFont typeface="Arial" panose="020B0604020202020204" pitchFamily="34" charset="0"/>
-              <a:buChar char="•"/>
-              <a:defRPr sz="1300">
-                <a:solidFill>
-                  <a:schemeClr val="tx1"/>
-                </a:solidFill>
-                <a:latin typeface="Calibri" panose="020F0502020204030204" pitchFamily="34" charset="0"/>
-                <a:ea typeface="宋体" panose="02010600030101010101" pitchFamily="2" charset="-122"/>
-              </a:defRPr>
-            </a:lvl5pPr>
-            <a:lvl6pPr marL="2514600" indent="-228600" eaLnBrk="0" fontAlgn="base" hangingPunct="0">
-              <a:lnSpc>
-                <a:spcPct val="90000"/>
-              </a:lnSpc>
-              <a:spcBef>
-                <a:spcPts val="375"/>
-              </a:spcBef>
-              <a:spcAft>
-                <a:spcPct val="0"/>
-              </a:spcAft>
-              <a:buFont typeface="Arial" panose="020B0604020202020204" pitchFamily="34" charset="0"/>
-              <a:buChar char="•"/>
-              <a:defRPr sz="1300">
-                <a:solidFill>
-                  <a:schemeClr val="tx1"/>
-                </a:solidFill>
-                <a:latin typeface="Calibri" panose="020F0502020204030204" pitchFamily="34" charset="0"/>
-                <a:ea typeface="宋体" panose="02010600030101010101" pitchFamily="2" charset="-122"/>
-              </a:defRPr>
-            </a:lvl6pPr>
-            <a:lvl7pPr marL="2971800" indent="-228600" eaLnBrk="0" fontAlgn="base" hangingPunct="0">
-              <a:lnSpc>
-                <a:spcPct val="90000"/>
-              </a:lnSpc>
-              <a:spcBef>
-                <a:spcPts val="375"/>
-              </a:spcBef>
-              <a:spcAft>
-                <a:spcPct val="0"/>
-              </a:spcAft>
-              <a:buFont typeface="Arial" panose="020B0604020202020204" pitchFamily="34" charset="0"/>
-              <a:buChar char="•"/>
-              <a:defRPr sz="1300">
-                <a:solidFill>
-                  <a:schemeClr val="tx1"/>
-                </a:solidFill>
-                <a:latin typeface="Calibri" panose="020F0502020204030204" pitchFamily="34" charset="0"/>
-                <a:ea typeface="宋体" panose="02010600030101010101" pitchFamily="2" charset="-122"/>
-              </a:defRPr>
-            </a:lvl7pPr>
-            <a:lvl8pPr marL="3429000" indent="-228600" eaLnBrk="0" fontAlgn="base" hangingPunct="0">
-              <a:lnSpc>
-                <a:spcPct val="90000"/>
-              </a:lnSpc>
-              <a:spcBef>
-                <a:spcPts val="375"/>
-              </a:spcBef>
-              <a:spcAft>
-                <a:spcPct val="0"/>
-              </a:spcAft>
-              <a:buFont typeface="Arial" panose="020B0604020202020204" pitchFamily="34" charset="0"/>
-              <a:buChar char="•"/>
-              <a:defRPr sz="1300">
-                <a:solidFill>
-                  <a:schemeClr val="tx1"/>
-                </a:solidFill>
-                <a:latin typeface="Calibri" panose="020F0502020204030204" pitchFamily="34" charset="0"/>
-                <a:ea typeface="宋体" panose="02010600030101010101" pitchFamily="2" charset="-122"/>
-              </a:defRPr>
-            </a:lvl8pPr>
-            <a:lvl9pPr marL="3886200" indent="-228600" eaLnBrk="0" fontAlgn="base" hangingPunct="0">
-              <a:lnSpc>
-                <a:spcPct val="90000"/>
-              </a:lnSpc>
-              <a:spcBef>
-                <a:spcPts val="375"/>
-              </a:spcBef>
-              <a:spcAft>
-                <a:spcPct val="0"/>
-              </a:spcAft>
-              <a:buFont typeface="Arial" panose="020B0604020202020204" pitchFamily="34" charset="0"/>
-              <a:buChar char="•"/>
-              <a:defRPr sz="1300">
-                <a:solidFill>
-                  <a:schemeClr val="tx1"/>
-                </a:solidFill>
-                <a:latin typeface="Calibri" panose="020F0502020204030204" pitchFamily="34" charset="0"/>
-                <a:ea typeface="宋体" panose="02010600030101010101" pitchFamily="2" charset="-122"/>
-              </a:defRPr>
-            </a:lvl9pPr>
-          </a:lstStyle>
-          <a:p>
-            <a:pPr lvl="0">
-              <a:buNone/>
-            </a:pPr>
-            <a:r>
-              <a:rPr lang="zh-CN" altLang="en-US" sz="2000" b="1" dirty="0">
-                <a:solidFill>
-                  <a:schemeClr val="bg1">
-                    <a:lumMod val="50000"/>
-                  </a:schemeClr>
-                </a:solidFill>
-                <a:latin typeface="微软雅黑" pitchFamily="34" charset="-122"/>
-                <a:ea typeface="微软雅黑" pitchFamily="34" charset="-122"/>
-              </a:rPr>
-              <a:t>项目计划</a:t>
-            </a:r>
-            <a:endParaRPr lang="zh-CN" altLang="en-US" sz="1200" dirty="0">
-              <a:solidFill>
-                <a:schemeClr val="bg1">
-                  <a:lumMod val="50000"/>
-                </a:schemeClr>
-              </a:solidFill>
-              <a:cs typeface="+mn-ea"/>
-              <a:sym typeface="+mn-lt"/>
-            </a:endParaRPr>
-          </a:p>
-        </p:txBody>
-      </p:sp>
-      <p:sp>
-        <p:nvSpPr>
-          <p:cNvPr id="35" name="MH_Number_1"/>
-          <p:cNvSpPr/>
-          <p:nvPr>
-            <p:custDataLst>
-              <p:tags r:id="rId3"/>
-            </p:custDataLst>
-          </p:nvPr>
-        </p:nvSpPr>
-        <p:spPr>
-          <a:xfrm rot="413314">
-            <a:off x="1042643" y="1489772"/>
-            <a:ext cx="345580" cy="374109"/>
-          </a:xfrm>
-          <a:custGeom>
-            <a:avLst/>
-            <a:gdLst>
-              <a:gd name="connsiteX0" fmla="*/ 370244 w 370244"/>
-              <a:gd name="connsiteY0" fmla="*/ 0 h 400732"/>
-              <a:gd name="connsiteX1" fmla="*/ 325083 w 370244"/>
-              <a:gd name="connsiteY1" fmla="*/ 361458 h 400732"/>
-              <a:gd name="connsiteX2" fmla="*/ 0 w 370244"/>
-              <a:gd name="connsiteY2" fmla="*/ 400732 h 400732"/>
-              <a:gd name="connsiteX3" fmla="*/ 45161 w 370244"/>
-              <a:gd name="connsiteY3" fmla="*/ 39274 h 400732"/>
-            </a:gdLst>
-            <a:ahLst/>
-            <a:cxnLst>
-              <a:cxn ang="0">
-                <a:pos x="connsiteX0" y="connsiteY0"/>
-              </a:cxn>
-              <a:cxn ang="0">
-                <a:pos x="connsiteX1" y="connsiteY1"/>
-              </a:cxn>
-              <a:cxn ang="0">
-                <a:pos x="connsiteX2" y="connsiteY2"/>
-              </a:cxn>
-              <a:cxn ang="0">
-                <a:pos x="connsiteX3" y="connsiteY3"/>
-              </a:cxn>
-            </a:cxnLst>
-            <a:rect l="l" t="t" r="r" b="b"/>
-            <a:pathLst>
-              <a:path w="370244" h="400732">
-                <a:moveTo>
-                  <a:pt x="370244" y="0"/>
-                </a:moveTo>
-                <a:lnTo>
-                  <a:pt x="325083" y="361458"/>
-                </a:lnTo>
-                <a:lnTo>
-                  <a:pt x="0" y="400732"/>
-                </a:lnTo>
-                <a:lnTo>
-                  <a:pt x="45161" y="39274"/>
-                </a:lnTo>
-                <a:close/>
-              </a:path>
-            </a:pathLst>
-          </a:custGeom>
-          <a:solidFill>
-            <a:schemeClr val="accent1"/>
-          </a:solidFill>
-          <a:ln>
-            <a:noFill/>
-          </a:ln>
-        </p:spPr>
-        <p:txBody>
-          <a:bodyPr wrap="square" lIns="0" tIns="0" rIns="0" bIns="0" anchor="ctr">
-            <a:noAutofit/>
-          </a:bodyPr>
-          <a:lstStyle/>
-          <a:p>
-            <a:pPr algn="ctr">
-              <a:spcBef>
-                <a:spcPct val="0"/>
-              </a:spcBef>
-              <a:buFont typeface="Arial" panose="020B0604020202020204" pitchFamily="34" charset="0"/>
-              <a:buNone/>
-            </a:pPr>
-            <a:r>
-              <a:rPr lang="en-US" altLang="zh-CN" sz="2100" dirty="0">
-                <a:solidFill>
-                  <a:srgbClr val="FFFFFF"/>
-                </a:solidFill>
-                <a:latin typeface="Arial" panose="020B0604020202020204" pitchFamily="34" charset="0"/>
-                <a:ea typeface="微软雅黑" panose="020B0503020204020204" pitchFamily="34" charset="-122"/>
-                <a:cs typeface="Times New Roman" panose="02020603050405020304" pitchFamily="18" charset="0"/>
-                <a:sym typeface="Arial" panose="020B0604020202020204" pitchFamily="34" charset="0"/>
-              </a:rPr>
-              <a:t>1</a:t>
-            </a:r>
-            <a:endParaRPr lang="zh-CN" altLang="en-US" sz="2100" dirty="0">
-              <a:solidFill>
-                <a:srgbClr val="FFFFFF"/>
-              </a:solidFill>
-              <a:latin typeface="Arial" panose="020B0604020202020204" pitchFamily="34" charset="0"/>
-              <a:ea typeface="微软雅黑" panose="020B0503020204020204" pitchFamily="34" charset="-122"/>
-              <a:cs typeface="Times New Roman" panose="02020603050405020304" pitchFamily="18" charset="0"/>
-              <a:sym typeface="Arial" panose="020B0604020202020204" pitchFamily="34" charset="0"/>
-            </a:endParaRPr>
-          </a:p>
-        </p:txBody>
-      </p:sp>
-      <p:sp>
-        <p:nvSpPr>
-          <p:cNvPr id="36" name="MH_Number_2"/>
-          <p:cNvSpPr/>
-          <p:nvPr>
-            <p:custDataLst>
-              <p:tags r:id="rId4"/>
-            </p:custDataLst>
-          </p:nvPr>
-        </p:nvSpPr>
-        <p:spPr>
-          <a:xfrm rot="413314">
-            <a:off x="895891" y="2158355"/>
-            <a:ext cx="345580" cy="374108"/>
-          </a:xfrm>
-          <a:custGeom>
-            <a:avLst/>
-            <a:gdLst>
-              <a:gd name="connsiteX0" fmla="*/ 45161 w 370245"/>
-              <a:gd name="connsiteY0" fmla="*/ 39273 h 400731"/>
-              <a:gd name="connsiteX1" fmla="*/ 370245 w 370245"/>
-              <a:gd name="connsiteY1" fmla="*/ 0 h 400731"/>
-              <a:gd name="connsiteX2" fmla="*/ 325083 w 370245"/>
-              <a:gd name="connsiteY2" fmla="*/ 361458 h 400731"/>
-              <a:gd name="connsiteX3" fmla="*/ 0 w 370245"/>
-              <a:gd name="connsiteY3" fmla="*/ 400731 h 400731"/>
-            </a:gdLst>
-            <a:ahLst/>
-            <a:cxnLst>
-              <a:cxn ang="0">
-                <a:pos x="connsiteX0" y="connsiteY0"/>
-              </a:cxn>
-              <a:cxn ang="0">
-                <a:pos x="connsiteX1" y="connsiteY1"/>
-              </a:cxn>
-              <a:cxn ang="0">
-                <a:pos x="connsiteX2" y="connsiteY2"/>
-              </a:cxn>
-              <a:cxn ang="0">
-                <a:pos x="connsiteX3" y="connsiteY3"/>
-              </a:cxn>
-            </a:cxnLst>
-            <a:rect l="l" t="t" r="r" b="b"/>
-            <a:pathLst>
-              <a:path w="370245" h="400731">
-                <a:moveTo>
-                  <a:pt x="45161" y="39273"/>
-                </a:moveTo>
-                <a:lnTo>
-                  <a:pt x="370245" y="0"/>
-                </a:lnTo>
-                <a:lnTo>
-                  <a:pt x="325083" y="361458"/>
-                </a:lnTo>
-                <a:lnTo>
-                  <a:pt x="0" y="400731"/>
-                </a:lnTo>
-                <a:close/>
-              </a:path>
-            </a:pathLst>
-          </a:custGeom>
-          <a:solidFill>
-            <a:schemeClr val="accent2"/>
-          </a:solidFill>
-          <a:ln>
-            <a:noFill/>
-          </a:ln>
-        </p:spPr>
-        <p:txBody>
-          <a:bodyPr wrap="square" lIns="0" tIns="0" rIns="0" bIns="0" anchor="ctr">
-            <a:noAutofit/>
-          </a:bodyPr>
-          <a:lstStyle/>
-          <a:p>
-            <a:pPr algn="ctr">
-              <a:spcBef>
-                <a:spcPct val="0"/>
-              </a:spcBef>
-              <a:buFont typeface="Arial" panose="020B0604020202020204" pitchFamily="34" charset="0"/>
-              <a:buNone/>
-            </a:pPr>
-            <a:r>
-              <a:rPr lang="en-US" altLang="zh-CN" sz="2100" dirty="0">
-                <a:solidFill>
-                  <a:srgbClr val="FFFFFF"/>
-                </a:solidFill>
-                <a:latin typeface="Arial" panose="020B0604020202020204" pitchFamily="34" charset="0"/>
-                <a:ea typeface="微软雅黑" panose="020B0503020204020204" pitchFamily="34" charset="-122"/>
-                <a:cs typeface="Times New Roman" panose="02020603050405020304" pitchFamily="18" charset="0"/>
-                <a:sym typeface="Arial" panose="020B0604020202020204" pitchFamily="34" charset="0"/>
-              </a:rPr>
-              <a:t>2</a:t>
-            </a:r>
-            <a:endParaRPr lang="zh-CN" altLang="en-US" sz="2100" dirty="0">
-              <a:solidFill>
-                <a:srgbClr val="FFFFFF"/>
-              </a:solidFill>
-              <a:latin typeface="Arial" panose="020B0604020202020204" pitchFamily="34" charset="0"/>
-              <a:ea typeface="微软雅黑" panose="020B0503020204020204" pitchFamily="34" charset="-122"/>
-              <a:cs typeface="Times New Roman" panose="02020603050405020304" pitchFamily="18" charset="0"/>
-              <a:sym typeface="Arial" panose="020B0604020202020204" pitchFamily="34" charset="0"/>
-            </a:endParaRPr>
-          </a:p>
-        </p:txBody>
-      </p:sp>
-      <p:sp>
-        <p:nvSpPr>
-          <p:cNvPr id="37" name="MH_Number_3"/>
-          <p:cNvSpPr/>
-          <p:nvPr>
-            <p:custDataLst>
-              <p:tags r:id="rId5"/>
-            </p:custDataLst>
-          </p:nvPr>
-        </p:nvSpPr>
-        <p:spPr>
-          <a:xfrm rot="413314">
-            <a:off x="749140" y="2826936"/>
-            <a:ext cx="345580" cy="374109"/>
-          </a:xfrm>
-          <a:custGeom>
-            <a:avLst/>
-            <a:gdLst>
-              <a:gd name="connsiteX0" fmla="*/ 370244 w 370244"/>
-              <a:gd name="connsiteY0" fmla="*/ 0 h 400732"/>
-              <a:gd name="connsiteX1" fmla="*/ 325083 w 370244"/>
-              <a:gd name="connsiteY1" fmla="*/ 361458 h 400732"/>
-              <a:gd name="connsiteX2" fmla="*/ 0 w 370244"/>
-              <a:gd name="connsiteY2" fmla="*/ 400732 h 400732"/>
-              <a:gd name="connsiteX3" fmla="*/ 45161 w 370244"/>
-              <a:gd name="connsiteY3" fmla="*/ 39274 h 400732"/>
-            </a:gdLst>
-            <a:ahLst/>
-            <a:cxnLst>
-              <a:cxn ang="0">
-                <a:pos x="connsiteX0" y="connsiteY0"/>
-              </a:cxn>
-              <a:cxn ang="0">
-                <a:pos x="connsiteX1" y="connsiteY1"/>
-              </a:cxn>
-              <a:cxn ang="0">
-                <a:pos x="connsiteX2" y="connsiteY2"/>
-              </a:cxn>
-              <a:cxn ang="0">
-                <a:pos x="connsiteX3" y="connsiteY3"/>
-              </a:cxn>
-            </a:cxnLst>
-            <a:rect l="l" t="t" r="r" b="b"/>
-            <a:pathLst>
-              <a:path w="370244" h="400732">
-                <a:moveTo>
-                  <a:pt x="370244" y="0"/>
-                </a:moveTo>
-                <a:lnTo>
-                  <a:pt x="325083" y="361458"/>
-                </a:lnTo>
-                <a:lnTo>
-                  <a:pt x="0" y="400732"/>
-                </a:lnTo>
-                <a:lnTo>
-                  <a:pt x="45161" y="39274"/>
-                </a:lnTo>
-                <a:close/>
-              </a:path>
-            </a:pathLst>
-          </a:custGeom>
-          <a:solidFill>
-            <a:schemeClr val="accent1"/>
-          </a:solidFill>
-          <a:ln>
-            <a:noFill/>
-          </a:ln>
-        </p:spPr>
-        <p:txBody>
-          <a:bodyPr wrap="square" lIns="0" tIns="0" rIns="0" bIns="0" anchor="ctr">
-            <a:noAutofit/>
-          </a:bodyPr>
-          <a:lstStyle/>
-          <a:p>
-            <a:pPr algn="ctr">
-              <a:spcBef>
-                <a:spcPct val="0"/>
-              </a:spcBef>
-              <a:buFont typeface="Arial" panose="020B0604020202020204" pitchFamily="34" charset="0"/>
-              <a:buNone/>
-            </a:pPr>
-            <a:r>
-              <a:rPr lang="en-US" altLang="zh-CN" sz="2100" dirty="0">
-                <a:solidFill>
-                  <a:srgbClr val="FFFFFF"/>
-                </a:solidFill>
-                <a:latin typeface="Arial" panose="020B0604020202020204" pitchFamily="34" charset="0"/>
-                <a:ea typeface="微软雅黑" panose="020B0503020204020204" pitchFamily="34" charset="-122"/>
-                <a:cs typeface="Times New Roman" panose="02020603050405020304" pitchFamily="18" charset="0"/>
-                <a:sym typeface="Arial" panose="020B0604020202020204" pitchFamily="34" charset="0"/>
-              </a:rPr>
-              <a:t>3</a:t>
-            </a:r>
-            <a:endParaRPr lang="zh-CN" altLang="en-US" sz="2100" dirty="0">
-              <a:solidFill>
-                <a:srgbClr val="FFFFFF"/>
-              </a:solidFill>
-              <a:latin typeface="Arial" panose="020B0604020202020204" pitchFamily="34" charset="0"/>
-              <a:ea typeface="微软雅黑" panose="020B0503020204020204" pitchFamily="34" charset="-122"/>
-              <a:cs typeface="Times New Roman" panose="02020603050405020304" pitchFamily="18" charset="0"/>
-              <a:sym typeface="Arial" panose="020B0604020202020204" pitchFamily="34" charset="0"/>
-            </a:endParaRPr>
-          </a:p>
-        </p:txBody>
-      </p:sp>
-      <p:sp>
-        <p:nvSpPr>
-          <p:cNvPr id="38" name="MH_Number_4"/>
-          <p:cNvSpPr/>
-          <p:nvPr>
-            <p:custDataLst>
-              <p:tags r:id="rId6"/>
-            </p:custDataLst>
-          </p:nvPr>
-        </p:nvSpPr>
-        <p:spPr>
-          <a:xfrm rot="413314">
-            <a:off x="602306" y="3495519"/>
-            <a:ext cx="345739" cy="372796"/>
-          </a:xfrm>
-          <a:custGeom>
-            <a:avLst/>
-            <a:gdLst>
-              <a:gd name="connsiteX0" fmla="*/ 45331 w 370414"/>
-              <a:gd name="connsiteY0" fmla="*/ 39273 h 399327"/>
-              <a:gd name="connsiteX1" fmla="*/ 370414 w 370414"/>
-              <a:gd name="connsiteY1" fmla="*/ 0 h 399327"/>
-              <a:gd name="connsiteX2" fmla="*/ 325084 w 370414"/>
-              <a:gd name="connsiteY2" fmla="*/ 360054 h 399327"/>
-              <a:gd name="connsiteX3" fmla="*/ 0 w 370414"/>
-              <a:gd name="connsiteY3" fmla="*/ 399327 h 399327"/>
-            </a:gdLst>
-            <a:ahLst/>
-            <a:cxnLst>
-              <a:cxn ang="0">
-                <a:pos x="connsiteX0" y="connsiteY0"/>
-              </a:cxn>
-              <a:cxn ang="0">
-                <a:pos x="connsiteX1" y="connsiteY1"/>
-              </a:cxn>
-              <a:cxn ang="0">
-                <a:pos x="connsiteX2" y="connsiteY2"/>
-              </a:cxn>
-              <a:cxn ang="0">
-                <a:pos x="connsiteX3" y="connsiteY3"/>
-              </a:cxn>
-            </a:cxnLst>
-            <a:rect l="l" t="t" r="r" b="b"/>
-            <a:pathLst>
-              <a:path w="370414" h="399327">
-                <a:moveTo>
-                  <a:pt x="45331" y="39273"/>
-                </a:moveTo>
-                <a:lnTo>
-                  <a:pt x="370414" y="0"/>
-                </a:lnTo>
-                <a:lnTo>
-                  <a:pt x="325084" y="360054"/>
-                </a:lnTo>
-                <a:lnTo>
-                  <a:pt x="0" y="399327"/>
-                </a:lnTo>
-                <a:close/>
-              </a:path>
-            </a:pathLst>
-          </a:custGeom>
-          <a:solidFill>
-            <a:schemeClr val="accent2"/>
-          </a:solidFill>
-          <a:ln>
-            <a:noFill/>
-          </a:ln>
-        </p:spPr>
-        <p:txBody>
-          <a:bodyPr wrap="square" lIns="0" tIns="0" rIns="0" bIns="0" anchor="ctr">
-            <a:noAutofit/>
-          </a:bodyPr>
-          <a:lstStyle/>
-          <a:p>
-            <a:pPr algn="ctr">
-              <a:spcBef>
-                <a:spcPct val="0"/>
-              </a:spcBef>
-              <a:buFont typeface="Arial" panose="020B0604020202020204" pitchFamily="34" charset="0"/>
-              <a:buNone/>
-            </a:pPr>
-            <a:r>
-              <a:rPr lang="en-US" altLang="zh-CN" sz="2100" dirty="0">
-                <a:solidFill>
-                  <a:srgbClr val="FFFFFF"/>
-                </a:solidFill>
-                <a:latin typeface="Arial" panose="020B0604020202020204" pitchFamily="34" charset="0"/>
-                <a:ea typeface="微软雅黑" panose="020B0503020204020204" pitchFamily="34" charset="-122"/>
-                <a:cs typeface="Times New Roman" panose="02020603050405020304" pitchFamily="18" charset="0"/>
-                <a:sym typeface="Arial" panose="020B0604020202020204" pitchFamily="34" charset="0"/>
-              </a:rPr>
-              <a:t>4</a:t>
-            </a:r>
-            <a:endParaRPr lang="zh-CN" altLang="en-US" sz="2100" dirty="0">
-              <a:solidFill>
-                <a:srgbClr val="FFFFFF"/>
-              </a:solidFill>
-              <a:latin typeface="Arial" panose="020B0604020202020204" pitchFamily="34" charset="0"/>
-              <a:ea typeface="微软雅黑" panose="020B0503020204020204" pitchFamily="34" charset="-122"/>
-              <a:cs typeface="Times New Roman" panose="02020603050405020304" pitchFamily="18" charset="0"/>
-              <a:sym typeface="Arial" panose="020B0604020202020204" pitchFamily="34" charset="0"/>
-            </a:endParaRPr>
-          </a:p>
-        </p:txBody>
-      </p:sp>
-      <p:sp>
-        <p:nvSpPr>
-          <p:cNvPr id="15" name="MH_Others_2">
-            <a:extLst>
-              <a:ext uri="{FF2B5EF4-FFF2-40B4-BE49-F238E27FC236}">
-                <a16:creationId xmlns:a16="http://schemas.microsoft.com/office/drawing/2014/main" id="{A124F13B-268F-4EA1-BC36-1ED35E9494E9}"/>
-              </a:ext>
-            </a:extLst>
-          </p:cNvPr>
-          <p:cNvSpPr/>
-          <p:nvPr>
-            <p:custDataLst>
-              <p:tags r:id="rId7"/>
-            </p:custDataLst>
-          </p:nvPr>
-        </p:nvSpPr>
-        <p:spPr>
-          <a:xfrm>
-            <a:off x="754" y="550669"/>
-            <a:ext cx="1038622" cy="355650"/>
-          </a:xfrm>
-          <a:prstGeom prst="rect">
-            <a:avLst/>
-          </a:prstGeom>
-          <a:solidFill>
-            <a:schemeClr val="accent1"/>
-          </a:solidFill>
-          <a:ln>
-            <a:noFill/>
-          </a:ln>
-        </p:spPr>
-        <p:style>
-          <a:lnRef idx="2">
-            <a:schemeClr val="accent1">
-              <a:shade val="50000"/>
-            </a:schemeClr>
-          </a:lnRef>
-          <a:fillRef idx="1">
-            <a:schemeClr val="accent1"/>
-          </a:fillRef>
-          <a:effectRef idx="0">
-            <a:schemeClr val="accent1"/>
-          </a:effectRef>
-          <a:fontRef idx="minor">
-            <a:schemeClr val="lt1"/>
-          </a:fontRef>
-        </p:style>
-        <p:txBody>
-          <a:bodyPr rot="0" spcFirstLastPara="0" vertOverflow="overflow" horzOverflow="overflow" vert="horz" wrap="square" lIns="68580" tIns="34290" rIns="68580" bIns="34290" numCol="1" spcCol="0" rtlCol="0" fromWordArt="0" anchor="ctr" anchorCtr="0" forceAA="0" compatLnSpc="1">
-            <a:prstTxWarp prst="textNoShape">
-              <a:avLst/>
-            </a:prstTxWarp>
-            <a:noAutofit/>
-          </a:bodyPr>
-          <a:lstStyle/>
-          <a:p>
-            <a:endParaRPr lang="zh-CN" altLang="en-US" sz="1424">
-              <a:solidFill>
-                <a:srgbClr val="FFFFFF"/>
-              </a:solidFill>
-              <a:latin typeface="Arial" panose="020B0604020202020204" pitchFamily="34" charset="0"/>
-              <a:ea typeface="微软雅黑" panose="020B0503020204020204" pitchFamily="34" charset="-122"/>
-              <a:sym typeface="Arial" panose="020B0604020202020204" pitchFamily="34" charset="0"/>
-            </a:endParaRPr>
-          </a:p>
-        </p:txBody>
-      </p:sp>
-      <p:sp>
-        <p:nvSpPr>
-          <p:cNvPr id="16" name="MH_Others_1">
-            <a:extLst>
-              <a:ext uri="{FF2B5EF4-FFF2-40B4-BE49-F238E27FC236}">
-                <a16:creationId xmlns:a16="http://schemas.microsoft.com/office/drawing/2014/main" id="{E0823492-9680-4ABB-8743-2C6FB09B0E72}"/>
-              </a:ext>
-            </a:extLst>
-          </p:cNvPr>
-          <p:cNvSpPr txBox="1"/>
-          <p:nvPr>
-            <p:custDataLst>
-              <p:tags r:id="rId8"/>
-            </p:custDataLst>
-          </p:nvPr>
-        </p:nvSpPr>
-        <p:spPr>
-          <a:xfrm>
-            <a:off x="1129705" y="518326"/>
-            <a:ext cx="811948" cy="437684"/>
-          </a:xfrm>
-          <a:prstGeom prst="rect">
-            <a:avLst/>
-          </a:prstGeom>
-          <a:noFill/>
-        </p:spPr>
-        <p:txBody>
-          <a:bodyPr vert="horz" wrap="square" lIns="0" tIns="0" rIns="0" bIns="0" rtlCol="0" anchor="ctr" anchorCtr="0">
-            <a:spAutoFit/>
-          </a:bodyPr>
-          <a:lstStyle/>
-          <a:p>
-            <a:pPr algn="ctr"/>
-            <a:r>
-              <a:rPr lang="zh-CN" altLang="en-US" sz="2844" b="1" dirty="0">
-                <a:solidFill>
-                  <a:schemeClr val="accent1"/>
-                </a:solidFill>
-                <a:latin typeface="Arial" panose="020B0604020202020204" pitchFamily="34" charset="0"/>
-                <a:ea typeface="微软雅黑" panose="020B0503020204020204" pitchFamily="34" charset="-122"/>
-                <a:sym typeface="Arial" panose="020B0604020202020204" pitchFamily="34" charset="0"/>
-              </a:rPr>
-              <a:t>目录</a:t>
-            </a:r>
-          </a:p>
-        </p:txBody>
-      </p:sp>
-      <p:sp>
-        <p:nvSpPr>
-          <p:cNvPr id="17" name="MH_Others_2">
-            <a:extLst>
-              <a:ext uri="{FF2B5EF4-FFF2-40B4-BE49-F238E27FC236}">
-                <a16:creationId xmlns:a16="http://schemas.microsoft.com/office/drawing/2014/main" id="{9CE0B2F1-D203-4009-981B-4D6B9DEF390B}"/>
-              </a:ext>
-            </a:extLst>
-          </p:cNvPr>
-          <p:cNvSpPr txBox="1"/>
-          <p:nvPr>
-            <p:custDataLst>
-              <p:tags r:id="rId9"/>
-            </p:custDataLst>
-          </p:nvPr>
-        </p:nvSpPr>
-        <p:spPr>
-          <a:xfrm>
-            <a:off x="610393" y="956047"/>
-            <a:ext cx="1850572" cy="350417"/>
-          </a:xfrm>
-          <a:prstGeom prst="rect">
-            <a:avLst/>
-          </a:prstGeom>
-          <a:noFill/>
-        </p:spPr>
-        <p:txBody>
-          <a:bodyPr wrap="square" lIns="0" tIns="0" rIns="0" bIns="0">
-            <a:spAutoFit/>
-          </a:bodyPr>
-          <a:lstStyle/>
-          <a:p>
-            <a:pPr algn="ctr">
-              <a:defRPr/>
-            </a:pPr>
-            <a:r>
-              <a:rPr lang="en-US" altLang="zh-CN" sz="2277" dirty="0">
-                <a:solidFill>
-                  <a:schemeClr val="accent1"/>
-                </a:solidFill>
-                <a:latin typeface="Arial" panose="020B0604020202020204" pitchFamily="34" charset="0"/>
-                <a:ea typeface="微软雅黑" panose="020B0503020204020204" pitchFamily="34" charset="-122"/>
-                <a:sym typeface="Arial" panose="020B0604020202020204" pitchFamily="34" charset="0"/>
-              </a:rPr>
-              <a:t>CONTENTS</a:t>
-            </a:r>
-            <a:endParaRPr lang="zh-CN" altLang="en-US" sz="2277" dirty="0">
-              <a:solidFill>
-                <a:schemeClr val="accent1"/>
-              </a:solidFill>
-              <a:latin typeface="Arial" panose="020B0604020202020204" pitchFamily="34" charset="0"/>
-              <a:ea typeface="微软雅黑" panose="020B0503020204020204" pitchFamily="34" charset="-122"/>
-              <a:sym typeface="Arial" panose="020B0604020202020204" pitchFamily="34" charset="0"/>
-            </a:endParaRPr>
-          </a:p>
-        </p:txBody>
-      </p:sp>
-      <p:sp>
-        <p:nvSpPr>
-          <p:cNvPr id="18" name="MH_Others_2">
-            <a:extLst>
-              <a:ext uri="{FF2B5EF4-FFF2-40B4-BE49-F238E27FC236}">
-                <a16:creationId xmlns:a16="http://schemas.microsoft.com/office/drawing/2014/main" id="{860342C5-4751-4D71-A9E9-EA3609800CF4}"/>
-              </a:ext>
-            </a:extLst>
-          </p:cNvPr>
-          <p:cNvSpPr/>
-          <p:nvPr>
-            <p:custDataLst>
-              <p:tags r:id="rId10"/>
-            </p:custDataLst>
-          </p:nvPr>
-        </p:nvSpPr>
-        <p:spPr>
-          <a:xfrm>
-            <a:off x="2078000" y="550669"/>
-            <a:ext cx="7067086" cy="355650"/>
-          </a:xfrm>
-          <a:prstGeom prst="rect">
-            <a:avLst/>
-          </a:prstGeom>
-          <a:solidFill>
-            <a:schemeClr val="accent1"/>
-          </a:solidFill>
-          <a:ln>
-            <a:noFill/>
-          </a:ln>
-        </p:spPr>
-        <p:style>
-          <a:lnRef idx="2">
-            <a:schemeClr val="accent1">
-              <a:shade val="50000"/>
-            </a:schemeClr>
-          </a:lnRef>
-          <a:fillRef idx="1">
-            <a:schemeClr val="accent1"/>
-          </a:fillRef>
-          <a:effectRef idx="0">
-            <a:schemeClr val="accent1"/>
-          </a:effectRef>
-          <a:fontRef idx="minor">
-            <a:schemeClr val="lt1"/>
-          </a:fontRef>
-        </p:style>
-        <p:txBody>
-          <a:bodyPr rot="0" spcFirstLastPara="0" vertOverflow="overflow" horzOverflow="overflow" vert="horz" wrap="square" lIns="68580" tIns="34290" rIns="68580" bIns="34290" numCol="1" spcCol="0" rtlCol="0" fromWordArt="0" anchor="ctr" anchorCtr="0" forceAA="0" compatLnSpc="1">
-            <a:prstTxWarp prst="textNoShape">
-              <a:avLst/>
-            </a:prstTxWarp>
-            <a:noAutofit/>
-          </a:bodyPr>
-          <a:lstStyle/>
-          <a:p>
-            <a:endParaRPr lang="zh-CN" altLang="en-US" sz="1424">
-              <a:solidFill>
-                <a:srgbClr val="FFFFFF"/>
-              </a:solidFill>
-              <a:latin typeface="Arial" panose="020B0604020202020204" pitchFamily="34" charset="0"/>
-              <a:ea typeface="微软雅黑" panose="020B0503020204020204" pitchFamily="34" charset="-122"/>
-              <a:sym typeface="Arial" panose="020B0604020202020204" pitchFamily="34" charset="0"/>
-            </a:endParaRPr>
-          </a:p>
-        </p:txBody>
-      </p:sp>
-      <p:sp>
-        <p:nvSpPr>
-          <p:cNvPr id="14" name="MH_Entry_1">
-            <a:extLst>
-              <a:ext uri="{FF2B5EF4-FFF2-40B4-BE49-F238E27FC236}">
-                <a16:creationId xmlns:a16="http://schemas.microsoft.com/office/drawing/2014/main" id="{5EF4C817-44A0-4FEF-9897-9E801E931B79}"/>
-              </a:ext>
-            </a:extLst>
-          </p:cNvPr>
-          <p:cNvSpPr>
-            <a:spLocks noChangeArrowheads="1"/>
-          </p:cNvSpPr>
-          <p:nvPr>
-            <p:custDataLst>
-              <p:tags r:id="rId11"/>
-            </p:custDataLst>
-          </p:nvPr>
-        </p:nvSpPr>
-        <p:spPr bwMode="auto">
-          <a:xfrm>
-            <a:off x="5363192" y="1608756"/>
-            <a:ext cx="2093471" cy="276999"/>
-          </a:xfrm>
-          <a:prstGeom prst="rect">
-            <a:avLst/>
-          </a:prstGeom>
-          <a:noFill/>
-          <a:ln>
-            <a:noFill/>
-          </a:ln>
-          <a:extLst>
-            <a:ext uri="{909E8E84-426E-40DD-AFC4-6F175D3DCCD1}">
-              <a14:hiddenFill xmlns:a14="http://schemas.microsoft.com/office/drawing/2010/main">
-                <a:solidFill>
-                  <a:srgbClr val="FFFFFF"/>
-                </a:solidFill>
-              </a14:hiddenFill>
-            </a:ext>
-            <a:ext uri="{91240B29-F687-4F45-9708-019B960494DF}">
-              <a14:hiddenLine xmlns:a14="http://schemas.microsoft.com/office/drawing/2010/main" w="9525">
-                <a:solidFill>
-                  <a:srgbClr val="000000"/>
-                </a:solidFill>
-                <a:miter lim="800000"/>
-                <a:headEnd/>
-                <a:tailEnd/>
-              </a14:hiddenLine>
-            </a:ext>
-          </a:extLst>
-        </p:spPr>
-        <p:txBody>
-          <a:bodyPr wrap="square" lIns="0" tIns="0" rIns="0" bIns="0" anchor="ctr">
-            <a:spAutoFit/>
-          </a:bodyPr>
-          <a:lstStyle>
-            <a:lvl1pPr>
-              <a:lnSpc>
-                <a:spcPct val="90000"/>
-              </a:lnSpc>
-              <a:spcBef>
-                <a:spcPts val="750"/>
-              </a:spcBef>
-              <a:buFont typeface="Arial" panose="020B0604020202020204" pitchFamily="34" charset="0"/>
-              <a:buChar char="•"/>
-              <a:defRPr sz="2100">
-                <a:solidFill>
-                  <a:schemeClr val="tx1"/>
-                </a:solidFill>
-                <a:latin typeface="Calibri" panose="020F0502020204030204" pitchFamily="34" charset="0"/>
-                <a:ea typeface="宋体" panose="02010600030101010101" pitchFamily="2" charset="-122"/>
-              </a:defRPr>
-            </a:lvl1pPr>
-            <a:lvl2pPr marL="742950" indent="-285750">
-              <a:lnSpc>
-                <a:spcPct val="90000"/>
-              </a:lnSpc>
-              <a:spcBef>
-                <a:spcPts val="375"/>
-              </a:spcBef>
-              <a:buFont typeface="Arial" panose="020B0604020202020204" pitchFamily="34" charset="0"/>
-              <a:buChar char="•"/>
-              <a:defRPr>
-                <a:solidFill>
-                  <a:schemeClr val="tx1"/>
-                </a:solidFill>
-                <a:latin typeface="Calibri" panose="020F0502020204030204" pitchFamily="34" charset="0"/>
-                <a:ea typeface="宋体" panose="02010600030101010101" pitchFamily="2" charset="-122"/>
-              </a:defRPr>
-            </a:lvl2pPr>
-            <a:lvl3pPr marL="1143000" indent="-228600">
-              <a:lnSpc>
-                <a:spcPct val="90000"/>
-              </a:lnSpc>
-              <a:spcBef>
-                <a:spcPts val="375"/>
-              </a:spcBef>
-              <a:buFont typeface="Arial" panose="020B0604020202020204" pitchFamily="34" charset="0"/>
-              <a:buChar char="•"/>
-              <a:defRPr sz="1500">
-                <a:solidFill>
-                  <a:schemeClr val="tx1"/>
-                </a:solidFill>
-                <a:latin typeface="Calibri" panose="020F0502020204030204" pitchFamily="34" charset="0"/>
-                <a:ea typeface="宋体" panose="02010600030101010101" pitchFamily="2" charset="-122"/>
-              </a:defRPr>
-            </a:lvl3pPr>
-            <a:lvl4pPr marL="1600200" indent="-228600">
-              <a:lnSpc>
-                <a:spcPct val="90000"/>
-              </a:lnSpc>
-              <a:spcBef>
-                <a:spcPts val="375"/>
-              </a:spcBef>
-              <a:buFont typeface="Arial" panose="020B0604020202020204" pitchFamily="34" charset="0"/>
-              <a:buChar char="•"/>
-              <a:defRPr sz="1300">
-                <a:solidFill>
-                  <a:schemeClr val="tx1"/>
-                </a:solidFill>
-                <a:latin typeface="Calibri" panose="020F0502020204030204" pitchFamily="34" charset="0"/>
-                <a:ea typeface="宋体" panose="02010600030101010101" pitchFamily="2" charset="-122"/>
-              </a:defRPr>
-            </a:lvl4pPr>
-            <a:lvl5pPr marL="2057400" indent="-228600">
-              <a:lnSpc>
-                <a:spcPct val="90000"/>
-              </a:lnSpc>
-              <a:spcBef>
-                <a:spcPts val="375"/>
-              </a:spcBef>
-              <a:buFont typeface="Arial" panose="020B0604020202020204" pitchFamily="34" charset="0"/>
-              <a:buChar char="•"/>
-              <a:defRPr sz="1300">
-                <a:solidFill>
-                  <a:schemeClr val="tx1"/>
-                </a:solidFill>
-                <a:latin typeface="Calibri" panose="020F0502020204030204" pitchFamily="34" charset="0"/>
-                <a:ea typeface="宋体" panose="02010600030101010101" pitchFamily="2" charset="-122"/>
-              </a:defRPr>
-            </a:lvl5pPr>
-            <a:lvl6pPr marL="2514600" indent="-228600" eaLnBrk="0" fontAlgn="base" hangingPunct="0">
-              <a:lnSpc>
-                <a:spcPct val="90000"/>
-              </a:lnSpc>
-              <a:spcBef>
-                <a:spcPts val="375"/>
-              </a:spcBef>
-              <a:spcAft>
-                <a:spcPct val="0"/>
-              </a:spcAft>
-              <a:buFont typeface="Arial" panose="020B0604020202020204" pitchFamily="34" charset="0"/>
-              <a:buChar char="•"/>
-              <a:defRPr sz="1300">
-                <a:solidFill>
-                  <a:schemeClr val="tx1"/>
-                </a:solidFill>
-                <a:latin typeface="Calibri" panose="020F0502020204030204" pitchFamily="34" charset="0"/>
-                <a:ea typeface="宋体" panose="02010600030101010101" pitchFamily="2" charset="-122"/>
-              </a:defRPr>
-            </a:lvl6pPr>
-            <a:lvl7pPr marL="2971800" indent="-228600" eaLnBrk="0" fontAlgn="base" hangingPunct="0">
-              <a:lnSpc>
-                <a:spcPct val="90000"/>
-              </a:lnSpc>
-              <a:spcBef>
-                <a:spcPts val="375"/>
-              </a:spcBef>
-              <a:spcAft>
-                <a:spcPct val="0"/>
-              </a:spcAft>
-              <a:buFont typeface="Arial" panose="020B0604020202020204" pitchFamily="34" charset="0"/>
-              <a:buChar char="•"/>
-              <a:defRPr sz="1300">
-                <a:solidFill>
-                  <a:schemeClr val="tx1"/>
-                </a:solidFill>
-                <a:latin typeface="Calibri" panose="020F0502020204030204" pitchFamily="34" charset="0"/>
-                <a:ea typeface="宋体" panose="02010600030101010101" pitchFamily="2" charset="-122"/>
-              </a:defRPr>
-            </a:lvl7pPr>
-            <a:lvl8pPr marL="3429000" indent="-228600" eaLnBrk="0" fontAlgn="base" hangingPunct="0">
-              <a:lnSpc>
-                <a:spcPct val="90000"/>
-              </a:lnSpc>
-              <a:spcBef>
-                <a:spcPts val="375"/>
-              </a:spcBef>
-              <a:spcAft>
-                <a:spcPct val="0"/>
-              </a:spcAft>
-              <a:buFont typeface="Arial" panose="020B0604020202020204" pitchFamily="34" charset="0"/>
-              <a:buChar char="•"/>
-              <a:defRPr sz="1300">
-                <a:solidFill>
-                  <a:schemeClr val="tx1"/>
-                </a:solidFill>
-                <a:latin typeface="Calibri" panose="020F0502020204030204" pitchFamily="34" charset="0"/>
-                <a:ea typeface="宋体" panose="02010600030101010101" pitchFamily="2" charset="-122"/>
-              </a:defRPr>
-            </a:lvl8pPr>
-            <a:lvl9pPr marL="3886200" indent="-228600" eaLnBrk="0" fontAlgn="base" hangingPunct="0">
-              <a:lnSpc>
-                <a:spcPct val="90000"/>
-              </a:lnSpc>
-              <a:spcBef>
-                <a:spcPts val="375"/>
-              </a:spcBef>
-              <a:spcAft>
-                <a:spcPct val="0"/>
-              </a:spcAft>
-              <a:buFont typeface="Arial" panose="020B0604020202020204" pitchFamily="34" charset="0"/>
-              <a:buChar char="•"/>
-              <a:defRPr sz="1300">
-                <a:solidFill>
-                  <a:schemeClr val="tx1"/>
-                </a:solidFill>
-                <a:latin typeface="Calibri" panose="020F0502020204030204" pitchFamily="34" charset="0"/>
-                <a:ea typeface="宋体" panose="02010600030101010101" pitchFamily="2" charset="-122"/>
-              </a:defRPr>
-            </a:lvl9pPr>
-          </a:lstStyle>
-          <a:p>
-            <a:pPr lvl="0">
-              <a:buNone/>
-            </a:pPr>
-            <a:r>
-              <a:rPr lang="zh-CN" altLang="en-US" sz="2000" b="1" dirty="0">
-                <a:solidFill>
-                  <a:schemeClr val="bg1">
-                    <a:lumMod val="50000"/>
-                  </a:schemeClr>
-                </a:solidFill>
-                <a:latin typeface="微软雅黑" pitchFamily="34" charset="-122"/>
-                <a:ea typeface="微软雅黑" pitchFamily="34" charset="-122"/>
-              </a:rPr>
-              <a:t>甘特图及</a:t>
-            </a:r>
-            <a:r>
-              <a:rPr lang="en-US" altLang="zh-CN" sz="2000" b="1" dirty="0">
-                <a:solidFill>
-                  <a:schemeClr val="bg1">
-                    <a:lumMod val="50000"/>
-                  </a:schemeClr>
-                </a:solidFill>
-                <a:latin typeface="微软雅黑" pitchFamily="34" charset="-122"/>
-                <a:ea typeface="微软雅黑" pitchFamily="34" charset="-122"/>
-              </a:rPr>
-              <a:t>WBS</a:t>
-            </a:r>
-            <a:r>
-              <a:rPr lang="zh-CN" altLang="en-US" sz="2000" b="1" dirty="0">
-                <a:solidFill>
-                  <a:schemeClr val="bg1">
-                    <a:lumMod val="50000"/>
-                  </a:schemeClr>
-                </a:solidFill>
-                <a:latin typeface="微软雅黑" pitchFamily="34" charset="-122"/>
-                <a:ea typeface="微软雅黑" pitchFamily="34" charset="-122"/>
-              </a:rPr>
-              <a:t>图</a:t>
-            </a:r>
-            <a:endParaRPr lang="zh-CN" altLang="zh-CN" sz="2000" b="1" dirty="0">
-              <a:solidFill>
-                <a:schemeClr val="bg1">
-                  <a:lumMod val="50000"/>
-                </a:schemeClr>
-              </a:solidFill>
-              <a:latin typeface="微软雅黑" pitchFamily="34" charset="-122"/>
-              <a:ea typeface="微软雅黑" pitchFamily="34" charset="-122"/>
-            </a:endParaRPr>
-          </a:p>
-        </p:txBody>
-      </p:sp>
-      <p:sp>
-        <p:nvSpPr>
-          <p:cNvPr id="19" name="MH_Entry_3">
-            <a:extLst>
-              <a:ext uri="{FF2B5EF4-FFF2-40B4-BE49-F238E27FC236}">
-                <a16:creationId xmlns:a16="http://schemas.microsoft.com/office/drawing/2014/main" id="{FBA6DD42-FA87-4873-B2D3-BDCE532A15D0}"/>
-              </a:ext>
-            </a:extLst>
-          </p:cNvPr>
-          <p:cNvSpPr>
-            <a:spLocks noChangeArrowheads="1"/>
-          </p:cNvSpPr>
-          <p:nvPr>
-            <p:custDataLst>
-              <p:tags r:id="rId12"/>
-            </p:custDataLst>
-          </p:nvPr>
-        </p:nvSpPr>
-        <p:spPr bwMode="auto">
-          <a:xfrm>
-            <a:off x="5076850" y="2941957"/>
-            <a:ext cx="2093471" cy="276999"/>
-          </a:xfrm>
-          <a:prstGeom prst="rect">
-            <a:avLst/>
-          </a:prstGeom>
-          <a:noFill/>
-          <a:ln>
-            <a:noFill/>
-          </a:ln>
-          <a:extLst>
-            <a:ext uri="{909E8E84-426E-40DD-AFC4-6F175D3DCCD1}">
-              <a14:hiddenFill xmlns:a14="http://schemas.microsoft.com/office/drawing/2010/main">
-                <a:solidFill>
-                  <a:srgbClr val="FFFFFF"/>
-                </a:solidFill>
-              </a14:hiddenFill>
-            </a:ext>
-            <a:ext uri="{91240B29-F687-4F45-9708-019B960494DF}">
-              <a14:hiddenLine xmlns:a14="http://schemas.microsoft.com/office/drawing/2010/main" w="9525">
-                <a:solidFill>
-                  <a:srgbClr val="000000"/>
-                </a:solidFill>
-                <a:miter lim="800000"/>
-                <a:headEnd/>
-                <a:tailEnd/>
-              </a14:hiddenLine>
-            </a:ext>
-          </a:extLst>
-        </p:spPr>
-        <p:txBody>
-          <a:bodyPr wrap="square" lIns="0" tIns="0" rIns="0" bIns="0" anchor="ctr">
-            <a:spAutoFit/>
-          </a:bodyPr>
-          <a:lstStyle>
-            <a:lvl1pPr>
-              <a:lnSpc>
-                <a:spcPct val="90000"/>
-              </a:lnSpc>
-              <a:spcBef>
-                <a:spcPts val="750"/>
-              </a:spcBef>
-              <a:buFont typeface="Arial" panose="020B0604020202020204" pitchFamily="34" charset="0"/>
-              <a:buChar char="•"/>
-              <a:defRPr sz="2100">
-                <a:solidFill>
-                  <a:schemeClr val="tx1"/>
-                </a:solidFill>
-                <a:latin typeface="Calibri" panose="020F0502020204030204" pitchFamily="34" charset="0"/>
-                <a:ea typeface="宋体" panose="02010600030101010101" pitchFamily="2" charset="-122"/>
-              </a:defRPr>
-            </a:lvl1pPr>
-            <a:lvl2pPr marL="742950" indent="-285750">
-              <a:lnSpc>
-                <a:spcPct val="90000"/>
-              </a:lnSpc>
-              <a:spcBef>
-                <a:spcPts val="375"/>
-              </a:spcBef>
-              <a:buFont typeface="Arial" panose="020B0604020202020204" pitchFamily="34" charset="0"/>
-              <a:buChar char="•"/>
-              <a:defRPr>
-                <a:solidFill>
-                  <a:schemeClr val="tx1"/>
-                </a:solidFill>
-                <a:latin typeface="Calibri" panose="020F0502020204030204" pitchFamily="34" charset="0"/>
-                <a:ea typeface="宋体" panose="02010600030101010101" pitchFamily="2" charset="-122"/>
-              </a:defRPr>
-            </a:lvl2pPr>
-            <a:lvl3pPr marL="1143000" indent="-228600">
-              <a:lnSpc>
-                <a:spcPct val="90000"/>
-              </a:lnSpc>
-              <a:spcBef>
-                <a:spcPts val="375"/>
-              </a:spcBef>
-              <a:buFont typeface="Arial" panose="020B0604020202020204" pitchFamily="34" charset="0"/>
-              <a:buChar char="•"/>
-              <a:defRPr sz="1500">
-                <a:solidFill>
-                  <a:schemeClr val="tx1"/>
-                </a:solidFill>
-                <a:latin typeface="Calibri" panose="020F0502020204030204" pitchFamily="34" charset="0"/>
-                <a:ea typeface="宋体" panose="02010600030101010101" pitchFamily="2" charset="-122"/>
-              </a:defRPr>
-            </a:lvl3pPr>
-            <a:lvl4pPr marL="1600200" indent="-228600">
-              <a:lnSpc>
-                <a:spcPct val="90000"/>
-              </a:lnSpc>
-              <a:spcBef>
-                <a:spcPts val="375"/>
-              </a:spcBef>
-              <a:buFont typeface="Arial" panose="020B0604020202020204" pitchFamily="34" charset="0"/>
-              <a:buChar char="•"/>
-              <a:defRPr sz="1300">
-                <a:solidFill>
-                  <a:schemeClr val="tx1"/>
-                </a:solidFill>
-                <a:latin typeface="Calibri" panose="020F0502020204030204" pitchFamily="34" charset="0"/>
-                <a:ea typeface="宋体" panose="02010600030101010101" pitchFamily="2" charset="-122"/>
-              </a:defRPr>
-            </a:lvl4pPr>
-            <a:lvl5pPr marL="2057400" indent="-228600">
-              <a:lnSpc>
-                <a:spcPct val="90000"/>
-              </a:lnSpc>
-              <a:spcBef>
-                <a:spcPts val="375"/>
-              </a:spcBef>
-              <a:buFont typeface="Arial" panose="020B0604020202020204" pitchFamily="34" charset="0"/>
-              <a:buChar char="•"/>
-              <a:defRPr sz="1300">
-                <a:solidFill>
-                  <a:schemeClr val="tx1"/>
-                </a:solidFill>
-                <a:latin typeface="Calibri" panose="020F0502020204030204" pitchFamily="34" charset="0"/>
-                <a:ea typeface="宋体" panose="02010600030101010101" pitchFamily="2" charset="-122"/>
-              </a:defRPr>
-            </a:lvl5pPr>
-            <a:lvl6pPr marL="2514600" indent="-228600" eaLnBrk="0" fontAlgn="base" hangingPunct="0">
-              <a:lnSpc>
-                <a:spcPct val="90000"/>
-              </a:lnSpc>
-              <a:spcBef>
-                <a:spcPts val="375"/>
-              </a:spcBef>
-              <a:spcAft>
-                <a:spcPct val="0"/>
-              </a:spcAft>
-              <a:buFont typeface="Arial" panose="020B0604020202020204" pitchFamily="34" charset="0"/>
-              <a:buChar char="•"/>
-              <a:defRPr sz="1300">
-                <a:solidFill>
-                  <a:schemeClr val="tx1"/>
-                </a:solidFill>
-                <a:latin typeface="Calibri" panose="020F0502020204030204" pitchFamily="34" charset="0"/>
-                <a:ea typeface="宋体" panose="02010600030101010101" pitchFamily="2" charset="-122"/>
-              </a:defRPr>
-            </a:lvl6pPr>
-            <a:lvl7pPr marL="2971800" indent="-228600" eaLnBrk="0" fontAlgn="base" hangingPunct="0">
-              <a:lnSpc>
-                <a:spcPct val="90000"/>
-              </a:lnSpc>
-              <a:spcBef>
-                <a:spcPts val="375"/>
-              </a:spcBef>
-              <a:spcAft>
-                <a:spcPct val="0"/>
-              </a:spcAft>
-              <a:buFont typeface="Arial" panose="020B0604020202020204" pitchFamily="34" charset="0"/>
-              <a:buChar char="•"/>
-              <a:defRPr sz="1300">
-                <a:solidFill>
-                  <a:schemeClr val="tx1"/>
-                </a:solidFill>
-                <a:latin typeface="Calibri" panose="020F0502020204030204" pitchFamily="34" charset="0"/>
-                <a:ea typeface="宋体" panose="02010600030101010101" pitchFamily="2" charset="-122"/>
-              </a:defRPr>
-            </a:lvl7pPr>
-            <a:lvl8pPr marL="3429000" indent="-228600" eaLnBrk="0" fontAlgn="base" hangingPunct="0">
-              <a:lnSpc>
-                <a:spcPct val="90000"/>
-              </a:lnSpc>
-              <a:spcBef>
-                <a:spcPts val="375"/>
-              </a:spcBef>
-              <a:spcAft>
-                <a:spcPct val="0"/>
-              </a:spcAft>
-              <a:buFont typeface="Arial" panose="020B0604020202020204" pitchFamily="34" charset="0"/>
-              <a:buChar char="•"/>
-              <a:defRPr sz="1300">
-                <a:solidFill>
-                  <a:schemeClr val="tx1"/>
-                </a:solidFill>
-                <a:latin typeface="Calibri" panose="020F0502020204030204" pitchFamily="34" charset="0"/>
-                <a:ea typeface="宋体" panose="02010600030101010101" pitchFamily="2" charset="-122"/>
-              </a:defRPr>
-            </a:lvl8pPr>
-            <a:lvl9pPr marL="3886200" indent="-228600" eaLnBrk="0" fontAlgn="base" hangingPunct="0">
-              <a:lnSpc>
-                <a:spcPct val="90000"/>
-              </a:lnSpc>
-              <a:spcBef>
-                <a:spcPts val="375"/>
-              </a:spcBef>
-              <a:spcAft>
-                <a:spcPct val="0"/>
-              </a:spcAft>
-              <a:buFont typeface="Arial" panose="020B0604020202020204" pitchFamily="34" charset="0"/>
-              <a:buChar char="•"/>
-              <a:defRPr sz="1300">
-                <a:solidFill>
-                  <a:schemeClr val="tx1"/>
-                </a:solidFill>
-                <a:latin typeface="Calibri" panose="020F0502020204030204" pitchFamily="34" charset="0"/>
-                <a:ea typeface="宋体" panose="02010600030101010101" pitchFamily="2" charset="-122"/>
-              </a:defRPr>
-            </a:lvl9pPr>
-          </a:lstStyle>
-          <a:p>
-            <a:pPr lvl="0">
-              <a:buNone/>
-            </a:pPr>
-            <a:r>
-              <a:rPr lang="zh-CN" altLang="en-US" sz="2000" b="1" dirty="0">
-                <a:solidFill>
-                  <a:schemeClr val="bg1">
-                    <a:lumMod val="50000"/>
-                  </a:schemeClr>
-                </a:solidFill>
-                <a:latin typeface="微软雅黑" pitchFamily="34" charset="-122"/>
-                <a:ea typeface="微软雅黑" pitchFamily="34" charset="-122"/>
-              </a:rPr>
-              <a:t>会议记录</a:t>
-            </a:r>
-            <a:endParaRPr lang="zh-CN" altLang="en-US" sz="1200" dirty="0">
-              <a:solidFill>
-                <a:schemeClr val="bg1">
-                  <a:lumMod val="50000"/>
-                </a:schemeClr>
-              </a:solidFill>
-              <a:cs typeface="+mn-ea"/>
-              <a:sym typeface="+mn-lt"/>
-            </a:endParaRPr>
-          </a:p>
-        </p:txBody>
-      </p:sp>
-      <p:sp>
-        <p:nvSpPr>
-          <p:cNvPr id="20" name="MH_Number_1">
-            <a:extLst>
-              <a:ext uri="{FF2B5EF4-FFF2-40B4-BE49-F238E27FC236}">
-                <a16:creationId xmlns:a16="http://schemas.microsoft.com/office/drawing/2014/main" id="{B41F2896-0E8F-4CC0-AA15-245D0BF8D051}"/>
-              </a:ext>
-            </a:extLst>
-          </p:cNvPr>
-          <p:cNvSpPr/>
-          <p:nvPr>
-            <p:custDataLst>
-              <p:tags r:id="rId13"/>
-            </p:custDataLst>
-          </p:nvPr>
-        </p:nvSpPr>
-        <p:spPr>
-          <a:xfrm rot="413314">
-            <a:off x="4839730" y="1508766"/>
-            <a:ext cx="345580" cy="374109"/>
-          </a:xfrm>
-          <a:custGeom>
-            <a:avLst/>
-            <a:gdLst>
-              <a:gd name="connsiteX0" fmla="*/ 370244 w 370244"/>
-              <a:gd name="connsiteY0" fmla="*/ 0 h 400732"/>
-              <a:gd name="connsiteX1" fmla="*/ 325083 w 370244"/>
-              <a:gd name="connsiteY1" fmla="*/ 361458 h 400732"/>
-              <a:gd name="connsiteX2" fmla="*/ 0 w 370244"/>
-              <a:gd name="connsiteY2" fmla="*/ 400732 h 400732"/>
-              <a:gd name="connsiteX3" fmla="*/ 45161 w 370244"/>
-              <a:gd name="connsiteY3" fmla="*/ 39274 h 400732"/>
-            </a:gdLst>
-            <a:ahLst/>
-            <a:cxnLst>
-              <a:cxn ang="0">
-                <a:pos x="connsiteX0" y="connsiteY0"/>
-              </a:cxn>
-              <a:cxn ang="0">
-                <a:pos x="connsiteX1" y="connsiteY1"/>
-              </a:cxn>
-              <a:cxn ang="0">
-                <a:pos x="connsiteX2" y="connsiteY2"/>
-              </a:cxn>
-              <a:cxn ang="0">
-                <a:pos x="connsiteX3" y="connsiteY3"/>
-              </a:cxn>
-            </a:cxnLst>
-            <a:rect l="l" t="t" r="r" b="b"/>
-            <a:pathLst>
-              <a:path w="370244" h="400732">
-                <a:moveTo>
-                  <a:pt x="370244" y="0"/>
-                </a:moveTo>
-                <a:lnTo>
-                  <a:pt x="325083" y="361458"/>
-                </a:lnTo>
-                <a:lnTo>
-                  <a:pt x="0" y="400732"/>
-                </a:lnTo>
-                <a:lnTo>
-                  <a:pt x="45161" y="39274"/>
-                </a:lnTo>
-                <a:close/>
-              </a:path>
-            </a:pathLst>
-          </a:custGeom>
-          <a:solidFill>
-            <a:schemeClr val="accent1"/>
-          </a:solidFill>
-          <a:ln>
-            <a:noFill/>
-          </a:ln>
-        </p:spPr>
-        <p:txBody>
-          <a:bodyPr wrap="square" lIns="0" tIns="0" rIns="0" bIns="0" anchor="ctr">
-            <a:noAutofit/>
-          </a:bodyPr>
-          <a:lstStyle/>
-          <a:p>
-            <a:pPr algn="ctr">
-              <a:spcBef>
-                <a:spcPct val="0"/>
-              </a:spcBef>
-              <a:buFont typeface="Arial" panose="020B0604020202020204" pitchFamily="34" charset="0"/>
-              <a:buNone/>
-            </a:pPr>
-            <a:r>
-              <a:rPr lang="en-US" altLang="zh-CN" sz="2100" dirty="0">
-                <a:solidFill>
-                  <a:srgbClr val="FFFFFF"/>
-                </a:solidFill>
-                <a:latin typeface="Arial" panose="020B0604020202020204" pitchFamily="34" charset="0"/>
-                <a:ea typeface="微软雅黑" panose="020B0503020204020204" pitchFamily="34" charset="-122"/>
-                <a:cs typeface="Times New Roman" panose="02020603050405020304" pitchFamily="18" charset="0"/>
-                <a:sym typeface="Arial" panose="020B0604020202020204" pitchFamily="34" charset="0"/>
-              </a:rPr>
-              <a:t>5</a:t>
-            </a:r>
-            <a:endParaRPr lang="zh-CN" altLang="en-US" sz="2100" dirty="0">
-              <a:solidFill>
-                <a:srgbClr val="FFFFFF"/>
-              </a:solidFill>
-              <a:latin typeface="Arial" panose="020B0604020202020204" pitchFamily="34" charset="0"/>
-              <a:ea typeface="微软雅黑" panose="020B0503020204020204" pitchFamily="34" charset="-122"/>
-              <a:cs typeface="Times New Roman" panose="02020603050405020304" pitchFamily="18" charset="0"/>
-              <a:sym typeface="Arial" panose="020B0604020202020204" pitchFamily="34" charset="0"/>
-            </a:endParaRPr>
-          </a:p>
-        </p:txBody>
-      </p:sp>
-      <p:sp>
-        <p:nvSpPr>
-          <p:cNvPr id="21" name="MH_Number_2">
-            <a:extLst>
-              <a:ext uri="{FF2B5EF4-FFF2-40B4-BE49-F238E27FC236}">
-                <a16:creationId xmlns:a16="http://schemas.microsoft.com/office/drawing/2014/main" id="{6D555B31-B831-4687-9D50-E29F26103B20}"/>
-              </a:ext>
-            </a:extLst>
-          </p:cNvPr>
-          <p:cNvSpPr/>
-          <p:nvPr>
-            <p:custDataLst>
-              <p:tags r:id="rId14"/>
-            </p:custDataLst>
-          </p:nvPr>
-        </p:nvSpPr>
-        <p:spPr>
-          <a:xfrm rot="413314">
-            <a:off x="4692978" y="2177349"/>
-            <a:ext cx="345580" cy="374108"/>
-          </a:xfrm>
-          <a:custGeom>
-            <a:avLst/>
-            <a:gdLst>
-              <a:gd name="connsiteX0" fmla="*/ 45161 w 370245"/>
-              <a:gd name="connsiteY0" fmla="*/ 39273 h 400731"/>
-              <a:gd name="connsiteX1" fmla="*/ 370245 w 370245"/>
-              <a:gd name="connsiteY1" fmla="*/ 0 h 400731"/>
-              <a:gd name="connsiteX2" fmla="*/ 325083 w 370245"/>
-              <a:gd name="connsiteY2" fmla="*/ 361458 h 400731"/>
-              <a:gd name="connsiteX3" fmla="*/ 0 w 370245"/>
-              <a:gd name="connsiteY3" fmla="*/ 400731 h 400731"/>
-            </a:gdLst>
-            <a:ahLst/>
-            <a:cxnLst>
-              <a:cxn ang="0">
-                <a:pos x="connsiteX0" y="connsiteY0"/>
-              </a:cxn>
-              <a:cxn ang="0">
-                <a:pos x="connsiteX1" y="connsiteY1"/>
-              </a:cxn>
-              <a:cxn ang="0">
-                <a:pos x="connsiteX2" y="connsiteY2"/>
-              </a:cxn>
-              <a:cxn ang="0">
-                <a:pos x="connsiteX3" y="connsiteY3"/>
-              </a:cxn>
-            </a:cxnLst>
-            <a:rect l="l" t="t" r="r" b="b"/>
-            <a:pathLst>
-              <a:path w="370245" h="400731">
-                <a:moveTo>
-                  <a:pt x="45161" y="39273"/>
-                </a:moveTo>
-                <a:lnTo>
-                  <a:pt x="370245" y="0"/>
-                </a:lnTo>
-                <a:lnTo>
-                  <a:pt x="325083" y="361458"/>
-                </a:lnTo>
-                <a:lnTo>
-                  <a:pt x="0" y="400731"/>
-                </a:lnTo>
-                <a:close/>
-              </a:path>
-            </a:pathLst>
-          </a:custGeom>
-          <a:solidFill>
-            <a:schemeClr val="accent2"/>
-          </a:solidFill>
-          <a:ln>
-            <a:noFill/>
-          </a:ln>
-        </p:spPr>
-        <p:txBody>
-          <a:bodyPr wrap="square" lIns="0" tIns="0" rIns="0" bIns="0" anchor="ctr">
-            <a:noAutofit/>
-          </a:bodyPr>
-          <a:lstStyle/>
-          <a:p>
-            <a:pPr algn="ctr">
-              <a:spcBef>
-                <a:spcPct val="0"/>
-              </a:spcBef>
-              <a:buFont typeface="Arial" panose="020B0604020202020204" pitchFamily="34" charset="0"/>
-              <a:buNone/>
-            </a:pPr>
-            <a:r>
-              <a:rPr lang="en-US" altLang="zh-CN" sz="2100" dirty="0">
-                <a:solidFill>
-                  <a:srgbClr val="FFFFFF"/>
-                </a:solidFill>
-                <a:latin typeface="Arial" panose="020B0604020202020204" pitchFamily="34" charset="0"/>
-                <a:ea typeface="微软雅黑" panose="020B0503020204020204" pitchFamily="34" charset="-122"/>
-                <a:cs typeface="Times New Roman" panose="02020603050405020304" pitchFamily="18" charset="0"/>
-                <a:sym typeface="Arial" panose="020B0604020202020204" pitchFamily="34" charset="0"/>
-              </a:rPr>
-              <a:t>6</a:t>
-            </a:r>
-            <a:endParaRPr lang="zh-CN" altLang="en-US" sz="2100" dirty="0">
-              <a:solidFill>
-                <a:srgbClr val="FFFFFF"/>
-              </a:solidFill>
-              <a:latin typeface="Arial" panose="020B0604020202020204" pitchFamily="34" charset="0"/>
-              <a:ea typeface="微软雅黑" panose="020B0503020204020204" pitchFamily="34" charset="-122"/>
-              <a:cs typeface="Times New Roman" panose="02020603050405020304" pitchFamily="18" charset="0"/>
-              <a:sym typeface="Arial" panose="020B0604020202020204" pitchFamily="34" charset="0"/>
-            </a:endParaRPr>
-          </a:p>
-        </p:txBody>
-      </p:sp>
-      <p:sp>
-        <p:nvSpPr>
-          <p:cNvPr id="22" name="MH_Number_3">
-            <a:extLst>
-              <a:ext uri="{FF2B5EF4-FFF2-40B4-BE49-F238E27FC236}">
-                <a16:creationId xmlns:a16="http://schemas.microsoft.com/office/drawing/2014/main" id="{B0A17654-B71F-4CAC-83A7-6508B6CD0552}"/>
-              </a:ext>
-            </a:extLst>
-          </p:cNvPr>
-          <p:cNvSpPr/>
-          <p:nvPr>
-            <p:custDataLst>
-              <p:tags r:id="rId15"/>
-            </p:custDataLst>
-          </p:nvPr>
-        </p:nvSpPr>
-        <p:spPr>
-          <a:xfrm rot="413314">
-            <a:off x="4546227" y="2845930"/>
-            <a:ext cx="345580" cy="374109"/>
-          </a:xfrm>
-          <a:custGeom>
-            <a:avLst/>
-            <a:gdLst>
-              <a:gd name="connsiteX0" fmla="*/ 370244 w 370244"/>
-              <a:gd name="connsiteY0" fmla="*/ 0 h 400732"/>
-              <a:gd name="connsiteX1" fmla="*/ 325083 w 370244"/>
-              <a:gd name="connsiteY1" fmla="*/ 361458 h 400732"/>
-              <a:gd name="connsiteX2" fmla="*/ 0 w 370244"/>
-              <a:gd name="connsiteY2" fmla="*/ 400732 h 400732"/>
-              <a:gd name="connsiteX3" fmla="*/ 45161 w 370244"/>
-              <a:gd name="connsiteY3" fmla="*/ 39274 h 400732"/>
-            </a:gdLst>
-            <a:ahLst/>
-            <a:cxnLst>
-              <a:cxn ang="0">
-                <a:pos x="connsiteX0" y="connsiteY0"/>
-              </a:cxn>
-              <a:cxn ang="0">
-                <a:pos x="connsiteX1" y="connsiteY1"/>
-              </a:cxn>
-              <a:cxn ang="0">
-                <a:pos x="connsiteX2" y="connsiteY2"/>
-              </a:cxn>
-              <a:cxn ang="0">
-                <a:pos x="connsiteX3" y="connsiteY3"/>
-              </a:cxn>
-            </a:cxnLst>
-            <a:rect l="l" t="t" r="r" b="b"/>
-            <a:pathLst>
-              <a:path w="370244" h="400732">
-                <a:moveTo>
-                  <a:pt x="370244" y="0"/>
-                </a:moveTo>
-                <a:lnTo>
-                  <a:pt x="325083" y="361458"/>
-                </a:lnTo>
-                <a:lnTo>
-                  <a:pt x="0" y="400732"/>
-                </a:lnTo>
-                <a:lnTo>
-                  <a:pt x="45161" y="39274"/>
-                </a:lnTo>
-                <a:close/>
-              </a:path>
-            </a:pathLst>
-          </a:custGeom>
-          <a:solidFill>
-            <a:schemeClr val="accent1"/>
-          </a:solidFill>
-          <a:ln>
-            <a:noFill/>
-          </a:ln>
-        </p:spPr>
-        <p:txBody>
-          <a:bodyPr wrap="square" lIns="0" tIns="0" rIns="0" bIns="0" anchor="ctr">
-            <a:noAutofit/>
-          </a:bodyPr>
-          <a:lstStyle/>
-          <a:p>
-            <a:pPr algn="ctr">
-              <a:spcBef>
-                <a:spcPct val="0"/>
-              </a:spcBef>
-              <a:buFont typeface="Arial" panose="020B0604020202020204" pitchFamily="34" charset="0"/>
-              <a:buNone/>
-            </a:pPr>
-            <a:r>
-              <a:rPr lang="en-US" altLang="zh-CN" sz="2100" dirty="0">
-                <a:solidFill>
-                  <a:srgbClr val="FFFFFF"/>
-                </a:solidFill>
-                <a:latin typeface="Arial" panose="020B0604020202020204" pitchFamily="34" charset="0"/>
-                <a:ea typeface="微软雅黑" panose="020B0503020204020204" pitchFamily="34" charset="-122"/>
-                <a:cs typeface="Times New Roman" panose="02020603050405020304" pitchFamily="18" charset="0"/>
-                <a:sym typeface="Arial" panose="020B0604020202020204" pitchFamily="34" charset="0"/>
-              </a:rPr>
-              <a:t>7</a:t>
-            </a:r>
-            <a:endParaRPr lang="zh-CN" altLang="en-US" sz="2100" dirty="0">
-              <a:solidFill>
-                <a:srgbClr val="FFFFFF"/>
-              </a:solidFill>
-              <a:latin typeface="Arial" panose="020B0604020202020204" pitchFamily="34" charset="0"/>
-              <a:ea typeface="微软雅黑" panose="020B0503020204020204" pitchFamily="34" charset="-122"/>
-              <a:cs typeface="Times New Roman" panose="02020603050405020304" pitchFamily="18" charset="0"/>
-              <a:sym typeface="Arial" panose="020B0604020202020204" pitchFamily="34" charset="0"/>
-            </a:endParaRPr>
-          </a:p>
-        </p:txBody>
-      </p:sp>
-      <p:sp>
-        <p:nvSpPr>
-          <p:cNvPr id="23" name="MH_Number_4">
-            <a:extLst>
-              <a:ext uri="{FF2B5EF4-FFF2-40B4-BE49-F238E27FC236}">
-                <a16:creationId xmlns:a16="http://schemas.microsoft.com/office/drawing/2014/main" id="{C729AD35-555E-42C9-88BC-502C844BDB3B}"/>
-              </a:ext>
-            </a:extLst>
-          </p:cNvPr>
-          <p:cNvSpPr/>
-          <p:nvPr>
-            <p:custDataLst>
-              <p:tags r:id="rId16"/>
-            </p:custDataLst>
-          </p:nvPr>
-        </p:nvSpPr>
-        <p:spPr>
-          <a:xfrm rot="413314">
-            <a:off x="4399393" y="3514513"/>
-            <a:ext cx="345739" cy="372796"/>
-          </a:xfrm>
-          <a:custGeom>
-            <a:avLst/>
-            <a:gdLst>
-              <a:gd name="connsiteX0" fmla="*/ 45331 w 370414"/>
-              <a:gd name="connsiteY0" fmla="*/ 39273 h 399327"/>
-              <a:gd name="connsiteX1" fmla="*/ 370414 w 370414"/>
-              <a:gd name="connsiteY1" fmla="*/ 0 h 399327"/>
-              <a:gd name="connsiteX2" fmla="*/ 325084 w 370414"/>
-              <a:gd name="connsiteY2" fmla="*/ 360054 h 399327"/>
-              <a:gd name="connsiteX3" fmla="*/ 0 w 370414"/>
-              <a:gd name="connsiteY3" fmla="*/ 399327 h 399327"/>
-            </a:gdLst>
-            <a:ahLst/>
-            <a:cxnLst>
-              <a:cxn ang="0">
-                <a:pos x="connsiteX0" y="connsiteY0"/>
-              </a:cxn>
-              <a:cxn ang="0">
-                <a:pos x="connsiteX1" y="connsiteY1"/>
-              </a:cxn>
-              <a:cxn ang="0">
-                <a:pos x="connsiteX2" y="connsiteY2"/>
-              </a:cxn>
-              <a:cxn ang="0">
-                <a:pos x="connsiteX3" y="connsiteY3"/>
-              </a:cxn>
-            </a:cxnLst>
-            <a:rect l="l" t="t" r="r" b="b"/>
-            <a:pathLst>
-              <a:path w="370414" h="399327">
-                <a:moveTo>
-                  <a:pt x="45331" y="39273"/>
-                </a:moveTo>
-                <a:lnTo>
-                  <a:pt x="370414" y="0"/>
-                </a:lnTo>
-                <a:lnTo>
-                  <a:pt x="325084" y="360054"/>
-                </a:lnTo>
-                <a:lnTo>
-                  <a:pt x="0" y="399327"/>
-                </a:lnTo>
-                <a:close/>
-              </a:path>
-            </a:pathLst>
-          </a:custGeom>
-          <a:solidFill>
-            <a:schemeClr val="accent2"/>
-          </a:solidFill>
-          <a:ln>
-            <a:noFill/>
-          </a:ln>
-        </p:spPr>
-        <p:txBody>
-          <a:bodyPr wrap="square" lIns="0" tIns="0" rIns="0" bIns="0" anchor="ctr">
-            <a:noAutofit/>
-          </a:bodyPr>
-          <a:lstStyle/>
-          <a:p>
-            <a:pPr algn="ctr">
-              <a:spcBef>
-                <a:spcPct val="0"/>
-              </a:spcBef>
-              <a:buFont typeface="Arial" panose="020B0604020202020204" pitchFamily="34" charset="0"/>
-              <a:buNone/>
-            </a:pPr>
-            <a:r>
-              <a:rPr lang="en-US" altLang="zh-CN" sz="2100" dirty="0">
-                <a:solidFill>
-                  <a:srgbClr val="FFFFFF"/>
-                </a:solidFill>
-                <a:latin typeface="Arial" panose="020B0604020202020204" pitchFamily="34" charset="0"/>
-                <a:ea typeface="微软雅黑" panose="020B0503020204020204" pitchFamily="34" charset="-122"/>
-                <a:cs typeface="Times New Roman" panose="02020603050405020304" pitchFamily="18" charset="0"/>
-                <a:sym typeface="Arial" panose="020B0604020202020204" pitchFamily="34" charset="0"/>
-              </a:rPr>
-              <a:t>8</a:t>
-            </a:r>
-            <a:endParaRPr lang="zh-CN" altLang="en-US" sz="2100" dirty="0">
-              <a:solidFill>
-                <a:srgbClr val="FFFFFF"/>
-              </a:solidFill>
-              <a:latin typeface="Arial" panose="020B0604020202020204" pitchFamily="34" charset="0"/>
-              <a:ea typeface="微软雅黑" panose="020B0503020204020204" pitchFamily="34" charset="-122"/>
-              <a:cs typeface="Times New Roman" panose="02020603050405020304" pitchFamily="18" charset="0"/>
-              <a:sym typeface="Arial" panose="020B0604020202020204" pitchFamily="34" charset="0"/>
-            </a:endParaRPr>
-          </a:p>
-        </p:txBody>
-      </p:sp>
-      <p:sp>
-        <p:nvSpPr>
-          <p:cNvPr id="24" name="MH_Entry_1">
-            <a:extLst>
-              <a:ext uri="{FF2B5EF4-FFF2-40B4-BE49-F238E27FC236}">
-                <a16:creationId xmlns:a16="http://schemas.microsoft.com/office/drawing/2014/main" id="{64105390-4C5F-4CE5-B362-867E19F099FE}"/>
-              </a:ext>
-            </a:extLst>
-          </p:cNvPr>
-          <p:cNvSpPr>
-            <a:spLocks noChangeArrowheads="1"/>
-          </p:cNvSpPr>
-          <p:nvPr>
-            <p:custDataLst>
-              <p:tags r:id="rId17"/>
-            </p:custDataLst>
-          </p:nvPr>
-        </p:nvSpPr>
-        <p:spPr bwMode="auto">
-          <a:xfrm>
-            <a:off x="1409411" y="2271675"/>
-            <a:ext cx="2093471" cy="276999"/>
-          </a:xfrm>
-          <a:prstGeom prst="rect">
-            <a:avLst/>
-          </a:prstGeom>
-          <a:noFill/>
-          <a:ln>
-            <a:noFill/>
-          </a:ln>
-          <a:extLst>
-            <a:ext uri="{909E8E84-426E-40DD-AFC4-6F175D3DCCD1}">
-              <a14:hiddenFill xmlns:a14="http://schemas.microsoft.com/office/drawing/2010/main">
-                <a:solidFill>
-                  <a:srgbClr val="FFFFFF"/>
-                </a:solidFill>
-              </a14:hiddenFill>
-            </a:ext>
-            <a:ext uri="{91240B29-F687-4F45-9708-019B960494DF}">
-              <a14:hiddenLine xmlns:a14="http://schemas.microsoft.com/office/drawing/2010/main" w="9525">
-                <a:solidFill>
-                  <a:srgbClr val="000000"/>
-                </a:solidFill>
-                <a:miter lim="800000"/>
-                <a:headEnd/>
-                <a:tailEnd/>
-              </a14:hiddenLine>
-            </a:ext>
-          </a:extLst>
-        </p:spPr>
-        <p:txBody>
-          <a:bodyPr wrap="square" lIns="0" tIns="0" rIns="0" bIns="0" anchor="ctr">
-            <a:spAutoFit/>
-          </a:bodyPr>
-          <a:lstStyle>
-            <a:lvl1pPr>
-              <a:lnSpc>
-                <a:spcPct val="90000"/>
-              </a:lnSpc>
-              <a:spcBef>
-                <a:spcPts val="750"/>
-              </a:spcBef>
-              <a:buFont typeface="Arial" panose="020B0604020202020204" pitchFamily="34" charset="0"/>
-              <a:buChar char="•"/>
-              <a:defRPr sz="2100">
-                <a:solidFill>
-                  <a:schemeClr val="tx1"/>
-                </a:solidFill>
-                <a:latin typeface="Calibri" panose="020F0502020204030204" pitchFamily="34" charset="0"/>
-                <a:ea typeface="宋体" panose="02010600030101010101" pitchFamily="2" charset="-122"/>
-              </a:defRPr>
-            </a:lvl1pPr>
-            <a:lvl2pPr marL="742950" indent="-285750">
-              <a:lnSpc>
-                <a:spcPct val="90000"/>
-              </a:lnSpc>
-              <a:spcBef>
-                <a:spcPts val="375"/>
-              </a:spcBef>
-              <a:buFont typeface="Arial" panose="020B0604020202020204" pitchFamily="34" charset="0"/>
-              <a:buChar char="•"/>
-              <a:defRPr>
-                <a:solidFill>
-                  <a:schemeClr val="tx1"/>
-                </a:solidFill>
-                <a:latin typeface="Calibri" panose="020F0502020204030204" pitchFamily="34" charset="0"/>
-                <a:ea typeface="宋体" panose="02010600030101010101" pitchFamily="2" charset="-122"/>
-              </a:defRPr>
-            </a:lvl2pPr>
-            <a:lvl3pPr marL="1143000" indent="-228600">
-              <a:lnSpc>
-                <a:spcPct val="90000"/>
-              </a:lnSpc>
-              <a:spcBef>
-                <a:spcPts val="375"/>
-              </a:spcBef>
-              <a:buFont typeface="Arial" panose="020B0604020202020204" pitchFamily="34" charset="0"/>
-              <a:buChar char="•"/>
-              <a:defRPr sz="1500">
-                <a:solidFill>
-                  <a:schemeClr val="tx1"/>
-                </a:solidFill>
-                <a:latin typeface="Calibri" panose="020F0502020204030204" pitchFamily="34" charset="0"/>
-                <a:ea typeface="宋体" panose="02010600030101010101" pitchFamily="2" charset="-122"/>
-              </a:defRPr>
-            </a:lvl3pPr>
-            <a:lvl4pPr marL="1600200" indent="-228600">
-              <a:lnSpc>
-                <a:spcPct val="90000"/>
-              </a:lnSpc>
-              <a:spcBef>
-                <a:spcPts val="375"/>
-              </a:spcBef>
-              <a:buFont typeface="Arial" panose="020B0604020202020204" pitchFamily="34" charset="0"/>
-              <a:buChar char="•"/>
-              <a:defRPr sz="1300">
-                <a:solidFill>
-                  <a:schemeClr val="tx1"/>
-                </a:solidFill>
-                <a:latin typeface="Calibri" panose="020F0502020204030204" pitchFamily="34" charset="0"/>
-                <a:ea typeface="宋体" panose="02010600030101010101" pitchFamily="2" charset="-122"/>
-              </a:defRPr>
-            </a:lvl4pPr>
-            <a:lvl5pPr marL="2057400" indent="-228600">
-              <a:lnSpc>
-                <a:spcPct val="90000"/>
-              </a:lnSpc>
-              <a:spcBef>
-                <a:spcPts val="375"/>
-              </a:spcBef>
-              <a:buFont typeface="Arial" panose="020B0604020202020204" pitchFamily="34" charset="0"/>
-              <a:buChar char="•"/>
-              <a:defRPr sz="1300">
-                <a:solidFill>
-                  <a:schemeClr val="tx1"/>
-                </a:solidFill>
-                <a:latin typeface="Calibri" panose="020F0502020204030204" pitchFamily="34" charset="0"/>
-                <a:ea typeface="宋体" panose="02010600030101010101" pitchFamily="2" charset="-122"/>
-              </a:defRPr>
-            </a:lvl5pPr>
-            <a:lvl6pPr marL="2514600" indent="-228600" eaLnBrk="0" fontAlgn="base" hangingPunct="0">
-              <a:lnSpc>
-                <a:spcPct val="90000"/>
-              </a:lnSpc>
-              <a:spcBef>
-                <a:spcPts val="375"/>
-              </a:spcBef>
-              <a:spcAft>
-                <a:spcPct val="0"/>
-              </a:spcAft>
-              <a:buFont typeface="Arial" panose="020B0604020202020204" pitchFamily="34" charset="0"/>
-              <a:buChar char="•"/>
-              <a:defRPr sz="1300">
-                <a:solidFill>
-                  <a:schemeClr val="tx1"/>
-                </a:solidFill>
-                <a:latin typeface="Calibri" panose="020F0502020204030204" pitchFamily="34" charset="0"/>
-                <a:ea typeface="宋体" panose="02010600030101010101" pitchFamily="2" charset="-122"/>
-              </a:defRPr>
-            </a:lvl6pPr>
-            <a:lvl7pPr marL="2971800" indent="-228600" eaLnBrk="0" fontAlgn="base" hangingPunct="0">
-              <a:lnSpc>
-                <a:spcPct val="90000"/>
-              </a:lnSpc>
-              <a:spcBef>
-                <a:spcPts val="375"/>
-              </a:spcBef>
-              <a:spcAft>
-                <a:spcPct val="0"/>
-              </a:spcAft>
-              <a:buFont typeface="Arial" panose="020B0604020202020204" pitchFamily="34" charset="0"/>
-              <a:buChar char="•"/>
-              <a:defRPr sz="1300">
-                <a:solidFill>
-                  <a:schemeClr val="tx1"/>
-                </a:solidFill>
-                <a:latin typeface="Calibri" panose="020F0502020204030204" pitchFamily="34" charset="0"/>
-                <a:ea typeface="宋体" panose="02010600030101010101" pitchFamily="2" charset="-122"/>
-              </a:defRPr>
-            </a:lvl7pPr>
-            <a:lvl8pPr marL="3429000" indent="-228600" eaLnBrk="0" fontAlgn="base" hangingPunct="0">
-              <a:lnSpc>
-                <a:spcPct val="90000"/>
-              </a:lnSpc>
-              <a:spcBef>
-                <a:spcPts val="375"/>
-              </a:spcBef>
-              <a:spcAft>
-                <a:spcPct val="0"/>
-              </a:spcAft>
-              <a:buFont typeface="Arial" panose="020B0604020202020204" pitchFamily="34" charset="0"/>
-              <a:buChar char="•"/>
-              <a:defRPr sz="1300">
-                <a:solidFill>
-                  <a:schemeClr val="tx1"/>
-                </a:solidFill>
-                <a:latin typeface="Calibri" panose="020F0502020204030204" pitchFamily="34" charset="0"/>
-                <a:ea typeface="宋体" panose="02010600030101010101" pitchFamily="2" charset="-122"/>
-              </a:defRPr>
-            </a:lvl8pPr>
-            <a:lvl9pPr marL="3886200" indent="-228600" eaLnBrk="0" fontAlgn="base" hangingPunct="0">
-              <a:lnSpc>
-                <a:spcPct val="90000"/>
-              </a:lnSpc>
-              <a:spcBef>
-                <a:spcPts val="375"/>
-              </a:spcBef>
-              <a:spcAft>
-                <a:spcPct val="0"/>
-              </a:spcAft>
-              <a:buFont typeface="Arial" panose="020B0604020202020204" pitchFamily="34" charset="0"/>
-              <a:buChar char="•"/>
-              <a:defRPr sz="1300">
-                <a:solidFill>
-                  <a:schemeClr val="tx1"/>
-                </a:solidFill>
-                <a:latin typeface="Calibri" panose="020F0502020204030204" pitchFamily="34" charset="0"/>
-                <a:ea typeface="宋体" panose="02010600030101010101" pitchFamily="2" charset="-122"/>
-              </a:defRPr>
-            </a:lvl9pPr>
-          </a:lstStyle>
-          <a:p>
-            <a:pPr lvl="0">
-              <a:buNone/>
-            </a:pPr>
-            <a:r>
-              <a:rPr lang="zh-CN" altLang="en-US" sz="2000" b="1" dirty="0">
-                <a:solidFill>
-                  <a:schemeClr val="bg1">
-                    <a:lumMod val="50000"/>
-                  </a:schemeClr>
-                </a:solidFill>
-                <a:latin typeface="微软雅黑" pitchFamily="34" charset="-122"/>
-                <a:ea typeface="微软雅黑" pitchFamily="34" charset="-122"/>
-                <a:sym typeface="+mn-lt"/>
-              </a:rPr>
-              <a:t>可行性分析</a:t>
-            </a:r>
-            <a:endParaRPr lang="zh-CN" altLang="en-US" sz="1200" dirty="0">
-              <a:solidFill>
-                <a:schemeClr val="bg1">
-                  <a:lumMod val="50000"/>
-                </a:schemeClr>
-              </a:solidFill>
-              <a:cs typeface="+mn-ea"/>
-              <a:sym typeface="+mn-lt"/>
-            </a:endParaRPr>
-          </a:p>
-        </p:txBody>
-      </p:sp>
-      <p:sp>
-        <p:nvSpPr>
-          <p:cNvPr id="25" name="MH_Entry_1">
-            <a:extLst>
-              <a:ext uri="{FF2B5EF4-FFF2-40B4-BE49-F238E27FC236}">
-                <a16:creationId xmlns:a16="http://schemas.microsoft.com/office/drawing/2014/main" id="{86625D8D-D9CD-44F1-9FCD-4B500D80FBEE}"/>
-              </a:ext>
-            </a:extLst>
-          </p:cNvPr>
-          <p:cNvSpPr>
-            <a:spLocks noChangeArrowheads="1"/>
-          </p:cNvSpPr>
-          <p:nvPr>
-            <p:custDataLst>
-              <p:tags r:id="rId18"/>
-            </p:custDataLst>
-          </p:nvPr>
-        </p:nvSpPr>
-        <p:spPr bwMode="auto">
-          <a:xfrm>
-            <a:off x="1046768" y="3574251"/>
-            <a:ext cx="2093471" cy="276999"/>
-          </a:xfrm>
-          <a:prstGeom prst="rect">
-            <a:avLst/>
-          </a:prstGeom>
-          <a:noFill/>
-          <a:ln>
-            <a:noFill/>
-          </a:ln>
-          <a:extLst>
-            <a:ext uri="{909E8E84-426E-40DD-AFC4-6F175D3DCCD1}">
-              <a14:hiddenFill xmlns:a14="http://schemas.microsoft.com/office/drawing/2010/main">
-                <a:solidFill>
-                  <a:srgbClr val="FFFFFF"/>
-                </a:solidFill>
-              </a14:hiddenFill>
-            </a:ext>
-            <a:ext uri="{91240B29-F687-4F45-9708-019B960494DF}">
-              <a14:hiddenLine xmlns:a14="http://schemas.microsoft.com/office/drawing/2010/main" w="9525">
-                <a:solidFill>
-                  <a:srgbClr val="000000"/>
-                </a:solidFill>
-                <a:miter lim="800000"/>
-                <a:headEnd/>
-                <a:tailEnd/>
-              </a14:hiddenLine>
-            </a:ext>
-          </a:extLst>
-        </p:spPr>
-        <p:txBody>
-          <a:bodyPr wrap="square" lIns="0" tIns="0" rIns="0" bIns="0" anchor="ctr">
-            <a:spAutoFit/>
-          </a:bodyPr>
-          <a:lstStyle>
-            <a:lvl1pPr>
-              <a:lnSpc>
-                <a:spcPct val="90000"/>
-              </a:lnSpc>
-              <a:spcBef>
-                <a:spcPts val="750"/>
-              </a:spcBef>
-              <a:buFont typeface="Arial" panose="020B0604020202020204" pitchFamily="34" charset="0"/>
-              <a:buChar char="•"/>
-              <a:defRPr sz="2100">
-                <a:solidFill>
-                  <a:schemeClr val="tx1"/>
-                </a:solidFill>
-                <a:latin typeface="Calibri" panose="020F0502020204030204" pitchFamily="34" charset="0"/>
-                <a:ea typeface="宋体" panose="02010600030101010101" pitchFamily="2" charset="-122"/>
-              </a:defRPr>
-            </a:lvl1pPr>
-            <a:lvl2pPr marL="742950" indent="-285750">
-              <a:lnSpc>
-                <a:spcPct val="90000"/>
-              </a:lnSpc>
-              <a:spcBef>
-                <a:spcPts val="375"/>
-              </a:spcBef>
-              <a:buFont typeface="Arial" panose="020B0604020202020204" pitchFamily="34" charset="0"/>
-              <a:buChar char="•"/>
-              <a:defRPr>
-                <a:solidFill>
-                  <a:schemeClr val="tx1"/>
-                </a:solidFill>
-                <a:latin typeface="Calibri" panose="020F0502020204030204" pitchFamily="34" charset="0"/>
-                <a:ea typeface="宋体" panose="02010600030101010101" pitchFamily="2" charset="-122"/>
-              </a:defRPr>
-            </a:lvl2pPr>
-            <a:lvl3pPr marL="1143000" indent="-228600">
-              <a:lnSpc>
-                <a:spcPct val="90000"/>
-              </a:lnSpc>
-              <a:spcBef>
-                <a:spcPts val="375"/>
-              </a:spcBef>
-              <a:buFont typeface="Arial" panose="020B0604020202020204" pitchFamily="34" charset="0"/>
-              <a:buChar char="•"/>
-              <a:defRPr sz="1500">
-                <a:solidFill>
-                  <a:schemeClr val="tx1"/>
-                </a:solidFill>
-                <a:latin typeface="Calibri" panose="020F0502020204030204" pitchFamily="34" charset="0"/>
-                <a:ea typeface="宋体" panose="02010600030101010101" pitchFamily="2" charset="-122"/>
-              </a:defRPr>
-            </a:lvl3pPr>
-            <a:lvl4pPr marL="1600200" indent="-228600">
-              <a:lnSpc>
-                <a:spcPct val="90000"/>
-              </a:lnSpc>
-              <a:spcBef>
-                <a:spcPts val="375"/>
-              </a:spcBef>
-              <a:buFont typeface="Arial" panose="020B0604020202020204" pitchFamily="34" charset="0"/>
-              <a:buChar char="•"/>
-              <a:defRPr sz="1300">
-                <a:solidFill>
-                  <a:schemeClr val="tx1"/>
-                </a:solidFill>
-                <a:latin typeface="Calibri" panose="020F0502020204030204" pitchFamily="34" charset="0"/>
-                <a:ea typeface="宋体" panose="02010600030101010101" pitchFamily="2" charset="-122"/>
-              </a:defRPr>
-            </a:lvl4pPr>
-            <a:lvl5pPr marL="2057400" indent="-228600">
-              <a:lnSpc>
-                <a:spcPct val="90000"/>
-              </a:lnSpc>
-              <a:spcBef>
-                <a:spcPts val="375"/>
-              </a:spcBef>
-              <a:buFont typeface="Arial" panose="020B0604020202020204" pitchFamily="34" charset="0"/>
-              <a:buChar char="•"/>
-              <a:defRPr sz="1300">
-                <a:solidFill>
-                  <a:schemeClr val="tx1"/>
-                </a:solidFill>
-                <a:latin typeface="Calibri" panose="020F0502020204030204" pitchFamily="34" charset="0"/>
-                <a:ea typeface="宋体" panose="02010600030101010101" pitchFamily="2" charset="-122"/>
-              </a:defRPr>
-            </a:lvl5pPr>
-            <a:lvl6pPr marL="2514600" indent="-228600" eaLnBrk="0" fontAlgn="base" hangingPunct="0">
-              <a:lnSpc>
-                <a:spcPct val="90000"/>
-              </a:lnSpc>
-              <a:spcBef>
-                <a:spcPts val="375"/>
-              </a:spcBef>
-              <a:spcAft>
-                <a:spcPct val="0"/>
-              </a:spcAft>
-              <a:buFont typeface="Arial" panose="020B0604020202020204" pitchFamily="34" charset="0"/>
-              <a:buChar char="•"/>
-              <a:defRPr sz="1300">
-                <a:solidFill>
-                  <a:schemeClr val="tx1"/>
-                </a:solidFill>
-                <a:latin typeface="Calibri" panose="020F0502020204030204" pitchFamily="34" charset="0"/>
-                <a:ea typeface="宋体" panose="02010600030101010101" pitchFamily="2" charset="-122"/>
-              </a:defRPr>
-            </a:lvl6pPr>
-            <a:lvl7pPr marL="2971800" indent="-228600" eaLnBrk="0" fontAlgn="base" hangingPunct="0">
-              <a:lnSpc>
-                <a:spcPct val="90000"/>
-              </a:lnSpc>
-              <a:spcBef>
-                <a:spcPts val="375"/>
-              </a:spcBef>
-              <a:spcAft>
-                <a:spcPct val="0"/>
-              </a:spcAft>
-              <a:buFont typeface="Arial" panose="020B0604020202020204" pitchFamily="34" charset="0"/>
-              <a:buChar char="•"/>
-              <a:defRPr sz="1300">
-                <a:solidFill>
-                  <a:schemeClr val="tx1"/>
-                </a:solidFill>
-                <a:latin typeface="Calibri" panose="020F0502020204030204" pitchFamily="34" charset="0"/>
-                <a:ea typeface="宋体" panose="02010600030101010101" pitchFamily="2" charset="-122"/>
-              </a:defRPr>
-            </a:lvl7pPr>
-            <a:lvl8pPr marL="3429000" indent="-228600" eaLnBrk="0" fontAlgn="base" hangingPunct="0">
-              <a:lnSpc>
-                <a:spcPct val="90000"/>
-              </a:lnSpc>
-              <a:spcBef>
-                <a:spcPts val="375"/>
-              </a:spcBef>
-              <a:spcAft>
-                <a:spcPct val="0"/>
-              </a:spcAft>
-              <a:buFont typeface="Arial" panose="020B0604020202020204" pitchFamily="34" charset="0"/>
-              <a:buChar char="•"/>
-              <a:defRPr sz="1300">
-                <a:solidFill>
-                  <a:schemeClr val="tx1"/>
-                </a:solidFill>
-                <a:latin typeface="Calibri" panose="020F0502020204030204" pitchFamily="34" charset="0"/>
-                <a:ea typeface="宋体" panose="02010600030101010101" pitchFamily="2" charset="-122"/>
-              </a:defRPr>
-            </a:lvl8pPr>
-            <a:lvl9pPr marL="3886200" indent="-228600" eaLnBrk="0" fontAlgn="base" hangingPunct="0">
-              <a:lnSpc>
-                <a:spcPct val="90000"/>
-              </a:lnSpc>
-              <a:spcBef>
-                <a:spcPts val="375"/>
-              </a:spcBef>
-              <a:spcAft>
-                <a:spcPct val="0"/>
-              </a:spcAft>
-              <a:buFont typeface="Arial" panose="020B0604020202020204" pitchFamily="34" charset="0"/>
-              <a:buChar char="•"/>
-              <a:defRPr sz="1300">
-                <a:solidFill>
-                  <a:schemeClr val="tx1"/>
-                </a:solidFill>
-                <a:latin typeface="Calibri" panose="020F0502020204030204" pitchFamily="34" charset="0"/>
-                <a:ea typeface="宋体" panose="02010600030101010101" pitchFamily="2" charset="-122"/>
-              </a:defRPr>
-            </a:lvl9pPr>
-          </a:lstStyle>
-          <a:p>
-            <a:pPr lvl="0">
-              <a:buNone/>
-            </a:pPr>
-            <a:r>
-              <a:rPr lang="zh-CN" altLang="en-US" sz="2000" b="1" dirty="0">
-                <a:solidFill>
-                  <a:schemeClr val="bg1">
-                    <a:lumMod val="50000"/>
-                  </a:schemeClr>
-                </a:solidFill>
-                <a:latin typeface="微软雅黑" pitchFamily="34" charset="-122"/>
-                <a:ea typeface="微软雅黑" pitchFamily="34" charset="-122"/>
-              </a:rPr>
-              <a:t>项目团队建设</a:t>
-            </a:r>
-            <a:endParaRPr lang="zh-CN" altLang="en-US" sz="1200" dirty="0">
-              <a:solidFill>
-                <a:schemeClr val="bg1">
-                  <a:lumMod val="50000"/>
-                </a:schemeClr>
-              </a:solidFill>
-              <a:cs typeface="+mn-ea"/>
-              <a:sym typeface="+mn-lt"/>
-            </a:endParaRPr>
-          </a:p>
-        </p:txBody>
-      </p:sp>
-      <p:sp>
-        <p:nvSpPr>
-          <p:cNvPr id="26" name="MH_Entry_1">
-            <a:extLst>
-              <a:ext uri="{FF2B5EF4-FFF2-40B4-BE49-F238E27FC236}">
-                <a16:creationId xmlns:a16="http://schemas.microsoft.com/office/drawing/2014/main" id="{5F5E1212-2347-470B-89FE-F1E7186E4A8A}"/>
-              </a:ext>
-            </a:extLst>
-          </p:cNvPr>
-          <p:cNvSpPr>
-            <a:spLocks noChangeArrowheads="1"/>
-          </p:cNvSpPr>
-          <p:nvPr>
-            <p:custDataLst>
-              <p:tags r:id="rId19"/>
-            </p:custDataLst>
-          </p:nvPr>
-        </p:nvSpPr>
-        <p:spPr bwMode="auto">
-          <a:xfrm>
-            <a:off x="5224977" y="2297928"/>
-            <a:ext cx="2093471" cy="276999"/>
-          </a:xfrm>
-          <a:prstGeom prst="rect">
-            <a:avLst/>
-          </a:prstGeom>
-          <a:noFill/>
-          <a:ln>
-            <a:noFill/>
-          </a:ln>
-          <a:extLst>
-            <a:ext uri="{909E8E84-426E-40DD-AFC4-6F175D3DCCD1}">
-              <a14:hiddenFill xmlns:a14="http://schemas.microsoft.com/office/drawing/2010/main">
-                <a:solidFill>
-                  <a:srgbClr val="FFFFFF"/>
-                </a:solidFill>
-              </a14:hiddenFill>
-            </a:ext>
-            <a:ext uri="{91240B29-F687-4F45-9708-019B960494DF}">
-              <a14:hiddenLine xmlns:a14="http://schemas.microsoft.com/office/drawing/2010/main" w="9525">
-                <a:solidFill>
-                  <a:srgbClr val="000000"/>
-                </a:solidFill>
-                <a:miter lim="800000"/>
-                <a:headEnd/>
-                <a:tailEnd/>
-              </a14:hiddenLine>
-            </a:ext>
-          </a:extLst>
-        </p:spPr>
-        <p:txBody>
-          <a:bodyPr wrap="square" lIns="0" tIns="0" rIns="0" bIns="0" anchor="ctr">
-            <a:spAutoFit/>
-          </a:bodyPr>
-          <a:lstStyle>
-            <a:lvl1pPr>
-              <a:lnSpc>
-                <a:spcPct val="90000"/>
-              </a:lnSpc>
-              <a:spcBef>
-                <a:spcPts val="750"/>
-              </a:spcBef>
-              <a:buFont typeface="Arial" panose="020B0604020202020204" pitchFamily="34" charset="0"/>
-              <a:buChar char="•"/>
-              <a:defRPr sz="2100">
-                <a:solidFill>
-                  <a:schemeClr val="tx1"/>
-                </a:solidFill>
-                <a:latin typeface="Calibri" panose="020F0502020204030204" pitchFamily="34" charset="0"/>
-                <a:ea typeface="宋体" panose="02010600030101010101" pitchFamily="2" charset="-122"/>
-              </a:defRPr>
-            </a:lvl1pPr>
-            <a:lvl2pPr marL="742950" indent="-285750">
-              <a:lnSpc>
-                <a:spcPct val="90000"/>
-              </a:lnSpc>
-              <a:spcBef>
-                <a:spcPts val="375"/>
-              </a:spcBef>
-              <a:buFont typeface="Arial" panose="020B0604020202020204" pitchFamily="34" charset="0"/>
-              <a:buChar char="•"/>
-              <a:defRPr>
-                <a:solidFill>
-                  <a:schemeClr val="tx1"/>
-                </a:solidFill>
-                <a:latin typeface="Calibri" panose="020F0502020204030204" pitchFamily="34" charset="0"/>
-                <a:ea typeface="宋体" panose="02010600030101010101" pitchFamily="2" charset="-122"/>
-              </a:defRPr>
-            </a:lvl2pPr>
-            <a:lvl3pPr marL="1143000" indent="-228600">
-              <a:lnSpc>
-                <a:spcPct val="90000"/>
-              </a:lnSpc>
-              <a:spcBef>
-                <a:spcPts val="375"/>
-              </a:spcBef>
-              <a:buFont typeface="Arial" panose="020B0604020202020204" pitchFamily="34" charset="0"/>
-              <a:buChar char="•"/>
-              <a:defRPr sz="1500">
-                <a:solidFill>
-                  <a:schemeClr val="tx1"/>
-                </a:solidFill>
-                <a:latin typeface="Calibri" panose="020F0502020204030204" pitchFamily="34" charset="0"/>
-                <a:ea typeface="宋体" panose="02010600030101010101" pitchFamily="2" charset="-122"/>
-              </a:defRPr>
-            </a:lvl3pPr>
-            <a:lvl4pPr marL="1600200" indent="-228600">
-              <a:lnSpc>
-                <a:spcPct val="90000"/>
-              </a:lnSpc>
-              <a:spcBef>
-                <a:spcPts val="375"/>
-              </a:spcBef>
-              <a:buFont typeface="Arial" panose="020B0604020202020204" pitchFamily="34" charset="0"/>
-              <a:buChar char="•"/>
-              <a:defRPr sz="1300">
-                <a:solidFill>
-                  <a:schemeClr val="tx1"/>
-                </a:solidFill>
-                <a:latin typeface="Calibri" panose="020F0502020204030204" pitchFamily="34" charset="0"/>
-                <a:ea typeface="宋体" panose="02010600030101010101" pitchFamily="2" charset="-122"/>
-              </a:defRPr>
-            </a:lvl4pPr>
-            <a:lvl5pPr marL="2057400" indent="-228600">
-              <a:lnSpc>
-                <a:spcPct val="90000"/>
-              </a:lnSpc>
-              <a:spcBef>
-                <a:spcPts val="375"/>
-              </a:spcBef>
-              <a:buFont typeface="Arial" panose="020B0604020202020204" pitchFamily="34" charset="0"/>
-              <a:buChar char="•"/>
-              <a:defRPr sz="1300">
-                <a:solidFill>
-                  <a:schemeClr val="tx1"/>
-                </a:solidFill>
-                <a:latin typeface="Calibri" panose="020F0502020204030204" pitchFamily="34" charset="0"/>
-                <a:ea typeface="宋体" panose="02010600030101010101" pitchFamily="2" charset="-122"/>
-              </a:defRPr>
-            </a:lvl5pPr>
-            <a:lvl6pPr marL="2514600" indent="-228600" eaLnBrk="0" fontAlgn="base" hangingPunct="0">
-              <a:lnSpc>
-                <a:spcPct val="90000"/>
-              </a:lnSpc>
-              <a:spcBef>
-                <a:spcPts val="375"/>
-              </a:spcBef>
-              <a:spcAft>
-                <a:spcPct val="0"/>
-              </a:spcAft>
-              <a:buFont typeface="Arial" panose="020B0604020202020204" pitchFamily="34" charset="0"/>
-              <a:buChar char="•"/>
-              <a:defRPr sz="1300">
-                <a:solidFill>
-                  <a:schemeClr val="tx1"/>
-                </a:solidFill>
-                <a:latin typeface="Calibri" panose="020F0502020204030204" pitchFamily="34" charset="0"/>
-                <a:ea typeface="宋体" panose="02010600030101010101" pitchFamily="2" charset="-122"/>
-              </a:defRPr>
-            </a:lvl6pPr>
-            <a:lvl7pPr marL="2971800" indent="-228600" eaLnBrk="0" fontAlgn="base" hangingPunct="0">
-              <a:lnSpc>
-                <a:spcPct val="90000"/>
-              </a:lnSpc>
-              <a:spcBef>
-                <a:spcPts val="375"/>
-              </a:spcBef>
-              <a:spcAft>
-                <a:spcPct val="0"/>
-              </a:spcAft>
-              <a:buFont typeface="Arial" panose="020B0604020202020204" pitchFamily="34" charset="0"/>
-              <a:buChar char="•"/>
-              <a:defRPr sz="1300">
-                <a:solidFill>
-                  <a:schemeClr val="tx1"/>
-                </a:solidFill>
-                <a:latin typeface="Calibri" panose="020F0502020204030204" pitchFamily="34" charset="0"/>
-                <a:ea typeface="宋体" panose="02010600030101010101" pitchFamily="2" charset="-122"/>
-              </a:defRPr>
-            </a:lvl7pPr>
-            <a:lvl8pPr marL="3429000" indent="-228600" eaLnBrk="0" fontAlgn="base" hangingPunct="0">
-              <a:lnSpc>
-                <a:spcPct val="90000"/>
-              </a:lnSpc>
-              <a:spcBef>
-                <a:spcPts val="375"/>
-              </a:spcBef>
-              <a:spcAft>
-                <a:spcPct val="0"/>
-              </a:spcAft>
-              <a:buFont typeface="Arial" panose="020B0604020202020204" pitchFamily="34" charset="0"/>
-              <a:buChar char="•"/>
-              <a:defRPr sz="1300">
-                <a:solidFill>
-                  <a:schemeClr val="tx1"/>
-                </a:solidFill>
-                <a:latin typeface="Calibri" panose="020F0502020204030204" pitchFamily="34" charset="0"/>
-                <a:ea typeface="宋体" panose="02010600030101010101" pitchFamily="2" charset="-122"/>
-              </a:defRPr>
-            </a:lvl8pPr>
-            <a:lvl9pPr marL="3886200" indent="-228600" eaLnBrk="0" fontAlgn="base" hangingPunct="0">
-              <a:lnSpc>
-                <a:spcPct val="90000"/>
-              </a:lnSpc>
-              <a:spcBef>
-                <a:spcPts val="375"/>
-              </a:spcBef>
-              <a:spcAft>
-                <a:spcPct val="0"/>
-              </a:spcAft>
-              <a:buFont typeface="Arial" panose="020B0604020202020204" pitchFamily="34" charset="0"/>
-              <a:buChar char="•"/>
-              <a:defRPr sz="1300">
-                <a:solidFill>
-                  <a:schemeClr val="tx1"/>
-                </a:solidFill>
-                <a:latin typeface="Calibri" panose="020F0502020204030204" pitchFamily="34" charset="0"/>
-                <a:ea typeface="宋体" panose="02010600030101010101" pitchFamily="2" charset="-122"/>
-              </a:defRPr>
-            </a:lvl9pPr>
-          </a:lstStyle>
-          <a:p>
-            <a:pPr lvl="0">
-              <a:buNone/>
-            </a:pPr>
-            <a:r>
-              <a:rPr lang="zh-CN" altLang="en-US" sz="2000" b="1" dirty="0">
-                <a:solidFill>
-                  <a:schemeClr val="bg1">
-                    <a:lumMod val="50000"/>
-                  </a:schemeClr>
-                </a:solidFill>
-                <a:latin typeface="微软雅黑" pitchFamily="34" charset="-122"/>
-                <a:ea typeface="微软雅黑" pitchFamily="34" charset="-122"/>
-              </a:rPr>
-              <a:t>预算</a:t>
-            </a:r>
-            <a:endParaRPr lang="zh-CN" altLang="zh-CN" sz="2000" b="1" dirty="0">
-              <a:solidFill>
-                <a:schemeClr val="bg1">
-                  <a:lumMod val="50000"/>
-                </a:schemeClr>
-              </a:solidFill>
-              <a:latin typeface="微软雅黑" pitchFamily="34" charset="-122"/>
-              <a:ea typeface="微软雅黑" pitchFamily="34" charset="-122"/>
-            </a:endParaRPr>
-          </a:p>
-        </p:txBody>
-      </p:sp>
-      <p:sp>
-        <p:nvSpPr>
-          <p:cNvPr id="27" name="MH_Entry_3">
-            <a:extLst>
-              <a:ext uri="{FF2B5EF4-FFF2-40B4-BE49-F238E27FC236}">
-                <a16:creationId xmlns:a16="http://schemas.microsoft.com/office/drawing/2014/main" id="{477E485A-4F67-4F25-B4CC-AEA01C4E9B9B}"/>
-              </a:ext>
-            </a:extLst>
-          </p:cNvPr>
-          <p:cNvSpPr>
-            <a:spLocks noChangeArrowheads="1"/>
-          </p:cNvSpPr>
-          <p:nvPr>
-            <p:custDataLst>
-              <p:tags r:id="rId20"/>
-            </p:custDataLst>
-          </p:nvPr>
-        </p:nvSpPr>
-        <p:spPr bwMode="auto">
-          <a:xfrm>
-            <a:off x="4883106" y="3585986"/>
-            <a:ext cx="2093471" cy="276999"/>
-          </a:xfrm>
-          <a:prstGeom prst="rect">
-            <a:avLst/>
-          </a:prstGeom>
-          <a:noFill/>
-          <a:ln>
-            <a:noFill/>
-          </a:ln>
-          <a:extLst>
-            <a:ext uri="{909E8E84-426E-40DD-AFC4-6F175D3DCCD1}">
-              <a14:hiddenFill xmlns:a14="http://schemas.microsoft.com/office/drawing/2010/main">
-                <a:solidFill>
-                  <a:srgbClr val="FFFFFF"/>
-                </a:solidFill>
-              </a14:hiddenFill>
-            </a:ext>
-            <a:ext uri="{91240B29-F687-4F45-9708-019B960494DF}">
-              <a14:hiddenLine xmlns:a14="http://schemas.microsoft.com/office/drawing/2010/main" w="9525">
-                <a:solidFill>
-                  <a:srgbClr val="000000"/>
-                </a:solidFill>
-                <a:miter lim="800000"/>
-                <a:headEnd/>
-                <a:tailEnd/>
-              </a14:hiddenLine>
-            </a:ext>
-          </a:extLst>
-        </p:spPr>
-        <p:txBody>
-          <a:bodyPr wrap="square" lIns="0" tIns="0" rIns="0" bIns="0" anchor="ctr">
-            <a:spAutoFit/>
-          </a:bodyPr>
-          <a:lstStyle>
-            <a:lvl1pPr>
-              <a:lnSpc>
-                <a:spcPct val="90000"/>
-              </a:lnSpc>
-              <a:spcBef>
-                <a:spcPts val="750"/>
-              </a:spcBef>
-              <a:buFont typeface="Arial" panose="020B0604020202020204" pitchFamily="34" charset="0"/>
-              <a:buChar char="•"/>
-              <a:defRPr sz="2100">
-                <a:solidFill>
-                  <a:schemeClr val="tx1"/>
-                </a:solidFill>
-                <a:latin typeface="Calibri" panose="020F0502020204030204" pitchFamily="34" charset="0"/>
-                <a:ea typeface="宋体" panose="02010600030101010101" pitchFamily="2" charset="-122"/>
-              </a:defRPr>
-            </a:lvl1pPr>
-            <a:lvl2pPr marL="742950" indent="-285750">
-              <a:lnSpc>
-                <a:spcPct val="90000"/>
-              </a:lnSpc>
-              <a:spcBef>
-                <a:spcPts val="375"/>
-              </a:spcBef>
-              <a:buFont typeface="Arial" panose="020B0604020202020204" pitchFamily="34" charset="0"/>
-              <a:buChar char="•"/>
-              <a:defRPr>
-                <a:solidFill>
-                  <a:schemeClr val="tx1"/>
-                </a:solidFill>
-                <a:latin typeface="Calibri" panose="020F0502020204030204" pitchFamily="34" charset="0"/>
-                <a:ea typeface="宋体" panose="02010600030101010101" pitchFamily="2" charset="-122"/>
-              </a:defRPr>
-            </a:lvl2pPr>
-            <a:lvl3pPr marL="1143000" indent="-228600">
-              <a:lnSpc>
-                <a:spcPct val="90000"/>
-              </a:lnSpc>
-              <a:spcBef>
-                <a:spcPts val="375"/>
-              </a:spcBef>
-              <a:buFont typeface="Arial" panose="020B0604020202020204" pitchFamily="34" charset="0"/>
-              <a:buChar char="•"/>
-              <a:defRPr sz="1500">
-                <a:solidFill>
-                  <a:schemeClr val="tx1"/>
-                </a:solidFill>
-                <a:latin typeface="Calibri" panose="020F0502020204030204" pitchFamily="34" charset="0"/>
-                <a:ea typeface="宋体" panose="02010600030101010101" pitchFamily="2" charset="-122"/>
-              </a:defRPr>
-            </a:lvl3pPr>
-            <a:lvl4pPr marL="1600200" indent="-228600">
-              <a:lnSpc>
-                <a:spcPct val="90000"/>
-              </a:lnSpc>
-              <a:spcBef>
-                <a:spcPts val="375"/>
-              </a:spcBef>
-              <a:buFont typeface="Arial" panose="020B0604020202020204" pitchFamily="34" charset="0"/>
-              <a:buChar char="•"/>
-              <a:defRPr sz="1300">
-                <a:solidFill>
-                  <a:schemeClr val="tx1"/>
-                </a:solidFill>
-                <a:latin typeface="Calibri" panose="020F0502020204030204" pitchFamily="34" charset="0"/>
-                <a:ea typeface="宋体" panose="02010600030101010101" pitchFamily="2" charset="-122"/>
-              </a:defRPr>
-            </a:lvl4pPr>
-            <a:lvl5pPr marL="2057400" indent="-228600">
-              <a:lnSpc>
-                <a:spcPct val="90000"/>
-              </a:lnSpc>
-              <a:spcBef>
-                <a:spcPts val="375"/>
-              </a:spcBef>
-              <a:buFont typeface="Arial" panose="020B0604020202020204" pitchFamily="34" charset="0"/>
-              <a:buChar char="•"/>
-              <a:defRPr sz="1300">
-                <a:solidFill>
-                  <a:schemeClr val="tx1"/>
-                </a:solidFill>
-                <a:latin typeface="Calibri" panose="020F0502020204030204" pitchFamily="34" charset="0"/>
-                <a:ea typeface="宋体" panose="02010600030101010101" pitchFamily="2" charset="-122"/>
-              </a:defRPr>
-            </a:lvl5pPr>
-            <a:lvl6pPr marL="2514600" indent="-228600" eaLnBrk="0" fontAlgn="base" hangingPunct="0">
-              <a:lnSpc>
-                <a:spcPct val="90000"/>
-              </a:lnSpc>
-              <a:spcBef>
-                <a:spcPts val="375"/>
-              </a:spcBef>
-              <a:spcAft>
-                <a:spcPct val="0"/>
-              </a:spcAft>
-              <a:buFont typeface="Arial" panose="020B0604020202020204" pitchFamily="34" charset="0"/>
-              <a:buChar char="•"/>
-              <a:defRPr sz="1300">
-                <a:solidFill>
-                  <a:schemeClr val="tx1"/>
-                </a:solidFill>
-                <a:latin typeface="Calibri" panose="020F0502020204030204" pitchFamily="34" charset="0"/>
-                <a:ea typeface="宋体" panose="02010600030101010101" pitchFamily="2" charset="-122"/>
-              </a:defRPr>
-            </a:lvl6pPr>
-            <a:lvl7pPr marL="2971800" indent="-228600" eaLnBrk="0" fontAlgn="base" hangingPunct="0">
-              <a:lnSpc>
-                <a:spcPct val="90000"/>
-              </a:lnSpc>
-              <a:spcBef>
-                <a:spcPts val="375"/>
-              </a:spcBef>
-              <a:spcAft>
-                <a:spcPct val="0"/>
-              </a:spcAft>
-              <a:buFont typeface="Arial" panose="020B0604020202020204" pitchFamily="34" charset="0"/>
-              <a:buChar char="•"/>
-              <a:defRPr sz="1300">
-                <a:solidFill>
-                  <a:schemeClr val="tx1"/>
-                </a:solidFill>
-                <a:latin typeface="Calibri" panose="020F0502020204030204" pitchFamily="34" charset="0"/>
-                <a:ea typeface="宋体" panose="02010600030101010101" pitchFamily="2" charset="-122"/>
-              </a:defRPr>
-            </a:lvl7pPr>
-            <a:lvl8pPr marL="3429000" indent="-228600" eaLnBrk="0" fontAlgn="base" hangingPunct="0">
-              <a:lnSpc>
-                <a:spcPct val="90000"/>
-              </a:lnSpc>
-              <a:spcBef>
-                <a:spcPts val="375"/>
-              </a:spcBef>
-              <a:spcAft>
-                <a:spcPct val="0"/>
-              </a:spcAft>
-              <a:buFont typeface="Arial" panose="020B0604020202020204" pitchFamily="34" charset="0"/>
-              <a:buChar char="•"/>
-              <a:defRPr sz="1300">
-                <a:solidFill>
-                  <a:schemeClr val="tx1"/>
-                </a:solidFill>
-                <a:latin typeface="Calibri" panose="020F0502020204030204" pitchFamily="34" charset="0"/>
-                <a:ea typeface="宋体" panose="02010600030101010101" pitchFamily="2" charset="-122"/>
-              </a:defRPr>
-            </a:lvl8pPr>
-            <a:lvl9pPr marL="3886200" indent="-228600" eaLnBrk="0" fontAlgn="base" hangingPunct="0">
-              <a:lnSpc>
-                <a:spcPct val="90000"/>
-              </a:lnSpc>
-              <a:spcBef>
-                <a:spcPts val="375"/>
-              </a:spcBef>
-              <a:spcAft>
-                <a:spcPct val="0"/>
-              </a:spcAft>
-              <a:buFont typeface="Arial" panose="020B0604020202020204" pitchFamily="34" charset="0"/>
-              <a:buChar char="•"/>
-              <a:defRPr sz="1300">
-                <a:solidFill>
-                  <a:schemeClr val="tx1"/>
-                </a:solidFill>
-                <a:latin typeface="Calibri" panose="020F0502020204030204" pitchFamily="34" charset="0"/>
-                <a:ea typeface="宋体" panose="02010600030101010101" pitchFamily="2" charset="-122"/>
-              </a:defRPr>
-            </a:lvl9pPr>
-          </a:lstStyle>
-          <a:p>
-            <a:pPr lvl="0">
-              <a:buNone/>
-            </a:pPr>
-            <a:r>
-              <a:rPr lang="zh-CN" altLang="en-US" sz="2000" b="1" dirty="0">
-                <a:solidFill>
-                  <a:schemeClr val="bg1">
-                    <a:lumMod val="50000"/>
-                  </a:schemeClr>
-                </a:solidFill>
-                <a:latin typeface="微软雅黑" pitchFamily="34" charset="-122"/>
-                <a:ea typeface="微软雅黑" pitchFamily="34" charset="-122"/>
-                <a:sym typeface="+mn-lt"/>
-              </a:rPr>
-              <a:t>绩效评价</a:t>
-            </a:r>
-            <a:endParaRPr lang="zh-CN" altLang="en-US" sz="1200" dirty="0">
-              <a:solidFill>
-                <a:schemeClr val="bg1">
-                  <a:lumMod val="50000"/>
-                </a:schemeClr>
-              </a:solidFill>
-              <a:cs typeface="+mn-ea"/>
-              <a:sym typeface="+mn-lt"/>
-            </a:endParaRPr>
-          </a:p>
-        </p:txBody>
-      </p:sp>
-    </p:spTree>
-    <p:extLst>
-      <p:ext uri="{BB962C8B-B14F-4D97-AF65-F5344CB8AC3E}">
-        <p14:creationId xmlns:p14="http://schemas.microsoft.com/office/powerpoint/2010/main" val="3627073471"/>
-      </p:ext>
-    </p:extLst>
-  </p:cSld>
-  <p:clrMapOvr>
-    <a:masterClrMapping/>
-  </p:clrMapOvr>
-  <mc:AlternateContent xmlns:mc="http://schemas.openxmlformats.org/markup-compatibility/2006" xmlns:p15="http://schemas.microsoft.com/office/powerpoint/2012/main">
-    <mc:Choice Requires="p15">
-      <p:transition xmlns:p14="http://schemas.microsoft.com/office/powerpoint/2010/main" spd="slow" p14:dur="1250" advClick="0" advTm="6000">
-        <p15:prstTrans prst="fracture"/>
-      </p:transition>
-    </mc:Choice>
-    <mc:Fallback xmlns="">
-      <p:transition spd="slow" advClick="0" advTm="6000">
-        <p:fade/>
-      </p:transition>
-    </mc:Fallback>
-  </mc:AlternateContent>
-</p:sld>
-</file>
-
-<file path=ppt/slides/slide20.xml><?xml version="1.0" encoding="utf-8"?>
+<file path=ppt/slides/slide21.xml><?xml version="1.0" encoding="utf-8"?>
 <p:sld xmlns:a="http://schemas.openxmlformats.org/drawingml/2006/main" xmlns:r="http://schemas.openxmlformats.org/officeDocument/2006/relationships" xmlns:p="http://schemas.openxmlformats.org/presentationml/2006/main">
   <p:cSld>
     <p:spTree>
@@ -15165,7 +15677,7 @@
 </p:sld>
 </file>
 
-<file path=ppt/slides/slide21.xml><?xml version="1.0" encoding="utf-8"?>
+<file path=ppt/slides/slide22.xml><?xml version="1.0" encoding="utf-8"?>
 <p:sld xmlns:a="http://schemas.openxmlformats.org/drawingml/2006/main" xmlns:r="http://schemas.openxmlformats.org/officeDocument/2006/relationships" xmlns:p="http://schemas.openxmlformats.org/presentationml/2006/main">
   <p:cSld>
     <p:spTree>
@@ -15533,7 +16045,7 @@
 </p:sld>
 </file>
 
-<file path=ppt/slides/slide22.xml><?xml version="1.0" encoding="utf-8"?>
+<file path=ppt/slides/slide23.xml><?xml version="1.0" encoding="utf-8"?>
 <p:sld xmlns:a="http://schemas.openxmlformats.org/drawingml/2006/main" xmlns:r="http://schemas.openxmlformats.org/officeDocument/2006/relationships" xmlns:p="http://schemas.openxmlformats.org/presentationml/2006/main">
   <p:cSld>
     <p:spTree>
@@ -15651,8 +16163,8 @@
         </p:nvSpPr>
         <p:spPr>
           <a:xfrm>
-            <a:off x="1198629" y="508464"/>
-            <a:ext cx="7334605" cy="3908762"/>
+            <a:off x="1198629" y="760492"/>
+            <a:ext cx="7334605" cy="3600986"/>
           </a:xfrm>
           <a:prstGeom prst="rect">
             <a:avLst/>
@@ -15867,7 +16379,7 @@
               <a:t>/</a:t>
             </a:r>
             <a:r>
-              <a:rPr lang="zh-CN" altLang="en-US" sz="2000" dirty="0">
+              <a:rPr lang="zh-CN" altLang="en-US" sz="2000" dirty="0" smtClean="0">
                 <a:solidFill>
                   <a:prstClr val="white">
                     <a:lumMod val="50000"/>
@@ -15876,31 +16388,7 @@
                 <a:latin typeface="微软雅黑" pitchFamily="34" charset="-122"/>
                 <a:ea typeface="微软雅黑" pitchFamily="34" charset="-122"/>
               </a:rPr>
-              <a:t>六</a:t>
-            </a:r>
-            <a:r>
-              <a:rPr lang="en-US" altLang="zh-CN" sz="2000" dirty="0">
-                <a:solidFill>
-                  <a:prstClr val="white">
-                    <a:lumMod val="50000"/>
-                  </a:prstClr>
-                </a:solidFill>
-                <a:latin typeface="微软雅黑" pitchFamily="34" charset="-122"/>
-                <a:ea typeface="微软雅黑" pitchFamily="34" charset="-122"/>
-              </a:rPr>
-              <a:t>/</a:t>
-            </a:r>
-            <a:r>
-              <a:rPr lang="zh-CN" altLang="en-US" sz="2000" dirty="0">
-                <a:solidFill>
-                  <a:prstClr val="white">
-                    <a:lumMod val="50000"/>
-                  </a:prstClr>
-                </a:solidFill>
-                <a:latin typeface="微软雅黑" pitchFamily="34" charset="-122"/>
-                <a:ea typeface="微软雅黑" pitchFamily="34" charset="-122"/>
-              </a:rPr>
-              <a:t>七晚</a:t>
+              <a:t>六晚</a:t>
             </a:r>
             <a:r>
               <a:rPr lang="en-US" altLang="zh-CN" sz="2000" dirty="0">
@@ -16096,7 +16584,7 @@
 </p:sld>
 </file>
 
-<file path=ppt/slides/slide23.xml><?xml version="1.0" encoding="utf-8"?>
+<file path=ppt/slides/slide24.xml><?xml version="1.0" encoding="utf-8"?>
 <p:sld xmlns:a="http://schemas.openxmlformats.org/drawingml/2006/main" xmlns:r="http://schemas.openxmlformats.org/officeDocument/2006/relationships" xmlns:p="http://schemas.openxmlformats.org/presentationml/2006/main">
   <p:cSld>
     <p:spTree>
@@ -16920,7 +17408,7 @@
 </p:sld>
 </file>
 
-<file path=ppt/slides/slide24.xml><?xml version="1.0" encoding="utf-8"?>
+<file path=ppt/slides/slide25.xml><?xml version="1.0" encoding="utf-8"?>
 <p:sld xmlns:a="http://schemas.openxmlformats.org/drawingml/2006/main" xmlns:r="http://schemas.openxmlformats.org/officeDocument/2006/relationships" xmlns:p="http://schemas.openxmlformats.org/presentationml/2006/main">
   <p:cSld>
     <p:spTree>
@@ -17249,7 +17737,7 @@
 </p:sld>
 </file>
 
-<file path=ppt/slides/slide25.xml><?xml version="1.0" encoding="utf-8"?>
+<file path=ppt/slides/slide26.xml><?xml version="1.0" encoding="utf-8"?>
 <p:sld xmlns:a="http://schemas.openxmlformats.org/drawingml/2006/main" xmlns:r="http://schemas.openxmlformats.org/officeDocument/2006/relationships" xmlns:p="http://schemas.openxmlformats.org/presentationml/2006/main">
   <p:cSld>
     <p:spTree>
@@ -18073,7 +18561,7 @@
 </p:sld>
 </file>
 
-<file path=ppt/slides/slide26.xml><?xml version="1.0" encoding="utf-8"?>
+<file path=ppt/slides/slide27.xml><?xml version="1.0" encoding="utf-8"?>
 <p:sld xmlns:a="http://schemas.openxmlformats.org/drawingml/2006/main" xmlns:r="http://schemas.openxmlformats.org/officeDocument/2006/relationships" xmlns:p="http://schemas.openxmlformats.org/presentationml/2006/main">
   <p:cSld>
     <p:spTree>
@@ -18760,7 +19248,7 @@
 </p:sld>
 </file>
 
-<file path=ppt/slides/slide27.xml><?xml version="1.0" encoding="utf-8"?>
+<file path=ppt/slides/slide28.xml><?xml version="1.0" encoding="utf-8"?>
 <p:sld xmlns:a="http://schemas.openxmlformats.org/drawingml/2006/main" xmlns:r="http://schemas.openxmlformats.org/officeDocument/2006/relationships" xmlns:p="http://schemas.openxmlformats.org/presentationml/2006/main">
   <p:cSld>
     <p:spTree>
@@ -19149,7 +19637,7 @@
 </p:sld>
 </file>
 
-<file path=ppt/slides/slide28.xml><?xml version="1.0" encoding="utf-8"?>
+<file path=ppt/slides/slide29.xml><?xml version="1.0" encoding="utf-8"?>
 <p:sld xmlns:a="http://schemas.openxmlformats.org/drawingml/2006/main" xmlns:r="http://schemas.openxmlformats.org/officeDocument/2006/relationships" xmlns:p="http://schemas.openxmlformats.org/presentationml/2006/main">
   <p:cSld>
     <p:spTree>
@@ -19968,382 +20456,6 @@
       <p:bldP spid="13" grpId="0"/>
       <p:bldP spid="14" grpId="0" animBg="1"/>
       <p:bldP spid="17" grpId="0"/>
-    </p:bldLst>
-  </p:timing>
-</p:sld>
-</file>
-
-<file path=ppt/slides/slide29.xml><?xml version="1.0" encoding="utf-8"?>
-<p:sld xmlns:a="http://schemas.openxmlformats.org/drawingml/2006/main" xmlns:r="http://schemas.openxmlformats.org/officeDocument/2006/relationships" xmlns:p="http://schemas.openxmlformats.org/presentationml/2006/main">
-  <p:cSld>
-    <p:spTree>
-      <p:nvGrpSpPr>
-        <p:cNvPr id="1" name=""/>
-        <p:cNvGrpSpPr/>
-        <p:nvPr/>
-      </p:nvGrpSpPr>
-      <p:grpSpPr>
-        <a:xfrm>
-          <a:off x="0" y="0"/>
-          <a:ext cx="0" cy="0"/>
-          <a:chOff x="0" y="0"/>
-          <a:chExt cx="0" cy="0"/>
-        </a:xfrm>
-      </p:grpSpPr>
-      <p:sp>
-        <p:nvSpPr>
-          <p:cNvPr id="2" name="矩形 1">
-            <a:extLst>
-              <a:ext uri="{FF2B5EF4-FFF2-40B4-BE49-F238E27FC236}">
-                <a16:creationId xmlns:a16="http://schemas.microsoft.com/office/drawing/2014/main" id="{EEE0EC13-86F4-403E-BD86-47B2AF6650BA}"/>
-              </a:ext>
-            </a:extLst>
-          </p:cNvPr>
-          <p:cNvSpPr/>
-          <p:nvPr/>
-        </p:nvSpPr>
-        <p:spPr>
-          <a:xfrm>
-            <a:off x="0" y="256436"/>
-            <a:ext cx="1548458" cy="504056"/>
-          </a:xfrm>
-          <a:prstGeom prst="rect">
-            <a:avLst/>
-          </a:prstGeom>
-          <a:solidFill>
-            <a:schemeClr val="bg1"/>
-          </a:solidFill>
-          <a:ln>
-            <a:noFill/>
-          </a:ln>
-        </p:spPr>
-        <p:style>
-          <a:lnRef idx="2">
-            <a:schemeClr val="accent1">
-              <a:shade val="50000"/>
-            </a:schemeClr>
-          </a:lnRef>
-          <a:fillRef idx="1">
-            <a:schemeClr val="accent1"/>
-          </a:fillRef>
-          <a:effectRef idx="0">
-            <a:schemeClr val="accent1"/>
-          </a:effectRef>
-          <a:fontRef idx="minor">
-            <a:schemeClr val="lt1"/>
-          </a:fontRef>
-        </p:style>
-        <p:txBody>
-          <a:bodyPr rtlCol="0" anchor="ctr"/>
-          <a:lstStyle/>
-          <a:p>
-            <a:endParaRPr lang="zh-CN" altLang="en-US"/>
-          </a:p>
-        </p:txBody>
-      </p:sp>
-      <p:pic>
-        <p:nvPicPr>
-          <p:cNvPr id="3" name="图片 2">
-            <a:extLst>
-              <a:ext uri="{FF2B5EF4-FFF2-40B4-BE49-F238E27FC236}">
-                <a16:creationId xmlns:a16="http://schemas.microsoft.com/office/drawing/2014/main" id="{DA07CDA8-1563-4ACB-A9DC-8F6058E7D610}"/>
-              </a:ext>
-            </a:extLst>
-          </p:cNvPr>
-          <p:cNvPicPr>
-            <a:picLocks noChangeAspect="1"/>
-          </p:cNvPicPr>
-          <p:nvPr/>
-        </p:nvPicPr>
-        <p:blipFill>
-          <a:blip r:embed="rId2" cstate="print">
-            <a:extLst>
-              <a:ext uri="{28A0092B-C50C-407E-A947-70E740481C1C}">
-                <a14:useLocalDpi xmlns:a14="http://schemas.microsoft.com/office/drawing/2010/main" val="0"/>
-              </a:ext>
-            </a:extLst>
-          </a:blip>
-          <a:stretch>
-            <a:fillRect/>
-          </a:stretch>
-        </p:blipFill>
-        <p:spPr>
-          <a:xfrm>
-            <a:off x="82219" y="98193"/>
-            <a:ext cx="1034191" cy="1034191"/>
-          </a:xfrm>
-          <a:prstGeom prst="rect">
-            <a:avLst/>
-          </a:prstGeom>
-        </p:spPr>
-      </p:pic>
-      <p:sp>
-        <p:nvSpPr>
-          <p:cNvPr id="4" name="矩形 3">
-            <a:extLst>
-              <a:ext uri="{FF2B5EF4-FFF2-40B4-BE49-F238E27FC236}">
-                <a16:creationId xmlns:a16="http://schemas.microsoft.com/office/drawing/2014/main" id="{B430CE9F-1C02-436D-A782-90E38F398E20}"/>
-              </a:ext>
-            </a:extLst>
-          </p:cNvPr>
-          <p:cNvSpPr/>
-          <p:nvPr/>
-        </p:nvSpPr>
-        <p:spPr>
-          <a:xfrm>
-            <a:off x="1198629" y="508464"/>
-            <a:ext cx="7334605" cy="461665"/>
-          </a:xfrm>
-          <a:prstGeom prst="rect">
-            <a:avLst/>
-          </a:prstGeom>
-        </p:spPr>
-        <p:txBody>
-          <a:bodyPr wrap="square">
-            <a:spAutoFit/>
-          </a:bodyPr>
-          <a:lstStyle/>
-          <a:p>
-            <a:pPr lvl="0"/>
-            <a:r>
-              <a:rPr lang="zh-CN" altLang="en-US" sz="2400" b="1" dirty="0">
-                <a:ln w="6350">
-                  <a:noFill/>
-                </a:ln>
-                <a:solidFill>
-                  <a:prstClr val="white">
-                    <a:lumMod val="50000"/>
-                  </a:prstClr>
-                </a:solidFill>
-                <a:latin typeface="微软雅黑" pitchFamily="34" charset="-122"/>
-                <a:ea typeface="微软雅黑" pitchFamily="34" charset="-122"/>
-              </a:rPr>
-              <a:t>会议记录</a:t>
-            </a:r>
-            <a:endParaRPr lang="en-US" altLang="zh-CN" sz="2400" b="1" dirty="0">
-              <a:ln w="6350">
-                <a:noFill/>
-              </a:ln>
-              <a:solidFill>
-                <a:prstClr val="white">
-                  <a:lumMod val="50000"/>
-                </a:prstClr>
-              </a:solidFill>
-              <a:latin typeface="微软雅黑" pitchFamily="34" charset="-122"/>
-              <a:ea typeface="微软雅黑" pitchFamily="34" charset="-122"/>
-            </a:endParaRPr>
-          </a:p>
-        </p:txBody>
-      </p:sp>
-      <p:pic>
-        <p:nvPicPr>
-          <p:cNvPr id="7" name="图片 6">
-            <a:extLst>
-              <a:ext uri="{FF2B5EF4-FFF2-40B4-BE49-F238E27FC236}">
-                <a16:creationId xmlns:a16="http://schemas.microsoft.com/office/drawing/2014/main" id="{64646F79-96EE-48EC-B8F6-32586AEE143B}"/>
-              </a:ext>
-            </a:extLst>
-          </p:cNvPr>
-          <p:cNvPicPr>
-            <a:picLocks noChangeAspect="1"/>
-          </p:cNvPicPr>
-          <p:nvPr/>
-        </p:nvPicPr>
-        <p:blipFill>
-          <a:blip r:embed="rId3">
-            <a:extLst>
-              <a:ext uri="{28A0092B-C50C-407E-A947-70E740481C1C}">
-                <a14:useLocalDpi xmlns:a14="http://schemas.microsoft.com/office/drawing/2010/main" val="0"/>
-              </a:ext>
-            </a:extLst>
-          </a:blip>
-          <a:stretch>
-            <a:fillRect/>
-          </a:stretch>
-        </p:blipFill>
-        <p:spPr>
-          <a:xfrm>
-            <a:off x="2916610" y="508464"/>
-            <a:ext cx="3642212" cy="4552764"/>
-          </a:xfrm>
-          <a:prstGeom prst="rect">
-            <a:avLst/>
-          </a:prstGeom>
-        </p:spPr>
-      </p:pic>
-    </p:spTree>
-    <p:extLst>
-      <p:ext uri="{BB962C8B-B14F-4D97-AF65-F5344CB8AC3E}">
-        <p14:creationId xmlns:p14="http://schemas.microsoft.com/office/powerpoint/2010/main" val="2609524202"/>
-      </p:ext>
-    </p:extLst>
-  </p:cSld>
-  <p:clrMapOvr>
-    <a:masterClrMapping/>
-  </p:clrMapOvr>
-  <p:transition spd="med" advClick="0" advTm="0">
-    <p:push dir="r"/>
-  </p:transition>
-  <p:timing>
-    <p:tnLst>
-      <p:par>
-        <p:cTn id="1" dur="indefinite" restart="never" nodeType="tmRoot">
-          <p:childTnLst>
-            <p:seq concurrent="1" nextAc="seek">
-              <p:cTn id="2" dur="indefinite" nodeType="mainSeq">
-                <p:childTnLst>
-                  <p:par>
-                    <p:cTn id="3" fill="hold">
-                      <p:stCondLst>
-                        <p:cond delay="indefinite"/>
-                        <p:cond evt="onBegin" delay="0">
-                          <p:tn val="2"/>
-                        </p:cond>
-                      </p:stCondLst>
-                      <p:childTnLst>
-                        <p:par>
-                          <p:cTn id="4" fill="hold">
-                            <p:stCondLst>
-                              <p:cond delay="0"/>
-                            </p:stCondLst>
-                            <p:childTnLst>
-                              <p:par>
-                                <p:cTn id="5" presetID="17" presetClass="entr" presetSubtype="10" fill="hold" grpId="0" nodeType="withEffect">
-                                  <p:stCondLst>
-                                    <p:cond delay="0"/>
-                                  </p:stCondLst>
-                                  <p:childTnLst>
-                                    <p:set>
-                                      <p:cBhvr>
-                                        <p:cTn id="6" dur="1" fill="hold">
-                                          <p:stCondLst>
-                                            <p:cond delay="0"/>
-                                          </p:stCondLst>
-                                        </p:cTn>
-                                        <p:tgtEl>
-                                          <p:spTgt spid="4"/>
-                                        </p:tgtEl>
-                                        <p:attrNameLst>
-                                          <p:attrName>style.visibility</p:attrName>
-                                        </p:attrNameLst>
-                                      </p:cBhvr>
-                                      <p:to>
-                                        <p:strVal val="visible"/>
-                                      </p:to>
-                                    </p:set>
-                                    <p:anim calcmode="lin" valueType="num">
-                                      <p:cBhvr>
-                                        <p:cTn id="7" dur="500" fill="hold"/>
-                                        <p:tgtEl>
-                                          <p:spTgt spid="4"/>
-                                        </p:tgtEl>
-                                        <p:attrNameLst>
-                                          <p:attrName>ppt_w</p:attrName>
-                                        </p:attrNameLst>
-                                      </p:cBhvr>
-                                      <p:tavLst>
-                                        <p:tav tm="0">
-                                          <p:val>
-                                            <p:fltVal val="0"/>
-                                          </p:val>
-                                        </p:tav>
-                                        <p:tav tm="100000">
-                                          <p:val>
-                                            <p:strVal val="#ppt_w"/>
-                                          </p:val>
-                                        </p:tav>
-                                      </p:tavLst>
-                                    </p:anim>
-                                    <p:anim calcmode="lin" valueType="num">
-                                      <p:cBhvr>
-                                        <p:cTn id="8" dur="500" fill="hold"/>
-                                        <p:tgtEl>
-                                          <p:spTgt spid="4"/>
-                                        </p:tgtEl>
-                                        <p:attrNameLst>
-                                          <p:attrName>ppt_h</p:attrName>
-                                        </p:attrNameLst>
-                                      </p:cBhvr>
-                                      <p:tavLst>
-                                        <p:tav tm="0">
-                                          <p:val>
-                                            <p:strVal val="#ppt_h"/>
-                                          </p:val>
-                                        </p:tav>
-                                        <p:tav tm="100000">
-                                          <p:val>
-                                            <p:strVal val="#ppt_h"/>
-                                          </p:val>
-                                        </p:tav>
-                                      </p:tavLst>
-                                    </p:anim>
-                                  </p:childTnLst>
-                                </p:cTn>
-                              </p:par>
-                              <p:par>
-                                <p:cTn id="9" presetID="6" presetClass="entr" presetSubtype="16" fill="hold" nodeType="withEffect">
-                                  <p:stCondLst>
-                                    <p:cond delay="0"/>
-                                  </p:stCondLst>
-                                  <p:childTnLst>
-                                    <p:set>
-                                      <p:cBhvr>
-                                        <p:cTn id="10" dur="1" fill="hold">
-                                          <p:stCondLst>
-                                            <p:cond delay="0"/>
-                                          </p:stCondLst>
-                                        </p:cTn>
-                                        <p:tgtEl>
-                                          <p:spTgt spid="7"/>
-                                        </p:tgtEl>
-                                        <p:attrNameLst>
-                                          <p:attrName>style.visibility</p:attrName>
-                                        </p:attrNameLst>
-                                      </p:cBhvr>
-                                      <p:to>
-                                        <p:strVal val="visible"/>
-                                      </p:to>
-                                    </p:set>
-                                    <p:animEffect transition="in" filter="circle(in)">
-                                      <p:cBhvr>
-                                        <p:cTn id="11" dur="500"/>
-                                        <p:tgtEl>
-                                          <p:spTgt spid="7"/>
-                                        </p:tgtEl>
-                                      </p:cBhvr>
-                                    </p:animEffect>
-                                  </p:childTnLst>
-                                </p:cTn>
-                              </p:par>
-                            </p:childTnLst>
-                          </p:cTn>
-                        </p:par>
-                      </p:childTnLst>
-                    </p:cTn>
-                  </p:par>
-                </p:childTnLst>
-              </p:cTn>
-              <p:prevCondLst>
-                <p:cond evt="onPrev" delay="0">
-                  <p:tgtEl>
-                    <p:sldTgt/>
-                  </p:tgtEl>
-                </p:cond>
-              </p:prevCondLst>
-              <p:nextCondLst>
-                <p:cond evt="onNext" delay="0">
-                  <p:tgtEl>
-                    <p:sldTgt/>
-                  </p:tgtEl>
-                </p:cond>
-              </p:nextCondLst>
-            </p:seq>
-          </p:childTnLst>
-        </p:cTn>
-      </p:par>
-    </p:tnLst>
-    <p:bldLst>
-      <p:bldP spid="4" grpId="0"/>
     </p:bldLst>
   </p:timing>
 </p:sld>
@@ -21192,6 +21304,382 @@
       </p:grpSpPr>
       <p:sp>
         <p:nvSpPr>
+          <p:cNvPr id="2" name="矩形 1">
+            <a:extLst>
+              <a:ext uri="{FF2B5EF4-FFF2-40B4-BE49-F238E27FC236}">
+                <a16:creationId xmlns:a16="http://schemas.microsoft.com/office/drawing/2014/main" id="{EEE0EC13-86F4-403E-BD86-47B2AF6650BA}"/>
+              </a:ext>
+            </a:extLst>
+          </p:cNvPr>
+          <p:cNvSpPr/>
+          <p:nvPr/>
+        </p:nvSpPr>
+        <p:spPr>
+          <a:xfrm>
+            <a:off x="0" y="256436"/>
+            <a:ext cx="1548458" cy="504056"/>
+          </a:xfrm>
+          <a:prstGeom prst="rect">
+            <a:avLst/>
+          </a:prstGeom>
+          <a:solidFill>
+            <a:schemeClr val="bg1"/>
+          </a:solidFill>
+          <a:ln>
+            <a:noFill/>
+          </a:ln>
+        </p:spPr>
+        <p:style>
+          <a:lnRef idx="2">
+            <a:schemeClr val="accent1">
+              <a:shade val="50000"/>
+            </a:schemeClr>
+          </a:lnRef>
+          <a:fillRef idx="1">
+            <a:schemeClr val="accent1"/>
+          </a:fillRef>
+          <a:effectRef idx="0">
+            <a:schemeClr val="accent1"/>
+          </a:effectRef>
+          <a:fontRef idx="minor">
+            <a:schemeClr val="lt1"/>
+          </a:fontRef>
+        </p:style>
+        <p:txBody>
+          <a:bodyPr rtlCol="0" anchor="ctr"/>
+          <a:lstStyle/>
+          <a:p>
+            <a:endParaRPr lang="zh-CN" altLang="en-US"/>
+          </a:p>
+        </p:txBody>
+      </p:sp>
+      <p:pic>
+        <p:nvPicPr>
+          <p:cNvPr id="3" name="图片 2">
+            <a:extLst>
+              <a:ext uri="{FF2B5EF4-FFF2-40B4-BE49-F238E27FC236}">
+                <a16:creationId xmlns:a16="http://schemas.microsoft.com/office/drawing/2014/main" id="{DA07CDA8-1563-4ACB-A9DC-8F6058E7D610}"/>
+              </a:ext>
+            </a:extLst>
+          </p:cNvPr>
+          <p:cNvPicPr>
+            <a:picLocks noChangeAspect="1"/>
+          </p:cNvPicPr>
+          <p:nvPr/>
+        </p:nvPicPr>
+        <p:blipFill>
+          <a:blip r:embed="rId2" cstate="print">
+            <a:extLst>
+              <a:ext uri="{28A0092B-C50C-407E-A947-70E740481C1C}">
+                <a14:useLocalDpi xmlns:a14="http://schemas.microsoft.com/office/drawing/2010/main" val="0"/>
+              </a:ext>
+            </a:extLst>
+          </a:blip>
+          <a:stretch>
+            <a:fillRect/>
+          </a:stretch>
+        </p:blipFill>
+        <p:spPr>
+          <a:xfrm>
+            <a:off x="82219" y="98193"/>
+            <a:ext cx="1034191" cy="1034191"/>
+          </a:xfrm>
+          <a:prstGeom prst="rect">
+            <a:avLst/>
+          </a:prstGeom>
+        </p:spPr>
+      </p:pic>
+      <p:sp>
+        <p:nvSpPr>
+          <p:cNvPr id="4" name="矩形 3">
+            <a:extLst>
+              <a:ext uri="{FF2B5EF4-FFF2-40B4-BE49-F238E27FC236}">
+                <a16:creationId xmlns:a16="http://schemas.microsoft.com/office/drawing/2014/main" id="{B430CE9F-1C02-436D-A782-90E38F398E20}"/>
+              </a:ext>
+            </a:extLst>
+          </p:cNvPr>
+          <p:cNvSpPr/>
+          <p:nvPr/>
+        </p:nvSpPr>
+        <p:spPr>
+          <a:xfrm>
+            <a:off x="1198629" y="508464"/>
+            <a:ext cx="7334605" cy="461665"/>
+          </a:xfrm>
+          <a:prstGeom prst="rect">
+            <a:avLst/>
+          </a:prstGeom>
+        </p:spPr>
+        <p:txBody>
+          <a:bodyPr wrap="square">
+            <a:spAutoFit/>
+          </a:bodyPr>
+          <a:lstStyle/>
+          <a:p>
+            <a:pPr lvl="0"/>
+            <a:r>
+              <a:rPr lang="zh-CN" altLang="en-US" sz="2400" b="1" dirty="0">
+                <a:ln w="6350">
+                  <a:noFill/>
+                </a:ln>
+                <a:solidFill>
+                  <a:prstClr val="white">
+                    <a:lumMod val="50000"/>
+                  </a:prstClr>
+                </a:solidFill>
+                <a:latin typeface="微软雅黑" pitchFamily="34" charset="-122"/>
+                <a:ea typeface="微软雅黑" pitchFamily="34" charset="-122"/>
+              </a:rPr>
+              <a:t>会议记录</a:t>
+            </a:r>
+            <a:endParaRPr lang="en-US" altLang="zh-CN" sz="2400" b="1" dirty="0">
+              <a:ln w="6350">
+                <a:noFill/>
+              </a:ln>
+              <a:solidFill>
+                <a:prstClr val="white">
+                  <a:lumMod val="50000"/>
+                </a:prstClr>
+              </a:solidFill>
+              <a:latin typeface="微软雅黑" pitchFamily="34" charset="-122"/>
+              <a:ea typeface="微软雅黑" pitchFamily="34" charset="-122"/>
+            </a:endParaRPr>
+          </a:p>
+        </p:txBody>
+      </p:sp>
+      <p:pic>
+        <p:nvPicPr>
+          <p:cNvPr id="7" name="图片 6">
+            <a:extLst>
+              <a:ext uri="{FF2B5EF4-FFF2-40B4-BE49-F238E27FC236}">
+                <a16:creationId xmlns:a16="http://schemas.microsoft.com/office/drawing/2014/main" id="{64646F79-96EE-48EC-B8F6-32586AEE143B}"/>
+              </a:ext>
+            </a:extLst>
+          </p:cNvPr>
+          <p:cNvPicPr>
+            <a:picLocks noChangeAspect="1"/>
+          </p:cNvPicPr>
+          <p:nvPr/>
+        </p:nvPicPr>
+        <p:blipFill>
+          <a:blip r:embed="rId3">
+            <a:extLst>
+              <a:ext uri="{28A0092B-C50C-407E-A947-70E740481C1C}">
+                <a14:useLocalDpi xmlns:a14="http://schemas.microsoft.com/office/drawing/2010/main" val="0"/>
+              </a:ext>
+            </a:extLst>
+          </a:blip>
+          <a:stretch>
+            <a:fillRect/>
+          </a:stretch>
+        </p:blipFill>
+        <p:spPr>
+          <a:xfrm>
+            <a:off x="2916610" y="508464"/>
+            <a:ext cx="3642212" cy="4552764"/>
+          </a:xfrm>
+          <a:prstGeom prst="rect">
+            <a:avLst/>
+          </a:prstGeom>
+        </p:spPr>
+      </p:pic>
+    </p:spTree>
+    <p:extLst>
+      <p:ext uri="{BB962C8B-B14F-4D97-AF65-F5344CB8AC3E}">
+        <p14:creationId xmlns:p14="http://schemas.microsoft.com/office/powerpoint/2010/main" val="2609524202"/>
+      </p:ext>
+    </p:extLst>
+  </p:cSld>
+  <p:clrMapOvr>
+    <a:masterClrMapping/>
+  </p:clrMapOvr>
+  <p:transition spd="med" advClick="0" advTm="0">
+    <p:push dir="r"/>
+  </p:transition>
+  <p:timing>
+    <p:tnLst>
+      <p:par>
+        <p:cTn id="1" dur="indefinite" restart="never" nodeType="tmRoot">
+          <p:childTnLst>
+            <p:seq concurrent="1" nextAc="seek">
+              <p:cTn id="2" dur="indefinite" nodeType="mainSeq">
+                <p:childTnLst>
+                  <p:par>
+                    <p:cTn id="3" fill="hold">
+                      <p:stCondLst>
+                        <p:cond delay="indefinite"/>
+                        <p:cond evt="onBegin" delay="0">
+                          <p:tn val="2"/>
+                        </p:cond>
+                      </p:stCondLst>
+                      <p:childTnLst>
+                        <p:par>
+                          <p:cTn id="4" fill="hold">
+                            <p:stCondLst>
+                              <p:cond delay="0"/>
+                            </p:stCondLst>
+                            <p:childTnLst>
+                              <p:par>
+                                <p:cTn id="5" presetID="17" presetClass="entr" presetSubtype="10" fill="hold" grpId="0" nodeType="withEffect">
+                                  <p:stCondLst>
+                                    <p:cond delay="0"/>
+                                  </p:stCondLst>
+                                  <p:childTnLst>
+                                    <p:set>
+                                      <p:cBhvr>
+                                        <p:cTn id="6" dur="1" fill="hold">
+                                          <p:stCondLst>
+                                            <p:cond delay="0"/>
+                                          </p:stCondLst>
+                                        </p:cTn>
+                                        <p:tgtEl>
+                                          <p:spTgt spid="4"/>
+                                        </p:tgtEl>
+                                        <p:attrNameLst>
+                                          <p:attrName>style.visibility</p:attrName>
+                                        </p:attrNameLst>
+                                      </p:cBhvr>
+                                      <p:to>
+                                        <p:strVal val="visible"/>
+                                      </p:to>
+                                    </p:set>
+                                    <p:anim calcmode="lin" valueType="num">
+                                      <p:cBhvr>
+                                        <p:cTn id="7" dur="500" fill="hold"/>
+                                        <p:tgtEl>
+                                          <p:spTgt spid="4"/>
+                                        </p:tgtEl>
+                                        <p:attrNameLst>
+                                          <p:attrName>ppt_w</p:attrName>
+                                        </p:attrNameLst>
+                                      </p:cBhvr>
+                                      <p:tavLst>
+                                        <p:tav tm="0">
+                                          <p:val>
+                                            <p:fltVal val="0"/>
+                                          </p:val>
+                                        </p:tav>
+                                        <p:tav tm="100000">
+                                          <p:val>
+                                            <p:strVal val="#ppt_w"/>
+                                          </p:val>
+                                        </p:tav>
+                                      </p:tavLst>
+                                    </p:anim>
+                                    <p:anim calcmode="lin" valueType="num">
+                                      <p:cBhvr>
+                                        <p:cTn id="8" dur="500" fill="hold"/>
+                                        <p:tgtEl>
+                                          <p:spTgt spid="4"/>
+                                        </p:tgtEl>
+                                        <p:attrNameLst>
+                                          <p:attrName>ppt_h</p:attrName>
+                                        </p:attrNameLst>
+                                      </p:cBhvr>
+                                      <p:tavLst>
+                                        <p:tav tm="0">
+                                          <p:val>
+                                            <p:strVal val="#ppt_h"/>
+                                          </p:val>
+                                        </p:tav>
+                                        <p:tav tm="100000">
+                                          <p:val>
+                                            <p:strVal val="#ppt_h"/>
+                                          </p:val>
+                                        </p:tav>
+                                      </p:tavLst>
+                                    </p:anim>
+                                  </p:childTnLst>
+                                </p:cTn>
+                              </p:par>
+                              <p:par>
+                                <p:cTn id="9" presetID="6" presetClass="entr" presetSubtype="16" fill="hold" nodeType="withEffect">
+                                  <p:stCondLst>
+                                    <p:cond delay="0"/>
+                                  </p:stCondLst>
+                                  <p:childTnLst>
+                                    <p:set>
+                                      <p:cBhvr>
+                                        <p:cTn id="10" dur="1" fill="hold">
+                                          <p:stCondLst>
+                                            <p:cond delay="0"/>
+                                          </p:stCondLst>
+                                        </p:cTn>
+                                        <p:tgtEl>
+                                          <p:spTgt spid="7"/>
+                                        </p:tgtEl>
+                                        <p:attrNameLst>
+                                          <p:attrName>style.visibility</p:attrName>
+                                        </p:attrNameLst>
+                                      </p:cBhvr>
+                                      <p:to>
+                                        <p:strVal val="visible"/>
+                                      </p:to>
+                                    </p:set>
+                                    <p:animEffect transition="in" filter="circle(in)">
+                                      <p:cBhvr>
+                                        <p:cTn id="11" dur="500"/>
+                                        <p:tgtEl>
+                                          <p:spTgt spid="7"/>
+                                        </p:tgtEl>
+                                      </p:cBhvr>
+                                    </p:animEffect>
+                                  </p:childTnLst>
+                                </p:cTn>
+                              </p:par>
+                            </p:childTnLst>
+                          </p:cTn>
+                        </p:par>
+                      </p:childTnLst>
+                    </p:cTn>
+                  </p:par>
+                </p:childTnLst>
+              </p:cTn>
+              <p:prevCondLst>
+                <p:cond evt="onPrev" delay="0">
+                  <p:tgtEl>
+                    <p:sldTgt/>
+                  </p:tgtEl>
+                </p:cond>
+              </p:prevCondLst>
+              <p:nextCondLst>
+                <p:cond evt="onNext" delay="0">
+                  <p:tgtEl>
+                    <p:sldTgt/>
+                  </p:tgtEl>
+                </p:cond>
+              </p:nextCondLst>
+            </p:seq>
+          </p:childTnLst>
+        </p:cTn>
+      </p:par>
+    </p:tnLst>
+    <p:bldLst>
+      <p:bldP spid="4" grpId="0"/>
+    </p:bldLst>
+  </p:timing>
+</p:sld>
+</file>
+
+<file path=ppt/slides/slide31.xml><?xml version="1.0" encoding="utf-8"?>
+<p:sld xmlns:a="http://schemas.openxmlformats.org/drawingml/2006/main" xmlns:r="http://schemas.openxmlformats.org/officeDocument/2006/relationships" xmlns:p="http://schemas.openxmlformats.org/presentationml/2006/main">
+  <p:cSld>
+    <p:spTree>
+      <p:nvGrpSpPr>
+        <p:cNvPr id="1" name=""/>
+        <p:cNvGrpSpPr/>
+        <p:nvPr/>
+      </p:nvGrpSpPr>
+      <p:grpSpPr>
+        <a:xfrm>
+          <a:off x="0" y="0"/>
+          <a:ext cx="0" cy="0"/>
+          <a:chOff x="0" y="0"/>
+          <a:chExt cx="0" cy="0"/>
+        </a:xfrm>
+      </p:grpSpPr>
+      <p:sp>
+        <p:nvSpPr>
           <p:cNvPr id="11" name="TextBox 11">
             <a:extLst>
               <a:ext uri="{FF2B5EF4-FFF2-40B4-BE49-F238E27FC236}">
@@ -21997,7 +22485,7 @@
 </p:sld>
 </file>
 
-<file path=ppt/slides/slide31.xml><?xml version="1.0" encoding="utf-8"?>
+<file path=ppt/slides/slide32.xml><?xml version="1.0" encoding="utf-8"?>
 <p:sld xmlns:a="http://schemas.openxmlformats.org/drawingml/2006/main" xmlns:r="http://schemas.openxmlformats.org/officeDocument/2006/relationships" xmlns:p="http://schemas.openxmlformats.org/presentationml/2006/main">
   <p:cSld>
     <p:spTree>
@@ -22362,7 +22850,7 @@
 </p:sld>
 </file>
 
-<file path=ppt/slides/slide32.xml><?xml version="1.0" encoding="utf-8"?>
+<file path=ppt/slides/slide33.xml><?xml version="1.0" encoding="utf-8"?>
 <p:sld xmlns:a="http://schemas.openxmlformats.org/drawingml/2006/main" xmlns:r="http://schemas.openxmlformats.org/officeDocument/2006/relationships" xmlns:p="http://schemas.openxmlformats.org/presentationml/2006/main">
   <p:cSld>
     <p:spTree>
@@ -23107,36 +23595,6 @@
           </a:p>
         </p:txBody>
       </p:sp>
-      <p:pic>
-        <p:nvPicPr>
-          <p:cNvPr id="13" name="图片占位符 12"/>
-          <p:cNvPicPr>
-            <a:picLocks noGrp="1" noChangeAspect="1"/>
-          </p:cNvPicPr>
-          <p:nvPr>
-            <p:ph type="pic" sz="quarter" idx="4294967295"/>
-          </p:nvPr>
-        </p:nvPicPr>
-        <p:blipFill>
-          <a:blip r:embed="rId3" cstate="print">
-            <a:extLst>
-              <a:ext uri="{28A0092B-C50C-407E-A947-70E740481C1C}">
-                <a14:useLocalDpi xmlns:a14="http://schemas.microsoft.com/office/drawing/2010/main" val="0"/>
-              </a:ext>
-            </a:extLst>
-          </a:blip>
-          <a:srcRect t="9693" b="9693"/>
-          <a:stretch>
-            <a:fillRect/>
-          </a:stretch>
-        </p:blipFill>
-        <p:spPr>
-          <a:xfrm>
-            <a:off x="5148858" y="1945511"/>
-            <a:ext cx="3474302" cy="1866270"/>
-          </a:xfrm>
-        </p:spPr>
-      </p:pic>
       <p:sp>
         <p:nvSpPr>
           <p:cNvPr id="3" name="文本框 2">
@@ -23299,7 +23757,7 @@
           <p:nvPr/>
         </p:nvPicPr>
         <p:blipFill>
-          <a:blip r:embed="rId4" cstate="print">
+          <a:blip r:embed="rId3" cstate="print">
             <a:extLst>
               <a:ext uri="{28A0092B-C50C-407E-A947-70E740481C1C}">
                 <a14:useLocalDpi xmlns:a14="http://schemas.microsoft.com/office/drawing/2010/main" val="0"/>
@@ -23314,6 +23772,72 @@
           <a:xfrm>
             <a:off x="82219" y="98193"/>
             <a:ext cx="1034191" cy="1034191"/>
+          </a:xfrm>
+          <a:prstGeom prst="rect">
+            <a:avLst/>
+          </a:prstGeom>
+        </p:spPr>
+      </p:pic>
+      <p:pic>
+        <p:nvPicPr>
+          <p:cNvPr id="8" name="图片 7"/>
+          <p:cNvPicPr>
+            <a:picLocks noChangeAspect="1"/>
+          </p:cNvPicPr>
+          <p:nvPr/>
+        </p:nvPicPr>
+        <p:blipFill>
+          <a:blip r:embed="rId4" cstate="print">
+            <a:extLst>
+              <a:ext uri="{28A0092B-C50C-407E-A947-70E740481C1C}">
+                <a14:useLocalDpi xmlns:a14="http://schemas.microsoft.com/office/drawing/2010/main" val="0"/>
+              </a:ext>
+            </a:extLst>
+          </a:blip>
+          <a:stretch>
+            <a:fillRect/>
+          </a:stretch>
+        </p:blipFill>
+        <p:spPr>
+          <a:xfrm>
+            <a:off x="4937349" y="91313"/>
+            <a:ext cx="2385811" cy="2996313"/>
+          </a:xfrm>
+          <a:prstGeom prst="rect">
+            <a:avLst/>
+          </a:prstGeom>
+        </p:spPr>
+      </p:pic>
+      <p:pic>
+        <p:nvPicPr>
+          <p:cNvPr id="9" name="图片 8">
+            <a:extLst>
+              <a:ext uri="{FF2B5EF4-FFF2-40B4-BE49-F238E27FC236}">
+                <a16:creationId xmlns:a16="http://schemas.microsoft.com/office/drawing/2014/main" id="{59ADA70C-C3BC-4EAA-8112-CDC1A420D6A8}"/>
+              </a:ext>
+            </a:extLst>
+          </p:cNvPr>
+          <p:cNvPicPr>
+            <a:picLocks noChangeAspect="1"/>
+          </p:cNvPicPr>
+          <p:nvPr/>
+        </p:nvPicPr>
+        <p:blipFill>
+          <a:blip r:embed="rId5" cstate="print">
+            <a:extLst>
+              <a:ext uri="{28A0092B-C50C-407E-A947-70E740481C1C}">
+                <a14:useLocalDpi xmlns:a14="http://schemas.microsoft.com/office/drawing/2010/main" val="0"/>
+              </a:ext>
+            </a:extLst>
+          </a:blip>
+          <a:stretch>
+            <a:fillRect/>
+          </a:stretch>
+        </p:blipFill>
+        <p:spPr>
+          <a:xfrm>
+            <a:off x="6374843" y="1935180"/>
+            <a:ext cx="2738971" cy="3001729"/>
           </a:xfrm>
           <a:prstGeom prst="rect">
             <a:avLst/>
@@ -23366,7 +23890,7 @@
                             </p:stCondLst>
                             <p:childTnLst>
                               <p:par>
-                                <p:cTn id="5" presetID="53" presetClass="entr" presetSubtype="16" fill="hold" nodeType="withEffect">
+                                <p:cTn id="5" presetID="22" presetClass="entr" presetSubtype="2" fill="hold" grpId="0" nodeType="withEffect">
                                   <p:stCondLst>
                                     <p:cond delay="0"/>
                                   </p:stCondLst>
@@ -23374,87 +23898,6 @@
                                     <p:set>
                                       <p:cBhvr>
                                         <p:cTn id="6" dur="1" fill="hold">
-                                          <p:stCondLst>
-                                            <p:cond delay="0"/>
-                                          </p:stCondLst>
-                                        </p:cTn>
-                                        <p:tgtEl>
-                                          <p:spTgt spid="13"/>
-                                        </p:tgtEl>
-                                        <p:attrNameLst>
-                                          <p:attrName>style.visibility</p:attrName>
-                                        </p:attrNameLst>
-                                      </p:cBhvr>
-                                      <p:to>
-                                        <p:strVal val="visible"/>
-                                      </p:to>
-                                    </p:set>
-                                    <p:anim calcmode="lin" valueType="num">
-                                      <p:cBhvr>
-                                        <p:cTn id="7" dur="500" fill="hold"/>
-                                        <p:tgtEl>
-                                          <p:spTgt spid="13"/>
-                                        </p:tgtEl>
-                                        <p:attrNameLst>
-                                          <p:attrName>ppt_w</p:attrName>
-                                        </p:attrNameLst>
-                                      </p:cBhvr>
-                                      <p:tavLst>
-                                        <p:tav tm="0">
-                                          <p:val>
-                                            <p:fltVal val="0"/>
-                                          </p:val>
-                                        </p:tav>
-                                        <p:tav tm="100000">
-                                          <p:val>
-                                            <p:strVal val="#ppt_w"/>
-                                          </p:val>
-                                        </p:tav>
-                                      </p:tavLst>
-                                    </p:anim>
-                                    <p:anim calcmode="lin" valueType="num">
-                                      <p:cBhvr>
-                                        <p:cTn id="8" dur="500" fill="hold"/>
-                                        <p:tgtEl>
-                                          <p:spTgt spid="13"/>
-                                        </p:tgtEl>
-                                        <p:attrNameLst>
-                                          <p:attrName>ppt_h</p:attrName>
-                                        </p:attrNameLst>
-                                      </p:cBhvr>
-                                      <p:tavLst>
-                                        <p:tav tm="0">
-                                          <p:val>
-                                            <p:fltVal val="0"/>
-                                          </p:val>
-                                        </p:tav>
-                                        <p:tav tm="100000">
-                                          <p:val>
-                                            <p:strVal val="#ppt_h"/>
-                                          </p:val>
-                                        </p:tav>
-                                      </p:tavLst>
-                                    </p:anim>
-                                    <p:animEffect transition="in" filter="fade">
-                                      <p:cBhvr>
-                                        <p:cTn id="9" dur="500"/>
-                                        <p:tgtEl>
-                                          <p:spTgt spid="13"/>
-                                        </p:tgtEl>
-                                      </p:cBhvr>
-                                    </p:animEffect>
-                                  </p:childTnLst>
-                                </p:cTn>
-                              </p:par>
-                              <p:par>
-                                <p:cTn id="10" presetID="22" presetClass="entr" presetSubtype="2" fill="hold" grpId="0" nodeType="withEffect">
-                                  <p:stCondLst>
-                                    <p:cond delay="0"/>
-                                  </p:stCondLst>
-                                  <p:childTnLst>
-                                    <p:set>
-                                      <p:cBhvr>
-                                        <p:cTn id="11" dur="1" fill="hold">
                                           <p:stCondLst>
                                             <p:cond delay="0"/>
                                           </p:stCondLst>
@@ -23472,7 +23915,7 @@
                                     </p:set>
                                     <p:animEffect transition="in" filter="wipe(right)">
                                       <p:cBhvr>
-                                        <p:cTn id="12" dur="500"/>
+                                        <p:cTn id="7" dur="500"/>
                                         <p:tgtEl>
                                           <p:spTgt spid="14"/>
                                         </p:tgtEl>
@@ -23482,14 +23925,14 @@
                                 </p:cTn>
                               </p:par>
                               <p:par>
-                                <p:cTn id="13" presetID="22" presetClass="entr" presetSubtype="4" fill="hold" grpId="0" nodeType="withEffect">
+                                <p:cTn id="8" presetID="22" presetClass="entr" presetSubtype="4" fill="hold" grpId="0" nodeType="withEffect">
                                   <p:stCondLst>
                                     <p:cond delay="0"/>
                                   </p:stCondLst>
                                   <p:childTnLst>
                                     <p:set>
                                       <p:cBhvr>
-                                        <p:cTn id="14" dur="1" fill="hold">
+                                        <p:cTn id="9" dur="1" fill="hold">
                                           <p:stCondLst>
                                             <p:cond delay="0"/>
                                           </p:stCondLst>
@@ -23507,9 +23950,53 @@
                                     </p:set>
                                     <p:animEffect transition="in" filter="wipe(down)">
                                       <p:cBhvr>
-                                        <p:cTn id="15" dur="500"/>
+                                        <p:cTn id="10" dur="500"/>
                                         <p:tgtEl>
                                           <p:spTgt spid="3"/>
+                                        </p:tgtEl>
+                                      </p:cBhvr>
+                                    </p:animEffect>
+                                  </p:childTnLst>
+                                </p:cTn>
+                              </p:par>
+                            </p:childTnLst>
+                          </p:cTn>
+                        </p:par>
+                        <p:par>
+                          <p:cTn id="11" fill="hold">
+                            <p:stCondLst>
+                              <p:cond delay="500"/>
+                            </p:stCondLst>
+                            <p:childTnLst>
+                              <p:par>
+                                <p:cTn id="12" presetID="14" presetClass="entr" presetSubtype="10" fill="hold" nodeType="afterEffect">
+                                  <p:stCondLst>
+                                    <p:cond delay="0"/>
+                                  </p:stCondLst>
+                                  <p:childTnLst>
+                                    <p:set>
+                                      <p:cBhvr>
+                                        <p:cTn id="13" dur="1" fill="hold">
+                                          <p:stCondLst>
+                                            <p:cond delay="0"/>
+                                          </p:stCondLst>
+                                        </p:cTn>
+                                        <p:tgtEl>
+                                          <p:spTgt spid="9"/>
+                                        </p:tgtEl>
+                                        <p:attrNameLst>
+                                          <p:attrName>style.visibility</p:attrName>
+                                        </p:attrNameLst>
+                                      </p:cBhvr>
+                                      <p:to>
+                                        <p:strVal val="visible"/>
+                                      </p:to>
+                                    </p:set>
+                                    <p:animEffect transition="in" filter="randombar(horizontal)">
+                                      <p:cBhvr>
+                                        <p:cTn id="14" dur="500"/>
+                                        <p:tgtEl>
+                                          <p:spTgt spid="9"/>
                                         </p:tgtEl>
                                       </p:cBhvr>
                                     </p:animEffect>
@@ -24071,7 +24558,7 @@
         <p:spPr>
           <a:xfrm flipH="1">
             <a:off x="1620466" y="3158577"/>
-            <a:ext cx="1497968" cy="523220"/>
+            <a:ext cx="1497968" cy="307777"/>
           </a:xfrm>
           <a:prstGeom prst="rect">
             <a:avLst/>
@@ -24095,7 +24582,7 @@
           <a:p>
             <a:pPr algn="ctr"/>
             <a:r>
-              <a:rPr lang="zh-CN" altLang="en-US" sz="1400" b="1" dirty="0">
+              <a:rPr lang="zh-CN" altLang="en-US" sz="1400" b="1" dirty="0" smtClean="0">
                 <a:ln w="6350">
                   <a:noFill/>
                 </a:ln>
@@ -24105,9 +24592,9 @@
                 <a:latin typeface="Impact" pitchFamily="34" charset="0"/>
                 <a:ea typeface="微软雅黑" pitchFamily="34" charset="-122"/>
               </a:rPr>
-              <a:t>标准、条约和</a:t>
+              <a:t>约定</a:t>
             </a:r>
-            <a:endParaRPr lang="en-US" altLang="zh-CN" sz="1400" b="1" dirty="0">
+            <a:endParaRPr lang="zh-CN" altLang="en-US" sz="1400" b="1" dirty="0">
               <a:ln w="6350">
                 <a:noFill/>
               </a:ln>
@@ -24117,22 +24604,6 @@
               <a:latin typeface="Impact" pitchFamily="34" charset="0"/>
               <a:ea typeface="微软雅黑" pitchFamily="34" charset="-122"/>
             </a:endParaRPr>
-          </a:p>
-          <a:p>
-            <a:pPr algn="ctr"/>
-            <a:r>
-              <a:rPr lang="zh-CN" altLang="en-US" sz="1400" b="1" dirty="0">
-                <a:ln w="6350">
-                  <a:noFill/>
-                </a:ln>
-                <a:solidFill>
-                  <a:schemeClr val="bg1"/>
-                </a:solidFill>
-                <a:latin typeface="Impact" pitchFamily="34" charset="0"/>
-                <a:ea typeface="微软雅黑" pitchFamily="34" charset="-122"/>
-              </a:rPr>
-              <a:t>约定</a:t>
-            </a:r>
           </a:p>
         </p:txBody>
       </p:sp>
@@ -26578,7 +27049,7 @@
         <p:spPr>
           <a:xfrm flipH="1">
             <a:off x="4444100" y="3438429"/>
-            <a:ext cx="4123162" cy="954107"/>
+            <a:ext cx="4123162" cy="707886"/>
           </a:xfrm>
           <a:prstGeom prst="rect">
             <a:avLst/>
@@ -26602,7 +27073,7 @@
           <a:p>
             <a:pPr lvl="0"/>
             <a:r>
-              <a:rPr lang="zh-CN" altLang="en-US" sz="2400" b="1" dirty="0">
+              <a:rPr lang="zh-CN" altLang="en-US" sz="2400" b="1" dirty="0" smtClean="0">
                 <a:solidFill>
                   <a:schemeClr val="bg1">
                     <a:lumMod val="50000"/>
@@ -26612,7 +27083,7 @@
                 <a:ea typeface="+mj-ea"/>
                 <a:sym typeface="宋体" panose="02010600030101010101" pitchFamily="2" charset="-122"/>
               </a:rPr>
-              <a:t>标准、条约和约定</a:t>
+              <a:t>约定</a:t>
             </a:r>
             <a:endParaRPr lang="en-US" altLang="zh-CN" sz="2400" b="1" dirty="0">
               <a:solidFill>
@@ -26628,7 +27099,7 @@
           <a:p>
             <a:pPr lvl="0"/>
             <a:r>
-              <a:rPr lang="zh-CN" altLang="en-US" sz="1600" dirty="0">
+              <a:rPr lang="zh-CN" altLang="en-US" sz="1600" dirty="0" smtClean="0">
                 <a:solidFill>
                   <a:schemeClr val="bg1">
                     <a:lumMod val="50000"/>
@@ -26638,10 +27109,10 @@
                 <a:ea typeface="+mj-ea"/>
                 <a:sym typeface="宋体" panose="02010600030101010101" pitchFamily="2" charset="-122"/>
               </a:rPr>
-              <a:t>遵守</a:t>
+              <a:t>必须</a:t>
             </a:r>
             <a:r>
-              <a:rPr lang="en-US" altLang="zh-CN" sz="1600" dirty="0">
+              <a:rPr lang="zh-CN" altLang="en-US" sz="1600" dirty="0">
                 <a:solidFill>
                   <a:schemeClr val="bg1">
                     <a:lumMod val="50000"/>
@@ -26651,62 +27122,7 @@
                 <a:ea typeface="+mj-ea"/>
                 <a:sym typeface="宋体" panose="02010600030101010101" pitchFamily="2" charset="-122"/>
               </a:rPr>
-              <a:t>http</a:t>
-            </a:r>
-            <a:r>
-              <a:rPr lang="zh-CN" altLang="en-US" sz="1600" dirty="0">
-                <a:solidFill>
-                  <a:schemeClr val="bg1">
-                    <a:lumMod val="50000"/>
-                  </a:schemeClr>
-                </a:solidFill>
-                <a:latin typeface="+mj-ea"/>
-                <a:ea typeface="+mj-ea"/>
-                <a:sym typeface="宋体" panose="02010600030101010101" pitchFamily="2" charset="-122"/>
-              </a:rPr>
-              <a:t>协议、</a:t>
-            </a:r>
-            <a:r>
-              <a:rPr lang="en-US" altLang="zh-CN" sz="1600" dirty="0">
-                <a:solidFill>
-                  <a:schemeClr val="bg1">
-                    <a:lumMod val="50000"/>
-                  </a:schemeClr>
-                </a:solidFill>
-                <a:latin typeface="+mj-ea"/>
-                <a:ea typeface="+mj-ea"/>
-                <a:sym typeface="宋体" panose="02010600030101010101" pitchFamily="2" charset="-122"/>
-              </a:rPr>
-              <a:t>Robot</a:t>
-            </a:r>
-            <a:r>
-              <a:rPr lang="zh-CN" altLang="en-US" sz="1600" dirty="0">
-                <a:solidFill>
-                  <a:schemeClr val="bg1">
-                    <a:lumMod val="50000"/>
-                  </a:schemeClr>
-                </a:solidFill>
-                <a:latin typeface="+mj-ea"/>
-                <a:ea typeface="+mj-ea"/>
-                <a:sym typeface="宋体" panose="02010600030101010101" pitchFamily="2" charset="-122"/>
-              </a:rPr>
-              <a:t>协议</a:t>
-            </a:r>
-          </a:p>
-          <a:p>
-            <a:pPr lvl="0"/>
-            <a:r>
-              <a:rPr lang="zh-CN" altLang="en-US" sz="1600" dirty="0">
-                <a:solidFill>
-                  <a:schemeClr val="bg1">
-                    <a:lumMod val="50000"/>
-                  </a:schemeClr>
-                </a:solidFill>
-                <a:latin typeface="+mj-ea"/>
-                <a:ea typeface="+mj-ea"/>
-                <a:sym typeface="宋体" panose="02010600030101010101" pitchFamily="2" charset="-122"/>
-              </a:rPr>
-              <a:t>必须在</a:t>
+              <a:t>在</a:t>
             </a:r>
             <a:r>
               <a:rPr lang="en-US" altLang="zh-CN" sz="1600" dirty="0">
@@ -26722,7 +27138,7 @@
               <a:t>6</a:t>
             </a:r>
             <a:r>
-              <a:rPr lang="zh-CN" altLang="en-US" sz="1600" dirty="0">
+              <a:rPr lang="zh-CN" altLang="en-US" sz="1600" dirty="0" smtClean="0">
                 <a:solidFill>
                   <a:schemeClr val="bg1">
                     <a:lumMod val="50000"/>
@@ -26735,7 +27151,7 @@
               <a:t>月</a:t>
             </a:r>
             <a:r>
-              <a:rPr lang="en-US" altLang="zh-CN" sz="1600" dirty="0">
+              <a:rPr lang="en-US" altLang="zh-CN" sz="1600" dirty="0" smtClean="0">
                 <a:solidFill>
                   <a:schemeClr val="bg1">
                     <a:lumMod val="50000"/>
@@ -26745,10 +27161,10 @@
                 <a:ea typeface="+mj-ea"/>
                 <a:sym typeface="宋体" panose="02010600030101010101" pitchFamily="2" charset="-122"/>
               </a:rPr>
-              <a:t>20</a:t>
+              <a:t>18</a:t>
             </a:r>
             <a:r>
-              <a:rPr lang="zh-CN" altLang="en-US" sz="1600" dirty="0">
+              <a:rPr lang="zh-CN" altLang="en-US" sz="1600" dirty="0" smtClean="0">
                 <a:solidFill>
                   <a:schemeClr val="bg1">
                     <a:lumMod val="50000"/>
@@ -26758,7 +27174,20 @@
                 <a:ea typeface="+mj-ea"/>
                 <a:sym typeface="宋体" panose="02010600030101010101" pitchFamily="2" charset="-122"/>
               </a:rPr>
-              <a:t>日前完成关于软件的所有工作。</a:t>
+              <a:t>日前</a:t>
+            </a:r>
+            <a:r>
+              <a:rPr lang="zh-CN" altLang="en-US" sz="1600" dirty="0">
+                <a:solidFill>
+                  <a:schemeClr val="bg1">
+                    <a:lumMod val="50000"/>
+                  </a:schemeClr>
+                </a:solidFill>
+                <a:latin typeface="+mj-ea"/>
+                <a:ea typeface="+mj-ea"/>
+                <a:sym typeface="宋体" panose="02010600030101010101" pitchFamily="2" charset="-122"/>
+              </a:rPr>
+              <a:t>完成关于软件的所有工作。</a:t>
             </a:r>
           </a:p>
         </p:txBody>
@@ -26785,6 +27214,13 @@
       </p:transition>
     </mc:Fallback>
   </mc:AlternateContent>
+  <p:timing>
+    <p:tnLst>
+      <p:par>
+        <p:cTn id="1" dur="indefinite" restart="never" nodeType="tmRoot"/>
+      </p:par>
+    </p:tnLst>
+  </p:timing>
 </p:sld>
 </file>
 
@@ -26805,59 +27241,6 @@
           <a:chExt cx="0" cy="0"/>
         </a:xfrm>
       </p:grpSpPr>
-      <p:pic>
-        <p:nvPicPr>
-          <p:cNvPr id="12" name="图片 11"/>
-          <p:cNvPicPr>
-            <a:picLocks noChangeAspect="1"/>
-          </p:cNvPicPr>
-          <p:nvPr/>
-        </p:nvPicPr>
-        <p:blipFill>
-          <a:blip r:embed="rId3" cstate="print">
-            <a:extLst>
-              <a:ext uri="{28A0092B-C50C-407E-A947-70E740481C1C}">
-                <a14:useLocalDpi xmlns:a14="http://schemas.microsoft.com/office/drawing/2010/main" val="0"/>
-              </a:ext>
-            </a:extLst>
-          </a:blip>
-          <a:stretch>
-            <a:fillRect/>
-          </a:stretch>
-        </p:blipFill>
-        <p:spPr bwMode="auto">
-          <a:xfrm>
-            <a:off x="5188663" y="1664844"/>
-            <a:ext cx="1565185" cy="2347778"/>
-          </a:xfrm>
-          <a:prstGeom prst="rect">
-            <a:avLst/>
-          </a:prstGeom>
-          <a:noFill/>
-          <a:ln>
-            <a:noFill/>
-          </a:ln>
-          <a:extLst>
-            <a:ext uri="{909E8E84-426E-40DD-AFC4-6F175D3DCCD1}">
-              <a14:hiddenFill xmlns:a14="http://schemas.microsoft.com/office/drawing/2010/main">
-                <a:solidFill>
-                  <a:srgbClr val="FFFFFF"/>
-                </a:solidFill>
-              </a14:hiddenFill>
-            </a:ext>
-            <a:ext uri="{91240B29-F687-4F45-9708-019B960494DF}">
-              <a14:hiddenLine xmlns:a14="http://schemas.microsoft.com/office/drawing/2010/main" w="9525">
-                <a:solidFill>
-                  <a:srgbClr val="000000"/>
-                </a:solidFill>
-                <a:miter lim="800000"/>
-                <a:headEnd/>
-                <a:tailEnd/>
-              </a14:hiddenLine>
-            </a:ext>
-          </a:extLst>
-        </p:spPr>
-      </p:pic>
       <p:sp>
         <p:nvSpPr>
           <p:cNvPr id="13" name="矩形 12"/>
@@ -27584,40 +27967,6 @@
           </a:p>
         </p:txBody>
       </p:sp>
-      <p:pic>
-        <p:nvPicPr>
-          <p:cNvPr id="17" name="图片 16"/>
-          <p:cNvPicPr>
-            <a:picLocks noChangeAspect="1"/>
-          </p:cNvPicPr>
-          <p:nvPr/>
-        </p:nvPicPr>
-        <p:blipFill>
-          <a:blip r:embed="rId4" cstate="print">
-            <a:extLst>
-              <a:ext uri="{28A0092B-C50C-407E-A947-70E740481C1C}">
-                <a14:useLocalDpi xmlns:a14="http://schemas.microsoft.com/office/drawing/2010/main" val="0"/>
-              </a:ext>
-            </a:extLst>
-          </a:blip>
-          <a:stretch>
-            <a:fillRect/>
-          </a:stretch>
-        </p:blipFill>
-        <p:spPr>
-          <a:xfrm>
-            <a:off x="6865859" y="1664847"/>
-            <a:ext cx="1561714" cy="2347777"/>
-          </a:xfrm>
-          <a:prstGeom prst="rect">
-            <a:avLst/>
-          </a:prstGeom>
-          <a:noFill/>
-          <a:ln>
-            <a:noFill/>
-          </a:ln>
-        </p:spPr>
-      </p:pic>
       <p:sp>
         <p:nvSpPr>
           <p:cNvPr id="9" name="矩形 8">
@@ -27685,7 +28034,7 @@
           <p:nvPr/>
         </p:nvPicPr>
         <p:blipFill>
-          <a:blip r:embed="rId5" cstate="print">
+          <a:blip r:embed="rId3" cstate="print">
             <a:extLst>
               <a:ext uri="{28A0092B-C50C-407E-A947-70E740481C1C}">
                 <a14:useLocalDpi xmlns:a14="http://schemas.microsoft.com/office/drawing/2010/main" val="0"/>
@@ -27700,6 +28049,36 @@
           <a:xfrm>
             <a:off x="82219" y="98193"/>
             <a:ext cx="1034191" cy="1034191"/>
+          </a:xfrm>
+          <a:prstGeom prst="rect">
+            <a:avLst/>
+          </a:prstGeom>
+        </p:spPr>
+      </p:pic>
+      <p:pic>
+        <p:nvPicPr>
+          <p:cNvPr id="2" name="图片 1"/>
+          <p:cNvPicPr>
+            <a:picLocks noChangeAspect="1"/>
+          </p:cNvPicPr>
+          <p:nvPr/>
+        </p:nvPicPr>
+        <p:blipFill>
+          <a:blip r:embed="rId4" cstate="print">
+            <a:extLst>
+              <a:ext uri="{28A0092B-C50C-407E-A947-70E740481C1C}">
+                <a14:useLocalDpi xmlns:a14="http://schemas.microsoft.com/office/drawing/2010/main" val="0"/>
+              </a:ext>
+            </a:extLst>
+          </a:blip>
+          <a:stretch>
+            <a:fillRect/>
+          </a:stretch>
+        </p:blipFill>
+        <p:spPr>
+          <a:xfrm>
+            <a:off x="5148858" y="0"/>
+            <a:ext cx="2894112" cy="5145088"/>
           </a:xfrm>
           <a:prstGeom prst="rect">
             <a:avLst/>
@@ -27856,76 +28235,6 @@
                                         <p:cTn id="11" dur="500"/>
                                         <p:tgtEl>
                                           <p:spTgt spid="14"/>
-                                        </p:tgtEl>
-                                      </p:cBhvr>
-                                    </p:animEffect>
-                                  </p:childTnLst>
-                                </p:cTn>
-                              </p:par>
-                              <p:par>
-                                <p:cTn id="12" presetID="14" presetClass="entr" presetSubtype="10" fill="hold" nodeType="withEffect">
-                                  <p:stCondLst>
-                                    <p:cond delay="0"/>
-                                  </p:stCondLst>
-                                  <p:childTnLst>
-                                    <p:set>
-                                      <p:cBhvr>
-                                        <p:cTn id="13" dur="1" fill="hold">
-                                          <p:stCondLst>
-                                            <p:cond delay="0"/>
-                                          </p:stCondLst>
-                                        </p:cTn>
-                                        <p:tgtEl>
-                                          <p:spTgt spid="12"/>
-                                        </p:tgtEl>
-                                        <p:attrNameLst>
-                                          <p:attrName>style.visibility</p:attrName>
-                                        </p:attrNameLst>
-                                      </p:cBhvr>
-                                      <p:to>
-                                        <p:strVal val="visible"/>
-                                      </p:to>
-                                    </p:set>
-                                    <p:animEffect transition="in" filter="randombar(horizontal)">
-                                      <p:cBhvr>
-                                        <p:cTn id="14" dur="500"/>
-                                        <p:tgtEl>
-                                          <p:spTgt spid="12"/>
-                                        </p:tgtEl>
-                                      </p:cBhvr>
-                                    </p:animEffect>
-                                  </p:childTnLst>
-                                </p:cTn>
-                              </p:par>
-                              <p:par>
-                                <p:cTn id="15" presetID="14" presetClass="entr" presetSubtype="10" fill="hold" nodeType="withEffect">
-                                  <p:stCondLst>
-                                    <p:cond delay="0"/>
-                                  </p:stCondLst>
-                                  <p:childTnLst>
-                                    <p:set>
-                                      <p:cBhvr>
-                                        <p:cTn id="16" dur="1" fill="hold">
-                                          <p:stCondLst>
-                                            <p:cond delay="0"/>
-                                          </p:stCondLst>
-                                        </p:cTn>
-                                        <p:tgtEl>
-                                          <p:spTgt spid="17"/>
-                                        </p:tgtEl>
-                                        <p:attrNameLst>
-                                          <p:attrName>style.visibility</p:attrName>
-                                        </p:attrNameLst>
-                                      </p:cBhvr>
-                                      <p:to>
-                                        <p:strVal val="visible"/>
-                                      </p:to>
-                                    </p:set>
-                                    <p:animEffect transition="in" filter="randombar(horizontal)">
-                                      <p:cBhvr>
-                                        <p:cTn id="17" dur="500"/>
-                                        <p:tgtEl>
-                                          <p:spTgt spid="17"/>
                                         </p:tgtEl>
                                       </p:cBhvr>
                                     </p:animEffect>
@@ -29160,6 +29469,13 @@
       </p:transition>
     </mc:Fallback>
   </mc:AlternateContent>
+  <p:timing>
+    <p:tnLst>
+      <p:par>
+        <p:cTn id="1" dur="indefinite" restart="never" nodeType="tmRoot"/>
+      </p:par>
+    </p:tnLst>
+  </p:timing>
 </p:sld>
 </file>
 

--- a/评审PPT/项目计划/ZUCCLazyBone项目计划.pptx
+++ b/评审PPT/项目计划/ZUCCLazyBone项目计划.pptx
@@ -330,7 +330,7 @@
             <a:fld id="{717742FC-62BB-4B81-9CA5-3B750A4B4580}" type="datetimeFigureOut">
               <a:rPr lang="zh-CN" altLang="en-US" smtClean="0"/>
               <a:pPr/>
-              <a:t>2019/3/21</a:t>
+              <a:t>2019/3/22</a:t>
             </a:fld>
             <a:endParaRPr lang="zh-CN" altLang="en-US"/>
           </a:p>
@@ -505,7 +505,7 @@
               <a:pPr>
                 <a:defRPr/>
               </a:pPr>
-              <a:t>2019/3/21</a:t>
+              <a:t>2019/3/22</a:t>
             </a:fld>
             <a:endParaRPr lang="zh-CN" altLang="en-US"/>
           </a:p>
@@ -2516,7 +2516,7 @@
               <a:pPr>
                 <a:defRPr/>
               </a:pPr>
-              <a:t>2019/3/21</a:t>
+              <a:t>2019/3/22</a:t>
             </a:fld>
             <a:endParaRPr lang="zh-CN" altLang="en-US"/>
           </a:p>
@@ -2820,7 +2820,7 @@
               <a:pPr>
                 <a:defRPr/>
               </a:pPr>
-              <a:t>2019/3/21</a:t>
+              <a:t>2019/3/22</a:t>
             </a:fld>
             <a:endParaRPr lang="zh-CN" altLang="en-US"/>
           </a:p>
@@ -3090,7 +3090,7 @@
               <a:pPr>
                 <a:defRPr/>
               </a:pPr>
-              <a:t>2019/3/21</a:t>
+              <a:t>2019/3/22</a:t>
             </a:fld>
             <a:endParaRPr lang="zh-CN" altLang="en-US"/>
           </a:p>
@@ -3360,7 +3360,7 @@
               <a:pPr>
                 <a:defRPr/>
               </a:pPr>
-              <a:t>2019/3/21</a:t>
+              <a:t>2019/3/22</a:t>
             </a:fld>
             <a:endParaRPr lang="zh-CN" altLang="en-US"/>
           </a:p>
@@ -3630,7 +3630,7 @@
               <a:pPr>
                 <a:defRPr/>
               </a:pPr>
-              <a:t>2019/3/21</a:t>
+              <a:t>2019/3/22</a:t>
             </a:fld>
             <a:endParaRPr lang="zh-CN" altLang="en-US"/>
           </a:p>
@@ -3888,7 +3888,7 @@
             <a:fld id="{32BF82D2-7A68-459D-A996-9BDDA2518FA4}" type="datetimeFigureOut">
               <a:rPr lang="zh-CN" altLang="en-US" smtClean="0"/>
               <a:pPr/>
-              <a:t>2019/3/21</a:t>
+              <a:t>2019/3/22</a:t>
             </a:fld>
             <a:endParaRPr lang="zh-CN" altLang="en-US"/>
           </a:p>
@@ -3994,7 +3994,7 @@
               <a:pPr>
                 <a:defRPr/>
               </a:pPr>
-              <a:t>2019/3/21</a:t>
+              <a:t>2019/3/22</a:t>
             </a:fld>
             <a:endParaRPr lang="zh-CN" altLang="en-US"/>
           </a:p>
@@ -4218,7 +4218,7 @@
             <a:fld id="{43A93E93-166D-47F5-9EF1-ACEABE24AEEA}" type="datetimeFigureOut">
               <a:rPr lang="zh-CN" altLang="en-US" smtClean="0"/>
               <a:pPr/>
-              <a:t>2019/3/21</a:t>
+              <a:t>2019/3/22</a:t>
             </a:fld>
             <a:endParaRPr lang="zh-CN" altLang="en-US"/>
           </a:p>
@@ -5560,8 +5560,8 @@
         </p:nvSpPr>
         <p:spPr>
           <a:xfrm>
-            <a:off x="1099444" y="1737331"/>
-            <a:ext cx="6929734" cy="1200329"/>
+            <a:off x="1121974" y="1132384"/>
+            <a:ext cx="6929734" cy="1569660"/>
           </a:xfrm>
           <a:prstGeom prst="rect">
             <a:avLst/>
@@ -5603,7 +5603,7 @@
           </a:p>
           <a:p>
             <a:r>
-              <a:rPr lang="en-US" altLang="zh-CN" sz="2400" b="1" smtClean="0">
+              <a:rPr lang="en-US" altLang="zh-CN" sz="2400" b="1" dirty="0" smtClean="0">
                 <a:ln w="6350">
                   <a:noFill/>
                 </a:ln>
@@ -5618,7 +5618,7 @@
               <a:t>1.</a:t>
             </a:r>
             <a:r>
-              <a:rPr lang="zh-CN" altLang="en-US" sz="2400" b="1" smtClean="0">
+              <a:rPr lang="zh-CN" altLang="en-US" sz="2400" b="1" dirty="0" smtClean="0">
                 <a:ln w="6350">
                   <a:noFill/>
                 </a:ln>
@@ -5795,20 +5795,70 @@
                 <a:latin typeface="微软雅黑" pitchFamily="34" charset="-122"/>
                 <a:ea typeface="微软雅黑" pitchFamily="34" charset="-122"/>
               </a:rPr>
-              <a:t>,2013</a:t>
+              <a:t>,</a:t>
             </a:r>
-            <a:endParaRPr lang="zh-CN" altLang="zh-CN" sz="2400" b="1" dirty="0">
-              <a:ln w="6350">
-                <a:noFill/>
-              </a:ln>
-              <a:solidFill>
-                <a:schemeClr val="bg1">
-                  <a:lumMod val="50000"/>
-                </a:schemeClr>
-              </a:solidFill>
-              <a:latin typeface="微软雅黑" pitchFamily="34" charset="-122"/>
-              <a:ea typeface="微软雅黑" pitchFamily="34" charset="-122"/>
-            </a:endParaRPr>
+            <a:r>
+              <a:rPr lang="en-US" altLang="zh-CN" sz="2400" b="1" dirty="0" smtClean="0">
+                <a:ln w="6350">
+                  <a:noFill/>
+                </a:ln>
+                <a:solidFill>
+                  <a:schemeClr val="bg1">
+                    <a:lumMod val="50000"/>
+                  </a:schemeClr>
+                </a:solidFill>
+                <a:latin typeface="微软雅黑" pitchFamily="34" charset="-122"/>
+                <a:ea typeface="微软雅黑" pitchFamily="34" charset="-122"/>
+              </a:rPr>
+              <a:t>2013</a:t>
+            </a:r>
+          </a:p>
+          <a:p>
+            <a:r>
+              <a:rPr lang="en-US" altLang="zh-CN" sz="2400" b="1" dirty="0" smtClean="0">
+                <a:ln w="6350">
+                  <a:noFill/>
+                </a:ln>
+                <a:solidFill>
+                  <a:schemeClr val="bg1">
+                    <a:lumMod val="50000"/>
+                  </a:schemeClr>
+                </a:solidFill>
+                <a:latin typeface="微软雅黑" pitchFamily="34" charset="-122"/>
+                <a:ea typeface="微软雅黑" pitchFamily="34" charset="-122"/>
+              </a:rPr>
+              <a:t>2.</a:t>
+            </a:r>
+            <a:r>
+              <a:rPr lang="zh-CN" altLang="en-US" sz="2400" b="1" dirty="0" smtClean="0">
+                <a:ln w="6350">
+                  <a:noFill/>
+                </a:ln>
+                <a:solidFill>
+                  <a:schemeClr val="bg1">
+                    <a:lumMod val="50000"/>
+                  </a:schemeClr>
+                </a:solidFill>
+                <a:latin typeface="微软雅黑" pitchFamily="34" charset="-122"/>
+                <a:ea typeface="微软雅黑" pitchFamily="34" charset="-122"/>
+              </a:rPr>
+              <a:t>做到</a:t>
+            </a:r>
+            <a:r>
+              <a:rPr lang="en-US" altLang="zh-CN" sz="2400" b="1" dirty="0" smtClean="0">
+                <a:ln w="6350">
+                  <a:noFill/>
+                </a:ln>
+                <a:solidFill>
+                  <a:schemeClr val="bg1">
+                    <a:lumMod val="50000"/>
+                  </a:schemeClr>
+                </a:solidFill>
+                <a:latin typeface="微软雅黑" pitchFamily="34" charset="-122"/>
+                <a:ea typeface="微软雅黑" pitchFamily="34" charset="-122"/>
+              </a:rPr>
+              <a:t>APP</a:t>
+            </a:r>
           </a:p>
         </p:txBody>
       </p:sp>
@@ -15854,13 +15904,13 @@
               </a:ext>
             </a:extLst>
           </a:blip>
-          <a:srcRect t="27353" r="-424"/>
+          <a:srcRect l="-271" t="29224" r="-1"/>
           <a:stretch/>
         </p:blipFill>
         <p:spPr>
           <a:xfrm>
-            <a:off x="180306" y="1290627"/>
-            <a:ext cx="8359558" cy="3154550"/>
+            <a:off x="396330" y="1295077"/>
+            <a:ext cx="8161307" cy="2880320"/>
           </a:xfrm>
           <a:prstGeom prst="rect">
             <a:avLst/>
@@ -16340,10 +16390,22 @@
                 <a:latin typeface="微软雅黑" pitchFamily="34" charset="-122"/>
                 <a:ea typeface="微软雅黑" pitchFamily="34" charset="-122"/>
               </a:rPr>
-              <a:t>工作进度审核：组长约定一周两次任务成果审核初审、二审时间，并在每周三</a:t>
+              <a:t>工作进度审核：组长约定一周两次任务成果审核初审、二审时间，并在每</a:t>
             </a:r>
             <a:r>
-              <a:rPr lang="en-US" altLang="zh-CN" sz="2000" dirty="0">
+              <a:rPr lang="zh-CN" altLang="en-US" sz="2000" dirty="0" smtClean="0">
+                <a:solidFill>
+                  <a:prstClr val="white">
+                    <a:lumMod val="50000"/>
+                  </a:prstClr>
+                </a:solidFill>
+                <a:latin typeface="微软雅黑" pitchFamily="34" charset="-122"/>
+                <a:ea typeface="微软雅黑" pitchFamily="34" charset="-122"/>
+              </a:rPr>
+              <a:t>周五</a:t>
+            </a:r>
+            <a:r>
+              <a:rPr lang="en-US" altLang="zh-CN" sz="2000" dirty="0" smtClean="0">
                 <a:solidFill>
                   <a:prstClr val="white">
                     <a:lumMod val="50000"/>
@@ -16364,10 +16426,10 @@
                 <a:latin typeface="微软雅黑" pitchFamily="34" charset="-122"/>
                 <a:ea typeface="微软雅黑" pitchFamily="34" charset="-122"/>
               </a:rPr>
-              <a:t>五</a:t>
+              <a:t>六</a:t>
             </a:r>
             <a:r>
-              <a:rPr lang="en-US" altLang="zh-CN" sz="2000" dirty="0">
+              <a:rPr lang="zh-CN" altLang="en-US" sz="2000" dirty="0" smtClean="0">
                 <a:solidFill>
                   <a:prstClr val="white">
                     <a:lumMod val="50000"/>
@@ -16376,34 +16438,22 @@
                 <a:latin typeface="微软雅黑" pitchFamily="34" charset="-122"/>
                 <a:ea typeface="微软雅黑" pitchFamily="34" charset="-122"/>
               </a:rPr>
-              <a:t>/</a:t>
+              <a:t>晚</a:t>
+            </a:r>
+            <a:r>
+              <a:rPr lang="en-US" altLang="zh-CN" sz="2000" dirty="0" smtClean="0">
+                <a:solidFill>
+                  <a:prstClr val="white">
+                    <a:lumMod val="50000"/>
+                  </a:prstClr>
+                </a:solidFill>
+                <a:latin typeface="微软雅黑" pitchFamily="34" charset="-122"/>
+                <a:ea typeface="微软雅黑" pitchFamily="34" charset="-122"/>
+              </a:rPr>
+              <a:t>11</a:t>
             </a:r>
             <a:r>
               <a:rPr lang="zh-CN" altLang="en-US" sz="2000" dirty="0" smtClean="0">
-                <a:solidFill>
-                  <a:prstClr val="white">
-                    <a:lumMod val="50000"/>
-                  </a:prstClr>
-                </a:solidFill>
-                <a:latin typeface="微软雅黑" pitchFamily="34" charset="-122"/>
-                <a:ea typeface="微软雅黑" pitchFamily="34" charset="-122"/>
-              </a:rPr>
-              <a:t>六晚</a:t>
-            </a:r>
-            <a:r>
-              <a:rPr lang="en-US" altLang="zh-CN" sz="2000" dirty="0">
-                <a:solidFill>
-                  <a:prstClr val="white">
-                    <a:lumMod val="50000"/>
-                  </a:prstClr>
-                </a:solidFill>
-                <a:latin typeface="微软雅黑" pitchFamily="34" charset="-122"/>
-                <a:ea typeface="微软雅黑" pitchFamily="34" charset="-122"/>
-              </a:rPr>
-              <a:t>12</a:t>
-            </a:r>
-            <a:r>
-              <a:rPr lang="zh-CN" altLang="en-US" sz="2000" dirty="0">
                 <a:solidFill>
                   <a:prstClr val="white">
                     <a:lumMod val="50000"/>
@@ -17572,7 +17622,7 @@
       </p:sp>
       <p:pic>
         <p:nvPicPr>
-          <p:cNvPr id="7" name="图片 6"/>
+          <p:cNvPr id="5" name="图片 4"/>
           <p:cNvPicPr>
             <a:picLocks noChangeAspect="1"/>
           </p:cNvPicPr>
@@ -17586,8 +17636,8 @@
         </p:blipFill>
         <p:spPr>
           <a:xfrm>
-            <a:off x="468338" y="1564432"/>
-            <a:ext cx="8215080" cy="2448272"/>
+            <a:off x="1332434" y="948000"/>
+            <a:ext cx="6392192" cy="4064899"/>
           </a:xfrm>
           <a:prstGeom prst="rect">
             <a:avLst/>
@@ -21447,42 +21497,6 @@
           </a:p>
         </p:txBody>
       </p:sp>
-      <p:pic>
-        <p:nvPicPr>
-          <p:cNvPr id="7" name="图片 6">
-            <a:extLst>
-              <a:ext uri="{FF2B5EF4-FFF2-40B4-BE49-F238E27FC236}">
-                <a16:creationId xmlns:a16="http://schemas.microsoft.com/office/drawing/2014/main" id="{64646F79-96EE-48EC-B8F6-32586AEE143B}"/>
-              </a:ext>
-            </a:extLst>
-          </p:cNvPr>
-          <p:cNvPicPr>
-            <a:picLocks noChangeAspect="1"/>
-          </p:cNvPicPr>
-          <p:nvPr/>
-        </p:nvPicPr>
-        <p:blipFill>
-          <a:blip r:embed="rId3">
-            <a:extLst>
-              <a:ext uri="{28A0092B-C50C-407E-A947-70E740481C1C}">
-                <a14:useLocalDpi xmlns:a14="http://schemas.microsoft.com/office/drawing/2010/main" val="0"/>
-              </a:ext>
-            </a:extLst>
-          </a:blip>
-          <a:stretch>
-            <a:fillRect/>
-          </a:stretch>
-        </p:blipFill>
-        <p:spPr>
-          <a:xfrm>
-            <a:off x="2916610" y="508464"/>
-            <a:ext cx="3642212" cy="4552764"/>
-          </a:xfrm>
-          <a:prstGeom prst="rect">
-            <a:avLst/>
-          </a:prstGeom>
-        </p:spPr>
-      </p:pic>
     </p:spTree>
     <p:extLst>
       <p:ext uri="{BB962C8B-B14F-4D97-AF65-F5344CB8AC3E}">
@@ -21589,41 +21603,6 @@
                                         </p:tav>
                                       </p:tavLst>
                                     </p:anim>
-                                  </p:childTnLst>
-                                </p:cTn>
-                              </p:par>
-                              <p:par>
-                                <p:cTn id="9" presetID="6" presetClass="entr" presetSubtype="16" fill="hold" nodeType="withEffect">
-                                  <p:stCondLst>
-                                    <p:cond delay="0"/>
-                                  </p:stCondLst>
-                                  <p:childTnLst>
-                                    <p:set>
-                                      <p:cBhvr>
-                                        <p:cTn id="10" dur="1" fill="hold">
-                                          <p:stCondLst>
-                                            <p:cond delay="0"/>
-                                          </p:stCondLst>
-                                        </p:cTn>
-                                        <p:tgtEl>
-                                          <p:spTgt spid="7"/>
-                                        </p:tgtEl>
-                                        <p:attrNameLst>
-                                          <p:attrName>style.visibility</p:attrName>
-                                        </p:attrNameLst>
-                                      </p:cBhvr>
-                                      <p:to>
-                                        <p:strVal val="visible"/>
-                                      </p:to>
-                                    </p:set>
-                                    <p:animEffect transition="in" filter="circle(in)">
-                                      <p:cBhvr>
-                                        <p:cTn id="11" dur="500"/>
-                                        <p:tgtEl>
-                                          <p:spTgt spid="7"/>
-                                        </p:tgtEl>
-                                      </p:cBhvr>
-                                    </p:animEffect>
                                   </p:childTnLst>
                                 </p:cTn>
                               </p:par>

--- a/评审PPT/项目计划/ZUCCLazyBone项目计划.pptx
+++ b/评审PPT/项目计划/ZUCCLazyBone项目计划.pptx
@@ -330,7 +330,7 @@
             <a:fld id="{717742FC-62BB-4B81-9CA5-3B750A4B4580}" type="datetimeFigureOut">
               <a:rPr lang="zh-CN" altLang="en-US" smtClean="0"/>
               <a:pPr/>
-              <a:t>2019/3/22</a:t>
+              <a:t>2019/3/23</a:t>
             </a:fld>
             <a:endParaRPr lang="zh-CN" altLang="en-US"/>
           </a:p>
@@ -505,7 +505,7 @@
               <a:pPr>
                 <a:defRPr/>
               </a:pPr>
-              <a:t>2019/3/22</a:t>
+              <a:t>2019/3/23</a:t>
             </a:fld>
             <a:endParaRPr lang="zh-CN" altLang="en-US"/>
           </a:p>
@@ -2516,7 +2516,7 @@
               <a:pPr>
                 <a:defRPr/>
               </a:pPr>
-              <a:t>2019/3/22</a:t>
+              <a:t>2019/3/23</a:t>
             </a:fld>
             <a:endParaRPr lang="zh-CN" altLang="en-US"/>
           </a:p>
@@ -2820,7 +2820,7 @@
               <a:pPr>
                 <a:defRPr/>
               </a:pPr>
-              <a:t>2019/3/22</a:t>
+              <a:t>2019/3/23</a:t>
             </a:fld>
             <a:endParaRPr lang="zh-CN" altLang="en-US"/>
           </a:p>
@@ -3090,7 +3090,7 @@
               <a:pPr>
                 <a:defRPr/>
               </a:pPr>
-              <a:t>2019/3/22</a:t>
+              <a:t>2019/3/23</a:t>
             </a:fld>
             <a:endParaRPr lang="zh-CN" altLang="en-US"/>
           </a:p>
@@ -3360,7 +3360,7 @@
               <a:pPr>
                 <a:defRPr/>
               </a:pPr>
-              <a:t>2019/3/22</a:t>
+              <a:t>2019/3/23</a:t>
             </a:fld>
             <a:endParaRPr lang="zh-CN" altLang="en-US"/>
           </a:p>
@@ -3630,7 +3630,7 @@
               <a:pPr>
                 <a:defRPr/>
               </a:pPr>
-              <a:t>2019/3/22</a:t>
+              <a:t>2019/3/23</a:t>
             </a:fld>
             <a:endParaRPr lang="zh-CN" altLang="en-US"/>
           </a:p>
@@ -3888,7 +3888,7 @@
             <a:fld id="{32BF82D2-7A68-459D-A996-9BDDA2518FA4}" type="datetimeFigureOut">
               <a:rPr lang="zh-CN" altLang="en-US" smtClean="0"/>
               <a:pPr/>
-              <a:t>2019/3/22</a:t>
+              <a:t>2019/3/23</a:t>
             </a:fld>
             <a:endParaRPr lang="zh-CN" altLang="en-US"/>
           </a:p>
@@ -3994,7 +3994,7 @@
               <a:pPr>
                 <a:defRPr/>
               </a:pPr>
-              <a:t>2019/3/22</a:t>
+              <a:t>2019/3/23</a:t>
             </a:fld>
             <a:endParaRPr lang="zh-CN" altLang="en-US"/>
           </a:p>
@@ -4218,7 +4218,7 @@
             <a:fld id="{43A93E93-166D-47F5-9EF1-ACEABE24AEEA}" type="datetimeFigureOut">
               <a:rPr lang="zh-CN" altLang="en-US" smtClean="0"/>
               <a:pPr/>
-              <a:t>2019/3/22</a:t>
+              <a:t>2019/3/23</a:t>
             </a:fld>
             <a:endParaRPr lang="zh-CN" altLang="en-US"/>
           </a:p>
@@ -15896,7 +15896,7 @@
           </p:cNvPicPr>
           <p:nvPr/>
         </p:nvPicPr>
-        <p:blipFill rotWithShape="1">
+        <p:blipFill>
           <a:blip r:embed="rId3">
             <a:extLst>
               <a:ext uri="{28A0092B-C50C-407E-A947-70E740481C1C}">
@@ -15904,13 +15904,14 @@
               </a:ext>
             </a:extLst>
           </a:blip>
-          <a:srcRect l="-271" t="29224" r="-1"/>
-          <a:stretch/>
+          <a:stretch>
+            <a:fillRect/>
+          </a:stretch>
         </p:blipFill>
         <p:spPr>
           <a:xfrm>
-            <a:off x="396330" y="1295077"/>
-            <a:ext cx="8161307" cy="2880320"/>
+            <a:off x="396330" y="1378403"/>
+            <a:ext cx="8161307" cy="2713668"/>
           </a:xfrm>
           <a:prstGeom prst="rect">
             <a:avLst/>
@@ -17622,22 +17623,28 @@
       </p:sp>
       <p:pic>
         <p:nvPicPr>
-          <p:cNvPr id="5" name="图片 4"/>
+          <p:cNvPr id="6" name="图片 5"/>
           <p:cNvPicPr>
             <a:picLocks noChangeAspect="1"/>
           </p:cNvPicPr>
           <p:nvPr/>
         </p:nvPicPr>
         <p:blipFill>
-          <a:blip r:embed="rId3"/>
+          <a:blip r:embed="rId3">
+            <a:extLst>
+              <a:ext uri="{28A0092B-C50C-407E-A947-70E740481C1C}">
+                <a14:useLocalDpi xmlns:a14="http://schemas.microsoft.com/office/drawing/2010/main" val="0"/>
+              </a:ext>
+            </a:extLst>
+          </a:blip>
           <a:stretch>
             <a:fillRect/>
           </a:stretch>
         </p:blipFill>
         <p:spPr>
           <a:xfrm>
-            <a:off x="1332434" y="948000"/>
-            <a:ext cx="6392192" cy="4064899"/>
+            <a:off x="1332434" y="970129"/>
+            <a:ext cx="6010052" cy="4029160"/>
           </a:xfrm>
           <a:prstGeom prst="rect">
             <a:avLst/>
@@ -22582,7 +22589,7 @@
         </p:nvSpPr>
         <p:spPr>
           <a:xfrm>
-            <a:off x="1198629" y="508464"/>
+            <a:off x="1178845" y="277631"/>
             <a:ext cx="7334605" cy="461665"/>
           </a:xfrm>
           <a:prstGeom prst="rect">
@@ -22628,13 +22635,7 @@
       </p:sp>
       <p:pic>
         <p:nvPicPr>
-          <p:cNvPr id="7" name="图片 6">
-            <a:extLst>
-              <a:ext uri="{FF2B5EF4-FFF2-40B4-BE49-F238E27FC236}">
-                <a16:creationId xmlns:a16="http://schemas.microsoft.com/office/drawing/2014/main" id="{A63A63FE-9BAD-4307-B7F3-AE416884B0B7}"/>
-              </a:ext>
-            </a:extLst>
-          </p:cNvPr>
+          <p:cNvPr id="8" name="图片 7"/>
           <p:cNvPicPr>
             <a:picLocks noChangeAspect="1"/>
           </p:cNvPicPr>
@@ -22654,8 +22655,8 @@
         </p:blipFill>
         <p:spPr>
           <a:xfrm>
-            <a:off x="949933" y="1397733"/>
-            <a:ext cx="7245722" cy="2349621"/>
+            <a:off x="1183035" y="739296"/>
+            <a:ext cx="7211431" cy="1971950"/>
           </a:xfrm>
           <a:prstGeom prst="rect">
             <a:avLst/>
@@ -22664,22 +22665,28 @@
       </p:pic>
       <p:pic>
         <p:nvPicPr>
-          <p:cNvPr id="5" name="图片 4"/>
+          <p:cNvPr id="6" name="图片 5"/>
           <p:cNvPicPr>
             <a:picLocks noChangeAspect="1"/>
           </p:cNvPicPr>
           <p:nvPr/>
         </p:nvPicPr>
         <p:blipFill>
-          <a:blip r:embed="rId4"/>
+          <a:blip r:embed="rId4">
+            <a:extLst>
+              <a:ext uri="{28A0092B-C50C-407E-A947-70E740481C1C}">
+                <a14:useLocalDpi xmlns:a14="http://schemas.microsoft.com/office/drawing/2010/main" val="0"/>
+              </a:ext>
+            </a:extLst>
+          </a:blip>
           <a:stretch>
             <a:fillRect/>
           </a:stretch>
         </p:blipFill>
         <p:spPr>
           <a:xfrm>
-            <a:off x="910431" y="1458119"/>
-            <a:ext cx="7324725" cy="2228850"/>
+            <a:off x="1178845" y="2711246"/>
+            <a:ext cx="7135221" cy="2314898"/>
           </a:xfrm>
           <a:prstGeom prst="rect">
             <a:avLst/>

--- a/评审PPT/项目计划/ZUCCLazyBone项目计划.pptx
+++ b/评审PPT/项目计划/ZUCCLazyBone项目计划.pptx
@@ -26543,7 +26543,7 @@
         <p:pic>
           <p:nvPicPr>
             <p:cNvPr id="18" name="图片 17">
-              <a:hlinkClick r:id="rId8" action="ppaction://hlinkfile"/>
+              <a:hlinkClick r:id="rId10" action="ppaction://hlinkfile"/>
               <a:extLst>
                 <a:ext uri="{FF2B5EF4-FFF2-40B4-BE49-F238E27FC236}">
                   <a16:creationId xmlns:a16="http://schemas.microsoft.com/office/drawing/2014/main" id="{CE6F64C1-B56B-4AE5-A428-325E5916206D}"/>
@@ -26664,7 +26664,7 @@
             <a:pPr algn="ctr"/>
             <a:r>
               <a:rPr lang="zh-CN" altLang="en-US" dirty="0" smtClean="0">
-                <a:hlinkClick r:id="rId10" action="ppaction://hlinkfile"/>
+                <a:hlinkClick r:id="rId11" action="ppaction://hlinkfile"/>
               </a:rPr>
               <a:t>录音</a:t>
             </a:r>
